--- a/Class Presentations/Day2 JS Class.pptx
+++ b/Class Presentations/Day2 JS Class.pptx
@@ -5,7 +5,7 @@
     <p:sldMasterId id="2147483648" r:id="rId1"/>
   </p:sldMasterIdLst>
   <p:notesMasterIdLst>
-    <p:notesMasterId r:id="rId56"/>
+    <p:notesMasterId r:id="rId58"/>
   </p:notesMasterIdLst>
   <p:sldIdLst>
     <p:sldId id="256" r:id="rId2"/>
@@ -32,36 +32,38 @@
     <p:sldId id="295" r:id="rId23"/>
     <p:sldId id="296" r:id="rId24"/>
     <p:sldId id="265" r:id="rId25"/>
-    <p:sldId id="297" r:id="rId26"/>
-    <p:sldId id="298" r:id="rId27"/>
-    <p:sldId id="299" r:id="rId28"/>
-    <p:sldId id="303" r:id="rId29"/>
-    <p:sldId id="327" r:id="rId30"/>
-    <p:sldId id="267" r:id="rId31"/>
-    <p:sldId id="304" r:id="rId32"/>
-    <p:sldId id="301" r:id="rId33"/>
-    <p:sldId id="305" r:id="rId34"/>
-    <p:sldId id="302" r:id="rId35"/>
-    <p:sldId id="306" r:id="rId36"/>
-    <p:sldId id="307" r:id="rId37"/>
-    <p:sldId id="308" r:id="rId38"/>
-    <p:sldId id="309" r:id="rId39"/>
-    <p:sldId id="310" r:id="rId40"/>
-    <p:sldId id="311" r:id="rId41"/>
-    <p:sldId id="323" r:id="rId42"/>
-    <p:sldId id="312" r:id="rId43"/>
-    <p:sldId id="313" r:id="rId44"/>
-    <p:sldId id="314" r:id="rId45"/>
-    <p:sldId id="316" r:id="rId46"/>
-    <p:sldId id="315" r:id="rId47"/>
-    <p:sldId id="317" r:id="rId48"/>
-    <p:sldId id="326" r:id="rId49"/>
-    <p:sldId id="318" r:id="rId50"/>
-    <p:sldId id="324" r:id="rId51"/>
-    <p:sldId id="319" r:id="rId52"/>
-    <p:sldId id="325" r:id="rId53"/>
-    <p:sldId id="320" r:id="rId54"/>
-    <p:sldId id="342" r:id="rId55"/>
+    <p:sldId id="343" r:id="rId26"/>
+    <p:sldId id="344" r:id="rId27"/>
+    <p:sldId id="297" r:id="rId28"/>
+    <p:sldId id="298" r:id="rId29"/>
+    <p:sldId id="299" r:id="rId30"/>
+    <p:sldId id="303" r:id="rId31"/>
+    <p:sldId id="327" r:id="rId32"/>
+    <p:sldId id="267" r:id="rId33"/>
+    <p:sldId id="304" r:id="rId34"/>
+    <p:sldId id="301" r:id="rId35"/>
+    <p:sldId id="305" r:id="rId36"/>
+    <p:sldId id="302" r:id="rId37"/>
+    <p:sldId id="306" r:id="rId38"/>
+    <p:sldId id="307" r:id="rId39"/>
+    <p:sldId id="308" r:id="rId40"/>
+    <p:sldId id="309" r:id="rId41"/>
+    <p:sldId id="310" r:id="rId42"/>
+    <p:sldId id="311" r:id="rId43"/>
+    <p:sldId id="323" r:id="rId44"/>
+    <p:sldId id="312" r:id="rId45"/>
+    <p:sldId id="313" r:id="rId46"/>
+    <p:sldId id="314" r:id="rId47"/>
+    <p:sldId id="316" r:id="rId48"/>
+    <p:sldId id="315" r:id="rId49"/>
+    <p:sldId id="317" r:id="rId50"/>
+    <p:sldId id="326" r:id="rId51"/>
+    <p:sldId id="318" r:id="rId52"/>
+    <p:sldId id="324" r:id="rId53"/>
+    <p:sldId id="319" r:id="rId54"/>
+    <p:sldId id="325" r:id="rId55"/>
+    <p:sldId id="320" r:id="rId56"/>
+    <p:sldId id="342" r:id="rId57"/>
   </p:sldIdLst>
   <p:sldSz cx="13004800" cy="9753600"/>
   <p:notesSz cx="6858000" cy="9144000"/>
@@ -392,6 +394,8 @@
             <p14:sldId id="295"/>
             <p14:sldId id="296"/>
             <p14:sldId id="265"/>
+            <p14:sldId id="343"/>
+            <p14:sldId id="344"/>
             <p14:sldId id="297"/>
             <p14:sldId id="298"/>
             <p14:sldId id="299"/>
@@ -1284,6 +1288,14 @@
           <a:bodyPr/>
           <a:lstStyle/>
           <a:p>
+            <a:r>
+              <a:rPr lang="en-US" dirty="0" smtClean="0"/>
+              <a:t>Newspapers</a:t>
+            </a:r>
+            <a:r>
+              <a:rPr lang="en-US" baseline="0" dirty="0" smtClean="0"/>
+              <a:t> are laid out with large headers to get the reader’s attention. And columns to direct the flow of information. Most readers naturally read from top to bottom, left to right. Many webpages are styled to follow the same pattern.</a:t>
+            </a:r>
             <a:endParaRPr lang="en-US" dirty="0"/>
           </a:p>
         </p:txBody>
@@ -1291,7 +1303,7 @@
     </p:spTree>
     <p:extLst>
       <p:ext uri="{BB962C8B-B14F-4D97-AF65-F5344CB8AC3E}">
-        <p14:creationId xmlns:p14="http://schemas.microsoft.com/office/powerpoint/2010/main" val="820073030"/>
+        <p14:creationId xmlns:p14="http://schemas.microsoft.com/office/powerpoint/2010/main" val="733151865"/>
       </p:ext>
     </p:extLst>
   </p:cSld>
@@ -1345,57 +1357,26 @@
           <a:bodyPr/>
           <a:lstStyle/>
           <a:p>
-            <a:pPr rtl="0"/>
-            <a:r>
-              <a:rPr lang="en-US" sz="2200" b="0" i="0" u="none" strike="noStrike" dirty="0" smtClean="0">
-                <a:effectLst/>
-                <a:latin typeface="Helvetica Neue"/>
-                <a:ea typeface="Helvetica Neue"/>
-                <a:cs typeface="Helvetica Neue"/>
-                <a:sym typeface="Helvetica Neue"/>
-              </a:rPr>
-              <a:t>Notice how title’s opening and closing elements are both inside of the head element? That’s called </a:t>
-            </a:r>
-            <a:r>
-              <a:rPr lang="en-US" sz="2200" b="1" i="0" u="none" strike="noStrike" dirty="0" smtClean="0">
-                <a:effectLst/>
-                <a:latin typeface="Helvetica Neue"/>
-                <a:ea typeface="Helvetica Neue"/>
-                <a:cs typeface="Helvetica Neue"/>
-                <a:sym typeface="Helvetica Neue"/>
-              </a:rPr>
-              <a:t>nesting</a:t>
-            </a:r>
-            <a:r>
-              <a:rPr lang="en-US" sz="2200" b="0" i="0" u="none" strike="noStrike" dirty="0" smtClean="0">
-                <a:effectLst/>
-                <a:latin typeface="Helvetica Neue"/>
-                <a:ea typeface="Helvetica Neue"/>
-                <a:cs typeface="Helvetica Neue"/>
-                <a:sym typeface="Helvetica Neue"/>
-              </a:rPr>
-              <a:t>. Some elements nest inside of others. First to open will be last to close, and v.v.</a:t>
-            </a:r>
-            <a:endParaRPr lang="en-US" b="0" dirty="0" smtClean="0">
-              <a:effectLst/>
-            </a:endParaRPr>
-          </a:p>
-          <a:p>
             <a:r>
               <a:rPr lang="en-US" dirty="0" smtClean="0"/>
-              <a:t/>
-            </a:r>
-            <a:br>
-              <a:rPr lang="en-US" dirty="0" smtClean="0"/>
-            </a:br>
-            <a:endParaRPr lang="en-US" dirty="0"/>
+              <a:t>Instagram</a:t>
+            </a:r>
+            <a:r>
+              <a:rPr lang="en-US" baseline="0" dirty="0" smtClean="0"/>
+              <a:t> uses headers and table layout to organize images </a:t>
+            </a:r>
+            <a:r>
+              <a:rPr lang="en-US" baseline="0" smtClean="0"/>
+              <a:t>for their users.</a:t>
+            </a:r>
+            <a:endParaRPr lang="en-US"/>
           </a:p>
         </p:txBody>
       </p:sp>
     </p:spTree>
     <p:extLst>
       <p:ext uri="{BB962C8B-B14F-4D97-AF65-F5344CB8AC3E}">
-        <p14:creationId xmlns:p14="http://schemas.microsoft.com/office/powerpoint/2010/main" val="1561588327"/>
+        <p14:creationId xmlns:p14="http://schemas.microsoft.com/office/powerpoint/2010/main" val="1705463902"/>
       </p:ext>
     </p:extLst>
   </p:cSld>
@@ -1449,14 +1430,6 @@
           <a:bodyPr/>
           <a:lstStyle/>
           <a:p>
-            <a:r>
-              <a:rPr lang="en-US" dirty="0" smtClean="0"/>
-              <a:t>Remind</a:t>
-            </a:r>
-            <a:r>
-              <a:rPr lang="en-US" baseline="0" dirty="0" smtClean="0"/>
-              <a:t> students to save again</a:t>
-            </a:r>
             <a:endParaRPr lang="en-US" dirty="0"/>
           </a:p>
         </p:txBody>
@@ -1464,7 +1437,7 @@
     </p:spTree>
     <p:extLst>
       <p:ext uri="{BB962C8B-B14F-4D97-AF65-F5344CB8AC3E}">
-        <p14:creationId xmlns:p14="http://schemas.microsoft.com/office/powerpoint/2010/main" val="2082901988"/>
+        <p14:creationId xmlns:p14="http://schemas.microsoft.com/office/powerpoint/2010/main" val="820073030"/>
       </p:ext>
     </p:extLst>
   </p:cSld>
@@ -1518,14 +1491,49 @@
           <a:bodyPr/>
           <a:lstStyle/>
           <a:p>
+            <a:pPr rtl="0"/>
+            <a:r>
+              <a:rPr lang="en-US" sz="2200" b="0" i="0" u="none" strike="noStrike" dirty="0" smtClean="0">
+                <a:effectLst/>
+                <a:latin typeface="Helvetica Neue"/>
+                <a:ea typeface="Helvetica Neue"/>
+                <a:cs typeface="Helvetica Neue"/>
+                <a:sym typeface="Helvetica Neue"/>
+              </a:rPr>
+              <a:t>Notice how title’s opening and closing elements are both inside of the head element? That’s called </a:t>
+            </a:r>
+            <a:r>
+              <a:rPr lang="en-US" sz="2200" b="1" i="0" u="none" strike="noStrike" dirty="0" smtClean="0">
+                <a:effectLst/>
+                <a:latin typeface="Helvetica Neue"/>
+                <a:ea typeface="Helvetica Neue"/>
+                <a:cs typeface="Helvetica Neue"/>
+                <a:sym typeface="Helvetica Neue"/>
+              </a:rPr>
+              <a:t>nesting</a:t>
+            </a:r>
+            <a:r>
+              <a:rPr lang="en-US" sz="2200" b="0" i="0" u="none" strike="noStrike" dirty="0" smtClean="0">
+                <a:effectLst/>
+                <a:latin typeface="Helvetica Neue"/>
+                <a:ea typeface="Helvetica Neue"/>
+                <a:cs typeface="Helvetica Neue"/>
+                <a:sym typeface="Helvetica Neue"/>
+              </a:rPr>
+              <a:t>. Some elements nest inside of others. First to open will be last to close, and v.v.</a:t>
+            </a:r>
+            <a:endParaRPr lang="en-US" b="0" dirty="0" smtClean="0">
+              <a:effectLst/>
+            </a:endParaRPr>
+          </a:p>
+          <a:p>
             <a:r>
               <a:rPr lang="en-US" dirty="0" smtClean="0"/>
-              <a:t>Remind students</a:t>
-            </a:r>
-            <a:r>
-              <a:rPr lang="en-US" baseline="0" dirty="0" smtClean="0"/>
-              <a:t> to save again</a:t>
-            </a:r>
+              <a:t/>
+            </a:r>
+            <a:br>
+              <a:rPr lang="en-US" dirty="0" smtClean="0"/>
+            </a:br>
             <a:endParaRPr lang="en-US" dirty="0"/>
           </a:p>
         </p:txBody>
@@ -1533,7 +1541,7 @@
     </p:spTree>
     <p:extLst>
       <p:ext uri="{BB962C8B-B14F-4D97-AF65-F5344CB8AC3E}">
-        <p14:creationId xmlns:p14="http://schemas.microsoft.com/office/powerpoint/2010/main" val="903067972"/>
+        <p14:creationId xmlns:p14="http://schemas.microsoft.com/office/powerpoint/2010/main" val="1561588327"/>
       </p:ext>
     </p:extLst>
   </p:cSld>
@@ -1658,7 +1666,11 @@
           <a:p>
             <a:r>
               <a:rPr lang="en-US" dirty="0" smtClean="0"/>
-              <a:t>Remind students to save again</a:t>
+              <a:t>Remind</a:t>
+            </a:r>
+            <a:r>
+              <a:rPr lang="en-US" baseline="0" dirty="0" smtClean="0"/>
+              <a:t> students to save again</a:t>
             </a:r>
             <a:endParaRPr lang="en-US" dirty="0"/>
           </a:p>
@@ -1667,7 +1679,7 @@
     </p:spTree>
     <p:extLst>
       <p:ext uri="{BB962C8B-B14F-4D97-AF65-F5344CB8AC3E}">
-        <p14:creationId xmlns:p14="http://schemas.microsoft.com/office/powerpoint/2010/main" val="1245142767"/>
+        <p14:creationId xmlns:p14="http://schemas.microsoft.com/office/powerpoint/2010/main" val="2082901988"/>
       </p:ext>
     </p:extLst>
   </p:cSld>
@@ -1723,7 +1735,11 @@
           <a:p>
             <a:r>
               <a:rPr lang="en-US" dirty="0" smtClean="0"/>
-              <a:t>Save!</a:t>
+              <a:t>Remind students</a:t>
+            </a:r>
+            <a:r>
+              <a:rPr lang="en-US" baseline="0" dirty="0" smtClean="0"/>
+              <a:t> to save again</a:t>
             </a:r>
             <a:endParaRPr lang="en-US" dirty="0"/>
           </a:p>
@@ -1732,7 +1748,7 @@
     </p:spTree>
     <p:extLst>
       <p:ext uri="{BB962C8B-B14F-4D97-AF65-F5344CB8AC3E}">
-        <p14:creationId xmlns:p14="http://schemas.microsoft.com/office/powerpoint/2010/main" val="2033828601"/>
+        <p14:creationId xmlns:p14="http://schemas.microsoft.com/office/powerpoint/2010/main" val="903067972"/>
       </p:ext>
     </p:extLst>
   </p:cSld>
@@ -1788,7 +1804,7 @@
           <a:p>
             <a:r>
               <a:rPr lang="en-US" dirty="0" smtClean="0"/>
-              <a:t>Save!</a:t>
+              <a:t>Remind students to save again</a:t>
             </a:r>
             <a:endParaRPr lang="en-US" dirty="0"/>
           </a:p>
@@ -1797,7 +1813,7 @@
     </p:spTree>
     <p:extLst>
       <p:ext uri="{BB962C8B-B14F-4D97-AF65-F5344CB8AC3E}">
-        <p14:creationId xmlns:p14="http://schemas.microsoft.com/office/powerpoint/2010/main" val="1012445587"/>
+        <p14:creationId xmlns:p14="http://schemas.microsoft.com/office/powerpoint/2010/main" val="1245142767"/>
       </p:ext>
     </p:extLst>
   </p:cSld>
@@ -1851,6 +1867,10 @@
           <a:bodyPr/>
           <a:lstStyle/>
           <a:p>
+            <a:r>
+              <a:rPr lang="en-US" dirty="0" smtClean="0"/>
+              <a:t>Save!</a:t>
+            </a:r>
             <a:endParaRPr lang="en-US" dirty="0"/>
           </a:p>
         </p:txBody>
@@ -1858,7 +1878,7 @@
     </p:spTree>
     <p:extLst>
       <p:ext uri="{BB962C8B-B14F-4D97-AF65-F5344CB8AC3E}">
-        <p14:creationId xmlns:p14="http://schemas.microsoft.com/office/powerpoint/2010/main" val="1638512129"/>
+        <p14:creationId xmlns:p14="http://schemas.microsoft.com/office/powerpoint/2010/main" val="2033828601"/>
       </p:ext>
     </p:extLst>
   </p:cSld>
@@ -1923,7 +1943,7 @@
     </p:spTree>
     <p:extLst>
       <p:ext uri="{BB962C8B-B14F-4D97-AF65-F5344CB8AC3E}">
-        <p14:creationId xmlns:p14="http://schemas.microsoft.com/office/powerpoint/2010/main" val="747493268"/>
+        <p14:creationId xmlns:p14="http://schemas.microsoft.com/office/powerpoint/2010/main" val="1012445587"/>
       </p:ext>
     </p:extLst>
   </p:cSld>
@@ -1977,10 +1997,6 @@
           <a:bodyPr/>
           <a:lstStyle/>
           <a:p>
-            <a:r>
-              <a:rPr lang="en-US" dirty="0" smtClean="0"/>
-              <a:t>Save!!</a:t>
-            </a:r>
             <a:endParaRPr lang="en-US" dirty="0"/>
           </a:p>
         </p:txBody>
@@ -1988,7 +2004,7 @@
     </p:spTree>
     <p:extLst>
       <p:ext uri="{BB962C8B-B14F-4D97-AF65-F5344CB8AC3E}">
-        <p14:creationId xmlns:p14="http://schemas.microsoft.com/office/powerpoint/2010/main" val="267634415"/>
+        <p14:creationId xmlns:p14="http://schemas.microsoft.com/office/powerpoint/2010/main" val="1638512129"/>
       </p:ext>
     </p:extLst>
   </p:cSld>
@@ -2042,6 +2058,10 @@
           <a:bodyPr/>
           <a:lstStyle/>
           <a:p>
+            <a:r>
+              <a:rPr lang="en-US" dirty="0" smtClean="0"/>
+              <a:t>Save!</a:t>
+            </a:r>
             <a:endParaRPr lang="en-US" dirty="0"/>
           </a:p>
         </p:txBody>
@@ -2049,7 +2069,7 @@
     </p:spTree>
     <p:extLst>
       <p:ext uri="{BB962C8B-B14F-4D97-AF65-F5344CB8AC3E}">
-        <p14:creationId xmlns:p14="http://schemas.microsoft.com/office/powerpoint/2010/main" val="1915795955"/>
+        <p14:creationId xmlns:p14="http://schemas.microsoft.com/office/powerpoint/2010/main" val="747493268"/>
       </p:ext>
     </p:extLst>
   </p:cSld>
@@ -2103,6 +2123,10 @@
           <a:bodyPr/>
           <a:lstStyle/>
           <a:p>
+            <a:r>
+              <a:rPr lang="en-US" dirty="0" smtClean="0"/>
+              <a:t>Save!!</a:t>
+            </a:r>
             <a:endParaRPr lang="en-US" dirty="0"/>
           </a:p>
         </p:txBody>
@@ -2110,7 +2134,7 @@
     </p:spTree>
     <p:extLst>
       <p:ext uri="{BB962C8B-B14F-4D97-AF65-F5344CB8AC3E}">
-        <p14:creationId xmlns:p14="http://schemas.microsoft.com/office/powerpoint/2010/main" val="1866167300"/>
+        <p14:creationId xmlns:p14="http://schemas.microsoft.com/office/powerpoint/2010/main" val="267634415"/>
       </p:ext>
     </p:extLst>
   </p:cSld>
@@ -2164,38 +2188,6 @@
           <a:bodyPr/>
           <a:lstStyle/>
           <a:p>
-            <a:r>
-              <a:rPr lang="en-US" dirty="0" smtClean="0"/>
-              <a:t>Discussion:</a:t>
-            </a:r>
-          </a:p>
-          <a:p>
-            <a:r>
-              <a:rPr lang="en-US" dirty="0" smtClean="0"/>
-              <a:t>If</a:t>
-            </a:r>
-            <a:r>
-              <a:rPr lang="en-US" baseline="0" dirty="0" smtClean="0"/>
-              <a:t> there are any errors on their pages:</a:t>
-            </a:r>
-          </a:p>
-          <a:p>
-            <a:r>
-              <a:rPr lang="en-US" baseline="0" dirty="0" smtClean="0"/>
-              <a:t>-What could we have done while developing to catch them sooner?</a:t>
-            </a:r>
-          </a:p>
-          <a:p>
-            <a:r>
-              <a:rPr lang="en-US" baseline="0" dirty="0" smtClean="0"/>
-              <a:t>*Importance of testing and refactoring during the development cycle.</a:t>
-            </a:r>
-          </a:p>
-          <a:p>
-            <a:r>
-              <a:rPr lang="en-US" baseline="0" dirty="0" smtClean="0"/>
-              <a:t>-Remember that time you waited until the last minute to write that paper??</a:t>
-            </a:r>
             <a:endParaRPr lang="en-US" dirty="0"/>
           </a:p>
         </p:txBody>
@@ -2203,7 +2195,7 @@
     </p:spTree>
     <p:extLst>
       <p:ext uri="{BB962C8B-B14F-4D97-AF65-F5344CB8AC3E}">
-        <p14:creationId xmlns:p14="http://schemas.microsoft.com/office/powerpoint/2010/main" val="808644059"/>
+        <p14:creationId xmlns:p14="http://schemas.microsoft.com/office/powerpoint/2010/main" val="1915795955"/>
       </p:ext>
     </p:extLst>
   </p:cSld>
@@ -2257,14 +2249,6 @@
           <a:bodyPr/>
           <a:lstStyle/>
           <a:p>
-            <a:r>
-              <a:rPr lang="en-US" dirty="0" smtClean="0"/>
-              <a:t>Any questions</a:t>
-            </a:r>
-            <a:r>
-              <a:rPr lang="en-US" baseline="0" dirty="0" smtClean="0"/>
-              <a:t>?</a:t>
-            </a:r>
             <a:endParaRPr lang="en-US" dirty="0"/>
           </a:p>
         </p:txBody>
@@ -2272,7 +2256,7 @@
     </p:spTree>
     <p:extLst>
       <p:ext uri="{BB962C8B-B14F-4D97-AF65-F5344CB8AC3E}">
-        <p14:creationId xmlns:p14="http://schemas.microsoft.com/office/powerpoint/2010/main" val="2111275126"/>
+        <p14:creationId xmlns:p14="http://schemas.microsoft.com/office/powerpoint/2010/main" val="1866167300"/>
       </p:ext>
     </p:extLst>
   </p:cSld>
@@ -2395,6 +2379,38 @@
           <a:bodyPr/>
           <a:lstStyle/>
           <a:p>
+            <a:r>
+              <a:rPr lang="en-US" dirty="0" smtClean="0"/>
+              <a:t>Discussion:</a:t>
+            </a:r>
+          </a:p>
+          <a:p>
+            <a:r>
+              <a:rPr lang="en-US" dirty="0" smtClean="0"/>
+              <a:t>If</a:t>
+            </a:r>
+            <a:r>
+              <a:rPr lang="en-US" baseline="0" dirty="0" smtClean="0"/>
+              <a:t> there are any errors on their pages:</a:t>
+            </a:r>
+          </a:p>
+          <a:p>
+            <a:r>
+              <a:rPr lang="en-US" baseline="0" dirty="0" smtClean="0"/>
+              <a:t>-What could we have done while developing to catch them sooner?</a:t>
+            </a:r>
+          </a:p>
+          <a:p>
+            <a:r>
+              <a:rPr lang="en-US" baseline="0" dirty="0" smtClean="0"/>
+              <a:t>*Importance of testing and refactoring during the development cycle.</a:t>
+            </a:r>
+          </a:p>
+          <a:p>
+            <a:r>
+              <a:rPr lang="en-US" baseline="0" dirty="0" smtClean="0"/>
+              <a:t>-Remember that time you waited until the last minute to write that paper??</a:t>
+            </a:r>
             <a:endParaRPr lang="en-US" dirty="0"/>
           </a:p>
         </p:txBody>
@@ -2402,7 +2418,7 @@
     </p:spTree>
     <p:extLst>
       <p:ext uri="{BB962C8B-B14F-4D97-AF65-F5344CB8AC3E}">
-        <p14:creationId xmlns:p14="http://schemas.microsoft.com/office/powerpoint/2010/main" val="464616747"/>
+        <p14:creationId xmlns:p14="http://schemas.microsoft.com/office/powerpoint/2010/main" val="808644059"/>
       </p:ext>
     </p:extLst>
   </p:cSld>
@@ -2456,6 +2472,14 @@
           <a:bodyPr/>
           <a:lstStyle/>
           <a:p>
+            <a:r>
+              <a:rPr lang="en-US" dirty="0" smtClean="0"/>
+              <a:t>Any questions</a:t>
+            </a:r>
+            <a:r>
+              <a:rPr lang="en-US" baseline="0" dirty="0" smtClean="0"/>
+              <a:t>?</a:t>
+            </a:r>
             <a:endParaRPr lang="en-US" dirty="0"/>
           </a:p>
         </p:txBody>
@@ -2463,7 +2487,7 @@
     </p:spTree>
     <p:extLst>
       <p:ext uri="{BB962C8B-B14F-4D97-AF65-F5344CB8AC3E}">
-        <p14:creationId xmlns:p14="http://schemas.microsoft.com/office/powerpoint/2010/main" val="1505106462"/>
+        <p14:creationId xmlns:p14="http://schemas.microsoft.com/office/powerpoint/2010/main" val="2111275126"/>
       </p:ext>
     </p:extLst>
   </p:cSld>
@@ -2517,6 +2541,128 @@
           <a:bodyPr/>
           <a:lstStyle/>
           <a:p>
+            <a:endParaRPr lang="en-US" dirty="0"/>
+          </a:p>
+        </p:txBody>
+      </p:sp>
+    </p:spTree>
+    <p:extLst>
+      <p:ext uri="{BB962C8B-B14F-4D97-AF65-F5344CB8AC3E}">
+        <p14:creationId xmlns:p14="http://schemas.microsoft.com/office/powerpoint/2010/main" val="464616747"/>
+      </p:ext>
+    </p:extLst>
+  </p:cSld>
+  <p:clrMapOvr>
+    <a:masterClrMapping/>
+  </p:clrMapOvr>
+</p:notes>
+</file>
+
+<file path=ppt/notesSlides/notesSlide33.xml><?xml version="1.0" encoding="utf-8"?>
+<p:notes xmlns:a="http://schemas.openxmlformats.org/drawingml/2006/main" xmlns:r="http://schemas.openxmlformats.org/officeDocument/2006/relationships" xmlns:p="http://schemas.openxmlformats.org/presentationml/2006/main">
+  <p:cSld>
+    <p:spTree>
+      <p:nvGrpSpPr>
+        <p:cNvPr id="1" name=""/>
+        <p:cNvGrpSpPr/>
+        <p:nvPr/>
+      </p:nvGrpSpPr>
+      <p:grpSpPr>
+        <a:xfrm>
+          <a:off x="0" y="0"/>
+          <a:ext cx="0" cy="0"/>
+          <a:chOff x="0" y="0"/>
+          <a:chExt cx="0" cy="0"/>
+        </a:xfrm>
+      </p:grpSpPr>
+      <p:sp>
+        <p:nvSpPr>
+          <p:cNvPr id="2" name="Slide Image Placeholder 1"/>
+          <p:cNvSpPr>
+            <a:spLocks noGrp="1" noRot="1" noChangeAspect="1"/>
+          </p:cNvSpPr>
+          <p:nvPr>
+            <p:ph type="sldImg"/>
+          </p:nvPr>
+        </p:nvSpPr>
+        <p:spPr/>
+      </p:sp>
+      <p:sp>
+        <p:nvSpPr>
+          <p:cNvPr id="3" name="Notes Placeholder 2"/>
+          <p:cNvSpPr>
+            <a:spLocks noGrp="1"/>
+          </p:cNvSpPr>
+          <p:nvPr>
+            <p:ph type="body" idx="1"/>
+          </p:nvPr>
+        </p:nvSpPr>
+        <p:spPr/>
+        <p:txBody>
+          <a:bodyPr/>
+          <a:lstStyle/>
+          <a:p>
+            <a:endParaRPr lang="en-US" dirty="0"/>
+          </a:p>
+        </p:txBody>
+      </p:sp>
+    </p:spTree>
+    <p:extLst>
+      <p:ext uri="{BB962C8B-B14F-4D97-AF65-F5344CB8AC3E}">
+        <p14:creationId xmlns:p14="http://schemas.microsoft.com/office/powerpoint/2010/main" val="1505106462"/>
+      </p:ext>
+    </p:extLst>
+  </p:cSld>
+  <p:clrMapOvr>
+    <a:masterClrMapping/>
+  </p:clrMapOvr>
+</p:notes>
+</file>
+
+<file path=ppt/notesSlides/notesSlide34.xml><?xml version="1.0" encoding="utf-8"?>
+<p:notes xmlns:a="http://schemas.openxmlformats.org/drawingml/2006/main" xmlns:r="http://schemas.openxmlformats.org/officeDocument/2006/relationships" xmlns:p="http://schemas.openxmlformats.org/presentationml/2006/main">
+  <p:cSld>
+    <p:spTree>
+      <p:nvGrpSpPr>
+        <p:cNvPr id="1" name=""/>
+        <p:cNvGrpSpPr/>
+        <p:nvPr/>
+      </p:nvGrpSpPr>
+      <p:grpSpPr>
+        <a:xfrm>
+          <a:off x="0" y="0"/>
+          <a:ext cx="0" cy="0"/>
+          <a:chOff x="0" y="0"/>
+          <a:chExt cx="0" cy="0"/>
+        </a:xfrm>
+      </p:grpSpPr>
+      <p:sp>
+        <p:nvSpPr>
+          <p:cNvPr id="2" name="Slide Image Placeholder 1"/>
+          <p:cNvSpPr>
+            <a:spLocks noGrp="1" noRot="1" noChangeAspect="1"/>
+          </p:cNvSpPr>
+          <p:nvPr>
+            <p:ph type="sldImg"/>
+          </p:nvPr>
+        </p:nvSpPr>
+        <p:spPr/>
+      </p:sp>
+      <p:sp>
+        <p:nvSpPr>
+          <p:cNvPr id="3" name="Notes Placeholder 2"/>
+          <p:cNvSpPr>
+            <a:spLocks noGrp="1"/>
+          </p:cNvSpPr>
+          <p:nvPr>
+            <p:ph type="body" idx="1"/>
+          </p:nvPr>
+        </p:nvSpPr>
+        <p:spPr/>
+        <p:txBody>
+          <a:bodyPr/>
+          <a:lstStyle/>
+          <a:p>
             <a:r>
               <a:rPr lang="en-US" dirty="0" smtClean="0"/>
               <a:t>Discuss the topics covered:</a:t>
@@ -2634,7 +2780,7 @@
 </p:notes>
 </file>
 
-<file path=ppt/notesSlides/notesSlide33.xml><?xml version="1.0" encoding="utf-8"?>
+<file path=ppt/notesSlides/notesSlide35.xml><?xml version="1.0" encoding="utf-8"?>
 <p:notes xmlns:a="http://schemas.openxmlformats.org/drawingml/2006/main" xmlns:r="http://schemas.openxmlformats.org/officeDocument/2006/relationships" xmlns:p="http://schemas.openxmlformats.org/presentationml/2006/main">
   <p:cSld>
     <p:spTree>
@@ -9449,93 +9595,40 @@
           <a:chExt cx="0" cy="0"/>
         </a:xfrm>
       </p:grpSpPr>
-      <p:sp>
-        <p:nvSpPr>
-          <p:cNvPr id="2" name="Title 1"/>
-          <p:cNvSpPr>
-            <a:spLocks noGrp="1"/>
-          </p:cNvSpPr>
+      <p:pic>
+        <p:nvPicPr>
+          <p:cNvPr id="5" name="Picture Placeholder 4"/>
+          <p:cNvPicPr>
+            <a:picLocks noGrp="1" noChangeAspect="1"/>
+          </p:cNvPicPr>
           <p:nvPr>
-            <p:ph type="title"/>
+            <p:ph type="pic" idx="13"/>
           </p:nvPr>
-        </p:nvSpPr>
-        <p:spPr/>
-        <p:txBody>
-          <a:bodyPr/>
-          <a:lstStyle/>
-          <a:p>
-            <a:r>
-              <a:rPr lang="en-US" dirty="0" smtClean="0"/>
-              <a:t>Elements</a:t>
-            </a:r>
-            <a:endParaRPr lang="en-US" dirty="0"/>
-          </a:p>
-        </p:txBody>
-      </p:sp>
-      <p:sp>
-        <p:nvSpPr>
-          <p:cNvPr id="3" name="Text Placeholder 2"/>
-          <p:cNvSpPr>
-            <a:spLocks noGrp="1"/>
-          </p:cNvSpPr>
-          <p:nvPr>
-            <p:ph type="body" idx="1"/>
-          </p:nvPr>
-        </p:nvSpPr>
-        <p:spPr/>
-        <p:txBody>
-          <a:bodyPr anchor="t">
-            <a:normAutofit lnSpcReduction="10000"/>
-          </a:bodyPr>
-          <a:lstStyle/>
-          <a:p>
-            <a:r>
-              <a:rPr lang="en-US" dirty="0"/>
-              <a:t>I</a:t>
-            </a:r>
-            <a:r>
-              <a:rPr lang="en-US" dirty="0" smtClean="0"/>
-              <a:t>ndividual </a:t>
-            </a:r>
-            <a:r>
-              <a:rPr lang="en-US" dirty="0"/>
-              <a:t>component of HTML document web page. </a:t>
-            </a:r>
-            <a:endParaRPr lang="en-US" dirty="0" smtClean="0"/>
-          </a:p>
-          <a:p>
-            <a:r>
-              <a:rPr lang="en-US" dirty="0" smtClean="0"/>
-              <a:t>We </a:t>
-            </a:r>
-            <a:r>
-              <a:rPr lang="en-US" dirty="0"/>
-              <a:t>see them in the document-object model when we look at webpages using developer tools.</a:t>
-            </a:r>
-          </a:p>
-          <a:p>
-            <a:r>
-              <a:rPr lang="en-US" dirty="0"/>
-              <a:t>Elements tell browser something about the information they contain</a:t>
-            </a:r>
-            <a:r>
-              <a:rPr lang="en-US" dirty="0" smtClean="0"/>
-              <a:t>.</a:t>
-            </a:r>
-          </a:p>
-          <a:p>
-            <a:r>
-              <a:rPr lang="en-US" dirty="0" smtClean="0"/>
-              <a:t>Includes Tags and information between them</a:t>
-            </a:r>
-            <a:endParaRPr lang="en-US" dirty="0"/>
-          </a:p>
-        </p:txBody>
-      </p:sp>
+        </p:nvPicPr>
+        <p:blipFill>
+          <a:blip r:embed="rId3">
+            <a:extLst>
+              <a:ext uri="{28A0092B-C50C-407E-A947-70E740481C1C}">
+                <a14:useLocalDpi xmlns:a14="http://schemas.microsoft.com/office/drawing/2010/main" val="0"/>
+              </a:ext>
+            </a:extLst>
+          </a:blip>
+          <a:srcRect l="6917" r="6917"/>
+          <a:stretch>
+            <a:fillRect/>
+          </a:stretch>
+        </p:blipFill>
+        <p:spPr>
+          <a:xfrm>
+            <a:off x="1382279" y="1047403"/>
+            <a:ext cx="10056553" cy="7542415"/>
+          </a:xfrm>
+        </p:spPr>
+      </p:pic>
     </p:spTree>
     <p:extLst>
       <p:ext uri="{BB962C8B-B14F-4D97-AF65-F5344CB8AC3E}">
-        <p14:creationId xmlns:p14="http://schemas.microsoft.com/office/powerpoint/2010/main" val="337259958"/>
+        <p14:creationId xmlns:p14="http://schemas.microsoft.com/office/powerpoint/2010/main" val="615165906"/>
       </p:ext>
     </p:extLst>
   </p:cSld>
@@ -9543,17 +9636,70 @@
     <a:masterClrMapping/>
   </p:clrMapOvr>
   <p:transition spd="med"/>
-  <p:timing>
-    <p:tnLst>
-      <p:par>
-        <p:cTn id="1" dur="indefinite" restart="never" nodeType="tmRoot"/>
-      </p:par>
-    </p:tnLst>
-  </p:timing>
 </p:sld>
 </file>
 
 <file path=ppt/slides/slide26.xml><?xml version="1.0" encoding="utf-8"?>
+<p:sld xmlns:a="http://schemas.openxmlformats.org/drawingml/2006/main" xmlns:r="http://schemas.openxmlformats.org/officeDocument/2006/relationships" xmlns:p="http://schemas.openxmlformats.org/presentationml/2006/main">
+  <p:cSld>
+    <p:spTree>
+      <p:nvGrpSpPr>
+        <p:cNvPr id="1" name=""/>
+        <p:cNvGrpSpPr/>
+        <p:nvPr/>
+      </p:nvGrpSpPr>
+      <p:grpSpPr>
+        <a:xfrm>
+          <a:off x="0" y="0"/>
+          <a:ext cx="0" cy="0"/>
+          <a:chOff x="0" y="0"/>
+          <a:chExt cx="0" cy="0"/>
+        </a:xfrm>
+      </p:grpSpPr>
+      <p:pic>
+        <p:nvPicPr>
+          <p:cNvPr id="3" name="Picture Placeholder 2"/>
+          <p:cNvPicPr>
+            <a:picLocks noGrp="1" noChangeAspect="1"/>
+          </p:cNvPicPr>
+          <p:nvPr>
+            <p:ph type="pic" idx="13"/>
+          </p:nvPr>
+        </p:nvPicPr>
+        <p:blipFill>
+          <a:blip r:embed="rId3">
+            <a:extLst>
+              <a:ext uri="{28A0092B-C50C-407E-A947-70E740481C1C}">
+                <a14:useLocalDpi xmlns:a14="http://schemas.microsoft.com/office/drawing/2010/main" val="0"/>
+              </a:ext>
+            </a:extLst>
+          </a:blip>
+          <a:stretch>
+            <a:fillRect/>
+          </a:stretch>
+        </p:blipFill>
+        <p:spPr>
+          <a:xfrm>
+            <a:off x="3613785" y="299257"/>
+            <a:ext cx="5837382" cy="8756073"/>
+          </a:xfrm>
+        </p:spPr>
+      </p:pic>
+    </p:spTree>
+    <p:extLst>
+      <p:ext uri="{BB962C8B-B14F-4D97-AF65-F5344CB8AC3E}">
+        <p14:creationId xmlns:p14="http://schemas.microsoft.com/office/powerpoint/2010/main" val="2053008643"/>
+      </p:ext>
+    </p:extLst>
+  </p:cSld>
+  <p:clrMapOvr>
+    <a:masterClrMapping/>
+  </p:clrMapOvr>
+  <p:transition spd="med"/>
+</p:sld>
+</file>
+
+<file path=ppt/slides/slide27.xml><?xml version="1.0" encoding="utf-8"?>
 <p:sld xmlns:a="http://schemas.openxmlformats.org/drawingml/2006/main" xmlns:r="http://schemas.openxmlformats.org/officeDocument/2006/relationships" xmlns:p="http://schemas.openxmlformats.org/presentationml/2006/main">
   <p:cSld>
     <p:spTree>
@@ -9587,6 +9733,127 @@
           <a:p>
             <a:r>
               <a:rPr lang="en-US" dirty="0" smtClean="0"/>
+              <a:t>Elements</a:t>
+            </a:r>
+            <a:endParaRPr lang="en-US" dirty="0"/>
+          </a:p>
+        </p:txBody>
+      </p:sp>
+      <p:sp>
+        <p:nvSpPr>
+          <p:cNvPr id="3" name="Text Placeholder 2"/>
+          <p:cNvSpPr>
+            <a:spLocks noGrp="1"/>
+          </p:cNvSpPr>
+          <p:nvPr>
+            <p:ph type="body" idx="1"/>
+          </p:nvPr>
+        </p:nvSpPr>
+        <p:spPr/>
+        <p:txBody>
+          <a:bodyPr anchor="t">
+            <a:normAutofit lnSpcReduction="10000"/>
+          </a:bodyPr>
+          <a:lstStyle/>
+          <a:p>
+            <a:r>
+              <a:rPr lang="en-US" dirty="0"/>
+              <a:t>I</a:t>
+            </a:r>
+            <a:r>
+              <a:rPr lang="en-US" dirty="0" smtClean="0"/>
+              <a:t>ndividual </a:t>
+            </a:r>
+            <a:r>
+              <a:rPr lang="en-US" dirty="0"/>
+              <a:t>component of HTML document web page. </a:t>
+            </a:r>
+            <a:endParaRPr lang="en-US" dirty="0" smtClean="0"/>
+          </a:p>
+          <a:p>
+            <a:r>
+              <a:rPr lang="en-US" dirty="0" smtClean="0"/>
+              <a:t>We </a:t>
+            </a:r>
+            <a:r>
+              <a:rPr lang="en-US" dirty="0"/>
+              <a:t>see them in the document-object model when we look at webpages using developer tools.</a:t>
+            </a:r>
+          </a:p>
+          <a:p>
+            <a:r>
+              <a:rPr lang="en-US" dirty="0"/>
+              <a:t>Elements tell browser something about the information they contain</a:t>
+            </a:r>
+            <a:r>
+              <a:rPr lang="en-US" dirty="0" smtClean="0"/>
+              <a:t>.</a:t>
+            </a:r>
+          </a:p>
+          <a:p>
+            <a:r>
+              <a:rPr lang="en-US" dirty="0" smtClean="0"/>
+              <a:t>Includes Tags and information between them</a:t>
+            </a:r>
+            <a:endParaRPr lang="en-US" dirty="0"/>
+          </a:p>
+        </p:txBody>
+      </p:sp>
+    </p:spTree>
+    <p:extLst>
+      <p:ext uri="{BB962C8B-B14F-4D97-AF65-F5344CB8AC3E}">
+        <p14:creationId xmlns:p14="http://schemas.microsoft.com/office/powerpoint/2010/main" val="337259958"/>
+      </p:ext>
+    </p:extLst>
+  </p:cSld>
+  <p:clrMapOvr>
+    <a:masterClrMapping/>
+  </p:clrMapOvr>
+  <p:transition spd="med"/>
+  <p:timing>
+    <p:tnLst>
+      <p:par>
+        <p:cTn id="1" dur="indefinite" restart="never" nodeType="tmRoot"/>
+      </p:par>
+    </p:tnLst>
+  </p:timing>
+</p:sld>
+</file>
+
+<file path=ppt/slides/slide28.xml><?xml version="1.0" encoding="utf-8"?>
+<p:sld xmlns:a="http://schemas.openxmlformats.org/drawingml/2006/main" xmlns:r="http://schemas.openxmlformats.org/officeDocument/2006/relationships" xmlns:p="http://schemas.openxmlformats.org/presentationml/2006/main">
+  <p:cSld>
+    <p:spTree>
+      <p:nvGrpSpPr>
+        <p:cNvPr id="1" name=""/>
+        <p:cNvGrpSpPr/>
+        <p:nvPr/>
+      </p:nvGrpSpPr>
+      <p:grpSpPr>
+        <a:xfrm>
+          <a:off x="0" y="0"/>
+          <a:ext cx="0" cy="0"/>
+          <a:chOff x="0" y="0"/>
+          <a:chExt cx="0" cy="0"/>
+        </a:xfrm>
+      </p:grpSpPr>
+      <p:sp>
+        <p:nvSpPr>
+          <p:cNvPr id="2" name="Title 1"/>
+          <p:cNvSpPr>
+            <a:spLocks noGrp="1"/>
+          </p:cNvSpPr>
+          <p:nvPr>
+            <p:ph type="title"/>
+          </p:nvPr>
+        </p:nvSpPr>
+        <p:spPr/>
+        <p:txBody>
+          <a:bodyPr/>
+          <a:lstStyle/>
+          <a:p>
+            <a:r>
+              <a:rPr lang="en-US" dirty="0" smtClean="0"/>
               <a:t>Tags</a:t>
             </a:r>
             <a:endParaRPr lang="en-US" dirty="0"/>
@@ -9662,7 +9929,7 @@
 </p:sld>
 </file>
 
-<file path=ppt/slides/slide27.xml><?xml version="1.0" encoding="utf-8"?>
+<file path=ppt/slides/slide29.xml><?xml version="1.0" encoding="utf-8"?>
 <p:sld xmlns:a="http://schemas.openxmlformats.org/drawingml/2006/main" xmlns:r="http://schemas.openxmlformats.org/officeDocument/2006/relationships" xmlns:p="http://schemas.openxmlformats.org/presentationml/2006/main">
   <p:cSld>
     <p:spTree>
@@ -9980,7 +10247,121 @@
 </p:sld>
 </file>
 
-<file path=ppt/slides/slide28.xml><?xml version="1.0" encoding="utf-8"?>
+<file path=ppt/slides/slide3.xml><?xml version="1.0" encoding="utf-8"?>
+<p:sld xmlns:a="http://schemas.openxmlformats.org/drawingml/2006/main" xmlns:r="http://schemas.openxmlformats.org/officeDocument/2006/relationships" xmlns:p="http://schemas.openxmlformats.org/presentationml/2006/main">
+  <p:cSld>
+    <p:spTree>
+      <p:nvGrpSpPr>
+        <p:cNvPr id="1" name=""/>
+        <p:cNvGrpSpPr/>
+        <p:nvPr/>
+      </p:nvGrpSpPr>
+      <p:grpSpPr>
+        <a:xfrm>
+          <a:off x="0" y="0"/>
+          <a:ext cx="0" cy="0"/>
+          <a:chOff x="0" y="0"/>
+          <a:chExt cx="0" cy="0"/>
+        </a:xfrm>
+      </p:grpSpPr>
+      <p:sp>
+        <p:nvSpPr>
+          <p:cNvPr id="2" name="Title 1"/>
+          <p:cNvSpPr>
+            <a:spLocks noGrp="1"/>
+          </p:cNvSpPr>
+          <p:nvPr>
+            <p:ph type="title"/>
+          </p:nvPr>
+        </p:nvSpPr>
+        <p:spPr/>
+        <p:txBody>
+          <a:bodyPr/>
+          <a:lstStyle/>
+          <a:p>
+            <a:r>
+              <a:rPr lang="en-US" dirty="0" smtClean="0"/>
+              <a:t>Standup</a:t>
+            </a:r>
+            <a:endParaRPr lang="en-US" dirty="0"/>
+          </a:p>
+        </p:txBody>
+      </p:sp>
+      <p:sp>
+        <p:nvSpPr>
+          <p:cNvPr id="3" name="Text Placeholder 2"/>
+          <p:cNvSpPr>
+            <a:spLocks noGrp="1"/>
+          </p:cNvSpPr>
+          <p:nvPr>
+            <p:ph type="body" idx="1"/>
+          </p:nvPr>
+        </p:nvSpPr>
+        <p:spPr>
+          <a:xfrm>
+            <a:off x="952500" y="2590800"/>
+            <a:ext cx="11099800" cy="4343400"/>
+          </a:xfrm>
+        </p:spPr>
+        <p:txBody>
+          <a:bodyPr anchor="t"/>
+          <a:lstStyle/>
+          <a:p>
+            <a:r>
+              <a:rPr lang="en-US" dirty="0" smtClean="0"/>
+              <a:t>Add to our Developer Toolbox</a:t>
+            </a:r>
+          </a:p>
+          <a:p>
+            <a:r>
+              <a:rPr lang="en-US" dirty="0" smtClean="0"/>
+              <a:t>What </a:t>
+            </a:r>
+            <a:r>
+              <a:rPr lang="en-US" i="1" dirty="0" smtClean="0"/>
+              <a:t>is</a:t>
+            </a:r>
+            <a:r>
+              <a:rPr lang="en-US" dirty="0" smtClean="0"/>
+              <a:t> HTML</a:t>
+            </a:r>
+          </a:p>
+          <a:p>
+            <a:r>
+              <a:rPr lang="en-US" dirty="0" smtClean="0"/>
+              <a:t>Hello World!!</a:t>
+            </a:r>
+          </a:p>
+          <a:p>
+            <a:r>
+              <a:rPr lang="en-US" dirty="0" smtClean="0"/>
+              <a:t>Tag You’re It</a:t>
+            </a:r>
+          </a:p>
+        </p:txBody>
+      </p:sp>
+    </p:spTree>
+    <p:extLst>
+      <p:ext uri="{BB962C8B-B14F-4D97-AF65-F5344CB8AC3E}">
+        <p14:creationId xmlns:p14="http://schemas.microsoft.com/office/powerpoint/2010/main" val="2008578489"/>
+      </p:ext>
+    </p:extLst>
+  </p:cSld>
+  <p:clrMapOvr>
+    <a:masterClrMapping/>
+  </p:clrMapOvr>
+  <p:transition spd="med"/>
+  <p:timing>
+    <p:tnLst>
+      <p:par>
+        <p:cTn id="1" dur="indefinite" restart="never" nodeType="tmRoot"/>
+      </p:par>
+    </p:tnLst>
+  </p:timing>
+</p:sld>
+</file>
+
+<file path=ppt/slides/slide30.xml><?xml version="1.0" encoding="utf-8"?>
 <p:sld xmlns:a="http://schemas.openxmlformats.org/drawingml/2006/main" xmlns:r="http://schemas.openxmlformats.org/officeDocument/2006/relationships" xmlns:p="http://schemas.openxmlformats.org/presentationml/2006/main">
   <p:cSld>
     <p:spTree>
@@ -10326,7 +10707,7 @@
 </p:sld>
 </file>
 
-<file path=ppt/slides/slide29.xml><?xml version="1.0" encoding="utf-8"?>
+<file path=ppt/slides/slide31.xml><?xml version="1.0" encoding="utf-8"?>
 <p:sld xmlns:a="http://schemas.openxmlformats.org/drawingml/2006/main" xmlns:r="http://schemas.openxmlformats.org/officeDocument/2006/relationships" xmlns:p="http://schemas.openxmlformats.org/presentationml/2006/main">
   <p:cSld>
     <p:spTree>
@@ -10451,121 +10832,7 @@
 </p:sld>
 </file>
 
-<file path=ppt/slides/slide3.xml><?xml version="1.0" encoding="utf-8"?>
-<p:sld xmlns:a="http://schemas.openxmlformats.org/drawingml/2006/main" xmlns:r="http://schemas.openxmlformats.org/officeDocument/2006/relationships" xmlns:p="http://schemas.openxmlformats.org/presentationml/2006/main">
-  <p:cSld>
-    <p:spTree>
-      <p:nvGrpSpPr>
-        <p:cNvPr id="1" name=""/>
-        <p:cNvGrpSpPr/>
-        <p:nvPr/>
-      </p:nvGrpSpPr>
-      <p:grpSpPr>
-        <a:xfrm>
-          <a:off x="0" y="0"/>
-          <a:ext cx="0" cy="0"/>
-          <a:chOff x="0" y="0"/>
-          <a:chExt cx="0" cy="0"/>
-        </a:xfrm>
-      </p:grpSpPr>
-      <p:sp>
-        <p:nvSpPr>
-          <p:cNvPr id="2" name="Title 1"/>
-          <p:cNvSpPr>
-            <a:spLocks noGrp="1"/>
-          </p:cNvSpPr>
-          <p:nvPr>
-            <p:ph type="title"/>
-          </p:nvPr>
-        </p:nvSpPr>
-        <p:spPr/>
-        <p:txBody>
-          <a:bodyPr/>
-          <a:lstStyle/>
-          <a:p>
-            <a:r>
-              <a:rPr lang="en-US" dirty="0" smtClean="0"/>
-              <a:t>Standup</a:t>
-            </a:r>
-            <a:endParaRPr lang="en-US" dirty="0"/>
-          </a:p>
-        </p:txBody>
-      </p:sp>
-      <p:sp>
-        <p:nvSpPr>
-          <p:cNvPr id="3" name="Text Placeholder 2"/>
-          <p:cNvSpPr>
-            <a:spLocks noGrp="1"/>
-          </p:cNvSpPr>
-          <p:nvPr>
-            <p:ph type="body" idx="1"/>
-          </p:nvPr>
-        </p:nvSpPr>
-        <p:spPr>
-          <a:xfrm>
-            <a:off x="952500" y="2590800"/>
-            <a:ext cx="11099800" cy="4343400"/>
-          </a:xfrm>
-        </p:spPr>
-        <p:txBody>
-          <a:bodyPr anchor="t"/>
-          <a:lstStyle/>
-          <a:p>
-            <a:r>
-              <a:rPr lang="en-US" dirty="0" smtClean="0"/>
-              <a:t>Add to our Developer Toolbox</a:t>
-            </a:r>
-          </a:p>
-          <a:p>
-            <a:r>
-              <a:rPr lang="en-US" dirty="0" smtClean="0"/>
-              <a:t>What </a:t>
-            </a:r>
-            <a:r>
-              <a:rPr lang="en-US" i="1" dirty="0" smtClean="0"/>
-              <a:t>is</a:t>
-            </a:r>
-            <a:r>
-              <a:rPr lang="en-US" dirty="0" smtClean="0"/>
-              <a:t> HTML</a:t>
-            </a:r>
-          </a:p>
-          <a:p>
-            <a:r>
-              <a:rPr lang="en-US" dirty="0" smtClean="0"/>
-              <a:t>Hello World!!</a:t>
-            </a:r>
-          </a:p>
-          <a:p>
-            <a:r>
-              <a:rPr lang="en-US" dirty="0" smtClean="0"/>
-              <a:t>Tag You’re It</a:t>
-            </a:r>
-          </a:p>
-        </p:txBody>
-      </p:sp>
-    </p:spTree>
-    <p:extLst>
-      <p:ext uri="{BB962C8B-B14F-4D97-AF65-F5344CB8AC3E}">
-        <p14:creationId xmlns:p14="http://schemas.microsoft.com/office/powerpoint/2010/main" val="2008578489"/>
-      </p:ext>
-    </p:extLst>
-  </p:cSld>
-  <p:clrMapOvr>
-    <a:masterClrMapping/>
-  </p:clrMapOvr>
-  <p:transition spd="med"/>
-  <p:timing>
-    <p:tnLst>
-      <p:par>
-        <p:cTn id="1" dur="indefinite" restart="never" nodeType="tmRoot"/>
-      </p:par>
-    </p:tnLst>
-  </p:timing>
-</p:sld>
-</file>
-
-<file path=ppt/slides/slide30.xml><?xml version="1.0" encoding="utf-8"?>
+<file path=ppt/slides/slide32.xml><?xml version="1.0" encoding="utf-8"?>
 <p:sld xmlns:a="http://schemas.openxmlformats.org/drawingml/2006/main" xmlns:r="http://schemas.openxmlformats.org/officeDocument/2006/relationships" xmlns:p="http://schemas.openxmlformats.org/presentationml/2006/main">
   <p:cSld>
     <p:spTree>
@@ -10917,594 +11184,6 @@
     <a:masterClrMapping/>
   </p:clrMapOvr>
   <p:transition spd="slow"/>
-  <p:timing>
-    <p:tnLst>
-      <p:par>
-        <p:cTn id="1" dur="indefinite" restart="never" nodeType="tmRoot"/>
-      </p:par>
-    </p:tnLst>
-  </p:timing>
-</p:sld>
-</file>
-
-<file path=ppt/slides/slide31.xml><?xml version="1.0" encoding="utf-8"?>
-<p:sld xmlns:a="http://schemas.openxmlformats.org/drawingml/2006/main" xmlns:r="http://schemas.openxmlformats.org/officeDocument/2006/relationships" xmlns:p="http://schemas.openxmlformats.org/presentationml/2006/main">
-  <p:cSld>
-    <p:spTree>
-      <p:nvGrpSpPr>
-        <p:cNvPr id="1" name=""/>
-        <p:cNvGrpSpPr/>
-        <p:nvPr/>
-      </p:nvGrpSpPr>
-      <p:grpSpPr>
-        <a:xfrm>
-          <a:off x="0" y="0"/>
-          <a:ext cx="0" cy="0"/>
-          <a:chOff x="0" y="0"/>
-          <a:chExt cx="0" cy="0"/>
-        </a:xfrm>
-      </p:grpSpPr>
-      <p:sp>
-        <p:nvSpPr>
-          <p:cNvPr id="3" name="TextBox 2"/>
-          <p:cNvSpPr txBox="1"/>
-          <p:nvPr/>
-        </p:nvSpPr>
-        <p:spPr>
-          <a:xfrm>
-            <a:off x="201478" y="1193369"/>
-            <a:ext cx="12677613" cy="8012625"/>
-          </a:xfrm>
-          <a:prstGeom prst="rect">
-            <a:avLst/>
-          </a:prstGeom>
-          <a:noFill/>
-          <a:ln w="12700" cap="flat">
-            <a:noFill/>
-            <a:miter lim="400000"/>
-          </a:ln>
-          <a:effectLst/>
-          <a:sp3d/>
-        </p:spPr>
-        <p:style>
-          <a:lnRef idx="0">
-            <a:scrgbClr r="0" g="0" b="0"/>
-          </a:lnRef>
-          <a:fillRef idx="0">
-            <a:scrgbClr r="0" g="0" b="0"/>
-          </a:fillRef>
-          <a:effectRef idx="0">
-            <a:scrgbClr r="0" g="0" b="0"/>
-          </a:effectRef>
-          <a:fontRef idx="none"/>
-        </p:style>
-        <p:txBody>
-          <a:bodyPr rot="0" spcFirstLastPara="1" vertOverflow="overflow" horzOverflow="overflow" vert="horz" wrap="square" lIns="50800" tIns="50800" rIns="50800" bIns="50800" numCol="1" spcCol="38100" rtlCol="0" anchor="ctr">
-            <a:noAutofit/>
-          </a:bodyPr>
-          <a:lstStyle/>
-          <a:p>
-            <a:pPr algn="l"/>
-            <a:r>
-              <a:rPr lang="en-US" sz="4000" dirty="0"/>
-              <a:t>&lt;!DOCTYPE html</a:t>
-            </a:r>
-            <a:r>
-              <a:rPr lang="en-US" sz="4000" dirty="0" smtClean="0"/>
-              <a:t>&gt;</a:t>
-            </a:r>
-          </a:p>
-          <a:p>
-            <a:pPr algn="l"/>
-            <a:r>
-              <a:rPr lang="en-US" sz="4000" dirty="0" smtClean="0"/>
-              <a:t>&lt;</a:t>
-            </a:r>
-            <a:r>
-              <a:rPr lang="en-US" sz="4000" dirty="0">
-                <a:solidFill>
-                  <a:srgbClr val="FF0000"/>
-                </a:solidFill>
-              </a:rPr>
-              <a:t>html</a:t>
-            </a:r>
-            <a:r>
-              <a:rPr lang="en-US" sz="4000" dirty="0"/>
-              <a:t>&gt;	</a:t>
-            </a:r>
-            <a:endParaRPr lang="en-US" sz="4000" dirty="0" smtClean="0"/>
-          </a:p>
-          <a:p>
-            <a:pPr algn="l"/>
-            <a:r>
-              <a:rPr lang="en-US" sz="4000" dirty="0" smtClean="0">
-                <a:solidFill>
-                  <a:schemeClr val="tx1"/>
-                </a:solidFill>
-              </a:rPr>
-              <a:t>	&lt;</a:t>
-            </a:r>
-            <a:r>
-              <a:rPr lang="en-US" sz="4000" dirty="0" smtClean="0">
-                <a:solidFill>
-                  <a:srgbClr val="FF0000"/>
-                </a:solidFill>
-              </a:rPr>
-              <a:t>head</a:t>
-            </a:r>
-            <a:r>
-              <a:rPr lang="en-US" sz="4000" dirty="0" smtClean="0">
-                <a:solidFill>
-                  <a:schemeClr val="tx1"/>
-                </a:solidFill>
-              </a:rPr>
-              <a:t>&gt;		</a:t>
-            </a:r>
-          </a:p>
-          <a:p>
-            <a:pPr algn="l"/>
-            <a:r>
-              <a:rPr lang="en-US" sz="4000" dirty="0" smtClean="0">
-                <a:solidFill>
-                  <a:schemeClr val="tx1"/>
-                </a:solidFill>
-              </a:rPr>
-              <a:t>		&lt;</a:t>
-            </a:r>
-            <a:r>
-              <a:rPr lang="en-US" sz="4000" dirty="0" smtClean="0">
-                <a:solidFill>
-                  <a:srgbClr val="FF0000"/>
-                </a:solidFill>
-              </a:rPr>
-              <a:t>title</a:t>
-            </a:r>
-            <a:r>
-              <a:rPr lang="en-US" sz="4000" dirty="0" smtClean="0">
-                <a:solidFill>
-                  <a:schemeClr val="tx1"/>
-                </a:solidFill>
-              </a:rPr>
-              <a:t>&gt;First Web Page&lt;/</a:t>
-            </a:r>
-            <a:r>
-              <a:rPr lang="en-US" sz="4000" dirty="0" smtClean="0">
-                <a:solidFill>
-                  <a:srgbClr val="FF0000"/>
-                </a:solidFill>
-              </a:rPr>
-              <a:t>title</a:t>
-            </a:r>
-            <a:r>
-              <a:rPr lang="en-US" sz="4000" dirty="0" smtClean="0">
-                <a:solidFill>
-                  <a:schemeClr val="tx1"/>
-                </a:solidFill>
-              </a:rPr>
-              <a:t>&gt;	</a:t>
-            </a:r>
-          </a:p>
-          <a:p>
-            <a:pPr algn="l"/>
-            <a:r>
-              <a:rPr lang="en-US" sz="4000" dirty="0" smtClean="0">
-                <a:solidFill>
-                  <a:schemeClr val="tx1"/>
-                </a:solidFill>
-              </a:rPr>
-              <a:t>	&lt;/</a:t>
-            </a:r>
-            <a:r>
-              <a:rPr lang="en-US" sz="4000" dirty="0" smtClean="0">
-                <a:solidFill>
-                  <a:srgbClr val="FF0000"/>
-                </a:solidFill>
-              </a:rPr>
-              <a:t>head</a:t>
-            </a:r>
-            <a:r>
-              <a:rPr lang="en-US" sz="4000" dirty="0" smtClean="0">
-                <a:solidFill>
-                  <a:schemeClr val="tx1"/>
-                </a:solidFill>
-              </a:rPr>
-              <a:t>&gt;	</a:t>
-            </a:r>
-          </a:p>
-          <a:p>
-            <a:pPr algn="l"/>
-            <a:r>
-              <a:rPr lang="en-US" sz="4000" dirty="0" smtClean="0">
-                <a:solidFill>
-                  <a:schemeClr val="bg1"/>
-                </a:solidFill>
-              </a:rPr>
-              <a:t>	&lt;body&gt;		</a:t>
-            </a:r>
-          </a:p>
-          <a:p>
-            <a:pPr algn="l"/>
-            <a:r>
-              <a:rPr lang="en-US" sz="4000" dirty="0" smtClean="0">
-                <a:solidFill>
-                  <a:schemeClr val="bg1"/>
-                </a:solidFill>
-              </a:rPr>
-              <a:t>		&lt;h1&gt;Hello World!!&lt;/h1&gt;		</a:t>
-            </a:r>
-          </a:p>
-          <a:p>
-            <a:pPr algn="l"/>
-            <a:r>
-              <a:rPr lang="en-US" sz="4000" dirty="0" smtClean="0">
-                <a:solidFill>
-                  <a:schemeClr val="bg1"/>
-                </a:solidFill>
-              </a:rPr>
-              <a:t>		&lt;h2&gt;by: (your name here)&lt;/h2&gt;		</a:t>
-            </a:r>
-          </a:p>
-          <a:p>
-            <a:pPr algn="l"/>
-            <a:r>
-              <a:rPr lang="en-US" sz="4000" dirty="0" smtClean="0">
-                <a:solidFill>
-                  <a:schemeClr val="bg1"/>
-                </a:solidFill>
-              </a:rPr>
-              <a:t>		&lt;p&gt;You just wrote a webpage using HTML! </a:t>
-            </a:r>
-          </a:p>
-          <a:p>
-            <a:pPr algn="l"/>
-            <a:r>
-              <a:rPr lang="en-US" sz="4000" dirty="0" smtClean="0">
-                <a:solidFill>
-                  <a:schemeClr val="bg1"/>
-                </a:solidFill>
-              </a:rPr>
-              <a:t>		Next we are going to look at these elements&lt;/p&gt;	</a:t>
-            </a:r>
-          </a:p>
-          <a:p>
-            <a:pPr algn="l"/>
-            <a:r>
-              <a:rPr lang="en-US" sz="4000" dirty="0" smtClean="0">
-                <a:solidFill>
-                  <a:schemeClr val="bg1"/>
-                </a:solidFill>
-              </a:rPr>
-              <a:t>	&lt;/body&gt;</a:t>
-            </a:r>
-          </a:p>
-          <a:p>
-            <a:pPr algn="l"/>
-            <a:r>
-              <a:rPr lang="en-US" sz="4000" dirty="0" smtClean="0"/>
-              <a:t>&lt;/</a:t>
-            </a:r>
-            <a:r>
-              <a:rPr lang="en-US" sz="4000" dirty="0">
-                <a:solidFill>
-                  <a:srgbClr val="FF0000"/>
-                </a:solidFill>
-              </a:rPr>
-              <a:t>html</a:t>
-            </a:r>
-            <a:r>
-              <a:rPr lang="en-US" sz="4000" dirty="0"/>
-              <a:t>&gt;</a:t>
-            </a:r>
-            <a:endParaRPr kumimoji="0" lang="en-US" sz="4000" b="0" i="0" u="none" strike="noStrike" cap="none" spc="0" normalizeH="0" baseline="0" dirty="0">
-              <a:ln>
-                <a:noFill/>
-              </a:ln>
-              <a:solidFill>
-                <a:srgbClr val="FFFFFF"/>
-              </a:solidFill>
-              <a:effectLst/>
-              <a:uFillTx/>
-              <a:sym typeface="Helvetica Light"/>
-            </a:endParaRPr>
-          </a:p>
-        </p:txBody>
-      </p:sp>
-      <p:sp>
-        <p:nvSpPr>
-          <p:cNvPr id="4" name="TextBox 3"/>
-          <p:cNvSpPr txBox="1"/>
-          <p:nvPr/>
-        </p:nvSpPr>
-        <p:spPr>
-          <a:xfrm>
-            <a:off x="2882682" y="291639"/>
-            <a:ext cx="6943241" cy="656590"/>
-          </a:xfrm>
-          <a:prstGeom prst="rect">
-            <a:avLst/>
-          </a:prstGeom>
-          <a:noFill/>
-          <a:ln w="12700" cap="flat">
-            <a:noFill/>
-            <a:miter lim="400000"/>
-          </a:ln>
-          <a:effectLst/>
-          <a:sp3d/>
-        </p:spPr>
-        <p:style>
-          <a:lnRef idx="0">
-            <a:scrgbClr r="0" g="0" b="0"/>
-          </a:lnRef>
-          <a:fillRef idx="0">
-            <a:scrgbClr r="0" g="0" b="0"/>
-          </a:fillRef>
-          <a:effectRef idx="0">
-            <a:scrgbClr r="0" g="0" b="0"/>
-          </a:effectRef>
-          <a:fontRef idx="none"/>
-        </p:style>
-        <p:txBody>
-          <a:bodyPr rot="0" spcFirstLastPara="1" vertOverflow="overflow" horzOverflow="overflow" vert="horz" wrap="square" lIns="50800" tIns="50800" rIns="50800" bIns="50800" numCol="1" spcCol="38100" rtlCol="0" anchor="ctr">
-            <a:spAutoFit/>
-          </a:bodyPr>
-          <a:lstStyle/>
-          <a:p>
-            <a:pPr marL="0" marR="0" indent="0" algn="ctr" defTabSz="584200" rtl="0" fontAlgn="auto" latinLnBrk="0" hangingPunct="0">
-              <a:lnSpc>
-                <a:spcPct val="100000"/>
-              </a:lnSpc>
-              <a:spcBef>
-                <a:spcPts val="0"/>
-              </a:spcBef>
-              <a:spcAft>
-                <a:spcPts val="0"/>
-              </a:spcAft>
-              <a:buClrTx/>
-              <a:buSzTx/>
-              <a:buFontTx/>
-              <a:buNone/>
-              <a:tabLst/>
-            </a:pPr>
-            <a:r>
-              <a:rPr kumimoji="0" lang="en-US" sz="3600" b="1" i="0" u="none" strike="noStrike" cap="none" spc="0" normalizeH="0" baseline="0" dirty="0" smtClean="0">
-                <a:ln>
-                  <a:noFill/>
-                </a:ln>
-                <a:solidFill>
-                  <a:srgbClr val="FFFFFF"/>
-                </a:solidFill>
-                <a:effectLst/>
-                <a:uFillTx/>
-                <a:latin typeface="+mn-lt"/>
-                <a:ea typeface="+mn-ea"/>
-                <a:cs typeface="+mn-cs"/>
-                <a:sym typeface="Helvetica Light"/>
-              </a:rPr>
-              <a:t>Your First Web</a:t>
-            </a:r>
-            <a:r>
-              <a:rPr kumimoji="0" lang="en-US" sz="3600" b="1" i="0" u="none" strike="noStrike" cap="none" spc="0" normalizeH="0" dirty="0" smtClean="0">
-                <a:ln>
-                  <a:noFill/>
-                </a:ln>
-                <a:solidFill>
-                  <a:srgbClr val="FFFFFF"/>
-                </a:solidFill>
-                <a:effectLst/>
-                <a:uFillTx/>
-                <a:latin typeface="+mn-lt"/>
-                <a:ea typeface="+mn-ea"/>
-                <a:cs typeface="+mn-cs"/>
-                <a:sym typeface="Helvetica Light"/>
-              </a:rPr>
-              <a:t> Page!!</a:t>
-            </a:r>
-            <a:endParaRPr kumimoji="0" lang="en-US" sz="3600" b="1" i="0" u="none" strike="noStrike" cap="none" spc="0" normalizeH="0" baseline="0" dirty="0">
-              <a:ln>
-                <a:noFill/>
-              </a:ln>
-              <a:solidFill>
-                <a:srgbClr val="FFFFFF"/>
-              </a:solidFill>
-              <a:effectLst/>
-              <a:uFillTx/>
-              <a:latin typeface="+mn-lt"/>
-              <a:ea typeface="+mn-ea"/>
-              <a:cs typeface="+mn-cs"/>
-              <a:sym typeface="Helvetica Light"/>
-            </a:endParaRPr>
-          </a:p>
-        </p:txBody>
-      </p:sp>
-    </p:spTree>
-    <p:extLst>
-      <p:ext uri="{BB962C8B-B14F-4D97-AF65-F5344CB8AC3E}">
-        <p14:creationId xmlns:p14="http://schemas.microsoft.com/office/powerpoint/2010/main" val="969391202"/>
-      </p:ext>
-    </p:extLst>
-  </p:cSld>
-  <p:clrMapOvr>
-    <a:masterClrMapping/>
-  </p:clrMapOvr>
-  <p:transition spd="med"/>
-  <p:timing>
-    <p:tnLst>
-      <p:par>
-        <p:cTn id="1" dur="indefinite" restart="never" nodeType="tmRoot"/>
-      </p:par>
-    </p:tnLst>
-  </p:timing>
-</p:sld>
-</file>
-
-<file path=ppt/slides/slide32.xml><?xml version="1.0" encoding="utf-8"?>
-<p:sld xmlns:a="http://schemas.openxmlformats.org/drawingml/2006/main" xmlns:r="http://schemas.openxmlformats.org/officeDocument/2006/relationships" xmlns:p="http://schemas.openxmlformats.org/presentationml/2006/main">
-  <p:cSld>
-    <p:spTree>
-      <p:nvGrpSpPr>
-        <p:cNvPr id="1" name=""/>
-        <p:cNvGrpSpPr/>
-        <p:nvPr/>
-      </p:nvGrpSpPr>
-      <p:grpSpPr>
-        <a:xfrm>
-          <a:off x="0" y="0"/>
-          <a:ext cx="0" cy="0"/>
-          <a:chOff x="0" y="0"/>
-          <a:chExt cx="0" cy="0"/>
-        </a:xfrm>
-      </p:grpSpPr>
-      <p:sp>
-        <p:nvSpPr>
-          <p:cNvPr id="2" name="Title 1"/>
-          <p:cNvSpPr>
-            <a:spLocks noGrp="1"/>
-          </p:cNvSpPr>
-          <p:nvPr>
-            <p:ph type="title"/>
-          </p:nvPr>
-        </p:nvSpPr>
-        <p:spPr/>
-        <p:txBody>
-          <a:bodyPr/>
-          <a:lstStyle/>
-          <a:p>
-            <a:r>
-              <a:rPr lang="en-US" dirty="0" smtClean="0"/>
-              <a:t>&lt;body&gt;&lt;/body&gt;</a:t>
-            </a:r>
-            <a:endParaRPr lang="en-US" dirty="0"/>
-          </a:p>
-        </p:txBody>
-      </p:sp>
-      <p:sp>
-        <p:nvSpPr>
-          <p:cNvPr id="3" name="Text Placeholder 2"/>
-          <p:cNvSpPr>
-            <a:spLocks noGrp="1"/>
-          </p:cNvSpPr>
-          <p:nvPr>
-            <p:ph type="body" idx="1"/>
-          </p:nvPr>
-        </p:nvSpPr>
-        <p:spPr>
-          <a:xfrm>
-            <a:off x="952500" y="2590800"/>
-            <a:ext cx="11099800" cy="2275668"/>
-          </a:xfrm>
-        </p:spPr>
-        <p:txBody>
-          <a:bodyPr/>
-          <a:lstStyle/>
-          <a:p>
-            <a:r>
-              <a:rPr lang="en-US" dirty="0" smtClean="0"/>
-              <a:t>Contains the HTML document including text, buttons, tables, etc.</a:t>
-            </a:r>
-            <a:endParaRPr lang="en-US" dirty="0"/>
-          </a:p>
-        </p:txBody>
-      </p:sp>
-      <p:sp>
-        <p:nvSpPr>
-          <p:cNvPr id="6" name="TextBox 5"/>
-          <p:cNvSpPr txBox="1"/>
-          <p:nvPr/>
-        </p:nvSpPr>
-        <p:spPr>
-          <a:xfrm>
-            <a:off x="1472339" y="5696737"/>
-            <a:ext cx="9918915" cy="1764586"/>
-          </a:xfrm>
-          <a:prstGeom prst="rect">
-            <a:avLst/>
-          </a:prstGeom>
-          <a:noFill/>
-          <a:ln w="12700" cap="flat">
-            <a:solidFill>
-              <a:schemeClr val="accent1"/>
-            </a:solidFill>
-            <a:miter lim="400000"/>
-          </a:ln>
-          <a:effectLst/>
-          <a:sp3d/>
-        </p:spPr>
-        <p:style>
-          <a:lnRef idx="0">
-            <a:scrgbClr r="0" g="0" b="0"/>
-          </a:lnRef>
-          <a:fillRef idx="0">
-            <a:scrgbClr r="0" g="0" b="0"/>
-          </a:fillRef>
-          <a:effectRef idx="0">
-            <a:scrgbClr r="0" g="0" b="0"/>
-          </a:effectRef>
-          <a:fontRef idx="none"/>
-        </p:style>
-        <p:txBody>
-          <a:bodyPr rot="0" spcFirstLastPara="1" vertOverflow="overflow" horzOverflow="overflow" vert="horz" wrap="square" lIns="50800" tIns="50800" rIns="50800" bIns="50800" numCol="1" spcCol="38100" rtlCol="0" anchor="ctr">
-            <a:spAutoFit/>
-          </a:bodyPr>
-          <a:lstStyle/>
-          <a:p>
-            <a:pPr algn="l"/>
-            <a:r>
-              <a:rPr lang="en-US" dirty="0"/>
-              <a:t>	&lt;</a:t>
-            </a:r>
-            <a:r>
-              <a:rPr lang="en-US" dirty="0">
-                <a:solidFill>
-                  <a:srgbClr val="FF0000"/>
-                </a:solidFill>
-              </a:rPr>
-              <a:t>body</a:t>
-            </a:r>
-            <a:r>
-              <a:rPr lang="en-US" dirty="0" smtClean="0"/>
-              <a:t>&gt;</a:t>
-            </a:r>
-          </a:p>
-          <a:p>
-            <a:pPr algn="l"/>
-            <a:r>
-              <a:rPr lang="en-US" dirty="0"/>
-              <a:t>		</a:t>
-            </a:r>
-          </a:p>
-          <a:p>
-            <a:pPr algn="l"/>
-            <a:r>
-              <a:rPr lang="en-US" dirty="0"/>
-              <a:t>	&lt;/</a:t>
-            </a:r>
-            <a:r>
-              <a:rPr lang="en-US" dirty="0">
-                <a:solidFill>
-                  <a:srgbClr val="FF0000"/>
-                </a:solidFill>
-              </a:rPr>
-              <a:t>body</a:t>
-            </a:r>
-            <a:r>
-              <a:rPr lang="en-US" dirty="0" smtClean="0"/>
-              <a:t>&gt;</a:t>
-            </a:r>
-            <a:endParaRPr lang="en-US" dirty="0"/>
-          </a:p>
-        </p:txBody>
-      </p:sp>
-    </p:spTree>
-    <p:extLst>
-      <p:ext uri="{BB962C8B-B14F-4D97-AF65-F5344CB8AC3E}">
-        <p14:creationId xmlns:p14="http://schemas.microsoft.com/office/powerpoint/2010/main" val="1391990679"/>
-      </p:ext>
-    </p:extLst>
-  </p:cSld>
-  <p:clrMapOvr>
-    <a:masterClrMapping/>
-  </p:clrMapOvr>
-  <p:transition spd="med"/>
   <p:timing>
     <p:tnLst>
       <p:par>
@@ -11704,26 +11383,32 @@
             <a:r>
               <a:rPr lang="en-US" sz="4000" dirty="0" smtClean="0">
                 <a:solidFill>
-                  <a:schemeClr val="tx1"/>
-                </a:solidFill>
-              </a:rPr>
-              <a:t>	&lt;</a:t>
-            </a:r>
+                  <a:schemeClr val="bg1"/>
+                </a:solidFill>
+              </a:rPr>
+              <a:t>	&lt;body&gt;		</a:t>
+            </a:r>
+          </a:p>
+          <a:p>
+            <a:pPr algn="l"/>
             <a:r>
               <a:rPr lang="en-US" sz="4000" dirty="0" smtClean="0">
                 <a:solidFill>
-                  <a:srgbClr val="FF0000"/>
-                </a:solidFill>
-              </a:rPr>
-              <a:t>body</a:t>
-            </a:r>
+                  <a:schemeClr val="bg1"/>
+                </a:solidFill>
+              </a:rPr>
+              <a:t>		&lt;h1&gt;Hello World!!&lt;/h1&gt;		</a:t>
+            </a:r>
+          </a:p>
+          <a:p>
+            <a:pPr algn="l"/>
             <a:r>
               <a:rPr lang="en-US" sz="4000" dirty="0" smtClean="0">
                 <a:solidFill>
-                  <a:schemeClr val="tx1"/>
-                </a:solidFill>
-              </a:rPr>
-              <a:t>&gt;		</a:t>
+                  <a:schemeClr val="bg1"/>
+                </a:solidFill>
+              </a:rPr>
+              <a:t>		&lt;h2&gt;by: (your name here)&lt;/h2&gt;		</a:t>
             </a:r>
           </a:p>
           <a:p>
@@ -11734,7 +11419,7 @@
                   <a:schemeClr val="bg1"/>
                 </a:solidFill>
               </a:rPr>
-              <a:t>		&lt;h1&gt;Hello World!!&lt;/h1&gt;		</a:t>
+              <a:t>		&lt;p&gt;You just wrote a webpage using HTML! </a:t>
             </a:r>
           </a:p>
           <a:p>
@@ -11745,7 +11430,7 @@
                   <a:schemeClr val="bg1"/>
                 </a:solidFill>
               </a:rPr>
-              <a:t>		&lt;h2&gt;by: (your name here)&lt;/h2&gt;		</a:t>
+              <a:t>		Next we are going to look at these elements&lt;/p&gt;	</a:t>
             </a:r>
           </a:p>
           <a:p>
@@ -11756,53 +11441,7 @@
                   <a:schemeClr val="bg1"/>
                 </a:solidFill>
               </a:rPr>
-              <a:t>		&lt;p&gt;You just wrote a webpage using HTML! </a:t>
-            </a:r>
-          </a:p>
-          <a:p>
-            <a:pPr algn="l"/>
-            <a:r>
-              <a:rPr lang="en-US" sz="4000" dirty="0" smtClean="0">
-                <a:solidFill>
-                  <a:schemeClr val="bg1"/>
-                </a:solidFill>
-              </a:rPr>
-              <a:t>		Next we are going to look at these elements&lt;/p&gt;</a:t>
-            </a:r>
-            <a:r>
-              <a:rPr lang="en-US" sz="4000" dirty="0" smtClean="0">
-                <a:solidFill>
-                  <a:schemeClr val="tx1"/>
-                </a:solidFill>
-              </a:rPr>
-              <a:t>	</a:t>
-            </a:r>
-          </a:p>
-          <a:p>
-            <a:pPr algn="l"/>
-            <a:r>
-              <a:rPr lang="en-US" sz="4000" dirty="0" smtClean="0">
-                <a:solidFill>
-                  <a:schemeClr val="tx1"/>
-                </a:solidFill>
-              </a:rPr>
-              <a:t>	&lt;/</a:t>
-            </a:r>
-            <a:r>
-              <a:rPr lang="en-US" sz="4000" dirty="0" smtClean="0">
-                <a:solidFill>
-                  <a:srgbClr val="FF0000"/>
-                </a:solidFill>
-              </a:rPr>
-              <a:t>body</a:t>
-            </a:r>
-            <a:r>
-              <a:rPr lang="en-US" sz="4000" dirty="0" smtClean="0">
-                <a:solidFill>
-                  <a:schemeClr val="tx1"/>
-                </a:solidFill>
-              </a:rPr>
-              <a:t>&gt;</a:t>
+              <a:t>	&lt;/body&gt;</a:t>
             </a:r>
           </a:p>
           <a:p>
@@ -11947,7 +11586,7 @@
     </p:spTree>
     <p:extLst>
       <p:ext uri="{BB962C8B-B14F-4D97-AF65-F5344CB8AC3E}">
-        <p14:creationId xmlns:p14="http://schemas.microsoft.com/office/powerpoint/2010/main" val="1926163575"/>
+        <p14:creationId xmlns:p14="http://schemas.microsoft.com/office/powerpoint/2010/main" val="969391202"/>
       </p:ext>
     </p:extLst>
   </p:cSld>
@@ -11999,7 +11638,7 @@
           <a:p>
             <a:r>
               <a:rPr lang="en-US" dirty="0" smtClean="0"/>
-              <a:t>&lt;h1&gt;&lt;/h1&gt;-&lt;h&gt;&lt;/h6&gt;</a:t>
+              <a:t>&lt;body&gt;&lt;/body&gt;</a:t>
             </a:r>
             <a:endParaRPr lang="en-US" dirty="0"/>
           </a:p>
@@ -12017,8 +11656,8 @@
         </p:nvSpPr>
         <p:spPr>
           <a:xfrm>
-            <a:off x="952500" y="2262751"/>
-            <a:ext cx="11099800" cy="4367293"/>
+            <a:off x="952500" y="2590800"/>
+            <a:ext cx="11099800" cy="2275668"/>
           </a:xfrm>
         </p:spPr>
         <p:txBody>
@@ -12027,19 +11666,7 @@
           <a:p>
             <a:r>
               <a:rPr lang="en-US" dirty="0" smtClean="0"/>
-              <a:t>Defines Headings</a:t>
-            </a:r>
-          </a:p>
-          <a:p>
-            <a:r>
-              <a:rPr lang="en-US" dirty="0" smtClean="0"/>
-              <a:t>Range in size from &lt;h1&gt; which is the largest to &lt;h6&gt; which is the smallest</a:t>
-            </a:r>
-          </a:p>
-          <a:p>
-            <a:r>
-              <a:rPr lang="en-US" dirty="0" smtClean="0"/>
-              <a:t>Used to organize information on the page from most important to least important</a:t>
+              <a:t>Contains the HTML document including text, buttons, tables, etc.</a:t>
             </a:r>
             <a:endParaRPr lang="en-US" dirty="0"/>
           </a:p>
@@ -12047,14 +11674,14 @@
       </p:sp>
       <p:sp>
         <p:nvSpPr>
-          <p:cNvPr id="5" name="TextBox 4"/>
+          <p:cNvPr id="6" name="TextBox 5"/>
           <p:cNvSpPr txBox="1"/>
           <p:nvPr/>
         </p:nvSpPr>
         <p:spPr>
           <a:xfrm>
-            <a:off x="1549831" y="6996625"/>
-            <a:ext cx="9965410" cy="1210588"/>
+            <a:off x="1472339" y="5696737"/>
+            <a:ext cx="9918915" cy="1764586"/>
           </a:xfrm>
           <a:prstGeom prst="rect">
             <a:avLst/>
@@ -12090,7 +11717,7 @@
             <a:pPr algn="l"/>
             <a:r>
               <a:rPr lang="en-US" dirty="0"/>
-              <a:t>&lt;</a:t>
+              <a:t>	&lt;</a:t>
             </a:r>
             <a:r>
               <a:rPr lang="en-US" dirty="0">
@@ -12098,11 +11725,25 @@
                   <a:srgbClr val="FF0000"/>
                 </a:solidFill>
               </a:rPr>
-              <a:t>h1</a:t>
-            </a:r>
+              <a:t>body</a:t>
+            </a:r>
+            <a:r>
+              <a:rPr lang="en-US" dirty="0" smtClean="0"/>
+              <a:t>&gt;</a:t>
+            </a:r>
+          </a:p>
+          <a:p>
+            <a:pPr algn="l"/>
             <a:r>
               <a:rPr lang="en-US" dirty="0"/>
-              <a:t>&gt;Hello World!!&lt;/</a:t>
+              <a:t>		</a:t>
+            </a:r>
+          </a:p>
+          <a:p>
+            <a:pPr algn="l"/>
+            <a:r>
+              <a:rPr lang="en-US" dirty="0"/>
+              <a:t>	&lt;/</a:t>
             </a:r>
             <a:r>
               <a:rPr lang="en-US" dirty="0">
@@ -12110,64 +11751,20 @@
                   <a:srgbClr val="FF0000"/>
                 </a:solidFill>
               </a:rPr>
-              <a:t>h1</a:t>
-            </a:r>
-            <a:r>
-              <a:rPr lang="en-US" dirty="0"/>
-              <a:t>&gt;		</a:t>
-            </a:r>
-          </a:p>
-          <a:p>
-            <a:pPr algn="l"/>
+              <a:t>body</a:t>
+            </a:r>
             <a:r>
               <a:rPr lang="en-US" dirty="0" smtClean="0"/>
-              <a:t>&lt;</a:t>
-            </a:r>
-            <a:r>
-              <a:rPr lang="en-US" dirty="0">
-                <a:solidFill>
-                  <a:srgbClr val="FF0000"/>
-                </a:solidFill>
-              </a:rPr>
-              <a:t>h2</a:t>
-            </a:r>
-            <a:r>
-              <a:rPr lang="en-US" dirty="0"/>
-              <a:t>&gt;by: (your name here)&lt;/</a:t>
-            </a:r>
-            <a:r>
-              <a:rPr lang="en-US" dirty="0">
-                <a:solidFill>
-                  <a:srgbClr val="FF0000"/>
-                </a:solidFill>
-              </a:rPr>
-              <a:t>h2</a:t>
-            </a:r>
-            <a:r>
-              <a:rPr lang="en-US" dirty="0"/>
               <a:t>&gt;</a:t>
             </a:r>
-            <a:endParaRPr kumimoji="0" lang="en-US" sz="3600" b="0" i="0" u="none" strike="noStrike" cap="none" spc="0" normalizeH="0" baseline="0" dirty="0">
-              <a:ln>
-                <a:noFill/>
-              </a:ln>
-              <a:solidFill>
-                <a:srgbClr val="FFFFFF"/>
-              </a:solidFill>
-              <a:effectLst/>
-              <a:uFillTx/>
-              <a:latin typeface="+mn-lt"/>
-              <a:ea typeface="+mn-ea"/>
-              <a:cs typeface="+mn-cs"/>
-              <a:sym typeface="Helvetica Light"/>
-            </a:endParaRPr>
+            <a:endParaRPr lang="en-US" dirty="0"/>
           </a:p>
         </p:txBody>
       </p:sp>
     </p:spTree>
     <p:extLst>
       <p:ext uri="{BB962C8B-B14F-4D97-AF65-F5344CB8AC3E}">
-        <p14:creationId xmlns:p14="http://schemas.microsoft.com/office/powerpoint/2010/main" val="1500675645"/>
+        <p14:creationId xmlns:p14="http://schemas.microsoft.com/office/powerpoint/2010/main" val="1391990679"/>
       </p:ext>
     </p:extLst>
   </p:cSld>
@@ -12401,85 +11998,21 @@
             <a:r>
               <a:rPr lang="en-US" sz="4000" dirty="0" smtClean="0">
                 <a:solidFill>
-                  <a:schemeClr val="tx1"/>
-                </a:solidFill>
-              </a:rPr>
-              <a:t>		&lt;</a:t>
-            </a:r>
+                  <a:schemeClr val="bg1"/>
+                </a:solidFill>
+              </a:rPr>
+              <a:t>		&lt;h1&gt;Hello World!!&lt;/h1&gt;		</a:t>
+            </a:r>
+          </a:p>
+          <a:p>
+            <a:pPr algn="l"/>
             <a:r>
               <a:rPr lang="en-US" sz="4000" dirty="0" smtClean="0">
                 <a:solidFill>
-                  <a:srgbClr val="FF0000"/>
-                </a:solidFill>
-              </a:rPr>
-              <a:t>h1</a:t>
-            </a:r>
-            <a:r>
-              <a:rPr lang="en-US" sz="4000" dirty="0" smtClean="0">
-                <a:solidFill>
-                  <a:schemeClr val="tx1"/>
-                </a:solidFill>
-              </a:rPr>
-              <a:t>&gt;Hello World!!&lt;/</a:t>
-            </a:r>
-            <a:r>
-              <a:rPr lang="en-US" sz="4000" dirty="0" smtClean="0">
-                <a:solidFill>
-                  <a:srgbClr val="FF0000"/>
-                </a:solidFill>
-              </a:rPr>
-              <a:t>h1</a:t>
-            </a:r>
-            <a:r>
-              <a:rPr lang="en-US" sz="4000" dirty="0" smtClean="0">
-                <a:solidFill>
-                  <a:schemeClr val="tx1"/>
-                </a:solidFill>
-              </a:rPr>
-              <a:t>&gt;		</a:t>
-            </a:r>
-          </a:p>
-          <a:p>
-            <a:pPr algn="l"/>
-            <a:r>
-              <a:rPr lang="en-US" sz="4000" dirty="0" smtClean="0">
-                <a:solidFill>
-                  <a:schemeClr val="tx1"/>
-                </a:solidFill>
-              </a:rPr>
-              <a:t>		&lt;</a:t>
-            </a:r>
-            <a:r>
-              <a:rPr lang="en-US" sz="4000" dirty="0" smtClean="0">
-                <a:solidFill>
-                  <a:srgbClr val="FF0000"/>
-                </a:solidFill>
-              </a:rPr>
-              <a:t>h2</a:t>
-            </a:r>
-            <a:r>
-              <a:rPr lang="en-US" sz="4000" dirty="0" smtClean="0">
-                <a:solidFill>
-                  <a:schemeClr val="tx1"/>
-                </a:solidFill>
-              </a:rPr>
-              <a:t>&gt;by: (your name here)&lt;/</a:t>
-            </a:r>
-            <a:r>
-              <a:rPr lang="en-US" sz="4000" dirty="0" smtClean="0">
-                <a:solidFill>
-                  <a:srgbClr val="FF0000"/>
-                </a:solidFill>
-              </a:rPr>
-              <a:t>h2</a:t>
-            </a:r>
-            <a:r>
-              <a:rPr lang="en-US" sz="4000" dirty="0" smtClean="0">
-                <a:solidFill>
-                  <a:schemeClr val="tx1"/>
-                </a:solidFill>
-              </a:rPr>
-              <a:t>&gt;		</a:t>
+                  <a:schemeClr val="bg1"/>
+                </a:solidFill>
+              </a:rPr>
+              <a:t>		&lt;h2&gt;by: (your name here)&lt;/h2&gt;		</a:t>
             </a:r>
           </a:p>
           <a:p>
@@ -12681,7 +12214,7 @@
     </p:spTree>
     <p:extLst>
       <p:ext uri="{BB962C8B-B14F-4D97-AF65-F5344CB8AC3E}">
-        <p14:creationId xmlns:p14="http://schemas.microsoft.com/office/powerpoint/2010/main" val="2114077467"/>
+        <p14:creationId xmlns:p14="http://schemas.microsoft.com/office/powerpoint/2010/main" val="1926163575"/>
       </p:ext>
     </p:extLst>
   </p:cSld>
@@ -12733,7 +12266,7 @@
           <a:p>
             <a:r>
               <a:rPr lang="en-US" dirty="0" smtClean="0"/>
-              <a:t>&lt;p&gt;&lt;/p&gt;</a:t>
+              <a:t>&lt;h1&gt;&lt;/h1&gt;-&lt;h&gt;&lt;/h6&gt;</a:t>
             </a:r>
             <a:endParaRPr lang="en-US" dirty="0"/>
           </a:p>
@@ -12751,8 +12284,8 @@
         </p:nvSpPr>
         <p:spPr>
           <a:xfrm>
-            <a:off x="952500" y="2590800"/>
-            <a:ext cx="11099800" cy="2895600"/>
+            <a:off x="952500" y="2262751"/>
+            <a:ext cx="11099800" cy="4367293"/>
           </a:xfrm>
         </p:spPr>
         <p:txBody>
@@ -12761,27 +12294,34 @@
           <a:p>
             <a:r>
               <a:rPr lang="en-US" dirty="0" smtClean="0"/>
-              <a:t>Defines Paragraphs</a:t>
+              <a:t>Defines Headings</a:t>
             </a:r>
           </a:p>
           <a:p>
             <a:r>
               <a:rPr lang="en-US" dirty="0" smtClean="0"/>
-              <a:t>Small text, usually the bulk of the page content</a:t>
-            </a:r>
+              <a:t>Range in size from &lt;h1&gt; which is the largest to &lt;h6&gt; which is the smallest</a:t>
+            </a:r>
+          </a:p>
+          <a:p>
+            <a:r>
+              <a:rPr lang="en-US" dirty="0" smtClean="0"/>
+              <a:t>Used to organize information on the page from most important to least important</a:t>
+            </a:r>
+            <a:endParaRPr lang="en-US" dirty="0"/>
           </a:p>
         </p:txBody>
       </p:sp>
       <p:sp>
         <p:nvSpPr>
-          <p:cNvPr id="4" name="TextBox 3"/>
+          <p:cNvPr id="5" name="TextBox 4"/>
           <p:cNvSpPr txBox="1"/>
           <p:nvPr/>
         </p:nvSpPr>
         <p:spPr>
           <a:xfrm>
-            <a:off x="952500" y="6516178"/>
-            <a:ext cx="11339378" cy="1210588"/>
+            <a:off x="1549831" y="6996625"/>
+            <a:ext cx="9965410" cy="1210588"/>
           </a:xfrm>
           <a:prstGeom prst="rect">
             <a:avLst/>
@@ -12816,23 +12356,6 @@
           <a:p>
             <a:pPr algn="l"/>
             <a:r>
-              <a:rPr kumimoji="0" lang="en-US" sz="3600" b="0" i="0" u="none" strike="noStrike" cap="none" spc="0" normalizeH="0" baseline="0" dirty="0" smtClean="0">
-                <a:ln>
-                  <a:noFill/>
-                </a:ln>
-                <a:solidFill>
-                  <a:srgbClr val="FFFFFF"/>
-                </a:solidFill>
-                <a:effectLst/>
-                <a:uFillTx/>
-                <a:latin typeface="+mn-lt"/>
-                <a:ea typeface="+mn-ea"/>
-                <a:cs typeface="+mn-cs"/>
-                <a:sym typeface="Helvetica Light"/>
-              </a:rPr>
-              <a:t> </a:t>
-            </a:r>
-            <a:r>
               <a:rPr lang="en-US" dirty="0"/>
               <a:t>&lt;</a:t>
             </a:r>
@@ -12842,22 +12365,42 @@
                   <a:srgbClr val="FF0000"/>
                 </a:solidFill>
               </a:rPr>
-              <a:t>p</a:t>
+              <a:t>h1</a:t>
             </a:r>
             <a:r>
               <a:rPr lang="en-US" dirty="0"/>
-              <a:t>&gt;You just wrote a webpage using HTML! </a:t>
+              <a:t>&gt;Hello World!!&lt;/</a:t>
+            </a:r>
+            <a:r>
+              <a:rPr lang="en-US" dirty="0">
+                <a:solidFill>
+                  <a:srgbClr val="FF0000"/>
+                </a:solidFill>
+              </a:rPr>
+              <a:t>h1</a:t>
+            </a:r>
+            <a:r>
+              <a:rPr lang="en-US" dirty="0"/>
+              <a:t>&gt;		</a:t>
             </a:r>
           </a:p>
           <a:p>
             <a:pPr algn="l"/>
             <a:r>
+              <a:rPr lang="en-US" dirty="0" smtClean="0"/>
+              <a:t>&lt;</a:t>
+            </a:r>
+            <a:r>
+              <a:rPr lang="en-US" dirty="0">
+                <a:solidFill>
+                  <a:srgbClr val="FF0000"/>
+                </a:solidFill>
+              </a:rPr>
+              <a:t>h2</a:t>
+            </a:r>
+            <a:r>
               <a:rPr lang="en-US" dirty="0"/>
-              <a:t>		Next we are going to look at these </a:t>
-            </a:r>
-            <a:r>
-              <a:rPr lang="en-US" dirty="0" smtClean="0"/>
-              <a:t>elements&lt;/</a:t>
+              <a:t>&gt;by: (your name here)&lt;/</a:t>
             </a:r>
             <a:r>
               <a:rPr lang="en-US" dirty="0">
@@ -12865,7 +12408,7 @@
                   <a:srgbClr val="FF0000"/>
                 </a:solidFill>
               </a:rPr>
-              <a:t>p</a:t>
+              <a:t>h2</a:t>
             </a:r>
             <a:r>
               <a:rPr lang="en-US" dirty="0"/>
@@ -12891,7 +12434,7 @@
     </p:spTree>
     <p:extLst>
       <p:ext uri="{BB962C8B-B14F-4D97-AF65-F5344CB8AC3E}">
-        <p14:creationId xmlns:p14="http://schemas.microsoft.com/office/powerpoint/2010/main" val="156010179"/>
+        <p14:creationId xmlns:p14="http://schemas.microsoft.com/office/powerpoint/2010/main" val="1500675645"/>
       </p:ext>
     </p:extLst>
   </p:cSld>
@@ -12968,22 +12511,22 @@
           <a:p>
             <a:pPr algn="l"/>
             <a:r>
-              <a:rPr lang="en-US" dirty="0"/>
+              <a:rPr lang="en-US" sz="4000" dirty="0"/>
               <a:t>&lt;!DOCTYPE html</a:t>
             </a:r>
             <a:r>
-              <a:rPr lang="en-US" dirty="0" smtClean="0"/>
+              <a:rPr lang="en-US" sz="4000" dirty="0" smtClean="0"/>
               <a:t>&gt;</a:t>
             </a:r>
           </a:p>
           <a:p>
             <a:pPr algn="l"/>
             <a:r>
-              <a:rPr lang="en-US" dirty="0" smtClean="0"/>
+              <a:rPr lang="en-US" sz="4000" dirty="0" smtClean="0"/>
               <a:t>&lt;</a:t>
             </a:r>
             <a:r>
-              <a:rPr lang="en-US" dirty="0">
+              <a:rPr lang="en-US" sz="4000" dirty="0">
                 <a:solidFill>
                   <a:srgbClr val="FF0000"/>
                 </a:solidFill>
@@ -12991,15 +12534,15 @@
               <a:t>html</a:t>
             </a:r>
             <a:r>
-              <a:rPr lang="en-US" dirty="0"/>
+              <a:rPr lang="en-US" sz="4000" dirty="0"/>
               <a:t>&gt;	</a:t>
             </a:r>
-            <a:endParaRPr lang="en-US" dirty="0" smtClean="0"/>
+            <a:endParaRPr lang="en-US" sz="4000" dirty="0" smtClean="0"/>
           </a:p>
           <a:p>
             <a:pPr algn="l"/>
             <a:r>
-              <a:rPr lang="en-US" dirty="0" smtClean="0">
+              <a:rPr lang="en-US" sz="4000" dirty="0" smtClean="0">
                 <a:solidFill>
                   <a:schemeClr val="tx1"/>
                 </a:solidFill>
@@ -13007,7 +12550,7 @@
               <a:t>	&lt;</a:t>
             </a:r>
             <a:r>
-              <a:rPr lang="en-US" dirty="0" smtClean="0">
+              <a:rPr lang="en-US" sz="4000" dirty="0" smtClean="0">
                 <a:solidFill>
                   <a:srgbClr val="FF0000"/>
                 </a:solidFill>
@@ -13015,7 +12558,7 @@
               <a:t>head</a:t>
             </a:r>
             <a:r>
-              <a:rPr lang="en-US" dirty="0" smtClean="0">
+              <a:rPr lang="en-US" sz="4000" dirty="0" smtClean="0">
                 <a:solidFill>
                   <a:schemeClr val="tx1"/>
                 </a:solidFill>
@@ -13026,7 +12569,7 @@
           <a:p>
             <a:pPr algn="l"/>
             <a:r>
-              <a:rPr lang="en-US" dirty="0" smtClean="0">
+              <a:rPr lang="en-US" sz="4000" dirty="0" smtClean="0">
                 <a:solidFill>
                   <a:schemeClr val="tx1"/>
                 </a:solidFill>
@@ -13034,7 +12577,7 @@
               <a:t>		&lt;</a:t>
             </a:r>
             <a:r>
-              <a:rPr lang="en-US" dirty="0" smtClean="0">
+              <a:rPr lang="en-US" sz="4000" dirty="0" smtClean="0">
                 <a:solidFill>
                   <a:srgbClr val="FF0000"/>
                 </a:solidFill>
@@ -13042,7 +12585,7 @@
               <a:t>title</a:t>
             </a:r>
             <a:r>
-              <a:rPr lang="en-US" dirty="0" smtClean="0">
+              <a:rPr lang="en-US" sz="4000" dirty="0" smtClean="0">
                 <a:solidFill>
                   <a:schemeClr val="tx1"/>
                 </a:solidFill>
@@ -13050,7 +12593,7 @@
               <a:t>&gt;First Web Page&lt;/</a:t>
             </a:r>
             <a:r>
-              <a:rPr lang="en-US" dirty="0" smtClean="0">
+              <a:rPr lang="en-US" sz="4000" dirty="0" smtClean="0">
                 <a:solidFill>
                   <a:srgbClr val="FF0000"/>
                 </a:solidFill>
@@ -13058,7 +12601,7 @@
               <a:t>title</a:t>
             </a:r>
             <a:r>
-              <a:rPr lang="en-US" dirty="0" smtClean="0">
+              <a:rPr lang="en-US" sz="4000" dirty="0" smtClean="0">
                 <a:solidFill>
                   <a:schemeClr val="tx1"/>
                 </a:solidFill>
@@ -13069,7 +12612,7 @@
           <a:p>
             <a:pPr algn="l"/>
             <a:r>
-              <a:rPr lang="en-US" dirty="0" smtClean="0">
+              <a:rPr lang="en-US" sz="4000" dirty="0" smtClean="0">
                 <a:solidFill>
                   <a:schemeClr val="tx1"/>
                 </a:solidFill>
@@ -13077,7 +12620,7 @@
               <a:t>	&lt;/</a:t>
             </a:r>
             <a:r>
-              <a:rPr lang="en-US" dirty="0" smtClean="0">
+              <a:rPr lang="en-US" sz="4000" dirty="0" smtClean="0">
                 <a:solidFill>
                   <a:srgbClr val="FF0000"/>
                 </a:solidFill>
@@ -13085,7 +12628,7 @@
               <a:t>head</a:t>
             </a:r>
             <a:r>
-              <a:rPr lang="en-US" dirty="0" smtClean="0">
+              <a:rPr lang="en-US" sz="4000" dirty="0" smtClean="0">
                 <a:solidFill>
                   <a:schemeClr val="tx1"/>
                 </a:solidFill>
@@ -13096,7 +12639,7 @@
           <a:p>
             <a:pPr algn="l"/>
             <a:r>
-              <a:rPr lang="en-US" dirty="0" smtClean="0">
+              <a:rPr lang="en-US" sz="4000" dirty="0" smtClean="0">
                 <a:solidFill>
                   <a:schemeClr val="tx1"/>
                 </a:solidFill>
@@ -13104,7 +12647,7 @@
               <a:t>	&lt;</a:t>
             </a:r>
             <a:r>
-              <a:rPr lang="en-US" dirty="0" smtClean="0">
+              <a:rPr lang="en-US" sz="4000" dirty="0" smtClean="0">
                 <a:solidFill>
                   <a:srgbClr val="FF0000"/>
                 </a:solidFill>
@@ -13112,7 +12655,7 @@
               <a:t>body</a:t>
             </a:r>
             <a:r>
-              <a:rPr lang="en-US" dirty="0" smtClean="0">
+              <a:rPr lang="en-US" sz="4000" dirty="0" smtClean="0">
                 <a:solidFill>
                   <a:schemeClr val="tx1"/>
                 </a:solidFill>
@@ -13123,7 +12666,7 @@
           <a:p>
             <a:pPr algn="l"/>
             <a:r>
-              <a:rPr lang="en-US" dirty="0" smtClean="0">
+              <a:rPr lang="en-US" sz="4000" dirty="0" smtClean="0">
                 <a:solidFill>
                   <a:schemeClr val="tx1"/>
                 </a:solidFill>
@@ -13131,7 +12674,7 @@
               <a:t>		&lt;</a:t>
             </a:r>
             <a:r>
-              <a:rPr lang="en-US" dirty="0" smtClean="0">
+              <a:rPr lang="en-US" sz="4000" dirty="0" smtClean="0">
                 <a:solidFill>
                   <a:srgbClr val="FF0000"/>
                 </a:solidFill>
@@ -13139,7 +12682,7 @@
               <a:t>h1</a:t>
             </a:r>
             <a:r>
-              <a:rPr lang="en-US" dirty="0" smtClean="0">
+              <a:rPr lang="en-US" sz="4000" dirty="0" smtClean="0">
                 <a:solidFill>
                   <a:schemeClr val="tx1"/>
                 </a:solidFill>
@@ -13147,7 +12690,7 @@
               <a:t>&gt;Hello World!!&lt;/</a:t>
             </a:r>
             <a:r>
-              <a:rPr lang="en-US" dirty="0" smtClean="0">
+              <a:rPr lang="en-US" sz="4000" dirty="0" smtClean="0">
                 <a:solidFill>
                   <a:srgbClr val="FF0000"/>
                 </a:solidFill>
@@ -13155,7 +12698,7 @@
               <a:t>h1</a:t>
             </a:r>
             <a:r>
-              <a:rPr lang="en-US" dirty="0" smtClean="0">
+              <a:rPr lang="en-US" sz="4000" dirty="0" smtClean="0">
                 <a:solidFill>
                   <a:schemeClr val="tx1"/>
                 </a:solidFill>
@@ -13166,7 +12709,7 @@
           <a:p>
             <a:pPr algn="l"/>
             <a:r>
-              <a:rPr lang="en-US" dirty="0" smtClean="0">
+              <a:rPr lang="en-US" sz="4000" dirty="0" smtClean="0">
                 <a:solidFill>
                   <a:schemeClr val="tx1"/>
                 </a:solidFill>
@@ -13174,7 +12717,7 @@
               <a:t>		&lt;</a:t>
             </a:r>
             <a:r>
-              <a:rPr lang="en-US" dirty="0" smtClean="0">
+              <a:rPr lang="en-US" sz="4000" dirty="0" smtClean="0">
                 <a:solidFill>
                   <a:srgbClr val="FF0000"/>
                 </a:solidFill>
@@ -13182,7 +12725,7 @@
               <a:t>h2</a:t>
             </a:r>
             <a:r>
-              <a:rPr lang="en-US" dirty="0" smtClean="0">
+              <a:rPr lang="en-US" sz="4000" dirty="0" smtClean="0">
                 <a:solidFill>
                   <a:schemeClr val="tx1"/>
                 </a:solidFill>
@@ -13190,7 +12733,7 @@
               <a:t>&gt;by: (your name here)&lt;/</a:t>
             </a:r>
             <a:r>
-              <a:rPr lang="en-US" dirty="0" smtClean="0">
+              <a:rPr lang="en-US" sz="4000" dirty="0" smtClean="0">
                 <a:solidFill>
                   <a:srgbClr val="FF0000"/>
                 </a:solidFill>
@@ -13198,7 +12741,7 @@
               <a:t>h2</a:t>
             </a:r>
             <a:r>
-              <a:rPr lang="en-US" dirty="0" smtClean="0">
+              <a:rPr lang="en-US" sz="4000" dirty="0" smtClean="0">
                 <a:solidFill>
                   <a:schemeClr val="tx1"/>
                 </a:solidFill>
@@ -13209,92 +12752,79 @@
           <a:p>
             <a:pPr algn="l"/>
             <a:r>
-              <a:rPr lang="en-US" dirty="0" smtClean="0">
+              <a:rPr lang="en-US" sz="4000" dirty="0" smtClean="0">
+                <a:solidFill>
+                  <a:schemeClr val="bg1"/>
+                </a:solidFill>
+              </a:rPr>
+              <a:t>		&lt;p&gt;You just wrote a webpage using HTML! </a:t>
+            </a:r>
+          </a:p>
+          <a:p>
+            <a:pPr algn="l"/>
+            <a:r>
+              <a:rPr lang="en-US" sz="4000" dirty="0" smtClean="0">
+                <a:solidFill>
+                  <a:schemeClr val="bg1"/>
+                </a:solidFill>
+              </a:rPr>
+              <a:t>		Next we are going to look at these elements&lt;/p&gt;</a:t>
+            </a:r>
+            <a:r>
+              <a:rPr lang="en-US" sz="4000" dirty="0" smtClean="0">
                 <a:solidFill>
                   <a:schemeClr val="tx1"/>
                 </a:solidFill>
               </a:rPr>
-              <a:t>		&lt;</a:t>
-            </a:r>
-            <a:r>
-              <a:rPr lang="en-US" dirty="0" smtClean="0">
+              <a:t>	</a:t>
+            </a:r>
+          </a:p>
+          <a:p>
+            <a:pPr algn="l"/>
+            <a:r>
+              <a:rPr lang="en-US" sz="4000" dirty="0" smtClean="0">
+                <a:solidFill>
+                  <a:schemeClr val="tx1"/>
+                </a:solidFill>
+              </a:rPr>
+              <a:t>	&lt;/</a:t>
+            </a:r>
+            <a:r>
+              <a:rPr lang="en-US" sz="4000" dirty="0" smtClean="0">
                 <a:solidFill>
                   <a:srgbClr val="FF0000"/>
                 </a:solidFill>
               </a:rPr>
-              <a:t>p</a:t>
-            </a:r>
-            <a:r>
-              <a:rPr lang="en-US" dirty="0" smtClean="0">
+              <a:t>body</a:t>
+            </a:r>
+            <a:r>
+              <a:rPr lang="en-US" sz="4000" dirty="0" smtClean="0">
                 <a:solidFill>
                   <a:schemeClr val="tx1"/>
                 </a:solidFill>
               </a:rPr>
-              <a:t>&gt;You just wrote a webpage using HTML at &lt;/</a:t>
-            </a:r>
-            <a:r>
-              <a:rPr lang="en-US" dirty="0" smtClean="0">
+              <a:t>&gt;</a:t>
+            </a:r>
+          </a:p>
+          <a:p>
+            <a:pPr algn="l"/>
+            <a:r>
+              <a:rPr lang="en-US" sz="4000" dirty="0" smtClean="0"/>
+              <a:t>&lt;/</a:t>
+            </a:r>
+            <a:r>
+              <a:rPr lang="en-US" sz="4000" dirty="0">
                 <a:solidFill>
                   <a:srgbClr val="FF0000"/>
                 </a:solidFill>
               </a:rPr>
-              <a:t>p</a:t>
-            </a:r>
-            <a:r>
-              <a:rPr lang="en-US" dirty="0" smtClean="0">
-                <a:solidFill>
-                  <a:schemeClr val="tx1"/>
-                </a:solidFill>
-              </a:rPr>
+              <a:t>html</a:t>
+            </a:r>
+            <a:r>
+              <a:rPr lang="en-US" sz="4000" dirty="0"/>
               <a:t>&gt;</a:t>
             </a:r>
-          </a:p>
-          <a:p>
-            <a:pPr algn="l"/>
-            <a:r>
-              <a:rPr lang="en-US" dirty="0" smtClean="0">
-                <a:solidFill>
-                  <a:schemeClr val="tx1"/>
-                </a:solidFill>
-              </a:rPr>
-              <a:t>	&lt;/</a:t>
-            </a:r>
-            <a:r>
-              <a:rPr lang="en-US" dirty="0" smtClean="0">
-                <a:solidFill>
-                  <a:srgbClr val="FF0000"/>
-                </a:solidFill>
-              </a:rPr>
-              <a:t>body</a:t>
-            </a:r>
-            <a:r>
-              <a:rPr lang="en-US" dirty="0" smtClean="0">
-                <a:solidFill>
-                  <a:schemeClr val="tx1"/>
-                </a:solidFill>
-              </a:rPr>
-              <a:t>&gt;</a:t>
-            </a:r>
-          </a:p>
-          <a:p>
-            <a:pPr algn="l"/>
-            <a:r>
-              <a:rPr lang="en-US" dirty="0" smtClean="0"/>
-              <a:t>&lt;/</a:t>
-            </a:r>
-            <a:r>
-              <a:rPr lang="en-US" dirty="0">
-                <a:solidFill>
-                  <a:srgbClr val="FF0000"/>
-                </a:solidFill>
-              </a:rPr>
-              <a:t>html</a:t>
-            </a:r>
-            <a:r>
-              <a:rPr lang="en-US" dirty="0"/>
-              <a:t>&gt;</a:t>
-            </a:r>
-            <a:endParaRPr kumimoji="0" lang="en-US" b="0" i="0" u="none" strike="noStrike" cap="none" spc="0" normalizeH="0" baseline="0" dirty="0">
+            <a:endParaRPr kumimoji="0" lang="en-US" sz="4000" b="0" i="0" u="none" strike="noStrike" cap="none" spc="0" normalizeH="0" baseline="0" dirty="0">
               <a:ln>
                 <a:noFill/>
               </a:ln>
@@ -13418,7 +12948,7 @@
     </p:spTree>
     <p:extLst>
       <p:ext uri="{BB962C8B-B14F-4D97-AF65-F5344CB8AC3E}">
-        <p14:creationId xmlns:p14="http://schemas.microsoft.com/office/powerpoint/2010/main" val="1042496644"/>
+        <p14:creationId xmlns:p14="http://schemas.microsoft.com/office/powerpoint/2010/main" val="2114077467"/>
       </p:ext>
     </p:extLst>
   </p:cSld>
@@ -13470,7 +13000,7 @@
           <a:p>
             <a:r>
               <a:rPr lang="en-US" dirty="0" smtClean="0"/>
-              <a:t>Attributes</a:t>
+              <a:t>&lt;p&gt;&lt;/p&gt;</a:t>
             </a:r>
             <a:endParaRPr lang="en-US" dirty="0"/>
           </a:p>
@@ -13488,43 +13018,23 @@
         </p:nvSpPr>
         <p:spPr>
           <a:xfrm>
-            <a:off x="952500" y="2438400"/>
-            <a:ext cx="11099800" cy="4114800"/>
+            <a:off x="952500" y="2590800"/>
+            <a:ext cx="11099800" cy="2895600"/>
           </a:xfrm>
         </p:spPr>
         <p:txBody>
-          <a:bodyPr>
-            <a:normAutofit fontScale="77500" lnSpcReduction="20000"/>
-          </a:bodyPr>
+          <a:bodyPr/>
           <a:lstStyle/>
           <a:p>
             <a:r>
               <a:rPr lang="en-US" dirty="0" smtClean="0"/>
-              <a:t>Key/Value Pairs</a:t>
+              <a:t>Defines Paragraphs</a:t>
             </a:r>
           </a:p>
           <a:p>
             <a:r>
               <a:rPr lang="en-US" dirty="0" smtClean="0"/>
-              <a:t>Keys define the attribute </a:t>
-            </a:r>
-          </a:p>
-          <a:p>
-            <a:r>
-              <a:rPr lang="en-US" dirty="0" smtClean="0"/>
-              <a:t>Values set the value of the attribute</a:t>
-            </a:r>
-          </a:p>
-          <a:p>
-            <a:r>
-              <a:rPr lang="en-US" dirty="0" smtClean="0"/>
-              <a:t>Provides additional info about/Modifies HTML elements</a:t>
-            </a:r>
-          </a:p>
-          <a:p>
-            <a:r>
-              <a:rPr lang="en-US" dirty="0" smtClean="0"/>
-              <a:t>Always specified in the start tag</a:t>
+              <a:t>Small text, usually the bulk of the page content</a:t>
             </a:r>
           </a:p>
         </p:txBody>
@@ -13537,8 +13047,8 @@
         </p:nvSpPr>
         <p:spPr>
           <a:xfrm>
-            <a:off x="1584960" y="7680325"/>
-            <a:ext cx="9235440" cy="656590"/>
+            <a:off x="952500" y="6516178"/>
+            <a:ext cx="11339378" cy="1210588"/>
           </a:xfrm>
           <a:prstGeom prst="rect">
             <a:avLst/>
@@ -13571,22 +13081,7 @@
           </a:bodyPr>
           <a:lstStyle/>
           <a:p>
-            <a:pPr marL="0" marR="0" indent="0" algn="ctr" defTabSz="584200" rtl="0" fontAlgn="auto" latinLnBrk="0" hangingPunct="0">
-              <a:lnSpc>
-                <a:spcPct val="100000"/>
-              </a:lnSpc>
-              <a:spcBef>
-                <a:spcPts val="0"/>
-              </a:spcBef>
-              <a:spcAft>
-                <a:spcPts val="0"/>
-              </a:spcAft>
-              <a:buClrTx/>
-              <a:buSzTx/>
-              <a:buFontTx/>
-              <a:buNone/>
-              <a:tabLst/>
-            </a:pPr>
+            <a:pPr algn="l"/>
             <a:r>
               <a:rPr kumimoji="0" lang="en-US" sz="3600" b="0" i="0" u="none" strike="noStrike" cap="none" spc="0" normalizeH="0" baseline="0" dirty="0" smtClean="0">
                 <a:ln>
@@ -13602,108 +13097,45 @@
                 <a:cs typeface="+mn-cs"/>
                 <a:sym typeface="Helvetica Light"/>
               </a:rPr>
+              <a:t> </a:t>
+            </a:r>
+            <a:r>
+              <a:rPr lang="en-US" dirty="0"/>
               <a:t>&lt;</a:t>
             </a:r>
             <a:r>
-              <a:rPr kumimoji="0" lang="en-US" sz="3600" b="0" i="0" u="none" strike="noStrike" cap="none" spc="0" normalizeH="0" baseline="0" dirty="0" smtClean="0">
-                <a:ln>
-                  <a:noFill/>
-                </a:ln>
+              <a:rPr lang="en-US" dirty="0">
                 <a:solidFill>
                   <a:srgbClr val="FF0000"/>
                 </a:solidFill>
-                <a:effectLst/>
-                <a:uFillTx/>
-                <a:latin typeface="+mn-lt"/>
-                <a:ea typeface="+mn-ea"/>
-                <a:cs typeface="+mn-cs"/>
-                <a:sym typeface="Helvetica Light"/>
-              </a:rPr>
-              <a:t>h1</a:t>
-            </a:r>
-            <a:r>
-              <a:rPr kumimoji="0" lang="en-US" sz="3600" b="0" i="0" u="none" strike="noStrike" cap="none" spc="0" normalizeH="0" dirty="0" smtClean="0">
-                <a:ln>
-                  <a:noFill/>
-                </a:ln>
-                <a:solidFill>
-                  <a:srgbClr val="FFFFFF"/>
-                </a:solidFill>
-                <a:effectLst/>
-                <a:uFillTx/>
-                <a:latin typeface="+mn-lt"/>
-                <a:ea typeface="+mn-ea"/>
-                <a:cs typeface="+mn-cs"/>
-                <a:sym typeface="Helvetica Light"/>
-              </a:rPr>
-              <a:t> </a:t>
-            </a:r>
-            <a:r>
-              <a:rPr kumimoji="0" lang="en-US" sz="3600" b="0" i="0" u="none" strike="noStrike" cap="none" spc="0" normalizeH="0" dirty="0" smtClean="0">
-                <a:ln>
-                  <a:noFill/>
-                </a:ln>
-                <a:solidFill>
-                  <a:srgbClr val="FFC000"/>
-                </a:solidFill>
-                <a:effectLst/>
-                <a:uFillTx/>
-                <a:latin typeface="+mn-lt"/>
-                <a:ea typeface="+mn-ea"/>
-                <a:cs typeface="+mn-cs"/>
-                <a:sym typeface="Helvetica Light"/>
-              </a:rPr>
-              <a:t>align</a:t>
-            </a:r>
-            <a:r>
-              <a:rPr kumimoji="0" lang="en-US" sz="3600" b="0" i="0" u="none" strike="noStrike" cap="none" spc="0" normalizeH="0" dirty="0" smtClean="0">
-                <a:ln>
-                  <a:noFill/>
-                </a:ln>
-                <a:solidFill>
-                  <a:srgbClr val="FFFFFF"/>
-                </a:solidFill>
-                <a:effectLst/>
-                <a:uFillTx/>
-                <a:latin typeface="+mn-lt"/>
-                <a:ea typeface="+mn-ea"/>
-                <a:cs typeface="+mn-cs"/>
-                <a:sym typeface="Helvetica Light"/>
-              </a:rPr>
-              <a:t>=</a:t>
-            </a:r>
-            <a:r>
-              <a:rPr kumimoji="0" lang="en-US" sz="3600" b="0" i="0" u="none" strike="noStrike" cap="none" spc="0" normalizeH="0" dirty="0" smtClean="0">
-                <a:ln>
-                  <a:noFill/>
-                </a:ln>
-                <a:solidFill>
-                  <a:srgbClr val="92D050"/>
-                </a:solidFill>
-                <a:effectLst/>
-                <a:uFillTx/>
-                <a:latin typeface="+mn-lt"/>
-                <a:ea typeface="+mn-ea"/>
-                <a:cs typeface="+mn-cs"/>
-                <a:sym typeface="Helvetica Light"/>
-              </a:rPr>
-              <a:t>“center”</a:t>
-            </a:r>
-            <a:r>
-              <a:rPr kumimoji="0" lang="en-US" sz="3600" b="0" i="0" u="none" strike="noStrike" cap="none" spc="0" normalizeH="0" dirty="0" smtClean="0">
-                <a:ln>
-                  <a:noFill/>
-                </a:ln>
-                <a:solidFill>
-                  <a:srgbClr val="FFFFFF"/>
-                </a:solidFill>
-                <a:effectLst/>
-                <a:uFillTx/>
-                <a:latin typeface="+mn-lt"/>
-                <a:ea typeface="+mn-ea"/>
-                <a:cs typeface="+mn-cs"/>
-                <a:sym typeface="Helvetica Light"/>
-              </a:rPr>
+              </a:rPr>
+              <a:t>p</a:t>
+            </a:r>
+            <a:r>
+              <a:rPr lang="en-US" dirty="0"/>
+              <a:t>&gt;You just wrote a webpage using HTML! </a:t>
+            </a:r>
+          </a:p>
+          <a:p>
+            <a:pPr algn="l"/>
+            <a:r>
+              <a:rPr lang="en-US" dirty="0"/>
+              <a:t>		Next we are going to look at these </a:t>
+            </a:r>
+            <a:r>
+              <a:rPr lang="en-US" dirty="0" smtClean="0"/>
+              <a:t>elements&lt;/</a:t>
+            </a:r>
+            <a:r>
+              <a:rPr lang="en-US" dirty="0">
+                <a:solidFill>
+                  <a:srgbClr val="FF0000"/>
+                </a:solidFill>
+              </a:rPr>
+              <a:t>p</a:t>
+            </a:r>
+            <a:r>
+              <a:rPr lang="en-US" dirty="0"/>
               <a:t>&gt;</a:t>
             </a:r>
             <a:endParaRPr kumimoji="0" lang="en-US" sz="3600" b="0" i="0" u="none" strike="noStrike" cap="none" spc="0" normalizeH="0" baseline="0" dirty="0">
@@ -13726,7 +13158,7 @@
     </p:spTree>
     <p:extLst>
       <p:ext uri="{BB962C8B-B14F-4D97-AF65-F5344CB8AC3E}">
-        <p14:creationId xmlns:p14="http://schemas.microsoft.com/office/powerpoint/2010/main" val="308907976"/>
+        <p14:creationId xmlns:p14="http://schemas.microsoft.com/office/powerpoint/2010/main" val="156010179"/>
       </p:ext>
     </p:extLst>
   </p:cSld>
@@ -13971,51 +13403,50 @@
                   <a:srgbClr val="FF0000"/>
                 </a:solidFill>
               </a:rPr>
-              <a:t>h1 </a:t>
-            </a:r>
-            <a:r>
-              <a:rPr lang="en-US" dirty="0">
-                <a:solidFill>
-                  <a:srgbClr val="FFC000"/>
-                </a:solidFill>
-              </a:rPr>
-              <a:t>align</a:t>
-            </a:r>
-            <a:r>
-              <a:rPr lang="en-US" dirty="0"/>
-              <a:t>=</a:t>
-            </a:r>
-            <a:r>
-              <a:rPr lang="en-US" dirty="0">
-                <a:solidFill>
-                  <a:srgbClr val="92D050"/>
-                </a:solidFill>
-              </a:rPr>
-              <a:t>“center</a:t>
+              <a:t>h1</a:t>
             </a:r>
             <a:r>
               <a:rPr lang="en-US" dirty="0" smtClean="0">
                 <a:solidFill>
-                  <a:srgbClr val="92D050"/>
-                </a:solidFill>
-              </a:rPr>
-              <a:t>”</a:t>
+                  <a:schemeClr val="tx1"/>
+                </a:solidFill>
+              </a:rPr>
+              <a:t>&gt;Hello World!!&lt;/</a:t>
             </a:r>
             <a:r>
               <a:rPr lang="en-US" dirty="0" smtClean="0">
                 <a:solidFill>
+                  <a:srgbClr val="FF0000"/>
+                </a:solidFill>
+              </a:rPr>
+              <a:t>h1</a:t>
+            </a:r>
+            <a:r>
+              <a:rPr lang="en-US" dirty="0" smtClean="0">
+                <a:solidFill>
                   <a:schemeClr val="tx1"/>
                 </a:solidFill>
               </a:rPr>
-              <a:t>&gt;Hello World!!&lt;/</a:t>
-            </a:r>
+              <a:t>&gt;		</a:t>
+            </a:r>
+          </a:p>
+          <a:p>
+            <a:pPr algn="l"/>
             <a:r>
               <a:rPr lang="en-US" dirty="0" smtClean="0">
                 <a:solidFill>
+                  <a:schemeClr val="tx1"/>
+                </a:solidFill>
+              </a:rPr>
+              <a:t>		&lt;</a:t>
+            </a:r>
+            <a:r>
+              <a:rPr lang="en-US" dirty="0" smtClean="0">
+                <a:solidFill>
                   <a:srgbClr val="FF0000"/>
                 </a:solidFill>
               </a:rPr>
-              <a:t>h1</a:t>
+              <a:t>h2</a:t>
             </a:r>
             <a:r>
               <a:rPr lang="en-US" dirty="0" smtClean="0">
@@ -14023,6 +13454,22 @@
                   <a:schemeClr val="tx1"/>
                 </a:solidFill>
               </a:rPr>
+              <a:t>&gt;by: (your name here)&lt;/</a:t>
+            </a:r>
+            <a:r>
+              <a:rPr lang="en-US" dirty="0" smtClean="0">
+                <a:solidFill>
+                  <a:srgbClr val="FF0000"/>
+                </a:solidFill>
+              </a:rPr>
+              <a:t>h2</a:t>
+            </a:r>
+            <a:r>
+              <a:rPr lang="en-US" dirty="0" smtClean="0">
+                <a:solidFill>
+                  <a:schemeClr val="tx1"/>
+                </a:solidFill>
+              </a:rPr>
               <a:t>&gt;		</a:t>
             </a:r>
           </a:p>
@@ -14042,7 +13489,7 @@
                   <a:srgbClr val="FF0000"/>
                 </a:solidFill>
               </a:rPr>
-              <a:t>h2</a:t>
+              <a:t>p</a:t>
             </a:r>
             <a:r>
               <a:rPr lang="en-US" dirty="0" smtClean="0">
@@ -14050,7 +13497,7 @@
                   <a:schemeClr val="tx1"/>
                 </a:solidFill>
               </a:rPr>
-              <a:t>&gt;by: (your name here)&lt;/</a:t>
+              <a:t>&gt;You just wrote a webpage using HTML at &lt;/</a:t>
             </a:r>
             <a:r>
               <a:rPr lang="en-US" dirty="0" smtClean="0">
@@ -14058,7 +13505,7 @@
                   <a:srgbClr val="FF0000"/>
                 </a:solidFill>
               </a:rPr>
-              <a:t>h2</a:t>
+              <a:t>p</a:t>
             </a:r>
             <a:r>
               <a:rPr lang="en-US" dirty="0" smtClean="0">
@@ -14066,50 +13513,7 @@
                   <a:schemeClr val="tx1"/>
                 </a:solidFill>
               </a:rPr>
-              <a:t>&gt;		</a:t>
-            </a:r>
-          </a:p>
-          <a:p>
-            <a:pPr algn="l"/>
-            <a:r>
-              <a:rPr lang="en-US" dirty="0" smtClean="0">
-                <a:solidFill>
-                  <a:schemeClr val="tx1"/>
-                </a:solidFill>
-              </a:rPr>
-              <a:t>		&lt;</a:t>
-            </a:r>
-            <a:r>
-              <a:rPr lang="en-US" dirty="0" smtClean="0">
-                <a:solidFill>
-                  <a:srgbClr val="FF0000"/>
-                </a:solidFill>
-              </a:rPr>
-              <a:t>p</a:t>
-            </a:r>
-            <a:r>
-              <a:rPr lang="en-US" dirty="0" smtClean="0">
-                <a:solidFill>
-                  <a:schemeClr val="tx1"/>
-                </a:solidFill>
-              </a:rPr>
-              <a:t>&gt;You just wrote a webpage using HTML at&lt;/</a:t>
-            </a:r>
-            <a:r>
-              <a:rPr lang="en-US" dirty="0" smtClean="0">
-                <a:solidFill>
-                  <a:srgbClr val="FF0000"/>
-                </a:solidFill>
-              </a:rPr>
-              <a:t>p</a:t>
-            </a:r>
-            <a:r>
-              <a:rPr lang="en-US" dirty="0" smtClean="0">
-                <a:solidFill>
-                  <a:schemeClr val="tx1"/>
-                </a:solidFill>
-              </a:rPr>
-              <a:t>&gt;	</a:t>
+              <a:t>&gt;</a:t>
             </a:r>
           </a:p>
           <a:p>
@@ -14281,7 +13685,7 @@
     </p:spTree>
     <p:extLst>
       <p:ext uri="{BB962C8B-B14F-4D97-AF65-F5344CB8AC3E}">
-        <p14:creationId xmlns:p14="http://schemas.microsoft.com/office/powerpoint/2010/main" val="1060511718"/>
+        <p14:creationId xmlns:p14="http://schemas.microsoft.com/office/powerpoint/2010/main" val="1042496644"/>
       </p:ext>
     </p:extLst>
   </p:cSld>
@@ -14422,216 +13826,8 @@
           <a:lstStyle/>
           <a:p>
             <a:r>
-              <a:rPr lang="en-US" dirty="0"/>
-              <a:t>b</a:t>
-            </a:r>
-            <a:r>
               <a:rPr lang="en-US" dirty="0" smtClean="0"/>
-              <a:t>reak;</a:t>
-            </a:r>
-            <a:endParaRPr lang="en-US" dirty="0"/>
-          </a:p>
-        </p:txBody>
-      </p:sp>
-      <p:sp>
-        <p:nvSpPr>
-          <p:cNvPr id="3" name="Text Placeholder 2"/>
-          <p:cNvSpPr>
-            <a:spLocks noGrp="1"/>
-          </p:cNvSpPr>
-          <p:nvPr>
-            <p:ph type="body" idx="1"/>
-          </p:nvPr>
-        </p:nvSpPr>
-        <p:spPr/>
-        <p:txBody>
-          <a:bodyPr/>
-          <a:lstStyle/>
-          <a:p>
-            <a:pPr marL="0" indent="0" algn="ctr">
-              <a:buNone/>
-            </a:pPr>
-            <a:r>
-              <a:rPr lang="en-US" b="1" dirty="0" smtClean="0"/>
-              <a:t>Can you change the direction of text using HTML attributes?</a:t>
-            </a:r>
-            <a:endParaRPr lang="en-US" b="1" dirty="0"/>
-          </a:p>
-        </p:txBody>
-      </p:sp>
-    </p:spTree>
-    <p:extLst>
-      <p:ext uri="{BB962C8B-B14F-4D97-AF65-F5344CB8AC3E}">
-        <p14:creationId xmlns:p14="http://schemas.microsoft.com/office/powerpoint/2010/main" val="1882489166"/>
-      </p:ext>
-    </p:extLst>
-  </p:cSld>
-  <p:clrMapOvr>
-    <a:masterClrMapping/>
-  </p:clrMapOvr>
-  <p:transition spd="med"/>
-  <p:timing>
-    <p:tnLst>
-      <p:par>
-        <p:cTn id="1" dur="indefinite" restart="never" nodeType="tmRoot"/>
-      </p:par>
-    </p:tnLst>
-  </p:timing>
-</p:sld>
-</file>
-
-<file path=ppt/slides/slide41.xml><?xml version="1.0" encoding="utf-8"?>
-<p:sld xmlns:a="http://schemas.openxmlformats.org/drawingml/2006/main" xmlns:r="http://schemas.openxmlformats.org/officeDocument/2006/relationships" xmlns:p="http://schemas.openxmlformats.org/presentationml/2006/main">
-  <p:cSld>
-    <p:spTree>
-      <p:nvGrpSpPr>
-        <p:cNvPr id="1" name=""/>
-        <p:cNvGrpSpPr/>
-        <p:nvPr/>
-      </p:nvGrpSpPr>
-      <p:grpSpPr>
-        <a:xfrm>
-          <a:off x="0" y="0"/>
-          <a:ext cx="0" cy="0"/>
-          <a:chOff x="0" y="0"/>
-          <a:chExt cx="0" cy="0"/>
-        </a:xfrm>
-      </p:grpSpPr>
-      <p:sp>
-        <p:nvSpPr>
-          <p:cNvPr id="2" name="Title 1"/>
-          <p:cNvSpPr>
-            <a:spLocks noGrp="1"/>
-          </p:cNvSpPr>
-          <p:nvPr>
-            <p:ph type="title"/>
-          </p:nvPr>
-        </p:nvSpPr>
-        <p:spPr/>
-        <p:txBody>
-          <a:bodyPr/>
-          <a:lstStyle/>
-          <a:p>
-            <a:r>
-              <a:rPr lang="en-US" dirty="0"/>
-              <a:t>c</a:t>
-            </a:r>
-            <a:r>
-              <a:rPr lang="en-US" dirty="0" smtClean="0"/>
-              <a:t>ontinue;</a:t>
-            </a:r>
-            <a:endParaRPr lang="en-US" dirty="0"/>
-          </a:p>
-        </p:txBody>
-      </p:sp>
-      <p:sp>
-        <p:nvSpPr>
-          <p:cNvPr id="3" name="Text Placeholder 2"/>
-          <p:cNvSpPr>
-            <a:spLocks noGrp="1"/>
-          </p:cNvSpPr>
-          <p:nvPr>
-            <p:ph type="body" idx="1"/>
-          </p:nvPr>
-        </p:nvSpPr>
-        <p:spPr/>
-        <p:txBody>
-          <a:bodyPr/>
-          <a:lstStyle/>
-          <a:p>
-            <a:pPr marL="0" indent="0" algn="just">
-              <a:buNone/>
-            </a:pPr>
-            <a:r>
-              <a:rPr lang="en-US" dirty="0" smtClean="0"/>
-              <a:t>Yes you can! Using the </a:t>
-            </a:r>
-            <a:r>
-              <a:rPr lang="en-US" dirty="0" err="1" smtClean="0"/>
-              <a:t>dir</a:t>
-            </a:r>
-            <a:r>
-              <a:rPr lang="en-US" dirty="0" smtClean="0"/>
-              <a:t> attribute you can change the direction of the text in an element. There are about 118 different HTML tags though not all are supported by HTML5. And these tags can be modified by many different attributes. </a:t>
-            </a:r>
-            <a:endParaRPr lang="en-US" dirty="0"/>
-          </a:p>
-        </p:txBody>
-      </p:sp>
-    </p:spTree>
-    <p:extLst>
-      <p:ext uri="{BB962C8B-B14F-4D97-AF65-F5344CB8AC3E}">
-        <p14:creationId xmlns:p14="http://schemas.microsoft.com/office/powerpoint/2010/main" val="1729212312"/>
-      </p:ext>
-    </p:extLst>
-  </p:cSld>
-  <p:clrMapOvr>
-    <a:masterClrMapping/>
-  </p:clrMapOvr>
-  <p:transition spd="med"/>
-  <p:timing>
-    <p:tnLst>
-      <p:par>
-        <p:cTn id="1" dur="indefinite" restart="never" nodeType="tmRoot"/>
-      </p:par>
-    </p:tnLst>
-  </p:timing>
-</p:sld>
-</file>
-
-<file path=ppt/slides/slide42.xml><?xml version="1.0" encoding="utf-8"?>
-<p:sld xmlns:a="http://schemas.openxmlformats.org/drawingml/2006/main" xmlns:r="http://schemas.openxmlformats.org/officeDocument/2006/relationships" xmlns:p="http://schemas.openxmlformats.org/presentationml/2006/main">
-  <p:cSld>
-    <p:spTree>
-      <p:nvGrpSpPr>
-        <p:cNvPr id="1" name=""/>
-        <p:cNvGrpSpPr/>
-        <p:nvPr/>
-      </p:nvGrpSpPr>
-      <p:grpSpPr>
-        <a:xfrm>
-          <a:off x="0" y="0"/>
-          <a:ext cx="0" cy="0"/>
-          <a:chOff x="0" y="0"/>
-          <a:chExt cx="0" cy="0"/>
-        </a:xfrm>
-      </p:grpSpPr>
-      <p:sp>
-        <p:nvSpPr>
-          <p:cNvPr id="2" name="Title 1"/>
-          <p:cNvSpPr>
-            <a:spLocks noGrp="1"/>
-          </p:cNvSpPr>
-          <p:nvPr>
-            <p:ph type="title"/>
-          </p:nvPr>
-        </p:nvSpPr>
-        <p:spPr/>
-        <p:txBody>
-          <a:bodyPr>
-            <a:normAutofit/>
-          </a:bodyPr>
-          <a:lstStyle/>
-          <a:p>
-            <a:r>
-              <a:rPr lang="en-US" dirty="0" smtClean="0"/>
-              <a:t>&lt;</a:t>
-            </a:r>
-            <a:r>
-              <a:rPr lang="en-US" dirty="0" err="1" smtClean="0"/>
-              <a:t>ol</a:t>
-            </a:r>
-            <a:r>
-              <a:rPr lang="en-US" dirty="0" smtClean="0"/>
-              <a:t>&gt;&lt;/</a:t>
-            </a:r>
-            <a:r>
-              <a:rPr lang="en-US" dirty="0" err="1" smtClean="0"/>
-              <a:t>ol</a:t>
-            </a:r>
-            <a:r>
-              <a:rPr lang="en-US" dirty="0" smtClean="0"/>
-              <a:t>&gt;</a:t>
+              <a:t>Attributes</a:t>
             </a:r>
             <a:endParaRPr lang="en-US" dirty="0"/>
           </a:p>
@@ -14649,29 +13845,43 @@
         </p:nvSpPr>
         <p:spPr>
           <a:xfrm>
-            <a:off x="952500" y="2590800"/>
-            <a:ext cx="11099800" cy="3398520"/>
+            <a:off x="952500" y="2438400"/>
+            <a:ext cx="11099800" cy="4114800"/>
           </a:xfrm>
         </p:spPr>
         <p:txBody>
-          <a:bodyPr/>
+          <a:bodyPr>
+            <a:normAutofit fontScale="77500" lnSpcReduction="20000"/>
+          </a:bodyPr>
           <a:lstStyle/>
           <a:p>
             <a:r>
               <a:rPr lang="en-US" dirty="0" smtClean="0"/>
-              <a:t>Defines an ordered list</a:t>
+              <a:t>Key/Value Pairs</a:t>
             </a:r>
           </a:p>
           <a:p>
             <a:r>
               <a:rPr lang="en-US" dirty="0" smtClean="0"/>
-              <a:t>Increments numerically as items are added</a:t>
+              <a:t>Keys define the attribute </a:t>
             </a:r>
           </a:p>
           <a:p>
             <a:r>
               <a:rPr lang="en-US" dirty="0" smtClean="0"/>
-              <a:t>Each item needs a &lt;li&gt;&lt;/li&gt; tag</a:t>
+              <a:t>Values set the value of the attribute</a:t>
+            </a:r>
+          </a:p>
+          <a:p>
+            <a:r>
+              <a:rPr lang="en-US" dirty="0" smtClean="0"/>
+              <a:t>Provides additional info about/Modifies HTML elements</a:t>
+            </a:r>
+          </a:p>
+          <a:p>
+            <a:r>
+              <a:rPr lang="en-US" dirty="0" smtClean="0"/>
+              <a:t>Always specified in the start tag</a:t>
             </a:r>
           </a:p>
         </p:txBody>
@@ -14684,8 +13894,8 @@
         </p:nvSpPr>
         <p:spPr>
           <a:xfrm>
-            <a:off x="1874520" y="5944811"/>
-            <a:ext cx="9159240" cy="3426579"/>
+            <a:off x="1584960" y="7680325"/>
+            <a:ext cx="9235440" cy="656590"/>
           </a:xfrm>
           <a:prstGeom prst="rect">
             <a:avLst/>
@@ -14718,7 +13928,7 @@
           </a:bodyPr>
           <a:lstStyle/>
           <a:p>
-            <a:pPr marL="0" marR="0" indent="0" algn="l" defTabSz="584200" rtl="0" fontAlgn="auto" latinLnBrk="0" hangingPunct="0">
+            <a:pPr marL="0" marR="0" indent="0" algn="ctr" defTabSz="584200" rtl="0" fontAlgn="auto" latinLnBrk="0" hangingPunct="0">
               <a:lnSpc>
                 <a:spcPct val="100000"/>
               </a:lnSpc>
@@ -14752,7 +13962,7 @@
               <a:t>&lt;</a:t>
             </a:r>
             <a:r>
-              <a:rPr kumimoji="0" lang="en-US" sz="3600" b="0" i="0" u="none" strike="noStrike" cap="none" spc="0" normalizeH="0" baseline="0" dirty="0" err="1" smtClean="0">
+              <a:rPr kumimoji="0" lang="en-US" sz="3600" b="0" i="0" u="none" strike="noStrike" cap="none" spc="0" normalizeH="0" baseline="0" dirty="0" smtClean="0">
                 <a:ln>
                   <a:noFill/>
                 </a:ln>
@@ -14766,10 +13976,10 @@
                 <a:cs typeface="+mn-cs"/>
                 <a:sym typeface="Helvetica Light"/>
               </a:rPr>
-              <a:t>ol</a:t>
-            </a:r>
-            <a:r>
-              <a:rPr kumimoji="0" lang="en-US" sz="3600" b="0" i="0" u="none" strike="noStrike" cap="none" spc="0" normalizeH="0" baseline="0" dirty="0" smtClean="0">
+              <a:t>h1</a:t>
+            </a:r>
+            <a:r>
+              <a:rPr kumimoji="0" lang="en-US" sz="3600" b="0" i="0" u="none" strike="noStrike" cap="none" spc="0" normalizeH="0" dirty="0" smtClean="0">
                 <a:ln>
                   <a:noFill/>
                 </a:ln>
@@ -14783,79 +13993,15 @@
                 <a:cs typeface="+mn-cs"/>
                 <a:sym typeface="Helvetica Light"/>
               </a:rPr>
-              <a:t>&gt;</a:t>
-            </a:r>
-          </a:p>
-          <a:p>
-            <a:pPr marL="0" marR="0" indent="0" algn="l" defTabSz="584200" rtl="0" fontAlgn="auto" latinLnBrk="0" hangingPunct="0">
-              <a:lnSpc>
-                <a:spcPct val="100000"/>
-              </a:lnSpc>
-              <a:spcBef>
-                <a:spcPts val="0"/>
-              </a:spcBef>
-              <a:spcAft>
-                <a:spcPts val="0"/>
-              </a:spcAft>
-              <a:buClrTx/>
-              <a:buSzTx/>
-              <a:buFontTx/>
-              <a:buNone/>
-              <a:tabLst/>
-            </a:pPr>
-            <a:r>
-              <a:rPr lang="en-US" dirty="0" smtClean="0"/>
-              <a:t>	&lt;</a:t>
-            </a:r>
-            <a:r>
-              <a:rPr lang="en-US" dirty="0" smtClean="0">
-                <a:solidFill>
-                  <a:srgbClr val="FF0000"/>
-                </a:solidFill>
-              </a:rPr>
-              <a:t>li</a:t>
-            </a:r>
-            <a:r>
-              <a:rPr lang="en-US" dirty="0" smtClean="0"/>
-              <a:t>&gt;Create new HTML file&lt;/</a:t>
-            </a:r>
-            <a:r>
-              <a:rPr lang="en-US" dirty="0" smtClean="0">
-                <a:solidFill>
-                  <a:srgbClr val="FF0000"/>
-                </a:solidFill>
-              </a:rPr>
-              <a:t>li</a:t>
-            </a:r>
-            <a:r>
-              <a:rPr lang="en-US" dirty="0" smtClean="0"/>
-              <a:t>&gt;</a:t>
-            </a:r>
-          </a:p>
-          <a:p>
-            <a:pPr marL="0" marR="0" indent="0" algn="l" defTabSz="584200" rtl="0" fontAlgn="auto" latinLnBrk="0" hangingPunct="0">
-              <a:lnSpc>
-                <a:spcPct val="100000"/>
-              </a:lnSpc>
-              <a:spcBef>
-                <a:spcPts val="0"/>
-              </a:spcBef>
-              <a:spcAft>
-                <a:spcPts val="0"/>
-              </a:spcAft>
-              <a:buClrTx/>
-              <a:buSzTx/>
-              <a:buFontTx/>
-              <a:buNone/>
-              <a:tabLst/>
-            </a:pPr>
-            <a:r>
-              <a:rPr kumimoji="0" lang="en-US" sz="3600" b="0" i="0" u="none" strike="noStrike" cap="none" spc="0" normalizeH="0" baseline="0" dirty="0" smtClean="0">
+              <a:t> </a:t>
+            </a:r>
+            <a:r>
+              <a:rPr kumimoji="0" lang="en-US" sz="3600" b="0" i="0" u="none" strike="noStrike" cap="none" spc="0" normalizeH="0" dirty="0" smtClean="0">
                 <a:ln>
                   <a:noFill/>
                 </a:ln>
                 <a:solidFill>
-                  <a:srgbClr val="FFFFFF"/>
+                  <a:srgbClr val="FFC000"/>
                 </a:solidFill>
                 <a:effectLst/>
                 <a:uFillTx/>
@@ -14864,15 +14010,15 @@
                 <a:cs typeface="+mn-cs"/>
                 <a:sym typeface="Helvetica Light"/>
               </a:rPr>
-              <a:t>	&lt;</a:t>
-            </a:r>
-            <a:r>
-              <a:rPr kumimoji="0" lang="en-US" sz="3600" b="0" i="0" u="none" strike="noStrike" cap="none" spc="0" normalizeH="0" baseline="0" dirty="0" smtClean="0">
+              <a:t>align</a:t>
+            </a:r>
+            <a:r>
+              <a:rPr kumimoji="0" lang="en-US" sz="3600" b="0" i="0" u="none" strike="noStrike" cap="none" spc="0" normalizeH="0" dirty="0" smtClean="0">
                 <a:ln>
                   <a:noFill/>
                 </a:ln>
                 <a:solidFill>
-                  <a:srgbClr val="FF0000"/>
+                  <a:srgbClr val="FFFFFF"/>
                 </a:solidFill>
                 <a:effectLst/>
                 <a:uFillTx/>
@@ -14881,15 +14027,15 @@
                 <a:cs typeface="+mn-cs"/>
                 <a:sym typeface="Helvetica Light"/>
               </a:rPr>
-              <a:t>li</a:t>
-            </a:r>
-            <a:r>
-              <a:rPr kumimoji="0" lang="en-US" sz="3600" b="0" i="0" u="none" strike="noStrike" cap="none" spc="0" normalizeH="0" baseline="0" dirty="0" smtClean="0">
+              <a:t>=</a:t>
+            </a:r>
+            <a:r>
+              <a:rPr kumimoji="0" lang="en-US" sz="3600" b="0" i="0" u="none" strike="noStrike" cap="none" spc="0" normalizeH="0" dirty="0" smtClean="0">
                 <a:ln>
                   <a:noFill/>
                 </a:ln>
                 <a:solidFill>
-                  <a:srgbClr val="FFFFFF"/>
+                  <a:srgbClr val="92D050"/>
                 </a:solidFill>
                 <a:effectLst/>
                 <a:uFillTx/>
@@ -14898,7 +14044,7 @@
                 <a:cs typeface="+mn-cs"/>
                 <a:sym typeface="Helvetica Light"/>
               </a:rPr>
-              <a:t>&gt;Add</a:t>
+              <a:t>“center”</a:t>
             </a:r>
             <a:r>
               <a:rPr kumimoji="0" lang="en-US" sz="3600" b="0" i="0" u="none" strike="noStrike" cap="none" spc="0" normalizeH="0" dirty="0" smtClean="0">
@@ -14915,244 +14061,6 @@
                 <a:cs typeface="+mn-cs"/>
                 <a:sym typeface="Helvetica Light"/>
               </a:rPr>
-              <a:t> HTML code&lt;/</a:t>
-            </a:r>
-            <a:r>
-              <a:rPr kumimoji="0" lang="en-US" sz="3600" b="0" i="0" u="none" strike="noStrike" cap="none" spc="0" normalizeH="0" dirty="0" smtClean="0">
-                <a:ln>
-                  <a:noFill/>
-                </a:ln>
-                <a:solidFill>
-                  <a:srgbClr val="FF0000"/>
-                </a:solidFill>
-                <a:effectLst/>
-                <a:uFillTx/>
-                <a:latin typeface="+mn-lt"/>
-                <a:ea typeface="+mn-ea"/>
-                <a:cs typeface="+mn-cs"/>
-                <a:sym typeface="Helvetica Light"/>
-              </a:rPr>
-              <a:t>li</a:t>
-            </a:r>
-            <a:r>
-              <a:rPr kumimoji="0" lang="en-US" sz="3600" b="0" i="0" u="none" strike="noStrike" cap="none" spc="0" normalizeH="0" dirty="0" smtClean="0">
-                <a:ln>
-                  <a:noFill/>
-                </a:ln>
-                <a:solidFill>
-                  <a:srgbClr val="FFFFFF"/>
-                </a:solidFill>
-                <a:effectLst/>
-                <a:uFillTx/>
-                <a:latin typeface="+mn-lt"/>
-                <a:ea typeface="+mn-ea"/>
-                <a:cs typeface="+mn-cs"/>
-                <a:sym typeface="Helvetica Light"/>
-              </a:rPr>
-              <a:t>&gt;</a:t>
-            </a:r>
-          </a:p>
-          <a:p>
-            <a:pPr marL="0" marR="0" indent="0" algn="l" defTabSz="584200" rtl="0" fontAlgn="auto" latinLnBrk="0" hangingPunct="0">
-              <a:lnSpc>
-                <a:spcPct val="100000"/>
-              </a:lnSpc>
-              <a:spcBef>
-                <a:spcPts val="0"/>
-              </a:spcBef>
-              <a:spcAft>
-                <a:spcPts val="0"/>
-              </a:spcAft>
-              <a:buClrTx/>
-              <a:buSzTx/>
-              <a:buFontTx/>
-              <a:buNone/>
-              <a:tabLst/>
-            </a:pPr>
-            <a:r>
-              <a:rPr lang="en-US" baseline="0" dirty="0" smtClean="0"/>
-              <a:t>	&lt;</a:t>
-            </a:r>
-            <a:r>
-              <a:rPr lang="en-US" baseline="0" dirty="0" smtClean="0">
-                <a:solidFill>
-                  <a:srgbClr val="FF0000"/>
-                </a:solidFill>
-              </a:rPr>
-              <a:t>li</a:t>
-            </a:r>
-            <a:r>
-              <a:rPr lang="en-US" baseline="0" dirty="0" smtClean="0"/>
-              <a:t>&gt;Save</a:t>
-            </a:r>
-            <a:r>
-              <a:rPr lang="en-US" dirty="0" smtClean="0"/>
-              <a:t> file&lt;/</a:t>
-            </a:r>
-            <a:r>
-              <a:rPr lang="en-US" dirty="0" smtClean="0">
-                <a:solidFill>
-                  <a:srgbClr val="FF0000"/>
-                </a:solidFill>
-              </a:rPr>
-              <a:t>li</a:t>
-            </a:r>
-            <a:r>
-              <a:rPr lang="en-US" dirty="0" smtClean="0"/>
-              <a:t>&gt;	</a:t>
-            </a:r>
-          </a:p>
-          <a:p>
-            <a:pPr marL="0" marR="0" indent="0" algn="l" defTabSz="584200" rtl="0" fontAlgn="auto" latinLnBrk="0" hangingPunct="0">
-              <a:lnSpc>
-                <a:spcPct val="100000"/>
-              </a:lnSpc>
-              <a:spcBef>
-                <a:spcPts val="0"/>
-              </a:spcBef>
-              <a:spcAft>
-                <a:spcPts val="0"/>
-              </a:spcAft>
-              <a:buClrTx/>
-              <a:buSzTx/>
-              <a:buFontTx/>
-              <a:buNone/>
-              <a:tabLst/>
-            </a:pPr>
-            <a:r>
-              <a:rPr kumimoji="0" lang="en-US" sz="3600" b="0" i="0" u="none" strike="noStrike" cap="none" spc="0" normalizeH="0" baseline="0" dirty="0" smtClean="0">
-                <a:ln>
-                  <a:noFill/>
-                </a:ln>
-                <a:solidFill>
-                  <a:srgbClr val="FFFFFF"/>
-                </a:solidFill>
-                <a:effectLst/>
-                <a:uFillTx/>
-                <a:latin typeface="+mn-lt"/>
-                <a:ea typeface="+mn-ea"/>
-                <a:cs typeface="+mn-cs"/>
-                <a:sym typeface="Helvetica Light"/>
-              </a:rPr>
-              <a:t>	&lt;</a:t>
-            </a:r>
-            <a:r>
-              <a:rPr kumimoji="0" lang="en-US" sz="3600" b="0" i="0" u="none" strike="noStrike" cap="none" spc="0" normalizeH="0" baseline="0" dirty="0" smtClean="0">
-                <a:ln>
-                  <a:noFill/>
-                </a:ln>
-                <a:solidFill>
-                  <a:srgbClr val="FF0000"/>
-                </a:solidFill>
-                <a:effectLst/>
-                <a:uFillTx/>
-                <a:latin typeface="+mn-lt"/>
-                <a:ea typeface="+mn-ea"/>
-                <a:cs typeface="+mn-cs"/>
-                <a:sym typeface="Helvetica Light"/>
-              </a:rPr>
-              <a:t>li</a:t>
-            </a:r>
-            <a:r>
-              <a:rPr kumimoji="0" lang="en-US" sz="3600" b="0" i="0" u="none" strike="noStrike" cap="none" spc="0" normalizeH="0" baseline="0" dirty="0" smtClean="0">
-                <a:ln>
-                  <a:noFill/>
-                </a:ln>
-                <a:solidFill>
-                  <a:srgbClr val="FFFFFF"/>
-                </a:solidFill>
-                <a:effectLst/>
-                <a:uFillTx/>
-                <a:latin typeface="+mn-lt"/>
-                <a:ea typeface="+mn-ea"/>
-                <a:cs typeface="+mn-cs"/>
-                <a:sym typeface="Helvetica Light"/>
-              </a:rPr>
-              <a:t>&gt;Open</a:t>
-            </a:r>
-            <a:r>
-              <a:rPr kumimoji="0" lang="en-US" sz="3600" b="0" i="0" u="none" strike="noStrike" cap="none" spc="0" normalizeH="0" dirty="0" smtClean="0">
-                <a:ln>
-                  <a:noFill/>
-                </a:ln>
-                <a:solidFill>
-                  <a:srgbClr val="FFFFFF"/>
-                </a:solidFill>
-                <a:effectLst/>
-                <a:uFillTx/>
-                <a:latin typeface="+mn-lt"/>
-                <a:ea typeface="+mn-ea"/>
-                <a:cs typeface="+mn-cs"/>
-                <a:sym typeface="Helvetica Light"/>
-              </a:rPr>
-              <a:t> file in browser&lt;/</a:t>
-            </a:r>
-            <a:r>
-              <a:rPr kumimoji="0" lang="en-US" sz="3600" b="0" i="0" u="none" strike="noStrike" cap="none" spc="0" normalizeH="0" dirty="0" smtClean="0">
-                <a:ln>
-                  <a:noFill/>
-                </a:ln>
-                <a:solidFill>
-                  <a:srgbClr val="FF0000"/>
-                </a:solidFill>
-                <a:effectLst/>
-                <a:uFillTx/>
-                <a:latin typeface="+mn-lt"/>
-                <a:ea typeface="+mn-ea"/>
-                <a:cs typeface="+mn-cs"/>
-                <a:sym typeface="Helvetica Light"/>
-              </a:rPr>
-              <a:t>li</a:t>
-            </a:r>
-            <a:r>
-              <a:rPr kumimoji="0" lang="en-US" sz="3600" b="0" i="0" u="none" strike="noStrike" cap="none" spc="0" normalizeH="0" dirty="0" smtClean="0">
-                <a:ln>
-                  <a:noFill/>
-                </a:ln>
-                <a:solidFill>
-                  <a:srgbClr val="FFFFFF"/>
-                </a:solidFill>
-                <a:effectLst/>
-                <a:uFillTx/>
-                <a:latin typeface="+mn-lt"/>
-                <a:ea typeface="+mn-ea"/>
-                <a:cs typeface="+mn-cs"/>
-                <a:sym typeface="Helvetica Light"/>
-              </a:rPr>
-              <a:t>&gt;</a:t>
-            </a:r>
-          </a:p>
-          <a:p>
-            <a:pPr marL="0" marR="0" indent="0" algn="l" defTabSz="584200" rtl="0" fontAlgn="auto" latinLnBrk="0" hangingPunct="0">
-              <a:lnSpc>
-                <a:spcPct val="100000"/>
-              </a:lnSpc>
-              <a:spcBef>
-                <a:spcPts val="0"/>
-              </a:spcBef>
-              <a:spcAft>
-                <a:spcPts val="0"/>
-              </a:spcAft>
-              <a:buClrTx/>
-              <a:buSzTx/>
-              <a:buFontTx/>
-              <a:buNone/>
-              <a:tabLst/>
-            </a:pPr>
-            <a:r>
-              <a:rPr lang="en-US" baseline="0" dirty="0" smtClean="0"/>
-              <a:t>&lt;/</a:t>
-            </a:r>
-            <a:r>
-              <a:rPr lang="en-US" baseline="0" dirty="0" err="1" smtClean="0">
-                <a:solidFill>
-                  <a:srgbClr val="FF0000"/>
-                </a:solidFill>
-              </a:rPr>
-              <a:t>ol</a:t>
-            </a:r>
-            <a:r>
-              <a:rPr lang="en-US" baseline="0" dirty="0" smtClean="0"/>
               <a:t>&gt;</a:t>
             </a:r>
             <a:endParaRPr kumimoji="0" lang="en-US" sz="3600" b="0" i="0" u="none" strike="noStrike" cap="none" spc="0" normalizeH="0" baseline="0" dirty="0">
@@ -15175,7 +14083,7 @@
     </p:spTree>
     <p:extLst>
       <p:ext uri="{BB962C8B-B14F-4D97-AF65-F5344CB8AC3E}">
-        <p14:creationId xmlns:p14="http://schemas.microsoft.com/office/powerpoint/2010/main" val="2063035195"/>
+        <p14:creationId xmlns:p14="http://schemas.microsoft.com/office/powerpoint/2010/main" val="308907976"/>
       </p:ext>
     </p:extLst>
   </p:cSld>
@@ -15193,7 +14101,7 @@
 </p:sld>
 </file>
 
-<file path=ppt/slides/slide43.xml><?xml version="1.0" encoding="utf-8"?>
+<file path=ppt/slides/slide41.xml><?xml version="1.0" encoding="utf-8"?>
 <p:sld xmlns:a="http://schemas.openxmlformats.org/drawingml/2006/main" xmlns:r="http://schemas.openxmlformats.org/officeDocument/2006/relationships" xmlns:p="http://schemas.openxmlformats.org/presentationml/2006/main">
   <p:cSld>
     <p:spTree>
@@ -15252,22 +14160,22 @@
           <a:p>
             <a:pPr algn="l"/>
             <a:r>
-              <a:rPr lang="en-US" sz="3200" dirty="0"/>
+              <a:rPr lang="en-US" dirty="0"/>
               <a:t>&lt;!DOCTYPE html</a:t>
             </a:r>
             <a:r>
-              <a:rPr lang="en-US" sz="3200" dirty="0" smtClean="0"/>
+              <a:rPr lang="en-US" dirty="0" smtClean="0"/>
               <a:t>&gt;</a:t>
             </a:r>
           </a:p>
           <a:p>
             <a:pPr algn="l"/>
             <a:r>
-              <a:rPr lang="en-US" sz="3200" dirty="0" smtClean="0"/>
+              <a:rPr lang="en-US" dirty="0" smtClean="0"/>
               <a:t>&lt;</a:t>
             </a:r>
             <a:r>
-              <a:rPr lang="en-US" sz="3200" dirty="0">
+              <a:rPr lang="en-US" dirty="0">
                 <a:solidFill>
                   <a:srgbClr val="FF0000"/>
                 </a:solidFill>
@@ -15275,15 +14183,15 @@
               <a:t>html</a:t>
             </a:r>
             <a:r>
-              <a:rPr lang="en-US" sz="3200" dirty="0"/>
+              <a:rPr lang="en-US" dirty="0"/>
               <a:t>&gt;	</a:t>
             </a:r>
-            <a:endParaRPr lang="en-US" sz="3200" dirty="0" smtClean="0"/>
+            <a:endParaRPr lang="en-US" dirty="0" smtClean="0"/>
           </a:p>
           <a:p>
             <a:pPr algn="l"/>
             <a:r>
-              <a:rPr lang="en-US" sz="3200" dirty="0" smtClean="0">
+              <a:rPr lang="en-US" dirty="0" smtClean="0">
                 <a:solidFill>
                   <a:schemeClr val="tx1"/>
                 </a:solidFill>
@@ -15291,7 +14199,7 @@
               <a:t>	&lt;</a:t>
             </a:r>
             <a:r>
-              <a:rPr lang="en-US" sz="3200" dirty="0" smtClean="0">
+              <a:rPr lang="en-US" dirty="0" smtClean="0">
                 <a:solidFill>
                   <a:srgbClr val="FF0000"/>
                 </a:solidFill>
@@ -15299,7 +14207,7 @@
               <a:t>head</a:t>
             </a:r>
             <a:r>
-              <a:rPr lang="en-US" sz="3200" dirty="0" smtClean="0">
+              <a:rPr lang="en-US" dirty="0" smtClean="0">
                 <a:solidFill>
                   <a:schemeClr val="tx1"/>
                 </a:solidFill>
@@ -15310,7 +14218,7 @@
           <a:p>
             <a:pPr algn="l"/>
             <a:r>
-              <a:rPr lang="en-US" sz="3200" dirty="0" smtClean="0">
+              <a:rPr lang="en-US" dirty="0" smtClean="0">
                 <a:solidFill>
                   <a:schemeClr val="tx1"/>
                 </a:solidFill>
@@ -15318,7 +14226,7 @@
               <a:t>		&lt;</a:t>
             </a:r>
             <a:r>
-              <a:rPr lang="en-US" sz="3200" dirty="0" smtClean="0">
+              <a:rPr lang="en-US" dirty="0" smtClean="0">
                 <a:solidFill>
                   <a:srgbClr val="FF0000"/>
                 </a:solidFill>
@@ -15326,7 +14234,7 @@
               <a:t>title</a:t>
             </a:r>
             <a:r>
-              <a:rPr lang="en-US" sz="3200" dirty="0" smtClean="0">
+              <a:rPr lang="en-US" dirty="0" smtClean="0">
                 <a:solidFill>
                   <a:schemeClr val="tx1"/>
                 </a:solidFill>
@@ -15334,7 +14242,7 @@
               <a:t>&gt;First Web Page&lt;/</a:t>
             </a:r>
             <a:r>
-              <a:rPr lang="en-US" sz="3200" dirty="0" smtClean="0">
+              <a:rPr lang="en-US" dirty="0" smtClean="0">
                 <a:solidFill>
                   <a:srgbClr val="FF0000"/>
                 </a:solidFill>
@@ -15342,7 +14250,7 @@
               <a:t>title</a:t>
             </a:r>
             <a:r>
-              <a:rPr lang="en-US" sz="3200" dirty="0" smtClean="0">
+              <a:rPr lang="en-US" dirty="0" smtClean="0">
                 <a:solidFill>
                   <a:schemeClr val="tx1"/>
                 </a:solidFill>
@@ -15353,7 +14261,7 @@
           <a:p>
             <a:pPr algn="l"/>
             <a:r>
-              <a:rPr lang="en-US" sz="3200" dirty="0" smtClean="0">
+              <a:rPr lang="en-US" dirty="0" smtClean="0">
                 <a:solidFill>
                   <a:schemeClr val="tx1"/>
                 </a:solidFill>
@@ -15361,7 +14269,7 @@
               <a:t>	&lt;/</a:t>
             </a:r>
             <a:r>
-              <a:rPr lang="en-US" sz="3200" dirty="0" smtClean="0">
+              <a:rPr lang="en-US" dirty="0" smtClean="0">
                 <a:solidFill>
                   <a:srgbClr val="FF0000"/>
                 </a:solidFill>
@@ -15369,7 +14277,7 @@
               <a:t>head</a:t>
             </a:r>
             <a:r>
-              <a:rPr lang="en-US" sz="3200" dirty="0" smtClean="0">
+              <a:rPr lang="en-US" dirty="0" smtClean="0">
                 <a:solidFill>
                   <a:schemeClr val="tx1"/>
                 </a:solidFill>
@@ -15380,7 +14288,7 @@
           <a:p>
             <a:pPr algn="l"/>
             <a:r>
-              <a:rPr lang="en-US" sz="3200" dirty="0" smtClean="0">
+              <a:rPr lang="en-US" dirty="0" smtClean="0">
                 <a:solidFill>
                   <a:schemeClr val="tx1"/>
                 </a:solidFill>
@@ -15388,7 +14296,7 @@
               <a:t>	&lt;</a:t>
             </a:r>
             <a:r>
-              <a:rPr lang="en-US" sz="3200" dirty="0" smtClean="0">
+              <a:rPr lang="en-US" dirty="0" smtClean="0">
                 <a:solidFill>
                   <a:srgbClr val="FF0000"/>
                 </a:solidFill>
@@ -15396,7 +14304,7 @@
               <a:t>body</a:t>
             </a:r>
             <a:r>
-              <a:rPr lang="en-US" sz="3200" dirty="0" smtClean="0">
+              <a:rPr lang="en-US" dirty="0" smtClean="0">
                 <a:solidFill>
                   <a:schemeClr val="tx1"/>
                 </a:solidFill>
@@ -15407,7 +14315,7 @@
           <a:p>
             <a:pPr algn="l"/>
             <a:r>
-              <a:rPr lang="en-US" sz="3200" dirty="0" smtClean="0">
+              <a:rPr lang="en-US" dirty="0" smtClean="0">
                 <a:solidFill>
                   <a:schemeClr val="tx1"/>
                 </a:solidFill>
@@ -15415,7 +14323,7 @@
               <a:t>		&lt;</a:t>
             </a:r>
             <a:r>
-              <a:rPr lang="en-US" sz="3200" dirty="0" smtClean="0">
+              <a:rPr lang="en-US" dirty="0" smtClean="0">
                 <a:solidFill>
                   <a:srgbClr val="FF0000"/>
                 </a:solidFill>
@@ -15423,7 +14331,7 @@
               <a:t>h1 </a:t>
             </a:r>
             <a:r>
-              <a:rPr lang="en-US" sz="3200" dirty="0">
+              <a:rPr lang="en-US" dirty="0">
                 <a:solidFill>
                   <a:srgbClr val="FFC000"/>
                 </a:solidFill>
@@ -15431,11 +14339,11 @@
               <a:t>align</a:t>
             </a:r>
             <a:r>
-              <a:rPr lang="en-US" sz="3200" dirty="0"/>
+              <a:rPr lang="en-US" dirty="0"/>
               <a:t>=</a:t>
             </a:r>
             <a:r>
-              <a:rPr lang="en-US" sz="3200" dirty="0">
+              <a:rPr lang="en-US" dirty="0">
                 <a:solidFill>
                   <a:srgbClr val="92D050"/>
                 </a:solidFill>
@@ -15443,7 +14351,7 @@
               <a:t>“center</a:t>
             </a:r>
             <a:r>
-              <a:rPr lang="en-US" sz="3200" dirty="0" smtClean="0">
+              <a:rPr lang="en-US" dirty="0" smtClean="0">
                 <a:solidFill>
                   <a:srgbClr val="92D050"/>
                 </a:solidFill>
@@ -15451,7 +14359,7 @@
               <a:t>”</a:t>
             </a:r>
             <a:r>
-              <a:rPr lang="en-US" sz="3200" dirty="0" smtClean="0">
+              <a:rPr lang="en-US" dirty="0" smtClean="0">
                 <a:solidFill>
                   <a:schemeClr val="tx1"/>
                 </a:solidFill>
@@ -15459,7 +14367,7 @@
               <a:t>&gt;Hello World!!&lt;/</a:t>
             </a:r>
             <a:r>
-              <a:rPr lang="en-US" sz="3200" dirty="0" smtClean="0">
+              <a:rPr lang="en-US" dirty="0" smtClean="0">
                 <a:solidFill>
                   <a:srgbClr val="FF0000"/>
                 </a:solidFill>
@@ -15467,7 +14375,7 @@
               <a:t>h1</a:t>
             </a:r>
             <a:r>
-              <a:rPr lang="en-US" sz="3200" dirty="0" smtClean="0">
+              <a:rPr lang="en-US" dirty="0" smtClean="0">
                 <a:solidFill>
                   <a:schemeClr val="tx1"/>
                 </a:solidFill>
@@ -15478,7 +14386,7 @@
           <a:p>
             <a:pPr algn="l"/>
             <a:r>
-              <a:rPr lang="en-US" sz="3200" dirty="0" smtClean="0">
+              <a:rPr lang="en-US" dirty="0" smtClean="0">
                 <a:solidFill>
                   <a:schemeClr val="tx1"/>
                 </a:solidFill>
@@ -15486,7 +14394,7 @@
               <a:t>		&lt;</a:t>
             </a:r>
             <a:r>
-              <a:rPr lang="en-US" sz="3200" dirty="0" smtClean="0">
+              <a:rPr lang="en-US" dirty="0" smtClean="0">
                 <a:solidFill>
                   <a:srgbClr val="FF0000"/>
                 </a:solidFill>
@@ -15494,7 +14402,7 @@
               <a:t>h2</a:t>
             </a:r>
             <a:r>
-              <a:rPr lang="en-US" sz="3200" dirty="0" smtClean="0">
+              <a:rPr lang="en-US" dirty="0" smtClean="0">
                 <a:solidFill>
                   <a:schemeClr val="tx1"/>
                 </a:solidFill>
@@ -15502,7 +14410,7 @@
               <a:t>&gt;by: (your name here)&lt;/</a:t>
             </a:r>
             <a:r>
-              <a:rPr lang="en-US" sz="3200" dirty="0" smtClean="0">
+              <a:rPr lang="en-US" dirty="0" smtClean="0">
                 <a:solidFill>
                   <a:srgbClr val="FF0000"/>
                 </a:solidFill>
@@ -15510,7 +14418,7 @@
               <a:t>h2</a:t>
             </a:r>
             <a:r>
-              <a:rPr lang="en-US" sz="3200" dirty="0" smtClean="0">
+              <a:rPr lang="en-US" dirty="0" smtClean="0">
                 <a:solidFill>
                   <a:schemeClr val="tx1"/>
                 </a:solidFill>
@@ -15521,7 +14429,7 @@
           <a:p>
             <a:pPr algn="l"/>
             <a:r>
-              <a:rPr lang="en-US" sz="3200" dirty="0" smtClean="0">
+              <a:rPr lang="en-US" dirty="0" smtClean="0">
                 <a:solidFill>
                   <a:schemeClr val="tx1"/>
                 </a:solidFill>
@@ -15529,7 +14437,7 @@
               <a:t>		&lt;</a:t>
             </a:r>
             <a:r>
-              <a:rPr lang="en-US" sz="3200" dirty="0" smtClean="0">
+              <a:rPr lang="en-US" dirty="0" smtClean="0">
                 <a:solidFill>
                   <a:srgbClr val="FF0000"/>
                 </a:solidFill>
@@ -15537,7 +14445,7 @@
               <a:t>p</a:t>
             </a:r>
             <a:r>
-              <a:rPr lang="en-US" sz="3200" dirty="0" smtClean="0">
+              <a:rPr lang="en-US" dirty="0" smtClean="0">
                 <a:solidFill>
                   <a:schemeClr val="tx1"/>
                 </a:solidFill>
@@ -15545,7 +14453,7 @@
               <a:t>&gt;You just wrote a webpage using HTML at&lt;/</a:t>
             </a:r>
             <a:r>
-              <a:rPr lang="en-US" sz="3200" dirty="0" smtClean="0">
+              <a:rPr lang="en-US" dirty="0" smtClean="0">
                 <a:solidFill>
                   <a:srgbClr val="FF0000"/>
                 </a:solidFill>
@@ -15553,246 +14461,60 @@
               <a:t>p</a:t>
             </a:r>
             <a:r>
-              <a:rPr lang="en-US" sz="3200" dirty="0" smtClean="0">
+              <a:rPr lang="en-US" dirty="0" smtClean="0">
                 <a:solidFill>
                   <a:schemeClr val="tx1"/>
                 </a:solidFill>
               </a:rPr>
+              <a:t>&gt;	</a:t>
+            </a:r>
+          </a:p>
+          <a:p>
+            <a:pPr algn="l"/>
+            <a:r>
+              <a:rPr lang="en-US" dirty="0" smtClean="0">
+                <a:solidFill>
+                  <a:schemeClr val="tx1"/>
+                </a:solidFill>
+              </a:rPr>
+              <a:t>	&lt;/</a:t>
+            </a:r>
+            <a:r>
+              <a:rPr lang="en-US" dirty="0" smtClean="0">
+                <a:solidFill>
+                  <a:srgbClr val="FF0000"/>
+                </a:solidFill>
+              </a:rPr>
+              <a:t>body</a:t>
+            </a:r>
+            <a:r>
+              <a:rPr lang="en-US" dirty="0" smtClean="0">
+                <a:solidFill>
+                  <a:schemeClr val="tx1"/>
+                </a:solidFill>
+              </a:rPr>
               <a:t>&gt;</a:t>
             </a:r>
           </a:p>
           <a:p>
             <a:pPr algn="l"/>
             <a:r>
-              <a:rPr lang="en-US" sz="3200" dirty="0" smtClean="0">
-                <a:solidFill>
-                  <a:schemeClr val="tx1"/>
-                </a:solidFill>
-              </a:rPr>
-              <a:t>		</a:t>
-            </a:r>
-            <a:r>
-              <a:rPr lang="en-US" sz="3200" dirty="0" smtClean="0"/>
-              <a:t>&lt;</a:t>
-            </a:r>
-            <a:r>
-              <a:rPr lang="en-US" sz="3200" dirty="0" err="1">
+              <a:rPr lang="en-US" dirty="0" smtClean="0"/>
+              <a:t>&lt;/</a:t>
+            </a:r>
+            <a:r>
+              <a:rPr lang="en-US" dirty="0">
                 <a:solidFill>
                   <a:srgbClr val="FF0000"/>
                 </a:solidFill>
               </a:rPr>
-              <a:t>ol</a:t>
-            </a:r>
-            <a:r>
-              <a:rPr lang="en-US" sz="3200" dirty="0"/>
+              <a:t>html</a:t>
+            </a:r>
+            <a:r>
+              <a:rPr lang="en-US" dirty="0"/>
               <a:t>&gt;</a:t>
             </a:r>
-          </a:p>
-          <a:p>
-            <a:pPr algn="l"/>
-            <a:r>
-              <a:rPr lang="en-US" sz="3200" dirty="0"/>
-              <a:t>	</a:t>
-            </a:r>
-            <a:r>
-              <a:rPr lang="en-US" sz="3200" dirty="0" smtClean="0"/>
-              <a:t>		&lt;</a:t>
-            </a:r>
-            <a:r>
-              <a:rPr lang="en-US" sz="3200" dirty="0">
-                <a:solidFill>
-                  <a:srgbClr val="FF0000"/>
-                </a:solidFill>
-              </a:rPr>
-              <a:t>li</a:t>
-            </a:r>
-            <a:r>
-              <a:rPr lang="en-US" sz="3200" dirty="0"/>
-              <a:t>&gt;Create new HTML file&lt;/</a:t>
-            </a:r>
-            <a:r>
-              <a:rPr lang="en-US" sz="3200" dirty="0">
-                <a:solidFill>
-                  <a:srgbClr val="FF0000"/>
-                </a:solidFill>
-              </a:rPr>
-              <a:t>li</a:t>
-            </a:r>
-            <a:r>
-              <a:rPr lang="en-US" sz="3200" dirty="0"/>
-              <a:t>&gt;</a:t>
-            </a:r>
-          </a:p>
-          <a:p>
-            <a:pPr algn="l"/>
-            <a:r>
-              <a:rPr lang="en-US" sz="3200" dirty="0"/>
-              <a:t>	</a:t>
-            </a:r>
-            <a:r>
-              <a:rPr lang="en-US" sz="3200" dirty="0" smtClean="0"/>
-              <a:t>		&lt;</a:t>
-            </a:r>
-            <a:r>
-              <a:rPr lang="en-US" sz="3200" dirty="0">
-                <a:solidFill>
-                  <a:srgbClr val="FF0000"/>
-                </a:solidFill>
-              </a:rPr>
-              <a:t>li</a:t>
-            </a:r>
-            <a:r>
-              <a:rPr lang="en-US" sz="3200" dirty="0"/>
-              <a:t>&gt;Add HTML code&lt;/</a:t>
-            </a:r>
-            <a:r>
-              <a:rPr lang="en-US" sz="3200" dirty="0">
-                <a:solidFill>
-                  <a:srgbClr val="FF0000"/>
-                </a:solidFill>
-              </a:rPr>
-              <a:t>li</a:t>
-            </a:r>
-            <a:r>
-              <a:rPr lang="en-US" sz="3200" dirty="0"/>
-              <a:t>&gt;</a:t>
-            </a:r>
-          </a:p>
-          <a:p>
-            <a:pPr algn="l"/>
-            <a:r>
-              <a:rPr lang="en-US" sz="3200" dirty="0"/>
-              <a:t>	</a:t>
-            </a:r>
-            <a:r>
-              <a:rPr lang="en-US" sz="3200" dirty="0" smtClean="0"/>
-              <a:t>		&lt;</a:t>
-            </a:r>
-            <a:r>
-              <a:rPr lang="en-US" sz="3200" dirty="0">
-                <a:solidFill>
-                  <a:srgbClr val="FF0000"/>
-                </a:solidFill>
-              </a:rPr>
-              <a:t>li</a:t>
-            </a:r>
-            <a:r>
-              <a:rPr lang="en-US" sz="3200" dirty="0"/>
-              <a:t>&gt;Save file&lt;/</a:t>
-            </a:r>
-            <a:r>
-              <a:rPr lang="en-US" sz="3200" dirty="0">
-                <a:solidFill>
-                  <a:srgbClr val="FF0000"/>
-                </a:solidFill>
-              </a:rPr>
-              <a:t>li</a:t>
-            </a:r>
-            <a:r>
-              <a:rPr lang="en-US" sz="3200" dirty="0"/>
-              <a:t>&gt;	</a:t>
-            </a:r>
-          </a:p>
-          <a:p>
-            <a:pPr algn="l"/>
-            <a:r>
-              <a:rPr lang="en-US" sz="3200" dirty="0"/>
-              <a:t>	</a:t>
-            </a:r>
-            <a:r>
-              <a:rPr lang="en-US" sz="3200" dirty="0" smtClean="0"/>
-              <a:t>		&lt;</a:t>
-            </a:r>
-            <a:r>
-              <a:rPr lang="en-US" sz="3200" dirty="0">
-                <a:solidFill>
-                  <a:srgbClr val="FF0000"/>
-                </a:solidFill>
-              </a:rPr>
-              <a:t>li</a:t>
-            </a:r>
-            <a:r>
-              <a:rPr lang="en-US" sz="3200" dirty="0"/>
-              <a:t>&gt;Open file in browser&lt;/</a:t>
-            </a:r>
-            <a:r>
-              <a:rPr lang="en-US" sz="3200" dirty="0">
-                <a:solidFill>
-                  <a:srgbClr val="FF0000"/>
-                </a:solidFill>
-              </a:rPr>
-              <a:t>li</a:t>
-            </a:r>
-            <a:r>
-              <a:rPr lang="en-US" sz="3200" dirty="0"/>
-              <a:t>&gt;</a:t>
-            </a:r>
-          </a:p>
-          <a:p>
-            <a:pPr algn="l"/>
-            <a:r>
-              <a:rPr lang="en-US" sz="3200" dirty="0" smtClean="0"/>
-              <a:t>		&lt;/</a:t>
-            </a:r>
-            <a:r>
-              <a:rPr lang="en-US" sz="3200" dirty="0" err="1">
-                <a:solidFill>
-                  <a:srgbClr val="FF0000"/>
-                </a:solidFill>
-              </a:rPr>
-              <a:t>ol</a:t>
-            </a:r>
-            <a:r>
-              <a:rPr lang="en-US" sz="3200" dirty="0"/>
-              <a:t>&gt;</a:t>
-            </a:r>
-          </a:p>
-          <a:p>
-            <a:pPr algn="l"/>
-            <a:r>
-              <a:rPr lang="en-US" sz="3200" dirty="0" smtClean="0">
-                <a:solidFill>
-                  <a:schemeClr val="tx1"/>
-                </a:solidFill>
-              </a:rPr>
-              <a:t>	&lt;/</a:t>
-            </a:r>
-            <a:r>
-              <a:rPr lang="en-US" sz="3200" dirty="0" smtClean="0">
-                <a:solidFill>
-                  <a:srgbClr val="FF0000"/>
-                </a:solidFill>
-              </a:rPr>
-              <a:t>body</a:t>
-            </a:r>
-            <a:r>
-              <a:rPr lang="en-US" sz="3200" dirty="0" smtClean="0">
-                <a:solidFill>
-                  <a:schemeClr val="tx1"/>
-                </a:solidFill>
-              </a:rPr>
-              <a:t>&gt;</a:t>
-            </a:r>
-          </a:p>
-          <a:p>
-            <a:pPr algn="l"/>
-            <a:r>
-              <a:rPr lang="en-US" sz="3200" dirty="0" smtClean="0"/>
-              <a:t>&lt;/</a:t>
-            </a:r>
-            <a:r>
-              <a:rPr lang="en-US" sz="3200" dirty="0">
-                <a:solidFill>
-                  <a:srgbClr val="FF0000"/>
-                </a:solidFill>
-              </a:rPr>
-              <a:t>html</a:t>
-            </a:r>
-            <a:r>
-              <a:rPr lang="en-US" sz="3200" dirty="0"/>
-              <a:t>&gt;</a:t>
-            </a:r>
-            <a:endParaRPr kumimoji="0" lang="en-US" sz="3200" b="0" i="0" u="none" strike="noStrike" cap="none" spc="0" normalizeH="0" baseline="0" dirty="0">
+            <a:endParaRPr kumimoji="0" lang="en-US" b="0" i="0" u="none" strike="noStrike" cap="none" spc="0" normalizeH="0" baseline="0" dirty="0">
               <a:ln>
                 <a:noFill/>
               </a:ln>
@@ -15916,7 +14638,197 @@
     </p:spTree>
     <p:extLst>
       <p:ext uri="{BB962C8B-B14F-4D97-AF65-F5344CB8AC3E}">
-        <p14:creationId xmlns:p14="http://schemas.microsoft.com/office/powerpoint/2010/main" val="1839450652"/>
+        <p14:creationId xmlns:p14="http://schemas.microsoft.com/office/powerpoint/2010/main" val="1060511718"/>
+      </p:ext>
+    </p:extLst>
+  </p:cSld>
+  <p:clrMapOvr>
+    <a:masterClrMapping/>
+  </p:clrMapOvr>
+  <p:transition spd="med"/>
+  <p:timing>
+    <p:tnLst>
+      <p:par>
+        <p:cTn id="1" dur="indefinite" restart="never" nodeType="tmRoot"/>
+      </p:par>
+    </p:tnLst>
+  </p:timing>
+</p:sld>
+</file>
+
+<file path=ppt/slides/slide42.xml><?xml version="1.0" encoding="utf-8"?>
+<p:sld xmlns:a="http://schemas.openxmlformats.org/drawingml/2006/main" xmlns:r="http://schemas.openxmlformats.org/officeDocument/2006/relationships" xmlns:p="http://schemas.openxmlformats.org/presentationml/2006/main">
+  <p:cSld>
+    <p:spTree>
+      <p:nvGrpSpPr>
+        <p:cNvPr id="1" name=""/>
+        <p:cNvGrpSpPr/>
+        <p:nvPr/>
+      </p:nvGrpSpPr>
+      <p:grpSpPr>
+        <a:xfrm>
+          <a:off x="0" y="0"/>
+          <a:ext cx="0" cy="0"/>
+          <a:chOff x="0" y="0"/>
+          <a:chExt cx="0" cy="0"/>
+        </a:xfrm>
+      </p:grpSpPr>
+      <p:sp>
+        <p:nvSpPr>
+          <p:cNvPr id="2" name="Title 1"/>
+          <p:cNvSpPr>
+            <a:spLocks noGrp="1"/>
+          </p:cNvSpPr>
+          <p:nvPr>
+            <p:ph type="title"/>
+          </p:nvPr>
+        </p:nvSpPr>
+        <p:spPr/>
+        <p:txBody>
+          <a:bodyPr/>
+          <a:lstStyle/>
+          <a:p>
+            <a:r>
+              <a:rPr lang="en-US" dirty="0"/>
+              <a:t>b</a:t>
+            </a:r>
+            <a:r>
+              <a:rPr lang="en-US" dirty="0" smtClean="0"/>
+              <a:t>reak;</a:t>
+            </a:r>
+            <a:endParaRPr lang="en-US" dirty="0"/>
+          </a:p>
+        </p:txBody>
+      </p:sp>
+      <p:sp>
+        <p:nvSpPr>
+          <p:cNvPr id="3" name="Text Placeholder 2"/>
+          <p:cNvSpPr>
+            <a:spLocks noGrp="1"/>
+          </p:cNvSpPr>
+          <p:nvPr>
+            <p:ph type="body" idx="1"/>
+          </p:nvPr>
+        </p:nvSpPr>
+        <p:spPr/>
+        <p:txBody>
+          <a:bodyPr/>
+          <a:lstStyle/>
+          <a:p>
+            <a:pPr marL="0" indent="0" algn="ctr">
+              <a:buNone/>
+            </a:pPr>
+            <a:r>
+              <a:rPr lang="en-US" b="1" dirty="0" smtClean="0"/>
+              <a:t>Can you change the direction of text using HTML attributes?</a:t>
+            </a:r>
+            <a:endParaRPr lang="en-US" b="1" dirty="0"/>
+          </a:p>
+        </p:txBody>
+      </p:sp>
+    </p:spTree>
+    <p:extLst>
+      <p:ext uri="{BB962C8B-B14F-4D97-AF65-F5344CB8AC3E}">
+        <p14:creationId xmlns:p14="http://schemas.microsoft.com/office/powerpoint/2010/main" val="1882489166"/>
+      </p:ext>
+    </p:extLst>
+  </p:cSld>
+  <p:clrMapOvr>
+    <a:masterClrMapping/>
+  </p:clrMapOvr>
+  <p:transition spd="med"/>
+  <p:timing>
+    <p:tnLst>
+      <p:par>
+        <p:cTn id="1" dur="indefinite" restart="never" nodeType="tmRoot"/>
+      </p:par>
+    </p:tnLst>
+  </p:timing>
+</p:sld>
+</file>
+
+<file path=ppt/slides/slide43.xml><?xml version="1.0" encoding="utf-8"?>
+<p:sld xmlns:a="http://schemas.openxmlformats.org/drawingml/2006/main" xmlns:r="http://schemas.openxmlformats.org/officeDocument/2006/relationships" xmlns:p="http://schemas.openxmlformats.org/presentationml/2006/main">
+  <p:cSld>
+    <p:spTree>
+      <p:nvGrpSpPr>
+        <p:cNvPr id="1" name=""/>
+        <p:cNvGrpSpPr/>
+        <p:nvPr/>
+      </p:nvGrpSpPr>
+      <p:grpSpPr>
+        <a:xfrm>
+          <a:off x="0" y="0"/>
+          <a:ext cx="0" cy="0"/>
+          <a:chOff x="0" y="0"/>
+          <a:chExt cx="0" cy="0"/>
+        </a:xfrm>
+      </p:grpSpPr>
+      <p:sp>
+        <p:nvSpPr>
+          <p:cNvPr id="2" name="Title 1"/>
+          <p:cNvSpPr>
+            <a:spLocks noGrp="1"/>
+          </p:cNvSpPr>
+          <p:nvPr>
+            <p:ph type="title"/>
+          </p:nvPr>
+        </p:nvSpPr>
+        <p:spPr/>
+        <p:txBody>
+          <a:bodyPr/>
+          <a:lstStyle/>
+          <a:p>
+            <a:r>
+              <a:rPr lang="en-US" dirty="0"/>
+              <a:t>c</a:t>
+            </a:r>
+            <a:r>
+              <a:rPr lang="en-US" dirty="0" smtClean="0"/>
+              <a:t>ontinue;</a:t>
+            </a:r>
+            <a:endParaRPr lang="en-US" dirty="0"/>
+          </a:p>
+        </p:txBody>
+      </p:sp>
+      <p:sp>
+        <p:nvSpPr>
+          <p:cNvPr id="3" name="Text Placeholder 2"/>
+          <p:cNvSpPr>
+            <a:spLocks noGrp="1"/>
+          </p:cNvSpPr>
+          <p:nvPr>
+            <p:ph type="body" idx="1"/>
+          </p:nvPr>
+        </p:nvSpPr>
+        <p:spPr/>
+        <p:txBody>
+          <a:bodyPr/>
+          <a:lstStyle/>
+          <a:p>
+            <a:pPr marL="0" indent="0" algn="just">
+              <a:buNone/>
+            </a:pPr>
+            <a:r>
+              <a:rPr lang="en-US" dirty="0" smtClean="0"/>
+              <a:t>Yes you can! Using the </a:t>
+            </a:r>
+            <a:r>
+              <a:rPr lang="en-US" dirty="0" err="1" smtClean="0"/>
+              <a:t>dir</a:t>
+            </a:r>
+            <a:r>
+              <a:rPr lang="en-US" dirty="0" smtClean="0"/>
+              <a:t> attribute you can change the direction of the text in an element. There are about 118 different HTML tags though not all are supported by HTML5. And these tags can be modified by many different attributes. </a:t>
+            </a:r>
+            <a:endParaRPr lang="en-US" dirty="0"/>
+          </a:p>
+        </p:txBody>
+      </p:sp>
+    </p:spTree>
+    <p:extLst>
+      <p:ext uri="{BB962C8B-B14F-4D97-AF65-F5344CB8AC3E}">
+        <p14:creationId xmlns:p14="http://schemas.microsoft.com/office/powerpoint/2010/main" val="1729212312"/>
       </p:ext>
     </p:extLst>
   </p:cSld>
@@ -15963,7 +14875,9 @@
         </p:nvSpPr>
         <p:spPr/>
         <p:txBody>
-          <a:bodyPr/>
+          <a:bodyPr>
+            <a:normAutofit/>
+          </a:bodyPr>
           <a:lstStyle/>
           <a:p>
             <a:r>
@@ -15972,7 +14886,7 @@
             </a:r>
             <a:r>
               <a:rPr lang="en-US" dirty="0" err="1" smtClean="0"/>
-              <a:t>ul</a:t>
+              <a:t>ol</a:t>
             </a:r>
             <a:r>
               <a:rPr lang="en-US" dirty="0" smtClean="0"/>
@@ -15980,7 +14894,7 @@
             </a:r>
             <a:r>
               <a:rPr lang="en-US" dirty="0" err="1" smtClean="0"/>
-              <a:t>ul</a:t>
+              <a:t>ol</a:t>
             </a:r>
             <a:r>
               <a:rPr lang="en-US" dirty="0" smtClean="0"/>
@@ -16003,7 +14917,7 @@
         <p:spPr>
           <a:xfrm>
             <a:off x="952500" y="2590800"/>
-            <a:ext cx="11099800" cy="3368040"/>
+            <a:ext cx="11099800" cy="3398520"/>
           </a:xfrm>
         </p:spPr>
         <p:txBody>
@@ -16012,34 +14926,33 @@
           <a:p>
             <a:r>
               <a:rPr lang="en-US" dirty="0" smtClean="0"/>
-              <a:t>Defines unordered list</a:t>
+              <a:t>Defines an ordered list</a:t>
             </a:r>
           </a:p>
           <a:p>
             <a:r>
               <a:rPr lang="en-US" dirty="0" smtClean="0"/>
-              <a:t>Bullet-points items added</a:t>
+              <a:t>Increments numerically as items are added</a:t>
             </a:r>
           </a:p>
           <a:p>
             <a:r>
               <a:rPr lang="en-US" dirty="0" smtClean="0"/>
-              <a:t>Each item needs &lt;li&gt;&lt;/li&gt; tag</a:t>
-            </a:r>
-            <a:endParaRPr lang="en-US" dirty="0"/>
+              <a:t>Each item needs a &lt;li&gt;&lt;/li&gt; tag</a:t>
+            </a:r>
           </a:p>
         </p:txBody>
       </p:sp>
       <p:sp>
         <p:nvSpPr>
-          <p:cNvPr id="6" name="TextBox 5"/>
+          <p:cNvPr id="4" name="TextBox 3"/>
           <p:cNvSpPr txBox="1"/>
           <p:nvPr/>
         </p:nvSpPr>
         <p:spPr>
           <a:xfrm>
-            <a:off x="1874520" y="6221810"/>
-            <a:ext cx="9159240" cy="2872581"/>
+            <a:off x="1874520" y="5944811"/>
+            <a:ext cx="9159240" cy="3426579"/>
           </a:xfrm>
           <a:prstGeom prst="rect">
             <a:avLst/>
@@ -16106,14 +15019,6 @@
               <a:t>&lt;</a:t>
             </a:r>
             <a:r>
-              <a:rPr lang="en-US" dirty="0" err="1">
-                <a:solidFill>
-                  <a:srgbClr val="FF0000"/>
-                </a:solidFill>
-              </a:rPr>
-              <a:t>u</a:t>
-            </a:r>
-            <a:r>
               <a:rPr kumimoji="0" lang="en-US" sz="3600" b="0" i="0" u="none" strike="noStrike" cap="none" spc="0" normalizeH="0" baseline="0" dirty="0" err="1" smtClean="0">
                 <a:ln>
                   <a:noFill/>
@@ -16128,7 +15033,7 @@
                 <a:cs typeface="+mn-cs"/>
                 <a:sym typeface="Helvetica Light"/>
               </a:rPr>
-              <a:t>l</a:t>
+              <a:t>ol</a:t>
             </a:r>
             <a:r>
               <a:rPr kumimoji="0" lang="en-US" sz="3600" b="0" i="0" u="none" strike="noStrike" cap="none" spc="0" normalizeH="0" baseline="0" dirty="0" smtClean="0">
@@ -16179,7 +15084,7 @@
             </a:r>
             <a:r>
               <a:rPr lang="en-US" dirty="0" smtClean="0"/>
-              <a:t>&gt;Does page load?&lt;/</a:t>
+              <a:t>&gt;Create new HTML file&lt;/</a:t>
             </a:r>
             <a:r>
               <a:rPr lang="en-US" dirty="0" smtClean="0">
@@ -16260,7 +15165,7 @@
                 <a:cs typeface="+mn-cs"/>
                 <a:sym typeface="Helvetica Light"/>
               </a:rPr>
-              <a:t>&gt;Does</a:t>
+              <a:t>&gt;Add</a:t>
             </a:r>
             <a:r>
               <a:rPr kumimoji="0" lang="en-US" sz="3600" b="0" i="0" u="none" strike="noStrike" cap="none" spc="0" normalizeH="0" dirty="0" smtClean="0">
@@ -16277,7 +15182,7 @@
                 <a:cs typeface="+mn-cs"/>
                 <a:sym typeface="Helvetica Light"/>
               </a:rPr>
-              <a:t> page display properly?&lt;/</a:t>
+              <a:t> HTML code&lt;/</a:t>
             </a:r>
             <a:r>
               <a:rPr kumimoji="0" lang="en-US" sz="3600" b="0" i="0" u="none" strike="noStrike" cap="none" spc="0" normalizeH="0" dirty="0" smtClean="0">
@@ -16345,11 +15250,11 @@
             </a:r>
             <a:r>
               <a:rPr lang="en-US" baseline="0" dirty="0" smtClean="0"/>
-              <a:t>&gt;Are yo</a:t>
+              <a:t>&gt;Save</a:t>
             </a:r>
             <a:r>
               <a:rPr lang="en-US" dirty="0" smtClean="0"/>
-              <a:t>u smiling?&lt;/</a:t>
+              <a:t> file&lt;/</a:t>
             </a:r>
             <a:r>
               <a:rPr lang="en-US" dirty="0" smtClean="0">
@@ -16382,24 +15287,136 @@
               <a:tabLst/>
             </a:pPr>
             <a:r>
+              <a:rPr kumimoji="0" lang="en-US" sz="3600" b="0" i="0" u="none" strike="noStrike" cap="none" spc="0" normalizeH="0" baseline="0" dirty="0" smtClean="0">
+                <a:ln>
+                  <a:noFill/>
+                </a:ln>
+                <a:solidFill>
+                  <a:srgbClr val="FFFFFF"/>
+                </a:solidFill>
+                <a:effectLst/>
+                <a:uFillTx/>
+                <a:latin typeface="+mn-lt"/>
+                <a:ea typeface="+mn-ea"/>
+                <a:cs typeface="+mn-cs"/>
+                <a:sym typeface="Helvetica Light"/>
+              </a:rPr>
+              <a:t>	&lt;</a:t>
+            </a:r>
+            <a:r>
+              <a:rPr kumimoji="0" lang="en-US" sz="3600" b="0" i="0" u="none" strike="noStrike" cap="none" spc="0" normalizeH="0" baseline="0" dirty="0" smtClean="0">
+                <a:ln>
+                  <a:noFill/>
+                </a:ln>
+                <a:solidFill>
+                  <a:srgbClr val="FF0000"/>
+                </a:solidFill>
+                <a:effectLst/>
+                <a:uFillTx/>
+                <a:latin typeface="+mn-lt"/>
+                <a:ea typeface="+mn-ea"/>
+                <a:cs typeface="+mn-cs"/>
+                <a:sym typeface="Helvetica Light"/>
+              </a:rPr>
+              <a:t>li</a:t>
+            </a:r>
+            <a:r>
+              <a:rPr kumimoji="0" lang="en-US" sz="3600" b="0" i="0" u="none" strike="noStrike" cap="none" spc="0" normalizeH="0" baseline="0" dirty="0" smtClean="0">
+                <a:ln>
+                  <a:noFill/>
+                </a:ln>
+                <a:solidFill>
+                  <a:srgbClr val="FFFFFF"/>
+                </a:solidFill>
+                <a:effectLst/>
+                <a:uFillTx/>
+                <a:latin typeface="+mn-lt"/>
+                <a:ea typeface="+mn-ea"/>
+                <a:cs typeface="+mn-cs"/>
+                <a:sym typeface="Helvetica Light"/>
+              </a:rPr>
+              <a:t>&gt;Open</a:t>
+            </a:r>
+            <a:r>
+              <a:rPr kumimoji="0" lang="en-US" sz="3600" b="0" i="0" u="none" strike="noStrike" cap="none" spc="0" normalizeH="0" dirty="0" smtClean="0">
+                <a:ln>
+                  <a:noFill/>
+                </a:ln>
+                <a:solidFill>
+                  <a:srgbClr val="FFFFFF"/>
+                </a:solidFill>
+                <a:effectLst/>
+                <a:uFillTx/>
+                <a:latin typeface="+mn-lt"/>
+                <a:ea typeface="+mn-ea"/>
+                <a:cs typeface="+mn-cs"/>
+                <a:sym typeface="Helvetica Light"/>
+              </a:rPr>
+              <a:t> file in browser&lt;/</a:t>
+            </a:r>
+            <a:r>
+              <a:rPr kumimoji="0" lang="en-US" sz="3600" b="0" i="0" u="none" strike="noStrike" cap="none" spc="0" normalizeH="0" dirty="0" smtClean="0">
+                <a:ln>
+                  <a:noFill/>
+                </a:ln>
+                <a:solidFill>
+                  <a:srgbClr val="FF0000"/>
+                </a:solidFill>
+                <a:effectLst/>
+                <a:uFillTx/>
+                <a:latin typeface="+mn-lt"/>
+                <a:ea typeface="+mn-ea"/>
+                <a:cs typeface="+mn-cs"/>
+                <a:sym typeface="Helvetica Light"/>
+              </a:rPr>
+              <a:t>li</a:t>
+            </a:r>
+            <a:r>
+              <a:rPr kumimoji="0" lang="en-US" sz="3600" b="0" i="0" u="none" strike="noStrike" cap="none" spc="0" normalizeH="0" dirty="0" smtClean="0">
+                <a:ln>
+                  <a:noFill/>
+                </a:ln>
+                <a:solidFill>
+                  <a:srgbClr val="FFFFFF"/>
+                </a:solidFill>
+                <a:effectLst/>
+                <a:uFillTx/>
+                <a:latin typeface="+mn-lt"/>
+                <a:ea typeface="+mn-ea"/>
+                <a:cs typeface="+mn-cs"/>
+                <a:sym typeface="Helvetica Light"/>
+              </a:rPr>
+              <a:t>&gt;</a:t>
+            </a:r>
+          </a:p>
+          <a:p>
+            <a:pPr marL="0" marR="0" indent="0" algn="l" defTabSz="584200" rtl="0" fontAlgn="auto" latinLnBrk="0" hangingPunct="0">
+              <a:lnSpc>
+                <a:spcPct val="100000"/>
+              </a:lnSpc>
+              <a:spcBef>
+                <a:spcPts val="0"/>
+              </a:spcBef>
+              <a:spcAft>
+                <a:spcPts val="0"/>
+              </a:spcAft>
+              <a:buClrTx/>
+              <a:buSzTx/>
+              <a:buFontTx/>
+              <a:buNone/>
+              <a:tabLst/>
+            </a:pPr>
+            <a:r>
               <a:rPr lang="en-US" baseline="0" dirty="0" smtClean="0"/>
               <a:t>&lt;/</a:t>
             </a:r>
             <a:r>
-              <a:rPr lang="en-US" dirty="0" err="1">
+              <a:rPr lang="en-US" baseline="0" dirty="0" err="1" smtClean="0">
                 <a:solidFill>
                   <a:srgbClr val="FF0000"/>
                 </a:solidFill>
               </a:rPr>
-              <a:t>u</a:t>
-            </a:r>
-            <a:r>
-              <a:rPr lang="en-US" baseline="0" dirty="0" err="1" smtClean="0">
-                <a:solidFill>
-                  <a:srgbClr val="FF0000"/>
-                </a:solidFill>
-              </a:rPr>
-              <a:t>l</a:t>
+              <a:t>ol</a:t>
             </a:r>
             <a:r>
               <a:rPr lang="en-US" baseline="0" dirty="0" smtClean="0"/>
@@ -16425,7 +15442,7 @@
     </p:spTree>
     <p:extLst>
       <p:ext uri="{BB962C8B-B14F-4D97-AF65-F5344CB8AC3E}">
-        <p14:creationId xmlns:p14="http://schemas.microsoft.com/office/powerpoint/2010/main" val="410423696"/>
+        <p14:creationId xmlns:p14="http://schemas.microsoft.com/office/powerpoint/2010/main" val="2063035195"/>
       </p:ext>
     </p:extLst>
   </p:cSld>
@@ -16502,22 +15519,22 @@
           <a:p>
             <a:pPr algn="l"/>
             <a:r>
-              <a:rPr lang="en-US" sz="2400" dirty="0"/>
+              <a:rPr lang="en-US" sz="3200" dirty="0"/>
               <a:t>&lt;!DOCTYPE html</a:t>
             </a:r>
             <a:r>
-              <a:rPr lang="en-US" sz="2400" dirty="0" smtClean="0"/>
+              <a:rPr lang="en-US" sz="3200" dirty="0" smtClean="0"/>
               <a:t>&gt;</a:t>
             </a:r>
           </a:p>
           <a:p>
             <a:pPr algn="l"/>
             <a:r>
-              <a:rPr lang="en-US" sz="2400" dirty="0" smtClean="0"/>
+              <a:rPr lang="en-US" sz="3200" dirty="0" smtClean="0"/>
               <a:t>&lt;</a:t>
             </a:r>
             <a:r>
-              <a:rPr lang="en-US" sz="2400" dirty="0">
+              <a:rPr lang="en-US" sz="3200" dirty="0">
                 <a:solidFill>
                   <a:srgbClr val="FF0000"/>
                 </a:solidFill>
@@ -16525,15 +15542,15 @@
               <a:t>html</a:t>
             </a:r>
             <a:r>
-              <a:rPr lang="en-US" sz="2400" dirty="0"/>
+              <a:rPr lang="en-US" sz="3200" dirty="0"/>
               <a:t>&gt;	</a:t>
             </a:r>
-            <a:endParaRPr lang="en-US" sz="2400" dirty="0" smtClean="0"/>
+            <a:endParaRPr lang="en-US" sz="3200" dirty="0" smtClean="0"/>
           </a:p>
           <a:p>
             <a:pPr algn="l"/>
             <a:r>
-              <a:rPr lang="en-US" sz="2400" dirty="0" smtClean="0">
+              <a:rPr lang="en-US" sz="3200" dirty="0" smtClean="0">
                 <a:solidFill>
                   <a:schemeClr val="tx1"/>
                 </a:solidFill>
@@ -16541,7 +15558,7 @@
               <a:t>	&lt;</a:t>
             </a:r>
             <a:r>
-              <a:rPr lang="en-US" sz="2400" dirty="0" smtClean="0">
+              <a:rPr lang="en-US" sz="3200" dirty="0" smtClean="0">
                 <a:solidFill>
                   <a:srgbClr val="FF0000"/>
                 </a:solidFill>
@@ -16549,7 +15566,7 @@
               <a:t>head</a:t>
             </a:r>
             <a:r>
-              <a:rPr lang="en-US" sz="2400" dirty="0" smtClean="0">
+              <a:rPr lang="en-US" sz="3200" dirty="0" smtClean="0">
                 <a:solidFill>
                   <a:schemeClr val="tx1"/>
                 </a:solidFill>
@@ -16560,7 +15577,7 @@
           <a:p>
             <a:pPr algn="l"/>
             <a:r>
-              <a:rPr lang="en-US" sz="2400" dirty="0" smtClean="0">
+              <a:rPr lang="en-US" sz="3200" dirty="0" smtClean="0">
                 <a:solidFill>
                   <a:schemeClr val="tx1"/>
                 </a:solidFill>
@@ -16568,7 +15585,7 @@
               <a:t>		&lt;</a:t>
             </a:r>
             <a:r>
-              <a:rPr lang="en-US" sz="2400" dirty="0" smtClean="0">
+              <a:rPr lang="en-US" sz="3200" dirty="0" smtClean="0">
                 <a:solidFill>
                   <a:srgbClr val="FF0000"/>
                 </a:solidFill>
@@ -16576,7 +15593,7 @@
               <a:t>title</a:t>
             </a:r>
             <a:r>
-              <a:rPr lang="en-US" sz="2400" dirty="0" smtClean="0">
+              <a:rPr lang="en-US" sz="3200" dirty="0" smtClean="0">
                 <a:solidFill>
                   <a:schemeClr val="tx1"/>
                 </a:solidFill>
@@ -16584,7 +15601,7 @@
               <a:t>&gt;First Web Page&lt;/</a:t>
             </a:r>
             <a:r>
-              <a:rPr lang="en-US" sz="2400" dirty="0" smtClean="0">
+              <a:rPr lang="en-US" sz="3200" dirty="0" smtClean="0">
                 <a:solidFill>
                   <a:srgbClr val="FF0000"/>
                 </a:solidFill>
@@ -16592,7 +15609,7 @@
               <a:t>title</a:t>
             </a:r>
             <a:r>
-              <a:rPr lang="en-US" sz="2400" dirty="0" smtClean="0">
+              <a:rPr lang="en-US" sz="3200" dirty="0" smtClean="0">
                 <a:solidFill>
                   <a:schemeClr val="tx1"/>
                 </a:solidFill>
@@ -16603,7 +15620,7 @@
           <a:p>
             <a:pPr algn="l"/>
             <a:r>
-              <a:rPr lang="en-US" sz="2400" dirty="0" smtClean="0">
+              <a:rPr lang="en-US" sz="3200" dirty="0" smtClean="0">
                 <a:solidFill>
                   <a:schemeClr val="tx1"/>
                 </a:solidFill>
@@ -16611,7 +15628,7 @@
               <a:t>	&lt;/</a:t>
             </a:r>
             <a:r>
-              <a:rPr lang="en-US" sz="2400" dirty="0" smtClean="0">
+              <a:rPr lang="en-US" sz="3200" dirty="0" smtClean="0">
                 <a:solidFill>
                   <a:srgbClr val="FF0000"/>
                 </a:solidFill>
@@ -16619,7 +15636,7 @@
               <a:t>head</a:t>
             </a:r>
             <a:r>
-              <a:rPr lang="en-US" sz="2400" dirty="0" smtClean="0">
+              <a:rPr lang="en-US" sz="3200" dirty="0" smtClean="0">
                 <a:solidFill>
                   <a:schemeClr val="tx1"/>
                 </a:solidFill>
@@ -16630,7 +15647,7 @@
           <a:p>
             <a:pPr algn="l"/>
             <a:r>
-              <a:rPr lang="en-US" sz="2400" dirty="0" smtClean="0">
+              <a:rPr lang="en-US" sz="3200" dirty="0" smtClean="0">
                 <a:solidFill>
                   <a:schemeClr val="tx1"/>
                 </a:solidFill>
@@ -16638,7 +15655,7 @@
               <a:t>	&lt;</a:t>
             </a:r>
             <a:r>
-              <a:rPr lang="en-US" sz="2400" dirty="0" smtClean="0">
+              <a:rPr lang="en-US" sz="3200" dirty="0" smtClean="0">
                 <a:solidFill>
                   <a:srgbClr val="FF0000"/>
                 </a:solidFill>
@@ -16646,7 +15663,7 @@
               <a:t>body</a:t>
             </a:r>
             <a:r>
-              <a:rPr lang="en-US" sz="2400" dirty="0" smtClean="0">
+              <a:rPr lang="en-US" sz="3200" dirty="0" smtClean="0">
                 <a:solidFill>
                   <a:schemeClr val="tx1"/>
                 </a:solidFill>
@@ -16657,7 +15674,7 @@
           <a:p>
             <a:pPr algn="l"/>
             <a:r>
-              <a:rPr lang="en-US" sz="2400" dirty="0" smtClean="0">
+              <a:rPr lang="en-US" sz="3200" dirty="0" smtClean="0">
                 <a:solidFill>
                   <a:schemeClr val="tx1"/>
                 </a:solidFill>
@@ -16665,7 +15682,7 @@
               <a:t>		&lt;</a:t>
             </a:r>
             <a:r>
-              <a:rPr lang="en-US" sz="2400" dirty="0" smtClean="0">
+              <a:rPr lang="en-US" sz="3200" dirty="0" smtClean="0">
                 <a:solidFill>
                   <a:srgbClr val="FF0000"/>
                 </a:solidFill>
@@ -16673,7 +15690,7 @@
               <a:t>h1 </a:t>
             </a:r>
             <a:r>
-              <a:rPr lang="en-US" sz="2400" dirty="0">
+              <a:rPr lang="en-US" sz="3200" dirty="0">
                 <a:solidFill>
                   <a:srgbClr val="FFC000"/>
                 </a:solidFill>
@@ -16681,11 +15698,11 @@
               <a:t>align</a:t>
             </a:r>
             <a:r>
-              <a:rPr lang="en-US" sz="2400" dirty="0"/>
+              <a:rPr lang="en-US" sz="3200" dirty="0"/>
               <a:t>=</a:t>
             </a:r>
             <a:r>
-              <a:rPr lang="en-US" sz="2400" dirty="0">
+              <a:rPr lang="en-US" sz="3200" dirty="0">
                 <a:solidFill>
                   <a:srgbClr val="92D050"/>
                 </a:solidFill>
@@ -16693,7 +15710,7 @@
               <a:t>“center</a:t>
             </a:r>
             <a:r>
-              <a:rPr lang="en-US" sz="2400" dirty="0" smtClean="0">
+              <a:rPr lang="en-US" sz="3200" dirty="0" smtClean="0">
                 <a:solidFill>
                   <a:srgbClr val="92D050"/>
                 </a:solidFill>
@@ -16701,7 +15718,7 @@
               <a:t>”</a:t>
             </a:r>
             <a:r>
-              <a:rPr lang="en-US" sz="2400" dirty="0" smtClean="0">
+              <a:rPr lang="en-US" sz="3200" dirty="0" smtClean="0">
                 <a:solidFill>
                   <a:schemeClr val="tx1"/>
                 </a:solidFill>
@@ -16709,7 +15726,7 @@
               <a:t>&gt;Hello World!!&lt;/</a:t>
             </a:r>
             <a:r>
-              <a:rPr lang="en-US" sz="2400" dirty="0" smtClean="0">
+              <a:rPr lang="en-US" sz="3200" dirty="0" smtClean="0">
                 <a:solidFill>
                   <a:srgbClr val="FF0000"/>
                 </a:solidFill>
@@ -16717,7 +15734,7 @@
               <a:t>h1</a:t>
             </a:r>
             <a:r>
-              <a:rPr lang="en-US" sz="2400" dirty="0" smtClean="0">
+              <a:rPr lang="en-US" sz="3200" dirty="0" smtClean="0">
                 <a:solidFill>
                   <a:schemeClr val="tx1"/>
                 </a:solidFill>
@@ -16728,7 +15745,7 @@
           <a:p>
             <a:pPr algn="l"/>
             <a:r>
-              <a:rPr lang="en-US" sz="2400" dirty="0" smtClean="0">
+              <a:rPr lang="en-US" sz="3200" dirty="0" smtClean="0">
                 <a:solidFill>
                   <a:schemeClr val="tx1"/>
                 </a:solidFill>
@@ -16736,7 +15753,7 @@
               <a:t>		&lt;</a:t>
             </a:r>
             <a:r>
-              <a:rPr lang="en-US" sz="2400" dirty="0" smtClean="0">
+              <a:rPr lang="en-US" sz="3200" dirty="0" smtClean="0">
                 <a:solidFill>
                   <a:srgbClr val="FF0000"/>
                 </a:solidFill>
@@ -16744,7 +15761,7 @@
               <a:t>h2</a:t>
             </a:r>
             <a:r>
-              <a:rPr lang="en-US" sz="2400" dirty="0" smtClean="0">
+              <a:rPr lang="en-US" sz="3200" dirty="0" smtClean="0">
                 <a:solidFill>
                   <a:schemeClr val="tx1"/>
                 </a:solidFill>
@@ -16752,7 +15769,7 @@
               <a:t>&gt;by: (your name here)&lt;/</a:t>
             </a:r>
             <a:r>
-              <a:rPr lang="en-US" sz="2400" dirty="0" smtClean="0">
+              <a:rPr lang="en-US" sz="3200" dirty="0" smtClean="0">
                 <a:solidFill>
                   <a:srgbClr val="FF0000"/>
                 </a:solidFill>
@@ -16760,7 +15777,7 @@
               <a:t>h2</a:t>
             </a:r>
             <a:r>
-              <a:rPr lang="en-US" sz="2400" dirty="0" smtClean="0">
+              <a:rPr lang="en-US" sz="3200" dirty="0" smtClean="0">
                 <a:solidFill>
                   <a:schemeClr val="tx1"/>
                 </a:solidFill>
@@ -16771,7 +15788,7 @@
           <a:p>
             <a:pPr algn="l"/>
             <a:r>
-              <a:rPr lang="en-US" sz="2400" dirty="0" smtClean="0">
+              <a:rPr lang="en-US" sz="3200" dirty="0" smtClean="0">
                 <a:solidFill>
                   <a:schemeClr val="tx1"/>
                 </a:solidFill>
@@ -16779,7 +15796,7 @@
               <a:t>		&lt;</a:t>
             </a:r>
             <a:r>
-              <a:rPr lang="en-US" sz="2400" dirty="0" smtClean="0">
+              <a:rPr lang="en-US" sz="3200" dirty="0" smtClean="0">
                 <a:solidFill>
                   <a:srgbClr val="FF0000"/>
                 </a:solidFill>
@@ -16787,7 +15804,7 @@
               <a:t>p</a:t>
             </a:r>
             <a:r>
-              <a:rPr lang="en-US" sz="2400" dirty="0" smtClean="0">
+              <a:rPr lang="en-US" sz="3200" dirty="0" smtClean="0">
                 <a:solidFill>
                   <a:schemeClr val="tx1"/>
                 </a:solidFill>
@@ -16795,7 +15812,7 @@
               <a:t>&gt;You just wrote a webpage using HTML at&lt;/</a:t>
             </a:r>
             <a:r>
-              <a:rPr lang="en-US" sz="2400" dirty="0" smtClean="0">
+              <a:rPr lang="en-US" sz="3200" dirty="0" smtClean="0">
                 <a:solidFill>
                   <a:srgbClr val="FF0000"/>
                 </a:solidFill>
@@ -16803,7 +15820,7 @@
               <a:t>p</a:t>
             </a:r>
             <a:r>
-              <a:rPr lang="en-US" sz="2400" dirty="0" smtClean="0">
+              <a:rPr lang="en-US" sz="3200" dirty="0" smtClean="0">
                 <a:solidFill>
                   <a:schemeClr val="tx1"/>
                 </a:solidFill>
@@ -16814,7 +15831,7 @@
           <a:p>
             <a:pPr algn="l"/>
             <a:r>
-              <a:rPr lang="en-US" sz="2400" dirty="0" smtClean="0">
+              <a:rPr lang="en-US" sz="3200" dirty="0" smtClean="0">
                 <a:solidFill>
                   <a:schemeClr val="tx1"/>
                 </a:solidFill>
@@ -16822,11 +15839,11 @@
               <a:t>		</a:t>
             </a:r>
             <a:r>
-              <a:rPr lang="en-US" sz="2400" dirty="0" smtClean="0"/>
+              <a:rPr lang="en-US" sz="3200" dirty="0" smtClean="0"/>
               <a:t>&lt;</a:t>
             </a:r>
             <a:r>
-              <a:rPr lang="en-US" sz="2400" dirty="0" err="1">
+              <a:rPr lang="en-US" sz="3200" dirty="0" err="1">
                 <a:solidFill>
                   <a:srgbClr val="FF0000"/>
                 </a:solidFill>
@@ -16834,22 +15851,22 @@
               <a:t>ol</a:t>
             </a:r>
             <a:r>
-              <a:rPr lang="en-US" sz="2400" dirty="0"/>
+              <a:rPr lang="en-US" sz="3200" dirty="0"/>
               <a:t>&gt;</a:t>
             </a:r>
           </a:p>
           <a:p>
             <a:pPr algn="l"/>
             <a:r>
-              <a:rPr lang="en-US" sz="2400" dirty="0"/>
+              <a:rPr lang="en-US" sz="3200" dirty="0"/>
               <a:t>	</a:t>
             </a:r>
             <a:r>
-              <a:rPr lang="en-US" sz="2400" dirty="0" smtClean="0"/>
+              <a:rPr lang="en-US" sz="3200" dirty="0" smtClean="0"/>
               <a:t>		&lt;</a:t>
             </a:r>
             <a:r>
-              <a:rPr lang="en-US" sz="2400" dirty="0">
+              <a:rPr lang="en-US" sz="3200" dirty="0">
                 <a:solidFill>
                   <a:srgbClr val="FF0000"/>
                 </a:solidFill>
@@ -16857,11 +15874,11 @@
               <a:t>li</a:t>
             </a:r>
             <a:r>
-              <a:rPr lang="en-US" sz="2400" dirty="0"/>
+              <a:rPr lang="en-US" sz="3200" dirty="0"/>
               <a:t>&gt;Create new HTML file&lt;/</a:t>
             </a:r>
             <a:r>
-              <a:rPr lang="en-US" sz="2400" dirty="0">
+              <a:rPr lang="en-US" sz="3200" dirty="0">
                 <a:solidFill>
                   <a:srgbClr val="FF0000"/>
                 </a:solidFill>
@@ -16869,22 +15886,22 @@
               <a:t>li</a:t>
             </a:r>
             <a:r>
-              <a:rPr lang="en-US" sz="2400" dirty="0"/>
+              <a:rPr lang="en-US" sz="3200" dirty="0"/>
               <a:t>&gt;</a:t>
             </a:r>
           </a:p>
           <a:p>
             <a:pPr algn="l"/>
             <a:r>
-              <a:rPr lang="en-US" sz="2400" dirty="0"/>
+              <a:rPr lang="en-US" sz="3200" dirty="0"/>
               <a:t>	</a:t>
             </a:r>
             <a:r>
-              <a:rPr lang="en-US" sz="2400" dirty="0" smtClean="0"/>
+              <a:rPr lang="en-US" sz="3200" dirty="0" smtClean="0"/>
               <a:t>		&lt;</a:t>
             </a:r>
             <a:r>
-              <a:rPr lang="en-US" sz="2400" dirty="0">
+              <a:rPr lang="en-US" sz="3200" dirty="0">
                 <a:solidFill>
                   <a:srgbClr val="FF0000"/>
                 </a:solidFill>
@@ -16892,11 +15909,11 @@
               <a:t>li</a:t>
             </a:r>
             <a:r>
-              <a:rPr lang="en-US" sz="2400" dirty="0"/>
+              <a:rPr lang="en-US" sz="3200" dirty="0"/>
               <a:t>&gt;Add HTML code&lt;/</a:t>
             </a:r>
             <a:r>
-              <a:rPr lang="en-US" sz="2400" dirty="0">
+              <a:rPr lang="en-US" sz="3200" dirty="0">
                 <a:solidFill>
                   <a:srgbClr val="FF0000"/>
                 </a:solidFill>
@@ -16904,22 +15921,22 @@
               <a:t>li</a:t>
             </a:r>
             <a:r>
-              <a:rPr lang="en-US" sz="2400" dirty="0"/>
+              <a:rPr lang="en-US" sz="3200" dirty="0"/>
               <a:t>&gt;</a:t>
             </a:r>
           </a:p>
           <a:p>
             <a:pPr algn="l"/>
             <a:r>
-              <a:rPr lang="en-US" sz="2400" dirty="0"/>
+              <a:rPr lang="en-US" sz="3200" dirty="0"/>
               <a:t>	</a:t>
             </a:r>
             <a:r>
-              <a:rPr lang="en-US" sz="2400" dirty="0" smtClean="0"/>
+              <a:rPr lang="en-US" sz="3200" dirty="0" smtClean="0"/>
               <a:t>		&lt;</a:t>
             </a:r>
             <a:r>
-              <a:rPr lang="en-US" sz="2400" dirty="0">
+              <a:rPr lang="en-US" sz="3200" dirty="0">
                 <a:solidFill>
                   <a:srgbClr val="FF0000"/>
                 </a:solidFill>
@@ -16927,11 +15944,11 @@
               <a:t>li</a:t>
             </a:r>
             <a:r>
-              <a:rPr lang="en-US" sz="2400" dirty="0"/>
+              <a:rPr lang="en-US" sz="3200" dirty="0"/>
               <a:t>&gt;Save file&lt;/</a:t>
             </a:r>
             <a:r>
-              <a:rPr lang="en-US" sz="2400" dirty="0">
+              <a:rPr lang="en-US" sz="3200" dirty="0">
                 <a:solidFill>
                   <a:srgbClr val="FF0000"/>
                 </a:solidFill>
@@ -16939,22 +15956,22 @@
               <a:t>li</a:t>
             </a:r>
             <a:r>
-              <a:rPr lang="en-US" sz="2400" dirty="0"/>
+              <a:rPr lang="en-US" sz="3200" dirty="0"/>
               <a:t>&gt;	</a:t>
             </a:r>
           </a:p>
           <a:p>
             <a:pPr algn="l"/>
             <a:r>
-              <a:rPr lang="en-US" sz="2400" dirty="0"/>
+              <a:rPr lang="en-US" sz="3200" dirty="0"/>
               <a:t>	</a:t>
             </a:r>
             <a:r>
-              <a:rPr lang="en-US" sz="2400" dirty="0" smtClean="0"/>
+              <a:rPr lang="en-US" sz="3200" dirty="0" smtClean="0"/>
               <a:t>		&lt;</a:t>
             </a:r>
             <a:r>
-              <a:rPr lang="en-US" sz="2400" dirty="0">
+              <a:rPr lang="en-US" sz="3200" dirty="0">
                 <a:solidFill>
                   <a:srgbClr val="FF0000"/>
                 </a:solidFill>
@@ -16962,11 +15979,11 @@
               <a:t>li</a:t>
             </a:r>
             <a:r>
-              <a:rPr lang="en-US" sz="2400" dirty="0"/>
+              <a:rPr lang="en-US" sz="3200" dirty="0"/>
               <a:t>&gt;Open file in browser&lt;/</a:t>
             </a:r>
             <a:r>
-              <a:rPr lang="en-US" sz="2400" dirty="0">
+              <a:rPr lang="en-US" sz="3200" dirty="0">
                 <a:solidFill>
                   <a:srgbClr val="FF0000"/>
                 </a:solidFill>
@@ -16974,18 +15991,18 @@
               <a:t>li</a:t>
             </a:r>
             <a:r>
-              <a:rPr lang="en-US" sz="2400" dirty="0"/>
+              <a:rPr lang="en-US" sz="3200" dirty="0"/>
               <a:t>&gt;</a:t>
             </a:r>
           </a:p>
           <a:p>
             <a:pPr algn="l"/>
             <a:r>
-              <a:rPr lang="en-US" sz="2400" dirty="0" smtClean="0"/>
+              <a:rPr lang="en-US" sz="3200" dirty="0" smtClean="0"/>
               <a:t>		&lt;/</a:t>
             </a:r>
             <a:r>
-              <a:rPr lang="en-US" sz="2400" dirty="0" err="1">
+              <a:rPr lang="en-US" sz="3200" dirty="0" err="1">
                 <a:solidFill>
                   <a:srgbClr val="FF0000"/>
                 </a:solidFill>
@@ -16993,200 +16010,56 @@
               <a:t>ol</a:t>
             </a:r>
             <a:r>
-              <a:rPr lang="en-US" sz="2400" dirty="0" smtClean="0"/>
+              <a:rPr lang="en-US" sz="3200" dirty="0"/>
               <a:t>&gt;</a:t>
             </a:r>
           </a:p>
           <a:p>
             <a:pPr algn="l"/>
             <a:r>
-              <a:rPr lang="en-US" sz="2400" dirty="0" smtClean="0"/>
-              <a:t>		&lt;</a:t>
-            </a:r>
-            <a:r>
-              <a:rPr lang="en-US" sz="2400" dirty="0" err="1" smtClean="0">
+              <a:rPr lang="en-US" sz="3200" dirty="0" smtClean="0">
+                <a:solidFill>
+                  <a:schemeClr val="tx1"/>
+                </a:solidFill>
+              </a:rPr>
+              <a:t>	&lt;/</a:t>
+            </a:r>
+            <a:r>
+              <a:rPr lang="en-US" sz="3200" dirty="0" smtClean="0">
                 <a:solidFill>
                   <a:srgbClr val="FF0000"/>
                 </a:solidFill>
               </a:rPr>
-              <a:t>ul</a:t>
-            </a:r>
-            <a:r>
-              <a:rPr lang="en-US" sz="2400" dirty="0"/>
+              <a:t>body</a:t>
+            </a:r>
+            <a:r>
+              <a:rPr lang="en-US" sz="3200" dirty="0" smtClean="0">
+                <a:solidFill>
+                  <a:schemeClr val="tx1"/>
+                </a:solidFill>
+              </a:rPr>
               <a:t>&gt;</a:t>
             </a:r>
           </a:p>
           <a:p>
             <a:pPr algn="l"/>
             <a:r>
-              <a:rPr lang="en-US" sz="2400" dirty="0"/>
-              <a:t>	</a:t>
-            </a:r>
-            <a:r>
-              <a:rPr lang="en-US" sz="2400" dirty="0" smtClean="0"/>
-              <a:t>		&lt;</a:t>
-            </a:r>
-            <a:r>
-              <a:rPr lang="en-US" sz="2400" dirty="0">
+              <a:rPr lang="en-US" sz="3200" dirty="0" smtClean="0"/>
+              <a:t>&lt;/</a:t>
+            </a:r>
+            <a:r>
+              <a:rPr lang="en-US" sz="3200" dirty="0">
                 <a:solidFill>
                   <a:srgbClr val="FF0000"/>
                 </a:solidFill>
               </a:rPr>
-              <a:t>li</a:t>
-            </a:r>
-            <a:r>
-              <a:rPr lang="en-US" sz="2400" dirty="0"/>
-              <a:t>&gt;Does page load?&lt;/</a:t>
-            </a:r>
-            <a:r>
-              <a:rPr lang="en-US" sz="2400" dirty="0">
-                <a:solidFill>
-                  <a:srgbClr val="FF0000"/>
-                </a:solidFill>
-              </a:rPr>
-              <a:t>li</a:t>
-            </a:r>
-            <a:r>
-              <a:rPr lang="en-US" sz="2400" dirty="0"/>
+              <a:t>html</a:t>
+            </a:r>
+            <a:r>
+              <a:rPr lang="en-US" sz="3200" dirty="0"/>
               <a:t>&gt;</a:t>
             </a:r>
-          </a:p>
-          <a:p>
-            <a:pPr algn="l"/>
-            <a:r>
-              <a:rPr lang="en-US" sz="2400" dirty="0"/>
-              <a:t>	</a:t>
-            </a:r>
-            <a:r>
-              <a:rPr lang="en-US" sz="2400" dirty="0" smtClean="0"/>
-              <a:t>		&lt;</a:t>
-            </a:r>
-            <a:r>
-              <a:rPr lang="en-US" sz="2400" dirty="0">
-                <a:solidFill>
-                  <a:srgbClr val="FF0000"/>
-                </a:solidFill>
-              </a:rPr>
-              <a:t>li</a:t>
-            </a:r>
-            <a:r>
-              <a:rPr lang="en-US" sz="2400" dirty="0"/>
-              <a:t>&gt;Does page display properly?&lt;/</a:t>
-            </a:r>
-            <a:r>
-              <a:rPr lang="en-US" sz="2400" dirty="0">
-                <a:solidFill>
-                  <a:srgbClr val="FF0000"/>
-                </a:solidFill>
-              </a:rPr>
-              <a:t>li</a:t>
-            </a:r>
-            <a:r>
-              <a:rPr lang="en-US" sz="2400" dirty="0"/>
-              <a:t>&gt;</a:t>
-            </a:r>
-          </a:p>
-          <a:p>
-            <a:pPr algn="l"/>
-            <a:r>
-              <a:rPr lang="en-US" sz="2400" dirty="0"/>
-              <a:t>	</a:t>
-            </a:r>
-            <a:r>
-              <a:rPr lang="en-US" sz="2400" dirty="0" smtClean="0"/>
-              <a:t>		&lt;</a:t>
-            </a:r>
-            <a:r>
-              <a:rPr lang="en-US" sz="2400" dirty="0">
-                <a:solidFill>
-                  <a:srgbClr val="FF0000"/>
-                </a:solidFill>
-              </a:rPr>
-              <a:t>li</a:t>
-            </a:r>
-            <a:r>
-              <a:rPr lang="en-US" sz="2400" dirty="0"/>
-              <a:t>&gt;Are you smiling?&lt;/</a:t>
-            </a:r>
-            <a:r>
-              <a:rPr lang="en-US" sz="2400" dirty="0">
-                <a:solidFill>
-                  <a:srgbClr val="FF0000"/>
-                </a:solidFill>
-              </a:rPr>
-              <a:t>li</a:t>
-            </a:r>
-            <a:r>
-              <a:rPr lang="en-US" sz="2400" dirty="0"/>
-              <a:t>&gt;	</a:t>
-            </a:r>
-          </a:p>
-          <a:p>
-            <a:pPr algn="l"/>
-            <a:r>
-              <a:rPr lang="en-US" sz="2400" dirty="0" smtClean="0"/>
-              <a:t>		&lt;/</a:t>
-            </a:r>
-            <a:r>
-              <a:rPr lang="en-US" sz="2400" dirty="0" err="1">
-                <a:solidFill>
-                  <a:srgbClr val="FF0000"/>
-                </a:solidFill>
-              </a:rPr>
-              <a:t>ul</a:t>
-            </a:r>
-            <a:r>
-              <a:rPr lang="en-US" sz="2400" dirty="0" smtClean="0"/>
-              <a:t>&gt;</a:t>
-            </a:r>
-            <a:endParaRPr lang="en-US" sz="2400" dirty="0"/>
-          </a:p>
-          <a:p>
-            <a:pPr algn="l"/>
-            <a:r>
-              <a:rPr lang="en-US" sz="2400" dirty="0" smtClean="0">
-                <a:solidFill>
-                  <a:schemeClr val="tx1"/>
-                </a:solidFill>
-              </a:rPr>
-              <a:t>	&lt;/</a:t>
-            </a:r>
-            <a:r>
-              <a:rPr lang="en-US" sz="2400" dirty="0" smtClean="0">
-                <a:solidFill>
-                  <a:srgbClr val="FF0000"/>
-                </a:solidFill>
-              </a:rPr>
-              <a:t>body</a:t>
-            </a:r>
-            <a:r>
-              <a:rPr lang="en-US" sz="2400" dirty="0" smtClean="0">
-                <a:solidFill>
-                  <a:schemeClr val="tx1"/>
-                </a:solidFill>
-              </a:rPr>
-              <a:t>&gt;</a:t>
-            </a:r>
-          </a:p>
-          <a:p>
-            <a:pPr algn="l"/>
-            <a:r>
-              <a:rPr lang="en-US" sz="2400" dirty="0" smtClean="0"/>
-              <a:t>&lt;/</a:t>
-            </a:r>
-            <a:r>
-              <a:rPr lang="en-US" sz="2400" dirty="0">
-                <a:solidFill>
-                  <a:srgbClr val="FF0000"/>
-                </a:solidFill>
-              </a:rPr>
-              <a:t>html</a:t>
-            </a:r>
-            <a:r>
-              <a:rPr lang="en-US" sz="2400" dirty="0"/>
-              <a:t>&gt;</a:t>
-            </a:r>
-            <a:endParaRPr kumimoji="0" lang="en-US" sz="2400" b="0" i="0" u="none" strike="noStrike" cap="none" spc="0" normalizeH="0" baseline="0" dirty="0">
+            <a:endParaRPr kumimoji="0" lang="en-US" sz="3200" b="0" i="0" u="none" strike="noStrike" cap="none" spc="0" normalizeH="0" baseline="0" dirty="0">
               <a:ln>
                 <a:noFill/>
               </a:ln>
@@ -17208,7 +16081,7 @@
         </p:nvSpPr>
         <p:spPr>
           <a:xfrm>
-            <a:off x="2882682" y="184959"/>
+            <a:off x="2882682" y="291639"/>
             <a:ext cx="6943241" cy="656590"/>
           </a:xfrm>
           <a:prstGeom prst="rect">
@@ -17310,7 +16183,7 @@
     </p:spTree>
     <p:extLst>
       <p:ext uri="{BB962C8B-B14F-4D97-AF65-F5344CB8AC3E}">
-        <p14:creationId xmlns:p14="http://schemas.microsoft.com/office/powerpoint/2010/main" val="1177837219"/>
+        <p14:creationId xmlns:p14="http://schemas.microsoft.com/office/powerpoint/2010/main" val="1839450652"/>
       </p:ext>
     </p:extLst>
   </p:cSld>
@@ -17355,6 +16228,1400 @@
             <p:ph type="title"/>
           </p:nvPr>
         </p:nvSpPr>
+        <p:spPr/>
+        <p:txBody>
+          <a:bodyPr/>
+          <a:lstStyle/>
+          <a:p>
+            <a:r>
+              <a:rPr lang="en-US" dirty="0" smtClean="0"/>
+              <a:t>&lt;</a:t>
+            </a:r>
+            <a:r>
+              <a:rPr lang="en-US" dirty="0" err="1" smtClean="0"/>
+              <a:t>ul</a:t>
+            </a:r>
+            <a:r>
+              <a:rPr lang="en-US" dirty="0" smtClean="0"/>
+              <a:t>&gt;&lt;/</a:t>
+            </a:r>
+            <a:r>
+              <a:rPr lang="en-US" dirty="0" err="1" smtClean="0"/>
+              <a:t>ul</a:t>
+            </a:r>
+            <a:r>
+              <a:rPr lang="en-US" dirty="0" smtClean="0"/>
+              <a:t>&gt;</a:t>
+            </a:r>
+            <a:endParaRPr lang="en-US" dirty="0"/>
+          </a:p>
+        </p:txBody>
+      </p:sp>
+      <p:sp>
+        <p:nvSpPr>
+          <p:cNvPr id="3" name="Text Placeholder 2"/>
+          <p:cNvSpPr>
+            <a:spLocks noGrp="1"/>
+          </p:cNvSpPr>
+          <p:nvPr>
+            <p:ph type="body" idx="1"/>
+          </p:nvPr>
+        </p:nvSpPr>
+        <p:spPr>
+          <a:xfrm>
+            <a:off x="952500" y="2590800"/>
+            <a:ext cx="11099800" cy="3368040"/>
+          </a:xfrm>
+        </p:spPr>
+        <p:txBody>
+          <a:bodyPr/>
+          <a:lstStyle/>
+          <a:p>
+            <a:r>
+              <a:rPr lang="en-US" dirty="0" smtClean="0"/>
+              <a:t>Defines unordered list</a:t>
+            </a:r>
+          </a:p>
+          <a:p>
+            <a:r>
+              <a:rPr lang="en-US" dirty="0" smtClean="0"/>
+              <a:t>Bullet-points items added</a:t>
+            </a:r>
+          </a:p>
+          <a:p>
+            <a:r>
+              <a:rPr lang="en-US" dirty="0" smtClean="0"/>
+              <a:t>Each item needs &lt;li&gt;&lt;/li&gt; tag</a:t>
+            </a:r>
+            <a:endParaRPr lang="en-US" dirty="0"/>
+          </a:p>
+        </p:txBody>
+      </p:sp>
+      <p:sp>
+        <p:nvSpPr>
+          <p:cNvPr id="6" name="TextBox 5"/>
+          <p:cNvSpPr txBox="1"/>
+          <p:nvPr/>
+        </p:nvSpPr>
+        <p:spPr>
+          <a:xfrm>
+            <a:off x="1874520" y="6221810"/>
+            <a:ext cx="9159240" cy="2872581"/>
+          </a:xfrm>
+          <a:prstGeom prst="rect">
+            <a:avLst/>
+          </a:prstGeom>
+          <a:noFill/>
+          <a:ln w="12700" cap="flat">
+            <a:solidFill>
+              <a:schemeClr val="accent1"/>
+            </a:solidFill>
+            <a:miter lim="400000"/>
+          </a:ln>
+          <a:effectLst/>
+          <a:sp3d/>
+        </p:spPr>
+        <p:style>
+          <a:lnRef idx="0">
+            <a:scrgbClr r="0" g="0" b="0"/>
+          </a:lnRef>
+          <a:fillRef idx="0">
+            <a:scrgbClr r="0" g="0" b="0"/>
+          </a:fillRef>
+          <a:effectRef idx="0">
+            <a:scrgbClr r="0" g="0" b="0"/>
+          </a:effectRef>
+          <a:fontRef idx="none"/>
+        </p:style>
+        <p:txBody>
+          <a:bodyPr rot="0" spcFirstLastPara="1" vertOverflow="overflow" horzOverflow="overflow" vert="horz" wrap="square" lIns="50800" tIns="50800" rIns="50800" bIns="50800" numCol="1" spcCol="38100" rtlCol="0" anchor="ctr">
+            <a:spAutoFit/>
+          </a:bodyPr>
+          <a:lstStyle/>
+          <a:p>
+            <a:pPr marL="0" marR="0" indent="0" algn="l" defTabSz="584200" rtl="0" fontAlgn="auto" latinLnBrk="0" hangingPunct="0">
+              <a:lnSpc>
+                <a:spcPct val="100000"/>
+              </a:lnSpc>
+              <a:spcBef>
+                <a:spcPts val="0"/>
+              </a:spcBef>
+              <a:spcAft>
+                <a:spcPts val="0"/>
+              </a:spcAft>
+              <a:buClrTx/>
+              <a:buSzTx/>
+              <a:buFontTx/>
+              <a:buNone/>
+              <a:tabLst/>
+            </a:pPr>
+            <a:r>
+              <a:rPr kumimoji="0" lang="en-US" sz="3600" b="0" i="0" u="none" strike="noStrike" cap="none" spc="0" normalizeH="0" baseline="0" dirty="0" smtClean="0">
+                <a:ln>
+                  <a:noFill/>
+                </a:ln>
+                <a:solidFill>
+                  <a:srgbClr val="FFFFFF"/>
+                </a:solidFill>
+                <a:effectLst/>
+                <a:uFillTx/>
+                <a:latin typeface="+mn-lt"/>
+                <a:ea typeface="+mn-ea"/>
+                <a:cs typeface="+mn-cs"/>
+                <a:sym typeface="Helvetica Light"/>
+              </a:rPr>
+              <a:t>&lt;</a:t>
+            </a:r>
+            <a:r>
+              <a:rPr lang="en-US" dirty="0" err="1">
+                <a:solidFill>
+                  <a:srgbClr val="FF0000"/>
+                </a:solidFill>
+              </a:rPr>
+              <a:t>u</a:t>
+            </a:r>
+            <a:r>
+              <a:rPr kumimoji="0" lang="en-US" sz="3600" b="0" i="0" u="none" strike="noStrike" cap="none" spc="0" normalizeH="0" baseline="0" dirty="0" err="1" smtClean="0">
+                <a:ln>
+                  <a:noFill/>
+                </a:ln>
+                <a:solidFill>
+                  <a:srgbClr val="FF0000"/>
+                </a:solidFill>
+                <a:effectLst/>
+                <a:uFillTx/>
+                <a:latin typeface="+mn-lt"/>
+                <a:ea typeface="+mn-ea"/>
+                <a:cs typeface="+mn-cs"/>
+                <a:sym typeface="Helvetica Light"/>
+              </a:rPr>
+              <a:t>l</a:t>
+            </a:r>
+            <a:r>
+              <a:rPr kumimoji="0" lang="en-US" sz="3600" b="0" i="0" u="none" strike="noStrike" cap="none" spc="0" normalizeH="0" baseline="0" dirty="0" smtClean="0">
+                <a:ln>
+                  <a:noFill/>
+                </a:ln>
+                <a:solidFill>
+                  <a:srgbClr val="FFFFFF"/>
+                </a:solidFill>
+                <a:effectLst/>
+                <a:uFillTx/>
+                <a:latin typeface="+mn-lt"/>
+                <a:ea typeface="+mn-ea"/>
+                <a:cs typeface="+mn-cs"/>
+                <a:sym typeface="Helvetica Light"/>
+              </a:rPr>
+              <a:t>&gt;</a:t>
+            </a:r>
+          </a:p>
+          <a:p>
+            <a:pPr marL="0" marR="0" indent="0" algn="l" defTabSz="584200" rtl="0" fontAlgn="auto" latinLnBrk="0" hangingPunct="0">
+              <a:lnSpc>
+                <a:spcPct val="100000"/>
+              </a:lnSpc>
+              <a:spcBef>
+                <a:spcPts val="0"/>
+              </a:spcBef>
+              <a:spcAft>
+                <a:spcPts val="0"/>
+              </a:spcAft>
+              <a:buClrTx/>
+              <a:buSzTx/>
+              <a:buFontTx/>
+              <a:buNone/>
+              <a:tabLst/>
+            </a:pPr>
+            <a:r>
+              <a:rPr lang="en-US" dirty="0" smtClean="0"/>
+              <a:t>	&lt;</a:t>
+            </a:r>
+            <a:r>
+              <a:rPr lang="en-US" dirty="0" smtClean="0">
+                <a:solidFill>
+                  <a:srgbClr val="FF0000"/>
+                </a:solidFill>
+              </a:rPr>
+              <a:t>li</a:t>
+            </a:r>
+            <a:r>
+              <a:rPr lang="en-US" dirty="0" smtClean="0"/>
+              <a:t>&gt;Does page load?&lt;/</a:t>
+            </a:r>
+            <a:r>
+              <a:rPr lang="en-US" dirty="0" smtClean="0">
+                <a:solidFill>
+                  <a:srgbClr val="FF0000"/>
+                </a:solidFill>
+              </a:rPr>
+              <a:t>li</a:t>
+            </a:r>
+            <a:r>
+              <a:rPr lang="en-US" dirty="0" smtClean="0"/>
+              <a:t>&gt;</a:t>
+            </a:r>
+          </a:p>
+          <a:p>
+            <a:pPr marL="0" marR="0" indent="0" algn="l" defTabSz="584200" rtl="0" fontAlgn="auto" latinLnBrk="0" hangingPunct="0">
+              <a:lnSpc>
+                <a:spcPct val="100000"/>
+              </a:lnSpc>
+              <a:spcBef>
+                <a:spcPts val="0"/>
+              </a:spcBef>
+              <a:spcAft>
+                <a:spcPts val="0"/>
+              </a:spcAft>
+              <a:buClrTx/>
+              <a:buSzTx/>
+              <a:buFontTx/>
+              <a:buNone/>
+              <a:tabLst/>
+            </a:pPr>
+            <a:r>
+              <a:rPr kumimoji="0" lang="en-US" sz="3600" b="0" i="0" u="none" strike="noStrike" cap="none" spc="0" normalizeH="0" baseline="0" dirty="0" smtClean="0">
+                <a:ln>
+                  <a:noFill/>
+                </a:ln>
+                <a:solidFill>
+                  <a:srgbClr val="FFFFFF"/>
+                </a:solidFill>
+                <a:effectLst/>
+                <a:uFillTx/>
+                <a:latin typeface="+mn-lt"/>
+                <a:ea typeface="+mn-ea"/>
+                <a:cs typeface="+mn-cs"/>
+                <a:sym typeface="Helvetica Light"/>
+              </a:rPr>
+              <a:t>	&lt;</a:t>
+            </a:r>
+            <a:r>
+              <a:rPr kumimoji="0" lang="en-US" sz="3600" b="0" i="0" u="none" strike="noStrike" cap="none" spc="0" normalizeH="0" baseline="0" dirty="0" smtClean="0">
+                <a:ln>
+                  <a:noFill/>
+                </a:ln>
+                <a:solidFill>
+                  <a:srgbClr val="FF0000"/>
+                </a:solidFill>
+                <a:effectLst/>
+                <a:uFillTx/>
+                <a:latin typeface="+mn-lt"/>
+                <a:ea typeface="+mn-ea"/>
+                <a:cs typeface="+mn-cs"/>
+                <a:sym typeface="Helvetica Light"/>
+              </a:rPr>
+              <a:t>li</a:t>
+            </a:r>
+            <a:r>
+              <a:rPr kumimoji="0" lang="en-US" sz="3600" b="0" i="0" u="none" strike="noStrike" cap="none" spc="0" normalizeH="0" baseline="0" dirty="0" smtClean="0">
+                <a:ln>
+                  <a:noFill/>
+                </a:ln>
+                <a:solidFill>
+                  <a:srgbClr val="FFFFFF"/>
+                </a:solidFill>
+                <a:effectLst/>
+                <a:uFillTx/>
+                <a:latin typeface="+mn-lt"/>
+                <a:ea typeface="+mn-ea"/>
+                <a:cs typeface="+mn-cs"/>
+                <a:sym typeface="Helvetica Light"/>
+              </a:rPr>
+              <a:t>&gt;Does</a:t>
+            </a:r>
+            <a:r>
+              <a:rPr kumimoji="0" lang="en-US" sz="3600" b="0" i="0" u="none" strike="noStrike" cap="none" spc="0" normalizeH="0" dirty="0" smtClean="0">
+                <a:ln>
+                  <a:noFill/>
+                </a:ln>
+                <a:solidFill>
+                  <a:srgbClr val="FFFFFF"/>
+                </a:solidFill>
+                <a:effectLst/>
+                <a:uFillTx/>
+                <a:latin typeface="+mn-lt"/>
+                <a:ea typeface="+mn-ea"/>
+                <a:cs typeface="+mn-cs"/>
+                <a:sym typeface="Helvetica Light"/>
+              </a:rPr>
+              <a:t> page display properly?&lt;/</a:t>
+            </a:r>
+            <a:r>
+              <a:rPr kumimoji="0" lang="en-US" sz="3600" b="0" i="0" u="none" strike="noStrike" cap="none" spc="0" normalizeH="0" dirty="0" smtClean="0">
+                <a:ln>
+                  <a:noFill/>
+                </a:ln>
+                <a:solidFill>
+                  <a:srgbClr val="FF0000"/>
+                </a:solidFill>
+                <a:effectLst/>
+                <a:uFillTx/>
+                <a:latin typeface="+mn-lt"/>
+                <a:ea typeface="+mn-ea"/>
+                <a:cs typeface="+mn-cs"/>
+                <a:sym typeface="Helvetica Light"/>
+              </a:rPr>
+              <a:t>li</a:t>
+            </a:r>
+            <a:r>
+              <a:rPr kumimoji="0" lang="en-US" sz="3600" b="0" i="0" u="none" strike="noStrike" cap="none" spc="0" normalizeH="0" dirty="0" smtClean="0">
+                <a:ln>
+                  <a:noFill/>
+                </a:ln>
+                <a:solidFill>
+                  <a:srgbClr val="FFFFFF"/>
+                </a:solidFill>
+                <a:effectLst/>
+                <a:uFillTx/>
+                <a:latin typeface="+mn-lt"/>
+                <a:ea typeface="+mn-ea"/>
+                <a:cs typeface="+mn-cs"/>
+                <a:sym typeface="Helvetica Light"/>
+              </a:rPr>
+              <a:t>&gt;</a:t>
+            </a:r>
+          </a:p>
+          <a:p>
+            <a:pPr marL="0" marR="0" indent="0" algn="l" defTabSz="584200" rtl="0" fontAlgn="auto" latinLnBrk="0" hangingPunct="0">
+              <a:lnSpc>
+                <a:spcPct val="100000"/>
+              </a:lnSpc>
+              <a:spcBef>
+                <a:spcPts val="0"/>
+              </a:spcBef>
+              <a:spcAft>
+                <a:spcPts val="0"/>
+              </a:spcAft>
+              <a:buClrTx/>
+              <a:buSzTx/>
+              <a:buFontTx/>
+              <a:buNone/>
+              <a:tabLst/>
+            </a:pPr>
+            <a:r>
+              <a:rPr lang="en-US" baseline="0" dirty="0" smtClean="0"/>
+              <a:t>	&lt;</a:t>
+            </a:r>
+            <a:r>
+              <a:rPr lang="en-US" baseline="0" dirty="0" smtClean="0">
+                <a:solidFill>
+                  <a:srgbClr val="FF0000"/>
+                </a:solidFill>
+              </a:rPr>
+              <a:t>li</a:t>
+            </a:r>
+            <a:r>
+              <a:rPr lang="en-US" baseline="0" dirty="0" smtClean="0"/>
+              <a:t>&gt;Are yo</a:t>
+            </a:r>
+            <a:r>
+              <a:rPr lang="en-US" dirty="0" smtClean="0"/>
+              <a:t>u smiling?&lt;/</a:t>
+            </a:r>
+            <a:r>
+              <a:rPr lang="en-US" dirty="0" smtClean="0">
+                <a:solidFill>
+                  <a:srgbClr val="FF0000"/>
+                </a:solidFill>
+              </a:rPr>
+              <a:t>li</a:t>
+            </a:r>
+            <a:r>
+              <a:rPr lang="en-US" dirty="0" smtClean="0"/>
+              <a:t>&gt;	</a:t>
+            </a:r>
+          </a:p>
+          <a:p>
+            <a:pPr marL="0" marR="0" indent="0" algn="l" defTabSz="584200" rtl="0" fontAlgn="auto" latinLnBrk="0" hangingPunct="0">
+              <a:lnSpc>
+                <a:spcPct val="100000"/>
+              </a:lnSpc>
+              <a:spcBef>
+                <a:spcPts val="0"/>
+              </a:spcBef>
+              <a:spcAft>
+                <a:spcPts val="0"/>
+              </a:spcAft>
+              <a:buClrTx/>
+              <a:buSzTx/>
+              <a:buFontTx/>
+              <a:buNone/>
+              <a:tabLst/>
+            </a:pPr>
+            <a:r>
+              <a:rPr lang="en-US" baseline="0" dirty="0" smtClean="0"/>
+              <a:t>&lt;/</a:t>
+            </a:r>
+            <a:r>
+              <a:rPr lang="en-US" dirty="0" err="1">
+                <a:solidFill>
+                  <a:srgbClr val="FF0000"/>
+                </a:solidFill>
+              </a:rPr>
+              <a:t>u</a:t>
+            </a:r>
+            <a:r>
+              <a:rPr lang="en-US" baseline="0" dirty="0" err="1" smtClean="0">
+                <a:solidFill>
+                  <a:srgbClr val="FF0000"/>
+                </a:solidFill>
+              </a:rPr>
+              <a:t>l</a:t>
+            </a:r>
+            <a:r>
+              <a:rPr lang="en-US" baseline="0" dirty="0" smtClean="0"/>
+              <a:t>&gt;</a:t>
+            </a:r>
+            <a:endParaRPr kumimoji="0" lang="en-US" sz="3600" b="0" i="0" u="none" strike="noStrike" cap="none" spc="0" normalizeH="0" baseline="0" dirty="0">
+              <a:ln>
+                <a:noFill/>
+              </a:ln>
+              <a:solidFill>
+                <a:srgbClr val="FFFFFF"/>
+              </a:solidFill>
+              <a:effectLst/>
+              <a:uFillTx/>
+              <a:latin typeface="+mn-lt"/>
+              <a:ea typeface="+mn-ea"/>
+              <a:cs typeface="+mn-cs"/>
+              <a:sym typeface="Helvetica Light"/>
+            </a:endParaRPr>
+          </a:p>
+        </p:txBody>
+      </p:sp>
+    </p:spTree>
+    <p:extLst>
+      <p:ext uri="{BB962C8B-B14F-4D97-AF65-F5344CB8AC3E}">
+        <p14:creationId xmlns:p14="http://schemas.microsoft.com/office/powerpoint/2010/main" val="410423696"/>
+      </p:ext>
+    </p:extLst>
+  </p:cSld>
+  <p:clrMapOvr>
+    <a:masterClrMapping/>
+  </p:clrMapOvr>
+  <p:transition spd="med"/>
+  <p:timing>
+    <p:tnLst>
+      <p:par>
+        <p:cTn id="1" dur="indefinite" restart="never" nodeType="tmRoot"/>
+      </p:par>
+    </p:tnLst>
+  </p:timing>
+</p:sld>
+</file>
+
+<file path=ppt/slides/slide47.xml><?xml version="1.0" encoding="utf-8"?>
+<p:sld xmlns:a="http://schemas.openxmlformats.org/drawingml/2006/main" xmlns:r="http://schemas.openxmlformats.org/officeDocument/2006/relationships" xmlns:p="http://schemas.openxmlformats.org/presentationml/2006/main">
+  <p:cSld>
+    <p:spTree>
+      <p:nvGrpSpPr>
+        <p:cNvPr id="1" name=""/>
+        <p:cNvGrpSpPr/>
+        <p:nvPr/>
+      </p:nvGrpSpPr>
+      <p:grpSpPr>
+        <a:xfrm>
+          <a:off x="0" y="0"/>
+          <a:ext cx="0" cy="0"/>
+          <a:chOff x="0" y="0"/>
+          <a:chExt cx="0" cy="0"/>
+        </a:xfrm>
+      </p:grpSpPr>
+      <p:sp>
+        <p:nvSpPr>
+          <p:cNvPr id="3" name="TextBox 2"/>
+          <p:cNvSpPr txBox="1"/>
+          <p:nvPr/>
+        </p:nvSpPr>
+        <p:spPr>
+          <a:xfrm>
+            <a:off x="201478" y="1193369"/>
+            <a:ext cx="12677613" cy="8012625"/>
+          </a:xfrm>
+          <a:prstGeom prst="rect">
+            <a:avLst/>
+          </a:prstGeom>
+          <a:noFill/>
+          <a:ln w="12700" cap="flat">
+            <a:noFill/>
+            <a:miter lim="400000"/>
+          </a:ln>
+          <a:effectLst/>
+          <a:sp3d/>
+        </p:spPr>
+        <p:style>
+          <a:lnRef idx="0">
+            <a:scrgbClr r="0" g="0" b="0"/>
+          </a:lnRef>
+          <a:fillRef idx="0">
+            <a:scrgbClr r="0" g="0" b="0"/>
+          </a:fillRef>
+          <a:effectRef idx="0">
+            <a:scrgbClr r="0" g="0" b="0"/>
+          </a:effectRef>
+          <a:fontRef idx="none"/>
+        </p:style>
+        <p:txBody>
+          <a:bodyPr rot="0" spcFirstLastPara="1" vertOverflow="overflow" horzOverflow="overflow" vert="horz" wrap="square" lIns="50800" tIns="50800" rIns="50800" bIns="50800" numCol="1" spcCol="38100" rtlCol="0" anchor="ctr">
+            <a:noAutofit/>
+          </a:bodyPr>
+          <a:lstStyle/>
+          <a:p>
+            <a:pPr algn="l"/>
+            <a:r>
+              <a:rPr lang="en-US" sz="2400" dirty="0"/>
+              <a:t>&lt;!DOCTYPE html</a:t>
+            </a:r>
+            <a:r>
+              <a:rPr lang="en-US" sz="2400" dirty="0" smtClean="0"/>
+              <a:t>&gt;</a:t>
+            </a:r>
+          </a:p>
+          <a:p>
+            <a:pPr algn="l"/>
+            <a:r>
+              <a:rPr lang="en-US" sz="2400" dirty="0" smtClean="0"/>
+              <a:t>&lt;</a:t>
+            </a:r>
+            <a:r>
+              <a:rPr lang="en-US" sz="2400" dirty="0">
+                <a:solidFill>
+                  <a:srgbClr val="FF0000"/>
+                </a:solidFill>
+              </a:rPr>
+              <a:t>html</a:t>
+            </a:r>
+            <a:r>
+              <a:rPr lang="en-US" sz="2400" dirty="0"/>
+              <a:t>&gt;	</a:t>
+            </a:r>
+            <a:endParaRPr lang="en-US" sz="2400" dirty="0" smtClean="0"/>
+          </a:p>
+          <a:p>
+            <a:pPr algn="l"/>
+            <a:r>
+              <a:rPr lang="en-US" sz="2400" dirty="0" smtClean="0">
+                <a:solidFill>
+                  <a:schemeClr val="tx1"/>
+                </a:solidFill>
+              </a:rPr>
+              <a:t>	&lt;</a:t>
+            </a:r>
+            <a:r>
+              <a:rPr lang="en-US" sz="2400" dirty="0" smtClean="0">
+                <a:solidFill>
+                  <a:srgbClr val="FF0000"/>
+                </a:solidFill>
+              </a:rPr>
+              <a:t>head</a:t>
+            </a:r>
+            <a:r>
+              <a:rPr lang="en-US" sz="2400" dirty="0" smtClean="0">
+                <a:solidFill>
+                  <a:schemeClr val="tx1"/>
+                </a:solidFill>
+              </a:rPr>
+              <a:t>&gt;		</a:t>
+            </a:r>
+          </a:p>
+          <a:p>
+            <a:pPr algn="l"/>
+            <a:r>
+              <a:rPr lang="en-US" sz="2400" dirty="0" smtClean="0">
+                <a:solidFill>
+                  <a:schemeClr val="tx1"/>
+                </a:solidFill>
+              </a:rPr>
+              <a:t>		&lt;</a:t>
+            </a:r>
+            <a:r>
+              <a:rPr lang="en-US" sz="2400" dirty="0" smtClean="0">
+                <a:solidFill>
+                  <a:srgbClr val="FF0000"/>
+                </a:solidFill>
+              </a:rPr>
+              <a:t>title</a:t>
+            </a:r>
+            <a:r>
+              <a:rPr lang="en-US" sz="2400" dirty="0" smtClean="0">
+                <a:solidFill>
+                  <a:schemeClr val="tx1"/>
+                </a:solidFill>
+              </a:rPr>
+              <a:t>&gt;First Web Page&lt;/</a:t>
+            </a:r>
+            <a:r>
+              <a:rPr lang="en-US" sz="2400" dirty="0" smtClean="0">
+                <a:solidFill>
+                  <a:srgbClr val="FF0000"/>
+                </a:solidFill>
+              </a:rPr>
+              <a:t>title</a:t>
+            </a:r>
+            <a:r>
+              <a:rPr lang="en-US" sz="2400" dirty="0" smtClean="0">
+                <a:solidFill>
+                  <a:schemeClr val="tx1"/>
+                </a:solidFill>
+              </a:rPr>
+              <a:t>&gt;	</a:t>
+            </a:r>
+          </a:p>
+          <a:p>
+            <a:pPr algn="l"/>
+            <a:r>
+              <a:rPr lang="en-US" sz="2400" dirty="0" smtClean="0">
+                <a:solidFill>
+                  <a:schemeClr val="tx1"/>
+                </a:solidFill>
+              </a:rPr>
+              <a:t>	&lt;/</a:t>
+            </a:r>
+            <a:r>
+              <a:rPr lang="en-US" sz="2400" dirty="0" smtClean="0">
+                <a:solidFill>
+                  <a:srgbClr val="FF0000"/>
+                </a:solidFill>
+              </a:rPr>
+              <a:t>head</a:t>
+            </a:r>
+            <a:r>
+              <a:rPr lang="en-US" sz="2400" dirty="0" smtClean="0">
+                <a:solidFill>
+                  <a:schemeClr val="tx1"/>
+                </a:solidFill>
+              </a:rPr>
+              <a:t>&gt;	</a:t>
+            </a:r>
+          </a:p>
+          <a:p>
+            <a:pPr algn="l"/>
+            <a:r>
+              <a:rPr lang="en-US" sz="2400" dirty="0" smtClean="0">
+                <a:solidFill>
+                  <a:schemeClr val="tx1"/>
+                </a:solidFill>
+              </a:rPr>
+              <a:t>	&lt;</a:t>
+            </a:r>
+            <a:r>
+              <a:rPr lang="en-US" sz="2400" dirty="0" smtClean="0">
+                <a:solidFill>
+                  <a:srgbClr val="FF0000"/>
+                </a:solidFill>
+              </a:rPr>
+              <a:t>body</a:t>
+            </a:r>
+            <a:r>
+              <a:rPr lang="en-US" sz="2400" dirty="0" smtClean="0">
+                <a:solidFill>
+                  <a:schemeClr val="tx1"/>
+                </a:solidFill>
+              </a:rPr>
+              <a:t>&gt;		</a:t>
+            </a:r>
+          </a:p>
+          <a:p>
+            <a:pPr algn="l"/>
+            <a:r>
+              <a:rPr lang="en-US" sz="2400" dirty="0" smtClean="0">
+                <a:solidFill>
+                  <a:schemeClr val="tx1"/>
+                </a:solidFill>
+              </a:rPr>
+              <a:t>		&lt;</a:t>
+            </a:r>
+            <a:r>
+              <a:rPr lang="en-US" sz="2400" dirty="0" smtClean="0">
+                <a:solidFill>
+                  <a:srgbClr val="FF0000"/>
+                </a:solidFill>
+              </a:rPr>
+              <a:t>h1 </a:t>
+            </a:r>
+            <a:r>
+              <a:rPr lang="en-US" sz="2400" dirty="0">
+                <a:solidFill>
+                  <a:srgbClr val="FFC000"/>
+                </a:solidFill>
+              </a:rPr>
+              <a:t>align</a:t>
+            </a:r>
+            <a:r>
+              <a:rPr lang="en-US" sz="2400" dirty="0"/>
+              <a:t>=</a:t>
+            </a:r>
+            <a:r>
+              <a:rPr lang="en-US" sz="2400" dirty="0">
+                <a:solidFill>
+                  <a:srgbClr val="92D050"/>
+                </a:solidFill>
+              </a:rPr>
+              <a:t>“center</a:t>
+            </a:r>
+            <a:r>
+              <a:rPr lang="en-US" sz="2400" dirty="0" smtClean="0">
+                <a:solidFill>
+                  <a:srgbClr val="92D050"/>
+                </a:solidFill>
+              </a:rPr>
+              <a:t>”</a:t>
+            </a:r>
+            <a:r>
+              <a:rPr lang="en-US" sz="2400" dirty="0" smtClean="0">
+                <a:solidFill>
+                  <a:schemeClr val="tx1"/>
+                </a:solidFill>
+              </a:rPr>
+              <a:t>&gt;Hello World!!&lt;/</a:t>
+            </a:r>
+            <a:r>
+              <a:rPr lang="en-US" sz="2400" dirty="0" smtClean="0">
+                <a:solidFill>
+                  <a:srgbClr val="FF0000"/>
+                </a:solidFill>
+              </a:rPr>
+              <a:t>h1</a:t>
+            </a:r>
+            <a:r>
+              <a:rPr lang="en-US" sz="2400" dirty="0" smtClean="0">
+                <a:solidFill>
+                  <a:schemeClr val="tx1"/>
+                </a:solidFill>
+              </a:rPr>
+              <a:t>&gt;		</a:t>
+            </a:r>
+          </a:p>
+          <a:p>
+            <a:pPr algn="l"/>
+            <a:r>
+              <a:rPr lang="en-US" sz="2400" dirty="0" smtClean="0">
+                <a:solidFill>
+                  <a:schemeClr val="tx1"/>
+                </a:solidFill>
+              </a:rPr>
+              <a:t>		&lt;</a:t>
+            </a:r>
+            <a:r>
+              <a:rPr lang="en-US" sz="2400" dirty="0" smtClean="0">
+                <a:solidFill>
+                  <a:srgbClr val="FF0000"/>
+                </a:solidFill>
+              </a:rPr>
+              <a:t>h2</a:t>
+            </a:r>
+            <a:r>
+              <a:rPr lang="en-US" sz="2400" dirty="0" smtClean="0">
+                <a:solidFill>
+                  <a:schemeClr val="tx1"/>
+                </a:solidFill>
+              </a:rPr>
+              <a:t>&gt;by: (your name here)&lt;/</a:t>
+            </a:r>
+            <a:r>
+              <a:rPr lang="en-US" sz="2400" dirty="0" smtClean="0">
+                <a:solidFill>
+                  <a:srgbClr val="FF0000"/>
+                </a:solidFill>
+              </a:rPr>
+              <a:t>h2</a:t>
+            </a:r>
+            <a:r>
+              <a:rPr lang="en-US" sz="2400" dirty="0" smtClean="0">
+                <a:solidFill>
+                  <a:schemeClr val="tx1"/>
+                </a:solidFill>
+              </a:rPr>
+              <a:t>&gt;		</a:t>
+            </a:r>
+          </a:p>
+          <a:p>
+            <a:pPr algn="l"/>
+            <a:r>
+              <a:rPr lang="en-US" sz="2400" dirty="0" smtClean="0">
+                <a:solidFill>
+                  <a:schemeClr val="tx1"/>
+                </a:solidFill>
+              </a:rPr>
+              <a:t>		&lt;</a:t>
+            </a:r>
+            <a:r>
+              <a:rPr lang="en-US" sz="2400" dirty="0" smtClean="0">
+                <a:solidFill>
+                  <a:srgbClr val="FF0000"/>
+                </a:solidFill>
+              </a:rPr>
+              <a:t>p</a:t>
+            </a:r>
+            <a:r>
+              <a:rPr lang="en-US" sz="2400" dirty="0" smtClean="0">
+                <a:solidFill>
+                  <a:schemeClr val="tx1"/>
+                </a:solidFill>
+              </a:rPr>
+              <a:t>&gt;You just wrote a webpage using HTML at&lt;/</a:t>
+            </a:r>
+            <a:r>
+              <a:rPr lang="en-US" sz="2400" dirty="0" smtClean="0">
+                <a:solidFill>
+                  <a:srgbClr val="FF0000"/>
+                </a:solidFill>
+              </a:rPr>
+              <a:t>p</a:t>
+            </a:r>
+            <a:r>
+              <a:rPr lang="en-US" sz="2400" dirty="0" smtClean="0">
+                <a:solidFill>
+                  <a:schemeClr val="tx1"/>
+                </a:solidFill>
+              </a:rPr>
+              <a:t>&gt;</a:t>
+            </a:r>
+          </a:p>
+          <a:p>
+            <a:pPr algn="l"/>
+            <a:r>
+              <a:rPr lang="en-US" sz="2400" dirty="0" smtClean="0">
+                <a:solidFill>
+                  <a:schemeClr val="tx1"/>
+                </a:solidFill>
+              </a:rPr>
+              <a:t>		</a:t>
+            </a:r>
+            <a:r>
+              <a:rPr lang="en-US" sz="2400" dirty="0" smtClean="0"/>
+              <a:t>&lt;</a:t>
+            </a:r>
+            <a:r>
+              <a:rPr lang="en-US" sz="2400" dirty="0" err="1">
+                <a:solidFill>
+                  <a:srgbClr val="FF0000"/>
+                </a:solidFill>
+              </a:rPr>
+              <a:t>ol</a:t>
+            </a:r>
+            <a:r>
+              <a:rPr lang="en-US" sz="2400" dirty="0"/>
+              <a:t>&gt;</a:t>
+            </a:r>
+          </a:p>
+          <a:p>
+            <a:pPr algn="l"/>
+            <a:r>
+              <a:rPr lang="en-US" sz="2400" dirty="0"/>
+              <a:t>	</a:t>
+            </a:r>
+            <a:r>
+              <a:rPr lang="en-US" sz="2400" dirty="0" smtClean="0"/>
+              <a:t>		&lt;</a:t>
+            </a:r>
+            <a:r>
+              <a:rPr lang="en-US" sz="2400" dirty="0">
+                <a:solidFill>
+                  <a:srgbClr val="FF0000"/>
+                </a:solidFill>
+              </a:rPr>
+              <a:t>li</a:t>
+            </a:r>
+            <a:r>
+              <a:rPr lang="en-US" sz="2400" dirty="0"/>
+              <a:t>&gt;Create new HTML file&lt;/</a:t>
+            </a:r>
+            <a:r>
+              <a:rPr lang="en-US" sz="2400" dirty="0">
+                <a:solidFill>
+                  <a:srgbClr val="FF0000"/>
+                </a:solidFill>
+              </a:rPr>
+              <a:t>li</a:t>
+            </a:r>
+            <a:r>
+              <a:rPr lang="en-US" sz="2400" dirty="0"/>
+              <a:t>&gt;</a:t>
+            </a:r>
+          </a:p>
+          <a:p>
+            <a:pPr algn="l"/>
+            <a:r>
+              <a:rPr lang="en-US" sz="2400" dirty="0"/>
+              <a:t>	</a:t>
+            </a:r>
+            <a:r>
+              <a:rPr lang="en-US" sz="2400" dirty="0" smtClean="0"/>
+              <a:t>		&lt;</a:t>
+            </a:r>
+            <a:r>
+              <a:rPr lang="en-US" sz="2400" dirty="0">
+                <a:solidFill>
+                  <a:srgbClr val="FF0000"/>
+                </a:solidFill>
+              </a:rPr>
+              <a:t>li</a:t>
+            </a:r>
+            <a:r>
+              <a:rPr lang="en-US" sz="2400" dirty="0"/>
+              <a:t>&gt;Add HTML code&lt;/</a:t>
+            </a:r>
+            <a:r>
+              <a:rPr lang="en-US" sz="2400" dirty="0">
+                <a:solidFill>
+                  <a:srgbClr val="FF0000"/>
+                </a:solidFill>
+              </a:rPr>
+              <a:t>li</a:t>
+            </a:r>
+            <a:r>
+              <a:rPr lang="en-US" sz="2400" dirty="0"/>
+              <a:t>&gt;</a:t>
+            </a:r>
+          </a:p>
+          <a:p>
+            <a:pPr algn="l"/>
+            <a:r>
+              <a:rPr lang="en-US" sz="2400" dirty="0"/>
+              <a:t>	</a:t>
+            </a:r>
+            <a:r>
+              <a:rPr lang="en-US" sz="2400" dirty="0" smtClean="0"/>
+              <a:t>		&lt;</a:t>
+            </a:r>
+            <a:r>
+              <a:rPr lang="en-US" sz="2400" dirty="0">
+                <a:solidFill>
+                  <a:srgbClr val="FF0000"/>
+                </a:solidFill>
+              </a:rPr>
+              <a:t>li</a:t>
+            </a:r>
+            <a:r>
+              <a:rPr lang="en-US" sz="2400" dirty="0"/>
+              <a:t>&gt;Save file&lt;/</a:t>
+            </a:r>
+            <a:r>
+              <a:rPr lang="en-US" sz="2400" dirty="0">
+                <a:solidFill>
+                  <a:srgbClr val="FF0000"/>
+                </a:solidFill>
+              </a:rPr>
+              <a:t>li</a:t>
+            </a:r>
+            <a:r>
+              <a:rPr lang="en-US" sz="2400" dirty="0"/>
+              <a:t>&gt;	</a:t>
+            </a:r>
+          </a:p>
+          <a:p>
+            <a:pPr algn="l"/>
+            <a:r>
+              <a:rPr lang="en-US" sz="2400" dirty="0"/>
+              <a:t>	</a:t>
+            </a:r>
+            <a:r>
+              <a:rPr lang="en-US" sz="2400" dirty="0" smtClean="0"/>
+              <a:t>		&lt;</a:t>
+            </a:r>
+            <a:r>
+              <a:rPr lang="en-US" sz="2400" dirty="0">
+                <a:solidFill>
+                  <a:srgbClr val="FF0000"/>
+                </a:solidFill>
+              </a:rPr>
+              <a:t>li</a:t>
+            </a:r>
+            <a:r>
+              <a:rPr lang="en-US" sz="2400" dirty="0"/>
+              <a:t>&gt;Open file in browser&lt;/</a:t>
+            </a:r>
+            <a:r>
+              <a:rPr lang="en-US" sz="2400" dirty="0">
+                <a:solidFill>
+                  <a:srgbClr val="FF0000"/>
+                </a:solidFill>
+              </a:rPr>
+              <a:t>li</a:t>
+            </a:r>
+            <a:r>
+              <a:rPr lang="en-US" sz="2400" dirty="0"/>
+              <a:t>&gt;</a:t>
+            </a:r>
+          </a:p>
+          <a:p>
+            <a:pPr algn="l"/>
+            <a:r>
+              <a:rPr lang="en-US" sz="2400" dirty="0" smtClean="0"/>
+              <a:t>		&lt;/</a:t>
+            </a:r>
+            <a:r>
+              <a:rPr lang="en-US" sz="2400" dirty="0" err="1">
+                <a:solidFill>
+                  <a:srgbClr val="FF0000"/>
+                </a:solidFill>
+              </a:rPr>
+              <a:t>ol</a:t>
+            </a:r>
+            <a:r>
+              <a:rPr lang="en-US" sz="2400" dirty="0" smtClean="0"/>
+              <a:t>&gt;</a:t>
+            </a:r>
+          </a:p>
+          <a:p>
+            <a:pPr algn="l"/>
+            <a:r>
+              <a:rPr lang="en-US" sz="2400" dirty="0" smtClean="0"/>
+              <a:t>		&lt;</a:t>
+            </a:r>
+            <a:r>
+              <a:rPr lang="en-US" sz="2400" dirty="0" err="1" smtClean="0">
+                <a:solidFill>
+                  <a:srgbClr val="FF0000"/>
+                </a:solidFill>
+              </a:rPr>
+              <a:t>ul</a:t>
+            </a:r>
+            <a:r>
+              <a:rPr lang="en-US" sz="2400" dirty="0"/>
+              <a:t>&gt;</a:t>
+            </a:r>
+          </a:p>
+          <a:p>
+            <a:pPr algn="l"/>
+            <a:r>
+              <a:rPr lang="en-US" sz="2400" dirty="0"/>
+              <a:t>	</a:t>
+            </a:r>
+            <a:r>
+              <a:rPr lang="en-US" sz="2400" dirty="0" smtClean="0"/>
+              <a:t>		&lt;</a:t>
+            </a:r>
+            <a:r>
+              <a:rPr lang="en-US" sz="2400" dirty="0">
+                <a:solidFill>
+                  <a:srgbClr val="FF0000"/>
+                </a:solidFill>
+              </a:rPr>
+              <a:t>li</a:t>
+            </a:r>
+            <a:r>
+              <a:rPr lang="en-US" sz="2400" dirty="0"/>
+              <a:t>&gt;Does page load?&lt;/</a:t>
+            </a:r>
+            <a:r>
+              <a:rPr lang="en-US" sz="2400" dirty="0">
+                <a:solidFill>
+                  <a:srgbClr val="FF0000"/>
+                </a:solidFill>
+              </a:rPr>
+              <a:t>li</a:t>
+            </a:r>
+            <a:r>
+              <a:rPr lang="en-US" sz="2400" dirty="0"/>
+              <a:t>&gt;</a:t>
+            </a:r>
+          </a:p>
+          <a:p>
+            <a:pPr algn="l"/>
+            <a:r>
+              <a:rPr lang="en-US" sz="2400" dirty="0"/>
+              <a:t>	</a:t>
+            </a:r>
+            <a:r>
+              <a:rPr lang="en-US" sz="2400" dirty="0" smtClean="0"/>
+              <a:t>		&lt;</a:t>
+            </a:r>
+            <a:r>
+              <a:rPr lang="en-US" sz="2400" dirty="0">
+                <a:solidFill>
+                  <a:srgbClr val="FF0000"/>
+                </a:solidFill>
+              </a:rPr>
+              <a:t>li</a:t>
+            </a:r>
+            <a:r>
+              <a:rPr lang="en-US" sz="2400" dirty="0"/>
+              <a:t>&gt;Does page display properly?&lt;/</a:t>
+            </a:r>
+            <a:r>
+              <a:rPr lang="en-US" sz="2400" dirty="0">
+                <a:solidFill>
+                  <a:srgbClr val="FF0000"/>
+                </a:solidFill>
+              </a:rPr>
+              <a:t>li</a:t>
+            </a:r>
+            <a:r>
+              <a:rPr lang="en-US" sz="2400" dirty="0"/>
+              <a:t>&gt;</a:t>
+            </a:r>
+          </a:p>
+          <a:p>
+            <a:pPr algn="l"/>
+            <a:r>
+              <a:rPr lang="en-US" sz="2400" dirty="0"/>
+              <a:t>	</a:t>
+            </a:r>
+            <a:r>
+              <a:rPr lang="en-US" sz="2400" dirty="0" smtClean="0"/>
+              <a:t>		&lt;</a:t>
+            </a:r>
+            <a:r>
+              <a:rPr lang="en-US" sz="2400" dirty="0">
+                <a:solidFill>
+                  <a:srgbClr val="FF0000"/>
+                </a:solidFill>
+              </a:rPr>
+              <a:t>li</a:t>
+            </a:r>
+            <a:r>
+              <a:rPr lang="en-US" sz="2400" dirty="0"/>
+              <a:t>&gt;Are you smiling?&lt;/</a:t>
+            </a:r>
+            <a:r>
+              <a:rPr lang="en-US" sz="2400" dirty="0">
+                <a:solidFill>
+                  <a:srgbClr val="FF0000"/>
+                </a:solidFill>
+              </a:rPr>
+              <a:t>li</a:t>
+            </a:r>
+            <a:r>
+              <a:rPr lang="en-US" sz="2400" dirty="0"/>
+              <a:t>&gt;	</a:t>
+            </a:r>
+          </a:p>
+          <a:p>
+            <a:pPr algn="l"/>
+            <a:r>
+              <a:rPr lang="en-US" sz="2400" dirty="0" smtClean="0"/>
+              <a:t>		&lt;/</a:t>
+            </a:r>
+            <a:r>
+              <a:rPr lang="en-US" sz="2400" dirty="0" err="1">
+                <a:solidFill>
+                  <a:srgbClr val="FF0000"/>
+                </a:solidFill>
+              </a:rPr>
+              <a:t>ul</a:t>
+            </a:r>
+            <a:r>
+              <a:rPr lang="en-US" sz="2400" dirty="0" smtClean="0"/>
+              <a:t>&gt;</a:t>
+            </a:r>
+            <a:endParaRPr lang="en-US" sz="2400" dirty="0"/>
+          </a:p>
+          <a:p>
+            <a:pPr algn="l"/>
+            <a:r>
+              <a:rPr lang="en-US" sz="2400" dirty="0" smtClean="0">
+                <a:solidFill>
+                  <a:schemeClr val="tx1"/>
+                </a:solidFill>
+              </a:rPr>
+              <a:t>	&lt;/</a:t>
+            </a:r>
+            <a:r>
+              <a:rPr lang="en-US" sz="2400" dirty="0" smtClean="0">
+                <a:solidFill>
+                  <a:srgbClr val="FF0000"/>
+                </a:solidFill>
+              </a:rPr>
+              <a:t>body</a:t>
+            </a:r>
+            <a:r>
+              <a:rPr lang="en-US" sz="2400" dirty="0" smtClean="0">
+                <a:solidFill>
+                  <a:schemeClr val="tx1"/>
+                </a:solidFill>
+              </a:rPr>
+              <a:t>&gt;</a:t>
+            </a:r>
+          </a:p>
+          <a:p>
+            <a:pPr algn="l"/>
+            <a:r>
+              <a:rPr lang="en-US" sz="2400" dirty="0" smtClean="0"/>
+              <a:t>&lt;/</a:t>
+            </a:r>
+            <a:r>
+              <a:rPr lang="en-US" sz="2400" dirty="0">
+                <a:solidFill>
+                  <a:srgbClr val="FF0000"/>
+                </a:solidFill>
+              </a:rPr>
+              <a:t>html</a:t>
+            </a:r>
+            <a:r>
+              <a:rPr lang="en-US" sz="2400" dirty="0"/>
+              <a:t>&gt;</a:t>
+            </a:r>
+            <a:endParaRPr kumimoji="0" lang="en-US" sz="2400" b="0" i="0" u="none" strike="noStrike" cap="none" spc="0" normalizeH="0" baseline="0" dirty="0">
+              <a:ln>
+                <a:noFill/>
+              </a:ln>
+              <a:solidFill>
+                <a:srgbClr val="FFFFFF"/>
+              </a:solidFill>
+              <a:effectLst/>
+              <a:uFillTx/>
+              <a:sym typeface="Helvetica Light"/>
+            </a:endParaRPr>
+          </a:p>
+        </p:txBody>
+      </p:sp>
+      <p:sp>
+        <p:nvSpPr>
+          <p:cNvPr id="4" name="TextBox 3"/>
+          <p:cNvSpPr txBox="1"/>
+          <p:nvPr/>
+        </p:nvSpPr>
+        <p:spPr>
+          <a:xfrm>
+            <a:off x="2882682" y="184959"/>
+            <a:ext cx="6943241" cy="656590"/>
+          </a:xfrm>
+          <a:prstGeom prst="rect">
+            <a:avLst/>
+          </a:prstGeom>
+          <a:noFill/>
+          <a:ln w="12700" cap="flat">
+            <a:noFill/>
+            <a:miter lim="400000"/>
+          </a:ln>
+          <a:effectLst/>
+          <a:sp3d/>
+        </p:spPr>
+        <p:style>
+          <a:lnRef idx="0">
+            <a:scrgbClr r="0" g="0" b="0"/>
+          </a:lnRef>
+          <a:fillRef idx="0">
+            <a:scrgbClr r="0" g="0" b="0"/>
+          </a:fillRef>
+          <a:effectRef idx="0">
+            <a:scrgbClr r="0" g="0" b="0"/>
+          </a:effectRef>
+          <a:fontRef idx="none"/>
+        </p:style>
+        <p:txBody>
+          <a:bodyPr rot="0" spcFirstLastPara="1" vertOverflow="overflow" horzOverflow="overflow" vert="horz" wrap="square" lIns="50800" tIns="50800" rIns="50800" bIns="50800" numCol="1" spcCol="38100" rtlCol="0" anchor="ctr">
+            <a:spAutoFit/>
+          </a:bodyPr>
+          <a:lstStyle/>
+          <a:p>
+            <a:pPr marL="0" marR="0" indent="0" algn="ctr" defTabSz="584200" rtl="0" fontAlgn="auto" latinLnBrk="0" hangingPunct="0">
+              <a:lnSpc>
+                <a:spcPct val="100000"/>
+              </a:lnSpc>
+              <a:spcBef>
+                <a:spcPts val="0"/>
+              </a:spcBef>
+              <a:spcAft>
+                <a:spcPts val="0"/>
+              </a:spcAft>
+              <a:buClrTx/>
+              <a:buSzTx/>
+              <a:buFontTx/>
+              <a:buNone/>
+              <a:tabLst/>
+            </a:pPr>
+            <a:r>
+              <a:rPr kumimoji="0" lang="en-US" sz="3600" b="1" i="0" u="none" strike="noStrike" cap="none" spc="0" normalizeH="0" baseline="0" dirty="0" smtClean="0">
+                <a:ln>
+                  <a:noFill/>
+                </a:ln>
+                <a:solidFill>
+                  <a:srgbClr val="FFFFFF"/>
+                </a:solidFill>
+                <a:effectLst/>
+                <a:uFillTx/>
+                <a:latin typeface="+mn-lt"/>
+                <a:ea typeface="+mn-ea"/>
+                <a:cs typeface="+mn-cs"/>
+                <a:sym typeface="Helvetica Light"/>
+              </a:rPr>
+              <a:t>Your First Web</a:t>
+            </a:r>
+            <a:r>
+              <a:rPr kumimoji="0" lang="en-US" sz="3600" b="1" i="0" u="none" strike="noStrike" cap="none" spc="0" normalizeH="0" dirty="0" smtClean="0">
+                <a:ln>
+                  <a:noFill/>
+                </a:ln>
+                <a:solidFill>
+                  <a:srgbClr val="FFFFFF"/>
+                </a:solidFill>
+                <a:effectLst/>
+                <a:uFillTx/>
+                <a:latin typeface="+mn-lt"/>
+                <a:ea typeface="+mn-ea"/>
+                <a:cs typeface="+mn-cs"/>
+                <a:sym typeface="Helvetica Light"/>
+              </a:rPr>
+              <a:t> Page!!</a:t>
+            </a:r>
+            <a:endParaRPr kumimoji="0" lang="en-US" sz="3600" b="1" i="0" u="none" strike="noStrike" cap="none" spc="0" normalizeH="0" baseline="0" dirty="0">
+              <a:ln>
+                <a:noFill/>
+              </a:ln>
+              <a:solidFill>
+                <a:srgbClr val="FFFFFF"/>
+              </a:solidFill>
+              <a:effectLst/>
+              <a:uFillTx/>
+              <a:latin typeface="+mn-lt"/>
+              <a:ea typeface="+mn-ea"/>
+              <a:cs typeface="+mn-cs"/>
+              <a:sym typeface="Helvetica Light"/>
+            </a:endParaRPr>
+          </a:p>
+        </p:txBody>
+      </p:sp>
+    </p:spTree>
+    <p:extLst>
+      <p:ext uri="{BB962C8B-B14F-4D97-AF65-F5344CB8AC3E}">
+        <p14:creationId xmlns:p14="http://schemas.microsoft.com/office/powerpoint/2010/main" val="1177837219"/>
+      </p:ext>
+    </p:extLst>
+  </p:cSld>
+  <p:clrMapOvr>
+    <a:masterClrMapping/>
+  </p:clrMapOvr>
+  <p:transition spd="med"/>
+  <p:timing>
+    <p:tnLst>
+      <p:par>
+        <p:cTn id="1" dur="indefinite" restart="never" nodeType="tmRoot"/>
+      </p:par>
+    </p:tnLst>
+  </p:timing>
+</p:sld>
+</file>
+
+<file path=ppt/slides/slide48.xml><?xml version="1.0" encoding="utf-8"?>
+<p:sld xmlns:a="http://schemas.openxmlformats.org/drawingml/2006/main" xmlns:r="http://schemas.openxmlformats.org/officeDocument/2006/relationships" xmlns:p="http://schemas.openxmlformats.org/presentationml/2006/main">
+  <p:cSld>
+    <p:spTree>
+      <p:nvGrpSpPr>
+        <p:cNvPr id="1" name=""/>
+        <p:cNvGrpSpPr/>
+        <p:nvPr/>
+      </p:nvGrpSpPr>
+      <p:grpSpPr>
+        <a:xfrm>
+          <a:off x="0" y="0"/>
+          <a:ext cx="0" cy="0"/>
+          <a:chOff x="0" y="0"/>
+          <a:chExt cx="0" cy="0"/>
+        </a:xfrm>
+      </p:grpSpPr>
+      <p:sp>
+        <p:nvSpPr>
+          <p:cNvPr id="2" name="Title 1"/>
+          <p:cNvSpPr>
+            <a:spLocks noGrp="1"/>
+          </p:cNvSpPr>
+          <p:nvPr>
+            <p:ph type="title"/>
+          </p:nvPr>
+        </p:nvSpPr>
         <p:spPr>
           <a:xfrm>
             <a:off x="952500" y="208280"/>
@@ -17784,7 +18051,7 @@
 </p:sld>
 </file>
 
-<file path=ppt/slides/slide47.xml><?xml version="1.0" encoding="utf-8"?>
+<file path=ppt/slides/slide49.xml><?xml version="1.0" encoding="utf-8"?>
 <p:sld xmlns:a="http://schemas.openxmlformats.org/drawingml/2006/main" xmlns:r="http://schemas.openxmlformats.org/officeDocument/2006/relationships" xmlns:p="http://schemas.openxmlformats.org/presentationml/2006/main">
   <p:cSld>
     <p:spTree>
@@ -18771,256 +19038,6 @@
 </p:sld>
 </file>
 
-<file path=ppt/slides/slide48.xml><?xml version="1.0" encoding="utf-8"?>
-<p:sld xmlns:a="http://schemas.openxmlformats.org/drawingml/2006/main" xmlns:r="http://schemas.openxmlformats.org/officeDocument/2006/relationships" xmlns:p="http://schemas.openxmlformats.org/presentationml/2006/main">
-  <p:cSld>
-    <p:spTree>
-      <p:nvGrpSpPr>
-        <p:cNvPr id="1" name=""/>
-        <p:cNvGrpSpPr/>
-        <p:nvPr/>
-      </p:nvGrpSpPr>
-      <p:grpSpPr>
-        <a:xfrm>
-          <a:off x="0" y="0"/>
-          <a:ext cx="0" cy="0"/>
-          <a:chOff x="0" y="0"/>
-          <a:chExt cx="0" cy="0"/>
-        </a:xfrm>
-      </p:grpSpPr>
-      <p:sp>
-        <p:nvSpPr>
-          <p:cNvPr id="2" name="Title 1"/>
-          <p:cNvSpPr>
-            <a:spLocks noGrp="1"/>
-          </p:cNvSpPr>
-          <p:nvPr>
-            <p:ph type="title"/>
-          </p:nvPr>
-        </p:nvSpPr>
-        <p:spPr/>
-        <p:txBody>
-          <a:bodyPr/>
-          <a:lstStyle/>
-          <a:p>
-            <a:r>
-              <a:rPr lang="en-US" dirty="0" smtClean="0"/>
-              <a:t>Ship It!</a:t>
-            </a:r>
-            <a:endParaRPr lang="en-US" dirty="0"/>
-          </a:p>
-        </p:txBody>
-      </p:sp>
-      <p:sp>
-        <p:nvSpPr>
-          <p:cNvPr id="3" name="Text Placeholder 2"/>
-          <p:cNvSpPr>
-            <a:spLocks noGrp="1"/>
-          </p:cNvSpPr>
-          <p:nvPr>
-            <p:ph type="body" idx="1"/>
-          </p:nvPr>
-        </p:nvSpPr>
-        <p:spPr/>
-        <p:txBody>
-          <a:bodyPr/>
-          <a:lstStyle/>
-          <a:p>
-            <a:pPr marL="0" indent="0">
-              <a:buNone/>
-            </a:pPr>
-            <a:r>
-              <a:rPr lang="en-US" dirty="0" smtClean="0"/>
-              <a:t>In Chrome:</a:t>
-            </a:r>
-          </a:p>
-          <a:p>
-            <a:r>
-              <a:rPr lang="en-US" dirty="0" smtClean="0"/>
-              <a:t>Click “File”, </a:t>
-            </a:r>
-          </a:p>
-          <a:p>
-            <a:r>
-              <a:rPr lang="en-US" dirty="0" smtClean="0"/>
-              <a:t>Select “Open File”</a:t>
-            </a:r>
-          </a:p>
-          <a:p>
-            <a:r>
-              <a:rPr lang="en-US" dirty="0" smtClean="0"/>
-              <a:t>Open “</a:t>
-            </a:r>
-            <a:r>
-              <a:rPr lang="en-US" dirty="0" err="1" smtClean="0"/>
-              <a:t>HelloWorldHTML.html</a:t>
-            </a:r>
-            <a:endParaRPr lang="en-US" dirty="0"/>
-          </a:p>
-        </p:txBody>
-      </p:sp>
-    </p:spTree>
-    <p:extLst>
-      <p:ext uri="{BB962C8B-B14F-4D97-AF65-F5344CB8AC3E}">
-        <p14:creationId xmlns:p14="http://schemas.microsoft.com/office/powerpoint/2010/main" val="1955795721"/>
-      </p:ext>
-    </p:extLst>
-  </p:cSld>
-  <p:clrMapOvr>
-    <a:masterClrMapping/>
-  </p:clrMapOvr>
-  <p:transition spd="med"/>
-  <p:timing>
-    <p:tnLst>
-      <p:par>
-        <p:cTn id="1" dur="indefinite" restart="never" nodeType="tmRoot"/>
-      </p:par>
-    </p:tnLst>
-  </p:timing>
-</p:sld>
-</file>
-
-<file path=ppt/slides/slide49.xml><?xml version="1.0" encoding="utf-8"?>
-<p:sld xmlns:a="http://schemas.openxmlformats.org/drawingml/2006/main" xmlns:r="http://schemas.openxmlformats.org/officeDocument/2006/relationships" xmlns:p="http://schemas.openxmlformats.org/presentationml/2006/main">
-  <p:cSld>
-    <p:spTree>
-      <p:nvGrpSpPr>
-        <p:cNvPr id="1" name=""/>
-        <p:cNvGrpSpPr/>
-        <p:nvPr/>
-      </p:nvGrpSpPr>
-      <p:grpSpPr>
-        <a:xfrm>
-          <a:off x="0" y="0"/>
-          <a:ext cx="0" cy="0"/>
-          <a:chOff x="0" y="0"/>
-          <a:chExt cx="0" cy="0"/>
-        </a:xfrm>
-      </p:grpSpPr>
-      <p:sp>
-        <p:nvSpPr>
-          <p:cNvPr id="2" name="Title 1"/>
-          <p:cNvSpPr>
-            <a:spLocks noGrp="1"/>
-          </p:cNvSpPr>
-          <p:nvPr>
-            <p:ph type="title"/>
-          </p:nvPr>
-        </p:nvSpPr>
-        <p:spPr/>
-        <p:txBody>
-          <a:bodyPr/>
-          <a:lstStyle/>
-          <a:p>
-            <a:r>
-              <a:rPr lang="en-US" dirty="0" smtClean="0"/>
-              <a:t>Varieties of Fishes</a:t>
-            </a:r>
-            <a:endParaRPr lang="en-US" dirty="0"/>
-          </a:p>
-        </p:txBody>
-      </p:sp>
-      <p:sp>
-        <p:nvSpPr>
-          <p:cNvPr id="3" name="Text Placeholder 2"/>
-          <p:cNvSpPr>
-            <a:spLocks noGrp="1"/>
-          </p:cNvSpPr>
-          <p:nvPr>
-            <p:ph type="body" idx="1"/>
-          </p:nvPr>
-        </p:nvSpPr>
-        <p:spPr>
-          <a:xfrm>
-            <a:off x="548640" y="2590800"/>
-            <a:ext cx="11978640" cy="6286500"/>
-          </a:xfrm>
-        </p:spPr>
-        <p:txBody>
-          <a:bodyPr>
-            <a:normAutofit/>
-          </a:bodyPr>
-          <a:lstStyle/>
-          <a:p>
-            <a:r>
-              <a:rPr lang="en-US" dirty="0" smtClean="0"/>
-              <a:t>Resources for HTML</a:t>
-            </a:r>
-          </a:p>
-          <a:p>
-            <a:pPr lvl="1"/>
-            <a:r>
-              <a:rPr lang="en-US" sz="3600" dirty="0" smtClean="0"/>
-              <a:t>MDN (</a:t>
-            </a:r>
-            <a:r>
-              <a:rPr lang="en-US" sz="3600" dirty="0" smtClean="0">
-                <a:hlinkClick r:id="rId2"/>
-              </a:rPr>
-              <a:t>developer.mozilla.org/en-US/docs/Web/HTML</a:t>
-            </a:r>
-            <a:r>
-              <a:rPr lang="en-US" sz="3600" dirty="0" smtClean="0"/>
-              <a:t>)</a:t>
-            </a:r>
-          </a:p>
-          <a:p>
-            <a:r>
-              <a:rPr lang="en-US" dirty="0" smtClean="0"/>
-              <a:t>Resources for HTML tags</a:t>
-            </a:r>
-          </a:p>
-          <a:p>
-            <a:pPr lvl="1"/>
-            <a:r>
-              <a:rPr lang="en-US" dirty="0" smtClean="0"/>
-              <a:t>W3 Schools (</a:t>
-            </a:r>
-            <a:r>
-              <a:rPr lang="en-US" dirty="0" smtClean="0">
-                <a:hlinkClick r:id="rId3"/>
-              </a:rPr>
-              <a:t>www.w3schools.com/tags/)</a:t>
-            </a:r>
-            <a:endParaRPr lang="en-US" dirty="0" smtClean="0"/>
-          </a:p>
-          <a:p>
-            <a:pPr lvl="1"/>
-            <a:r>
-              <a:rPr lang="en-US" dirty="0" smtClean="0"/>
-              <a:t>HTML Dog (</a:t>
-            </a:r>
-            <a:r>
-              <a:rPr lang="en-US" dirty="0" smtClean="0">
-                <a:hlinkClick r:id="rId4"/>
-              </a:rPr>
-              <a:t>www.htmldog.com/references/html/tags/)</a:t>
-            </a:r>
-            <a:endParaRPr lang="en-US" dirty="0"/>
-          </a:p>
-        </p:txBody>
-      </p:sp>
-    </p:spTree>
-    <p:extLst>
-      <p:ext uri="{BB962C8B-B14F-4D97-AF65-F5344CB8AC3E}">
-        <p14:creationId xmlns:p14="http://schemas.microsoft.com/office/powerpoint/2010/main" val="421007201"/>
-      </p:ext>
-    </p:extLst>
-  </p:cSld>
-  <p:clrMapOvr>
-    <a:masterClrMapping/>
-  </p:clrMapOvr>
-  <p:transition spd="med"/>
-  <p:timing>
-    <p:tnLst>
-      <p:par>
-        <p:cTn id="1" dur="indefinite" restart="never" nodeType="tmRoot"/>
-      </p:par>
-    </p:tnLst>
-  </p:timing>
-</p:sld>
-</file>
-
 <file path=ppt/slides/slide5.xml><?xml version="1.0" encoding="utf-8"?>
 <p:sld xmlns:a="http://schemas.openxmlformats.org/drawingml/2006/main" xmlns:r="http://schemas.openxmlformats.org/officeDocument/2006/relationships" xmlns:p="http://schemas.openxmlformats.org/presentationml/2006/main">
   <p:cSld>
@@ -19109,6 +19126,256 @@
 </file>
 
 <file path=ppt/slides/slide50.xml><?xml version="1.0" encoding="utf-8"?>
+<p:sld xmlns:a="http://schemas.openxmlformats.org/drawingml/2006/main" xmlns:r="http://schemas.openxmlformats.org/officeDocument/2006/relationships" xmlns:p="http://schemas.openxmlformats.org/presentationml/2006/main">
+  <p:cSld>
+    <p:spTree>
+      <p:nvGrpSpPr>
+        <p:cNvPr id="1" name=""/>
+        <p:cNvGrpSpPr/>
+        <p:nvPr/>
+      </p:nvGrpSpPr>
+      <p:grpSpPr>
+        <a:xfrm>
+          <a:off x="0" y="0"/>
+          <a:ext cx="0" cy="0"/>
+          <a:chOff x="0" y="0"/>
+          <a:chExt cx="0" cy="0"/>
+        </a:xfrm>
+      </p:grpSpPr>
+      <p:sp>
+        <p:nvSpPr>
+          <p:cNvPr id="2" name="Title 1"/>
+          <p:cNvSpPr>
+            <a:spLocks noGrp="1"/>
+          </p:cNvSpPr>
+          <p:nvPr>
+            <p:ph type="title"/>
+          </p:nvPr>
+        </p:nvSpPr>
+        <p:spPr/>
+        <p:txBody>
+          <a:bodyPr/>
+          <a:lstStyle/>
+          <a:p>
+            <a:r>
+              <a:rPr lang="en-US" dirty="0" smtClean="0"/>
+              <a:t>Ship It!</a:t>
+            </a:r>
+            <a:endParaRPr lang="en-US" dirty="0"/>
+          </a:p>
+        </p:txBody>
+      </p:sp>
+      <p:sp>
+        <p:nvSpPr>
+          <p:cNvPr id="3" name="Text Placeholder 2"/>
+          <p:cNvSpPr>
+            <a:spLocks noGrp="1"/>
+          </p:cNvSpPr>
+          <p:nvPr>
+            <p:ph type="body" idx="1"/>
+          </p:nvPr>
+        </p:nvSpPr>
+        <p:spPr/>
+        <p:txBody>
+          <a:bodyPr/>
+          <a:lstStyle/>
+          <a:p>
+            <a:pPr marL="0" indent="0">
+              <a:buNone/>
+            </a:pPr>
+            <a:r>
+              <a:rPr lang="en-US" dirty="0" smtClean="0"/>
+              <a:t>In Chrome:</a:t>
+            </a:r>
+          </a:p>
+          <a:p>
+            <a:r>
+              <a:rPr lang="en-US" dirty="0" smtClean="0"/>
+              <a:t>Click “File”, </a:t>
+            </a:r>
+          </a:p>
+          <a:p>
+            <a:r>
+              <a:rPr lang="en-US" dirty="0" smtClean="0"/>
+              <a:t>Select “Open File”</a:t>
+            </a:r>
+          </a:p>
+          <a:p>
+            <a:r>
+              <a:rPr lang="en-US" dirty="0" smtClean="0"/>
+              <a:t>Open “</a:t>
+            </a:r>
+            <a:r>
+              <a:rPr lang="en-US" dirty="0" err="1" smtClean="0"/>
+              <a:t>HelloWorldHTML.html</a:t>
+            </a:r>
+            <a:endParaRPr lang="en-US" dirty="0"/>
+          </a:p>
+        </p:txBody>
+      </p:sp>
+    </p:spTree>
+    <p:extLst>
+      <p:ext uri="{BB962C8B-B14F-4D97-AF65-F5344CB8AC3E}">
+        <p14:creationId xmlns:p14="http://schemas.microsoft.com/office/powerpoint/2010/main" val="1955795721"/>
+      </p:ext>
+    </p:extLst>
+  </p:cSld>
+  <p:clrMapOvr>
+    <a:masterClrMapping/>
+  </p:clrMapOvr>
+  <p:transition spd="med"/>
+  <p:timing>
+    <p:tnLst>
+      <p:par>
+        <p:cTn id="1" dur="indefinite" restart="never" nodeType="tmRoot"/>
+      </p:par>
+    </p:tnLst>
+  </p:timing>
+</p:sld>
+</file>
+
+<file path=ppt/slides/slide51.xml><?xml version="1.0" encoding="utf-8"?>
+<p:sld xmlns:a="http://schemas.openxmlformats.org/drawingml/2006/main" xmlns:r="http://schemas.openxmlformats.org/officeDocument/2006/relationships" xmlns:p="http://schemas.openxmlformats.org/presentationml/2006/main">
+  <p:cSld>
+    <p:spTree>
+      <p:nvGrpSpPr>
+        <p:cNvPr id="1" name=""/>
+        <p:cNvGrpSpPr/>
+        <p:nvPr/>
+      </p:nvGrpSpPr>
+      <p:grpSpPr>
+        <a:xfrm>
+          <a:off x="0" y="0"/>
+          <a:ext cx="0" cy="0"/>
+          <a:chOff x="0" y="0"/>
+          <a:chExt cx="0" cy="0"/>
+        </a:xfrm>
+      </p:grpSpPr>
+      <p:sp>
+        <p:nvSpPr>
+          <p:cNvPr id="2" name="Title 1"/>
+          <p:cNvSpPr>
+            <a:spLocks noGrp="1"/>
+          </p:cNvSpPr>
+          <p:nvPr>
+            <p:ph type="title"/>
+          </p:nvPr>
+        </p:nvSpPr>
+        <p:spPr/>
+        <p:txBody>
+          <a:bodyPr/>
+          <a:lstStyle/>
+          <a:p>
+            <a:r>
+              <a:rPr lang="en-US" dirty="0" smtClean="0"/>
+              <a:t>Varieties of Fishes</a:t>
+            </a:r>
+            <a:endParaRPr lang="en-US" dirty="0"/>
+          </a:p>
+        </p:txBody>
+      </p:sp>
+      <p:sp>
+        <p:nvSpPr>
+          <p:cNvPr id="3" name="Text Placeholder 2"/>
+          <p:cNvSpPr>
+            <a:spLocks noGrp="1"/>
+          </p:cNvSpPr>
+          <p:nvPr>
+            <p:ph type="body" idx="1"/>
+          </p:nvPr>
+        </p:nvSpPr>
+        <p:spPr>
+          <a:xfrm>
+            <a:off x="548640" y="2590800"/>
+            <a:ext cx="11978640" cy="6286500"/>
+          </a:xfrm>
+        </p:spPr>
+        <p:txBody>
+          <a:bodyPr>
+            <a:normAutofit/>
+          </a:bodyPr>
+          <a:lstStyle/>
+          <a:p>
+            <a:r>
+              <a:rPr lang="en-US" dirty="0" smtClean="0"/>
+              <a:t>Resources for HTML</a:t>
+            </a:r>
+          </a:p>
+          <a:p>
+            <a:pPr lvl="1"/>
+            <a:r>
+              <a:rPr lang="en-US" sz="3600" dirty="0" smtClean="0"/>
+              <a:t>MDN (</a:t>
+            </a:r>
+            <a:r>
+              <a:rPr lang="en-US" sz="3600" dirty="0" smtClean="0">
+                <a:hlinkClick r:id="rId2"/>
+              </a:rPr>
+              <a:t>developer.mozilla.org/en-US/docs/Web/HTML</a:t>
+            </a:r>
+            <a:r>
+              <a:rPr lang="en-US" sz="3600" dirty="0" smtClean="0"/>
+              <a:t>)</a:t>
+            </a:r>
+          </a:p>
+          <a:p>
+            <a:r>
+              <a:rPr lang="en-US" dirty="0" smtClean="0"/>
+              <a:t>Resources for HTML tags</a:t>
+            </a:r>
+          </a:p>
+          <a:p>
+            <a:pPr lvl="1"/>
+            <a:r>
+              <a:rPr lang="en-US" dirty="0" smtClean="0"/>
+              <a:t>W3 Schools (</a:t>
+            </a:r>
+            <a:r>
+              <a:rPr lang="en-US" dirty="0" smtClean="0">
+                <a:hlinkClick r:id="rId3"/>
+              </a:rPr>
+              <a:t>www.w3schools.com/tags/)</a:t>
+            </a:r>
+            <a:endParaRPr lang="en-US" dirty="0" smtClean="0"/>
+          </a:p>
+          <a:p>
+            <a:pPr lvl="1"/>
+            <a:r>
+              <a:rPr lang="en-US" dirty="0" smtClean="0"/>
+              <a:t>HTML Dog (</a:t>
+            </a:r>
+            <a:r>
+              <a:rPr lang="en-US" dirty="0" smtClean="0">
+                <a:hlinkClick r:id="rId4"/>
+              </a:rPr>
+              <a:t>www.htmldog.com/references/html/tags/)</a:t>
+            </a:r>
+            <a:endParaRPr lang="en-US" dirty="0"/>
+          </a:p>
+        </p:txBody>
+      </p:sp>
+    </p:spTree>
+    <p:extLst>
+      <p:ext uri="{BB962C8B-B14F-4D97-AF65-F5344CB8AC3E}">
+        <p14:creationId xmlns:p14="http://schemas.microsoft.com/office/powerpoint/2010/main" val="421007201"/>
+      </p:ext>
+    </p:extLst>
+  </p:cSld>
+  <p:clrMapOvr>
+    <a:masterClrMapping/>
+  </p:clrMapOvr>
+  <p:transition spd="med"/>
+  <p:timing>
+    <p:tnLst>
+      <p:par>
+        <p:cTn id="1" dur="indefinite" restart="never" nodeType="tmRoot"/>
+      </p:par>
+    </p:tnLst>
+  </p:timing>
+</p:sld>
+</file>
+
+<file path=ppt/slides/slide52.xml><?xml version="1.0" encoding="utf-8"?>
 <p:sld xmlns:a="http://schemas.openxmlformats.org/drawingml/2006/main" xmlns:r="http://schemas.openxmlformats.org/officeDocument/2006/relationships" xmlns:p="http://schemas.openxmlformats.org/presentationml/2006/main">
   <p:cSld>
     <p:spTree>
@@ -19296,7 +19563,7 @@
 </p:sld>
 </file>
 
-<file path=ppt/slides/slide51.xml><?xml version="1.0" encoding="utf-8"?>
+<file path=ppt/slides/slide53.xml><?xml version="1.0" encoding="utf-8"?>
 <p:sld xmlns:a="http://schemas.openxmlformats.org/drawingml/2006/main" xmlns:r="http://schemas.openxmlformats.org/officeDocument/2006/relationships" xmlns:p="http://schemas.openxmlformats.org/presentationml/2006/main">
   <p:cSld>
     <p:spTree>
@@ -19625,7 +19892,7 @@
 </p:sld>
 </file>
 
-<file path=ppt/slides/slide52.xml><?xml version="1.0" encoding="utf-8"?>
+<file path=ppt/slides/slide54.xml><?xml version="1.0" encoding="utf-8"?>
 <p:sld xmlns:a="http://schemas.openxmlformats.org/drawingml/2006/main" xmlns:r="http://schemas.openxmlformats.org/officeDocument/2006/relationships" xmlns:p="http://schemas.openxmlformats.org/presentationml/2006/main">
   <p:cSld>
     <p:spTree>
@@ -19946,7 +20213,7 @@
 </p:sld>
 </file>
 
-<file path=ppt/slides/slide53.xml><?xml version="1.0" encoding="utf-8"?>
+<file path=ppt/slides/slide55.xml><?xml version="1.0" encoding="utf-8"?>
 <p:sld xmlns:a="http://schemas.openxmlformats.org/drawingml/2006/main" xmlns:r="http://schemas.openxmlformats.org/officeDocument/2006/relationships" xmlns:p="http://schemas.openxmlformats.org/presentationml/2006/main">
   <p:cSld>
     <p:spTree>
@@ -20110,7 +20377,7 @@
 </p:sld>
 </file>
 
-<file path=ppt/slides/slide54.xml><?xml version="1.0" encoding="utf-8"?>
+<file path=ppt/slides/slide56.xml><?xml version="1.0" encoding="utf-8"?>
 <p:sld xmlns:a="http://schemas.openxmlformats.org/drawingml/2006/main" xmlns:r="http://schemas.openxmlformats.org/officeDocument/2006/relationships" xmlns:p="http://schemas.openxmlformats.org/presentationml/2006/main">
   <p:cSld>
     <p:spTree>

--- a/Class Presentations/Day2 JS Class.pptx
+++ b/Class Presentations/Day2 JS Class.pptx
@@ -431,10 +431,10 @@
       </p14:sectionLst>
     </p:ext>
     <p:ext uri="{EFAFB233-063F-42B5-8137-9DF3F51BA10A}">
-      <p15:sldGuideLst xmlns:p15="http://schemas.microsoft.com/office/powerpoint/2012/main"/>
+      <p15:sldGuideLst xmlns:p15="http://schemas.microsoft.com/office/powerpoint/2012/main" xmlns=""/>
     </p:ext>
     <p:ext uri="{2D200454-40CA-4A62-9FC3-DE9A4176ACB9}">
-      <p15:notesGuideLst xmlns:p15="http://schemas.microsoft.com/office/powerpoint/2012/main"/>
+      <p15:notesGuideLst xmlns:p15="http://schemas.microsoft.com/office/powerpoint/2012/main" xmlns=""/>
     </p:ext>
   </p:extLst>
 </p:presentation>
@@ -3454,7 +3454,7 @@
   <p:clrMapOvr>
     <a:masterClrMapping/>
   </p:clrMapOvr>
-  <p:transition spd="med"/>
+  <p:transition xmlns:p14="http://schemas.microsoft.com/office/powerpoint/2010/main" spd="med"/>
 </p:sldLayout>
 </file>
 
@@ -3589,7 +3589,7 @@
   <p:clrMapOvr>
     <a:masterClrMapping/>
   </p:clrMapOvr>
-  <p:transition spd="med"/>
+  <p:transition xmlns:p14="http://schemas.microsoft.com/office/powerpoint/2010/main" spd="med"/>
 </p:sldLayout>
 </file>
 
@@ -3674,7 +3674,7 @@
   <p:clrMapOvr>
     <a:masterClrMapping/>
   </p:clrMapOvr>
-  <p:transition spd="med"/>
+  <p:transition xmlns:p14="http://schemas.microsoft.com/office/powerpoint/2010/main" spd="med"/>
 </p:sldLayout>
 </file>
 
@@ -3726,7 +3726,7 @@
   <p:clrMapOvr>
     <a:masterClrMapping/>
   </p:clrMapOvr>
-  <p:transition spd="med"/>
+  <p:transition xmlns:p14="http://schemas.microsoft.com/office/powerpoint/2010/main" spd="med"/>
 </p:sldLayout>
 </file>
 
@@ -3943,7 +3943,7 @@
   <p:clrMapOvr>
     <a:masterClrMapping/>
   </p:clrMapOvr>
-  <p:transition spd="med"/>
+  <p:transition xmlns:p14="http://schemas.microsoft.com/office/powerpoint/2010/main" spd="med"/>
 </p:sldLayout>
 </file>
 
@@ -4026,7 +4026,7 @@
   <p:clrMapOvr>
     <a:masterClrMapping/>
   </p:clrMapOvr>
-  <p:transition spd="med"/>
+  <p:transition xmlns:p14="http://schemas.microsoft.com/office/powerpoint/2010/main" spd="med"/>
 </p:sldLayout>
 </file>
 
@@ -4247,7 +4247,7 @@
   <p:clrMapOvr>
     <a:masterClrMapping/>
   </p:clrMapOvr>
-  <p:transition spd="med"/>
+  <p:transition xmlns:p14="http://schemas.microsoft.com/office/powerpoint/2010/main" spd="med"/>
 </p:sldLayout>
 </file>
 
@@ -4326,7 +4326,7 @@
   <p:clrMapOvr>
     <a:masterClrMapping/>
   </p:clrMapOvr>
-  <p:transition spd="med"/>
+  <p:transition xmlns:p14="http://schemas.microsoft.com/office/powerpoint/2010/main" spd="med"/>
 </p:sldLayout>
 </file>
 
@@ -4461,11 +4461,11 @@
   <p:clrMapOvr>
     <a:masterClrMapping/>
   </p:clrMapOvr>
-  <p:transition spd="med"/>
+  <p:transition xmlns:p14="http://schemas.microsoft.com/office/powerpoint/2010/main" spd="med"/>
   <p:timing>
     <p:tnLst>
       <p:par>
-        <p:cTn id="1" dur="indefinite" restart="never" nodeType="tmRoot"/>
+        <p:cTn xmlns:p14="http://schemas.microsoft.com/office/powerpoint/2010/main" id="1" dur="indefinite" restart="never" nodeType="tmRoot"/>
       </p:par>
     </p:tnLst>
   </p:timing>
@@ -4671,7 +4671,7 @@
   <p:clrMapOvr>
     <a:masterClrMapping/>
   </p:clrMapOvr>
-  <p:transition spd="med"/>
+  <p:transition xmlns:p14="http://schemas.microsoft.com/office/powerpoint/2010/main" spd="med"/>
 </p:sldLayout>
 </file>
 
@@ -4783,7 +4783,7 @@
   <p:clrMapOvr>
     <a:masterClrMapping/>
   </p:clrMapOvr>
-  <p:transition spd="med"/>
+  <p:transition xmlns:p14="http://schemas.microsoft.com/office/powerpoint/2010/main" spd="med"/>
 </p:sldLayout>
 </file>
 
@@ -4934,7 +4934,7 @@
   <p:clrMapOvr>
     <a:masterClrMapping/>
   </p:clrMapOvr>
-  <p:transition spd="med"/>
+  <p:transition xmlns:p14="http://schemas.microsoft.com/office/powerpoint/2010/main" spd="med"/>
 </p:sldLayout>
 </file>
 
@@ -5121,7 +5121,7 @@
     <p:sldLayoutId id="2147483659" r:id="rId11"/>
     <p:sldLayoutId id="2147483660" r:id="rId12"/>
   </p:sldLayoutIdLst>
-  <p:transition spd="med"/>
+  <p:transition xmlns:p14="http://schemas.microsoft.com/office/powerpoint/2010/main" spd="med"/>
   <p:txStyles>
     <p:titleStyle>
       <a:lvl1pPr marL="0" marR="0" indent="0" algn="ctr" defTabSz="584200" rtl="0" eaLnBrk="1" latinLnBrk="0" hangingPunct="1">
@@ -5998,16 +5998,91 @@
           </a:p>
         </p:txBody>
       </p:sp>
+      <p:sp>
+        <p:nvSpPr>
+          <p:cNvPr id="2" name="PB"/>
+          <p:cNvSpPr/>
+          <p:nvPr/>
+        </p:nvSpPr>
+        <p:spPr>
+          <a:xfrm>
+            <a:off x="0" y="9601200"/>
+            <a:ext cx="232229" cy="152400"/>
+          </a:xfrm>
+          <a:prstGeom prst="rect">
+            <a:avLst/>
+          </a:prstGeom>
+          <a:solidFill>
+            <a:schemeClr val="accent4"/>
+          </a:solidFill>
+          <a:ln w="12700" cap="flat">
+            <a:noFill/>
+            <a:miter lim="400000"/>
+          </a:ln>
+          <a:effectLst/>
+          <a:sp3d/>
+        </p:spPr>
+        <p:style>
+          <a:lnRef idx="0">
+            <a:scrgbClr r="0" g="0" b="0"/>
+          </a:lnRef>
+          <a:fillRef idx="0">
+            <a:scrgbClr r="0" g="0" b="0"/>
+          </a:fillRef>
+          <a:effectRef idx="0">
+            <a:scrgbClr r="0" g="0" b="0"/>
+          </a:effectRef>
+          <a:fontRef idx="none"/>
+        </p:style>
+        <p:txBody>
+          <a:bodyPr rot="0" spcFirstLastPara="1" vertOverflow="overflow" horzOverflow="overflow" vert="horz" wrap="square" lIns="50800" tIns="50800" rIns="50800" bIns="50800" numCol="1" spcCol="38100" rtlCol="0" anchor="ctr">
+            <a:spAutoFit/>
+          </a:bodyPr>
+          <a:lstStyle/>
+          <a:p>
+            <a:pPr marL="0" marR="0" indent="0" algn="ctr" defTabSz="584200" rtl="0" fontAlgn="auto" latinLnBrk="0" hangingPunct="0">
+              <a:lnSpc>
+                <a:spcPct val="100000"/>
+              </a:lnSpc>
+              <a:spcBef>
+                <a:spcPts val="0"/>
+              </a:spcBef>
+              <a:spcAft>
+                <a:spcPts val="0"/>
+              </a:spcAft>
+              <a:buClrTx/>
+              <a:buSzTx/>
+              <a:buFontTx/>
+              <a:buNone/>
+              <a:tabLst/>
+            </a:pPr>
+            <a:endParaRPr kumimoji="0" lang="en-US" sz="2600" b="0" i="0" u="none" strike="noStrike" cap="none" spc="0" normalizeH="0" baseline="0">
+              <a:ln>
+                <a:noFill/>
+              </a:ln>
+              <a:solidFill>
+                <a:srgbClr val="FFFFFF"/>
+              </a:solidFill>
+              <a:effectLst/>
+              <a:uFillTx/>
+              <a:latin typeface="+mn-lt"/>
+              <a:ea typeface="+mn-ea"/>
+              <a:cs typeface="+mn-cs"/>
+              <a:sym typeface="Helvetica Light"/>
+            </a:endParaRPr>
+          </a:p>
+        </p:txBody>
+      </p:sp>
     </p:spTree>
   </p:cSld>
   <p:clrMapOvr>
     <a:masterClrMapping/>
   </p:clrMapOvr>
-  <p:transition spd="med"/>
+  <p:transition xmlns:p14="http://schemas.microsoft.com/office/powerpoint/2010/main" spd="med"/>
   <p:timing>
     <p:tnLst>
       <p:par>
-        <p:cTn id="1" dur="indefinite" restart="never" nodeType="tmRoot"/>
+        <p:cTn xmlns:p14="http://schemas.microsoft.com/office/powerpoint/2010/main" id="1" dur="indefinite" restart="never" nodeType="tmRoot"/>
       </p:par>
     </p:tnLst>
   </p:timing>
@@ -6130,6 +6205,81 @@
           </a:prstGeom>
         </p:spPr>
       </p:pic>
+      <p:sp>
+        <p:nvSpPr>
+          <p:cNvPr id="3" name="PB"/>
+          <p:cNvSpPr/>
+          <p:nvPr/>
+        </p:nvSpPr>
+        <p:spPr>
+          <a:xfrm>
+            <a:off x="0" y="9601200"/>
+            <a:ext cx="2322286" cy="152400"/>
+          </a:xfrm>
+          <a:prstGeom prst="rect">
+            <a:avLst/>
+          </a:prstGeom>
+          <a:solidFill>
+            <a:srgbClr val="BC8027"/>
+          </a:solidFill>
+          <a:ln w="12700" cap="flat">
+            <a:noFill/>
+            <a:miter lim="400000"/>
+          </a:ln>
+          <a:effectLst/>
+          <a:sp3d/>
+        </p:spPr>
+        <p:style>
+          <a:lnRef idx="0">
+            <a:scrgbClr r="0" g="0" b="0"/>
+          </a:lnRef>
+          <a:fillRef idx="0">
+            <a:scrgbClr r="0" g="0" b="0"/>
+          </a:fillRef>
+          <a:effectRef idx="0">
+            <a:scrgbClr r="0" g="0" b="0"/>
+          </a:effectRef>
+          <a:fontRef idx="none"/>
+        </p:style>
+        <p:txBody>
+          <a:bodyPr rot="0" spcFirstLastPara="1" vertOverflow="overflow" horzOverflow="overflow" vert="horz" wrap="square" lIns="50800" tIns="50800" rIns="50800" bIns="50800" numCol="1" spcCol="38100" rtlCol="0" anchor="ctr">
+            <a:spAutoFit/>
+          </a:bodyPr>
+          <a:lstStyle/>
+          <a:p>
+            <a:pPr marL="0" marR="0" indent="0" algn="ctr" defTabSz="584200" rtl="0" fontAlgn="auto" latinLnBrk="0" hangingPunct="0">
+              <a:lnSpc>
+                <a:spcPct val="100000"/>
+              </a:lnSpc>
+              <a:spcBef>
+                <a:spcPts val="0"/>
+              </a:spcBef>
+              <a:spcAft>
+                <a:spcPts val="0"/>
+              </a:spcAft>
+              <a:buClrTx/>
+              <a:buSzTx/>
+              <a:buFontTx/>
+              <a:buNone/>
+              <a:tabLst/>
+            </a:pPr>
+            <a:endParaRPr kumimoji="0" lang="en-US" sz="2600" b="0" i="0" u="none" strike="noStrike" cap="none" spc="0" normalizeH="0" baseline="0">
+              <a:ln>
+                <a:noFill/>
+              </a:ln>
+              <a:solidFill>
+                <a:srgbClr val="FFFFFF"/>
+              </a:solidFill>
+              <a:effectLst/>
+              <a:uFillTx/>
+              <a:latin typeface="+mn-lt"/>
+              <a:ea typeface="+mn-ea"/>
+              <a:cs typeface="+mn-cs"/>
+              <a:sym typeface="Helvetica Light"/>
+            </a:endParaRPr>
+          </a:p>
+        </p:txBody>
+      </p:sp>
     </p:spTree>
     <p:extLst>
       <p:ext uri="{BB962C8B-B14F-4D97-AF65-F5344CB8AC3E}">
@@ -6140,11 +6290,11 @@
   <p:clrMapOvr>
     <a:masterClrMapping/>
   </p:clrMapOvr>
-  <p:transition spd="med"/>
+  <p:transition xmlns:p14="http://schemas.microsoft.com/office/powerpoint/2010/main" spd="med"/>
   <p:timing>
     <p:tnLst>
       <p:par>
-        <p:cTn id="1" dur="indefinite" restart="never" nodeType="tmRoot">
+        <p:cTn xmlns:p14="http://schemas.microsoft.com/office/powerpoint/2010/main" id="1" dur="indefinite" restart="never" nodeType="tmRoot">
           <p:childTnLst>
             <p:seq concurrent="1" nextAc="seek">
               <p:cTn id="2" dur="indefinite" nodeType="mainSeq">
@@ -6466,6 +6616,81 @@
           </a:prstGeom>
         </p:spPr>
       </p:pic>
+      <p:sp>
+        <p:nvSpPr>
+          <p:cNvPr id="2" name="PB"/>
+          <p:cNvSpPr/>
+          <p:nvPr/>
+        </p:nvSpPr>
+        <p:spPr>
+          <a:xfrm>
+            <a:off x="0" y="9601200"/>
+            <a:ext cx="2554514" cy="152400"/>
+          </a:xfrm>
+          <a:prstGeom prst="rect">
+            <a:avLst/>
+          </a:prstGeom>
+          <a:solidFill>
+            <a:srgbClr val="BC8027"/>
+          </a:solidFill>
+          <a:ln w="12700" cap="flat">
+            <a:noFill/>
+            <a:miter lim="400000"/>
+          </a:ln>
+          <a:effectLst/>
+          <a:sp3d/>
+        </p:spPr>
+        <p:style>
+          <a:lnRef idx="0">
+            <a:scrgbClr r="0" g="0" b="0"/>
+          </a:lnRef>
+          <a:fillRef idx="0">
+            <a:scrgbClr r="0" g="0" b="0"/>
+          </a:fillRef>
+          <a:effectRef idx="0">
+            <a:scrgbClr r="0" g="0" b="0"/>
+          </a:effectRef>
+          <a:fontRef idx="none"/>
+        </p:style>
+        <p:txBody>
+          <a:bodyPr rot="0" spcFirstLastPara="1" vertOverflow="overflow" horzOverflow="overflow" vert="horz" wrap="square" lIns="50800" tIns="50800" rIns="50800" bIns="50800" numCol="1" spcCol="38100" rtlCol="0" anchor="ctr">
+            <a:spAutoFit/>
+          </a:bodyPr>
+          <a:lstStyle/>
+          <a:p>
+            <a:pPr marL="0" marR="0" indent="0" algn="ctr" defTabSz="584200" rtl="0" fontAlgn="auto" latinLnBrk="0" hangingPunct="0">
+              <a:lnSpc>
+                <a:spcPct val="100000"/>
+              </a:lnSpc>
+              <a:spcBef>
+                <a:spcPts val="0"/>
+              </a:spcBef>
+              <a:spcAft>
+                <a:spcPts val="0"/>
+              </a:spcAft>
+              <a:buClrTx/>
+              <a:buSzTx/>
+              <a:buFontTx/>
+              <a:buNone/>
+              <a:tabLst/>
+            </a:pPr>
+            <a:endParaRPr kumimoji="0" lang="en-US" sz="2600" b="0" i="0" u="none" strike="noStrike" cap="none" spc="0" normalizeH="0" baseline="0">
+              <a:ln>
+                <a:noFill/>
+              </a:ln>
+              <a:solidFill>
+                <a:srgbClr val="FFFFFF"/>
+              </a:solidFill>
+              <a:effectLst/>
+              <a:uFillTx/>
+              <a:latin typeface="+mn-lt"/>
+              <a:ea typeface="+mn-ea"/>
+              <a:cs typeface="+mn-cs"/>
+              <a:sym typeface="Helvetica Light"/>
+            </a:endParaRPr>
+          </a:p>
+        </p:txBody>
+      </p:sp>
     </p:spTree>
     <p:extLst>
       <p:ext uri="{BB962C8B-B14F-4D97-AF65-F5344CB8AC3E}">
@@ -6476,11 +6701,11 @@
   <p:clrMapOvr>
     <a:masterClrMapping/>
   </p:clrMapOvr>
-  <p:transition spd="med"/>
+  <p:transition xmlns:p14="http://schemas.microsoft.com/office/powerpoint/2010/main" spd="med"/>
   <p:timing>
     <p:tnLst>
       <p:par>
-        <p:cTn id="1" dur="indefinite" restart="never" nodeType="tmRoot">
+        <p:cTn xmlns:p14="http://schemas.microsoft.com/office/powerpoint/2010/main" id="1" dur="indefinite" restart="never" nodeType="tmRoot">
           <p:childTnLst>
             <p:seq concurrent="1" nextAc="seek">
               <p:cTn id="2" dur="indefinite" nodeType="mainSeq">
@@ -6771,6 +6996,81 @@
           </a:prstGeom>
         </p:spPr>
       </p:pic>
+      <p:sp>
+        <p:nvSpPr>
+          <p:cNvPr id="2" name="PB"/>
+          <p:cNvSpPr/>
+          <p:nvPr/>
+        </p:nvSpPr>
+        <p:spPr>
+          <a:xfrm>
+            <a:off x="0" y="9601200"/>
+            <a:ext cx="2786743" cy="152400"/>
+          </a:xfrm>
+          <a:prstGeom prst="rect">
+            <a:avLst/>
+          </a:prstGeom>
+          <a:solidFill>
+            <a:srgbClr val="BC8027"/>
+          </a:solidFill>
+          <a:ln w="12700" cap="flat">
+            <a:noFill/>
+            <a:miter lim="400000"/>
+          </a:ln>
+          <a:effectLst/>
+          <a:sp3d/>
+        </p:spPr>
+        <p:style>
+          <a:lnRef idx="0">
+            <a:scrgbClr r="0" g="0" b="0"/>
+          </a:lnRef>
+          <a:fillRef idx="0">
+            <a:scrgbClr r="0" g="0" b="0"/>
+          </a:fillRef>
+          <a:effectRef idx="0">
+            <a:scrgbClr r="0" g="0" b="0"/>
+          </a:effectRef>
+          <a:fontRef idx="none"/>
+        </p:style>
+        <p:txBody>
+          <a:bodyPr rot="0" spcFirstLastPara="1" vertOverflow="overflow" horzOverflow="overflow" vert="horz" wrap="square" lIns="50800" tIns="50800" rIns="50800" bIns="50800" numCol="1" spcCol="38100" rtlCol="0" anchor="ctr">
+            <a:spAutoFit/>
+          </a:bodyPr>
+          <a:lstStyle/>
+          <a:p>
+            <a:pPr marL="0" marR="0" indent="0" algn="ctr" defTabSz="584200" rtl="0" fontAlgn="auto" latinLnBrk="0" hangingPunct="0">
+              <a:lnSpc>
+                <a:spcPct val="100000"/>
+              </a:lnSpc>
+              <a:spcBef>
+                <a:spcPts val="0"/>
+              </a:spcBef>
+              <a:spcAft>
+                <a:spcPts val="0"/>
+              </a:spcAft>
+              <a:buClrTx/>
+              <a:buSzTx/>
+              <a:buFontTx/>
+              <a:buNone/>
+              <a:tabLst/>
+            </a:pPr>
+            <a:endParaRPr kumimoji="0" lang="en-US" sz="2600" b="0" i="0" u="none" strike="noStrike" cap="none" spc="0" normalizeH="0" baseline="0">
+              <a:ln>
+                <a:noFill/>
+              </a:ln>
+              <a:solidFill>
+                <a:srgbClr val="FFFFFF"/>
+              </a:solidFill>
+              <a:effectLst/>
+              <a:uFillTx/>
+              <a:latin typeface="+mn-lt"/>
+              <a:ea typeface="+mn-ea"/>
+              <a:cs typeface="+mn-cs"/>
+              <a:sym typeface="Helvetica Light"/>
+            </a:endParaRPr>
+          </a:p>
+        </p:txBody>
+      </p:sp>
     </p:spTree>
     <p:extLst>
       <p:ext uri="{BB962C8B-B14F-4D97-AF65-F5344CB8AC3E}">
@@ -6781,11 +7081,11 @@
   <p:clrMapOvr>
     <a:masterClrMapping/>
   </p:clrMapOvr>
-  <p:transition spd="med"/>
+  <p:transition xmlns:p14="http://schemas.microsoft.com/office/powerpoint/2010/main" spd="med"/>
   <p:timing>
     <p:tnLst>
       <p:par>
-        <p:cTn id="1" dur="indefinite" restart="never" nodeType="tmRoot">
+        <p:cTn xmlns:p14="http://schemas.microsoft.com/office/powerpoint/2010/main" id="1" dur="indefinite" restart="never" nodeType="tmRoot">
           <p:childTnLst>
             <p:seq concurrent="1" nextAc="seek">
               <p:cTn id="2" dur="indefinite" nodeType="mainSeq">
@@ -7067,6 +7367,81 @@
           </a:prstGeom>
         </p:spPr>
       </p:pic>
+      <p:sp>
+        <p:nvSpPr>
+          <p:cNvPr id="2" name="PB"/>
+          <p:cNvSpPr/>
+          <p:nvPr/>
+        </p:nvSpPr>
+        <p:spPr>
+          <a:xfrm>
+            <a:off x="0" y="9601200"/>
+            <a:ext cx="3018971" cy="152400"/>
+          </a:xfrm>
+          <a:prstGeom prst="rect">
+            <a:avLst/>
+          </a:prstGeom>
+          <a:solidFill>
+            <a:srgbClr val="BC8027"/>
+          </a:solidFill>
+          <a:ln w="12700" cap="flat">
+            <a:noFill/>
+            <a:miter lim="400000"/>
+          </a:ln>
+          <a:effectLst/>
+          <a:sp3d/>
+        </p:spPr>
+        <p:style>
+          <a:lnRef idx="0">
+            <a:scrgbClr r="0" g="0" b="0"/>
+          </a:lnRef>
+          <a:fillRef idx="0">
+            <a:scrgbClr r="0" g="0" b="0"/>
+          </a:fillRef>
+          <a:effectRef idx="0">
+            <a:scrgbClr r="0" g="0" b="0"/>
+          </a:effectRef>
+          <a:fontRef idx="none"/>
+        </p:style>
+        <p:txBody>
+          <a:bodyPr rot="0" spcFirstLastPara="1" vertOverflow="overflow" horzOverflow="overflow" vert="horz" wrap="square" lIns="50800" tIns="50800" rIns="50800" bIns="50800" numCol="1" spcCol="38100" rtlCol="0" anchor="ctr">
+            <a:spAutoFit/>
+          </a:bodyPr>
+          <a:lstStyle/>
+          <a:p>
+            <a:pPr marL="0" marR="0" indent="0" algn="ctr" defTabSz="584200" rtl="0" fontAlgn="auto" latinLnBrk="0" hangingPunct="0">
+              <a:lnSpc>
+                <a:spcPct val="100000"/>
+              </a:lnSpc>
+              <a:spcBef>
+                <a:spcPts val="0"/>
+              </a:spcBef>
+              <a:spcAft>
+                <a:spcPts val="0"/>
+              </a:spcAft>
+              <a:buClrTx/>
+              <a:buSzTx/>
+              <a:buFontTx/>
+              <a:buNone/>
+              <a:tabLst/>
+            </a:pPr>
+            <a:endParaRPr kumimoji="0" lang="en-US" sz="2600" b="0" i="0" u="none" strike="noStrike" cap="none" spc="0" normalizeH="0" baseline="0">
+              <a:ln>
+                <a:noFill/>
+              </a:ln>
+              <a:solidFill>
+                <a:srgbClr val="FFFFFF"/>
+              </a:solidFill>
+              <a:effectLst/>
+              <a:uFillTx/>
+              <a:latin typeface="+mn-lt"/>
+              <a:ea typeface="+mn-ea"/>
+              <a:cs typeface="+mn-cs"/>
+              <a:sym typeface="Helvetica Light"/>
+            </a:endParaRPr>
+          </a:p>
+        </p:txBody>
+      </p:sp>
     </p:spTree>
     <p:extLst>
       <p:ext uri="{BB962C8B-B14F-4D97-AF65-F5344CB8AC3E}">
@@ -7077,11 +7452,11 @@
   <p:clrMapOvr>
     <a:masterClrMapping/>
   </p:clrMapOvr>
-  <p:transition spd="med"/>
+  <p:transition xmlns:p14="http://schemas.microsoft.com/office/powerpoint/2010/main" spd="med"/>
   <p:timing>
     <p:tnLst>
       <p:par>
-        <p:cTn id="1" dur="indefinite" restart="never" nodeType="tmRoot">
+        <p:cTn xmlns:p14="http://schemas.microsoft.com/office/powerpoint/2010/main" id="1" dur="indefinite" restart="never" nodeType="tmRoot">
           <p:childTnLst>
             <p:seq concurrent="1" nextAc="seek">
               <p:cTn id="2" dur="indefinite" nodeType="mainSeq">
@@ -7456,6 +7831,81 @@
           </a:prstGeom>
         </p:spPr>
       </p:pic>
+      <p:sp>
+        <p:nvSpPr>
+          <p:cNvPr id="2" name="PB"/>
+          <p:cNvSpPr/>
+          <p:nvPr/>
+        </p:nvSpPr>
+        <p:spPr>
+          <a:xfrm>
+            <a:off x="0" y="9601200"/>
+            <a:ext cx="3251200" cy="152400"/>
+          </a:xfrm>
+          <a:prstGeom prst="rect">
+            <a:avLst/>
+          </a:prstGeom>
+          <a:solidFill>
+            <a:srgbClr val="BC8027"/>
+          </a:solidFill>
+          <a:ln w="12700" cap="flat">
+            <a:noFill/>
+            <a:miter lim="400000"/>
+          </a:ln>
+          <a:effectLst/>
+          <a:sp3d/>
+        </p:spPr>
+        <p:style>
+          <a:lnRef idx="0">
+            <a:scrgbClr r="0" g="0" b="0"/>
+          </a:lnRef>
+          <a:fillRef idx="0">
+            <a:scrgbClr r="0" g="0" b="0"/>
+          </a:fillRef>
+          <a:effectRef idx="0">
+            <a:scrgbClr r="0" g="0" b="0"/>
+          </a:effectRef>
+          <a:fontRef idx="none"/>
+        </p:style>
+        <p:txBody>
+          <a:bodyPr rot="0" spcFirstLastPara="1" vertOverflow="overflow" horzOverflow="overflow" vert="horz" wrap="square" lIns="50800" tIns="50800" rIns="50800" bIns="50800" numCol="1" spcCol="38100" rtlCol="0" anchor="ctr">
+            <a:spAutoFit/>
+          </a:bodyPr>
+          <a:lstStyle/>
+          <a:p>
+            <a:pPr marL="0" marR="0" indent="0" algn="ctr" defTabSz="584200" rtl="0" fontAlgn="auto" latinLnBrk="0" hangingPunct="0">
+              <a:lnSpc>
+                <a:spcPct val="100000"/>
+              </a:lnSpc>
+              <a:spcBef>
+                <a:spcPts val="0"/>
+              </a:spcBef>
+              <a:spcAft>
+                <a:spcPts val="0"/>
+              </a:spcAft>
+              <a:buClrTx/>
+              <a:buSzTx/>
+              <a:buFontTx/>
+              <a:buNone/>
+              <a:tabLst/>
+            </a:pPr>
+            <a:endParaRPr kumimoji="0" lang="en-US" sz="2600" b="0" i="0" u="none" strike="noStrike" cap="none" spc="0" normalizeH="0" baseline="0">
+              <a:ln>
+                <a:noFill/>
+              </a:ln>
+              <a:solidFill>
+                <a:srgbClr val="FFFFFF"/>
+              </a:solidFill>
+              <a:effectLst/>
+              <a:uFillTx/>
+              <a:latin typeface="+mn-lt"/>
+              <a:ea typeface="+mn-ea"/>
+              <a:cs typeface="+mn-cs"/>
+              <a:sym typeface="Helvetica Light"/>
+            </a:endParaRPr>
+          </a:p>
+        </p:txBody>
+      </p:sp>
     </p:spTree>
     <p:extLst>
       <p:ext uri="{BB962C8B-B14F-4D97-AF65-F5344CB8AC3E}">
@@ -7466,11 +7916,11 @@
   <p:clrMapOvr>
     <a:masterClrMapping/>
   </p:clrMapOvr>
-  <p:transition spd="med"/>
+  <p:transition xmlns:p14="http://schemas.microsoft.com/office/powerpoint/2010/main" spd="med"/>
   <p:timing>
     <p:tnLst>
       <p:par>
-        <p:cTn id="1" dur="indefinite" restart="never" nodeType="tmRoot">
+        <p:cTn xmlns:p14="http://schemas.microsoft.com/office/powerpoint/2010/main" id="1" dur="indefinite" restart="never" nodeType="tmRoot">
           <p:childTnLst>
             <p:seq concurrent="1" nextAc="seek">
               <p:cTn id="2" dur="indefinite" nodeType="mainSeq">
@@ -7953,6 +8403,81 @@
           </a:p>
         </p:txBody>
       </p:sp>
+      <p:sp>
+        <p:nvSpPr>
+          <p:cNvPr id="4" name="PB"/>
+          <p:cNvSpPr/>
+          <p:nvPr/>
+        </p:nvSpPr>
+        <p:spPr>
+          <a:xfrm>
+            <a:off x="0" y="9601200"/>
+            <a:ext cx="3483428" cy="152400"/>
+          </a:xfrm>
+          <a:prstGeom prst="rect">
+            <a:avLst/>
+          </a:prstGeom>
+          <a:solidFill>
+            <a:srgbClr val="BC8027"/>
+          </a:solidFill>
+          <a:ln w="12700" cap="flat">
+            <a:noFill/>
+            <a:miter lim="400000"/>
+          </a:ln>
+          <a:effectLst/>
+          <a:sp3d/>
+        </p:spPr>
+        <p:style>
+          <a:lnRef idx="0">
+            <a:scrgbClr r="0" g="0" b="0"/>
+          </a:lnRef>
+          <a:fillRef idx="0">
+            <a:scrgbClr r="0" g="0" b="0"/>
+          </a:fillRef>
+          <a:effectRef idx="0">
+            <a:scrgbClr r="0" g="0" b="0"/>
+          </a:effectRef>
+          <a:fontRef idx="none"/>
+        </p:style>
+        <p:txBody>
+          <a:bodyPr rot="0" spcFirstLastPara="1" vertOverflow="overflow" horzOverflow="overflow" vert="horz" wrap="square" lIns="50800" tIns="50800" rIns="50800" bIns="50800" numCol="1" spcCol="38100" rtlCol="0" anchor="ctr">
+            <a:spAutoFit/>
+          </a:bodyPr>
+          <a:lstStyle/>
+          <a:p>
+            <a:pPr marL="0" marR="0" indent="0" algn="ctr" defTabSz="584200" rtl="0" fontAlgn="auto" latinLnBrk="0" hangingPunct="0">
+              <a:lnSpc>
+                <a:spcPct val="100000"/>
+              </a:lnSpc>
+              <a:spcBef>
+                <a:spcPts val="0"/>
+              </a:spcBef>
+              <a:spcAft>
+                <a:spcPts val="0"/>
+              </a:spcAft>
+              <a:buClrTx/>
+              <a:buSzTx/>
+              <a:buFontTx/>
+              <a:buNone/>
+              <a:tabLst/>
+            </a:pPr>
+            <a:endParaRPr kumimoji="0" lang="en-US" sz="2600" b="0" i="0" u="none" strike="noStrike" cap="none" spc="0" normalizeH="0" baseline="0">
+              <a:ln>
+                <a:noFill/>
+              </a:ln>
+              <a:solidFill>
+                <a:srgbClr val="FFFFFF"/>
+              </a:solidFill>
+              <a:effectLst/>
+              <a:uFillTx/>
+              <a:latin typeface="+mn-lt"/>
+              <a:ea typeface="+mn-ea"/>
+              <a:cs typeface="+mn-cs"/>
+              <a:sym typeface="Helvetica Light"/>
+            </a:endParaRPr>
+          </a:p>
+        </p:txBody>
+      </p:sp>
     </p:spTree>
     <p:extLst>
       <p:ext uri="{BB962C8B-B14F-4D97-AF65-F5344CB8AC3E}">
@@ -7963,11 +8488,11 @@
   <p:clrMapOvr>
     <a:masterClrMapping/>
   </p:clrMapOvr>
-  <p:transition spd="med"/>
+  <p:transition xmlns:p14="http://schemas.microsoft.com/office/powerpoint/2010/main" spd="med"/>
   <p:timing>
     <p:tnLst>
       <p:par>
-        <p:cTn id="1" dur="indefinite" restart="never" nodeType="tmRoot"/>
+        <p:cTn xmlns:p14="http://schemas.microsoft.com/office/powerpoint/2010/main" id="1" dur="indefinite" restart="never" nodeType="tmRoot"/>
       </p:par>
     </p:tnLst>
   </p:timing>
@@ -8096,6 +8621,81 @@
           </a:p>
         </p:txBody>
       </p:sp>
+      <p:sp>
+        <p:nvSpPr>
+          <p:cNvPr id="2" name="PB"/>
+          <p:cNvSpPr/>
+          <p:nvPr/>
+        </p:nvSpPr>
+        <p:spPr>
+          <a:xfrm>
+            <a:off x="0" y="9601200"/>
+            <a:ext cx="3715657" cy="152400"/>
+          </a:xfrm>
+          <a:prstGeom prst="rect">
+            <a:avLst/>
+          </a:prstGeom>
+          <a:solidFill>
+            <a:srgbClr val="BC8027"/>
+          </a:solidFill>
+          <a:ln w="12700" cap="flat">
+            <a:noFill/>
+            <a:miter lim="400000"/>
+          </a:ln>
+          <a:effectLst/>
+          <a:sp3d/>
+        </p:spPr>
+        <p:style>
+          <a:lnRef idx="0">
+            <a:scrgbClr r="0" g="0" b="0"/>
+          </a:lnRef>
+          <a:fillRef idx="0">
+            <a:scrgbClr r="0" g="0" b="0"/>
+          </a:fillRef>
+          <a:effectRef idx="0">
+            <a:scrgbClr r="0" g="0" b="0"/>
+          </a:effectRef>
+          <a:fontRef idx="none"/>
+        </p:style>
+        <p:txBody>
+          <a:bodyPr rot="0" spcFirstLastPara="1" vertOverflow="overflow" horzOverflow="overflow" vert="horz" wrap="square" lIns="50800" tIns="50800" rIns="50800" bIns="50800" numCol="1" spcCol="38100" rtlCol="0" anchor="ctr">
+            <a:spAutoFit/>
+          </a:bodyPr>
+          <a:lstStyle/>
+          <a:p>
+            <a:pPr marL="0" marR="0" indent="0" algn="ctr" defTabSz="584200" rtl="0" fontAlgn="auto" latinLnBrk="0" hangingPunct="0">
+              <a:lnSpc>
+                <a:spcPct val="100000"/>
+              </a:lnSpc>
+              <a:spcBef>
+                <a:spcPts val="0"/>
+              </a:spcBef>
+              <a:spcAft>
+                <a:spcPts val="0"/>
+              </a:spcAft>
+              <a:buClrTx/>
+              <a:buSzTx/>
+              <a:buFontTx/>
+              <a:buNone/>
+              <a:tabLst/>
+            </a:pPr>
+            <a:endParaRPr kumimoji="0" lang="en-US" sz="2600" b="0" i="0" u="none" strike="noStrike" cap="none" spc="0" normalizeH="0" baseline="0">
+              <a:ln>
+                <a:noFill/>
+              </a:ln>
+              <a:solidFill>
+                <a:srgbClr val="FFFFFF"/>
+              </a:solidFill>
+              <a:effectLst/>
+              <a:uFillTx/>
+              <a:latin typeface="+mn-lt"/>
+              <a:ea typeface="+mn-ea"/>
+              <a:cs typeface="+mn-cs"/>
+              <a:sym typeface="Helvetica Light"/>
+            </a:endParaRPr>
+          </a:p>
+        </p:txBody>
+      </p:sp>
     </p:spTree>
     <p:extLst>
       <p:ext uri="{BB962C8B-B14F-4D97-AF65-F5344CB8AC3E}">
@@ -8106,11 +8706,11 @@
   <p:clrMapOvr>
     <a:masterClrMapping/>
   </p:clrMapOvr>
-  <p:transition spd="med"/>
+  <p:transition xmlns:p14="http://schemas.microsoft.com/office/powerpoint/2010/main" spd="med"/>
   <p:timing>
     <p:tnLst>
       <p:par>
-        <p:cTn id="1" dur="indefinite" restart="never" nodeType="tmRoot"/>
+        <p:cTn xmlns:p14="http://schemas.microsoft.com/office/powerpoint/2010/main" id="1" dur="indefinite" restart="never" nodeType="tmRoot"/>
       </p:par>
     </p:tnLst>
   </p:timing>
@@ -8287,6 +8887,81 @@
           </a:p>
         </p:txBody>
       </p:sp>
+      <p:sp>
+        <p:nvSpPr>
+          <p:cNvPr id="2" name="PB"/>
+          <p:cNvSpPr/>
+          <p:nvPr/>
+        </p:nvSpPr>
+        <p:spPr>
+          <a:xfrm>
+            <a:off x="0" y="9601200"/>
+            <a:ext cx="3947886" cy="152400"/>
+          </a:xfrm>
+          <a:prstGeom prst="rect">
+            <a:avLst/>
+          </a:prstGeom>
+          <a:solidFill>
+            <a:srgbClr val="BC8027"/>
+          </a:solidFill>
+          <a:ln w="12700" cap="flat">
+            <a:noFill/>
+            <a:miter lim="400000"/>
+          </a:ln>
+          <a:effectLst/>
+          <a:sp3d/>
+        </p:spPr>
+        <p:style>
+          <a:lnRef idx="0">
+            <a:scrgbClr r="0" g="0" b="0"/>
+          </a:lnRef>
+          <a:fillRef idx="0">
+            <a:scrgbClr r="0" g="0" b="0"/>
+          </a:fillRef>
+          <a:effectRef idx="0">
+            <a:scrgbClr r="0" g="0" b="0"/>
+          </a:effectRef>
+          <a:fontRef idx="none"/>
+        </p:style>
+        <p:txBody>
+          <a:bodyPr rot="0" spcFirstLastPara="1" vertOverflow="overflow" horzOverflow="overflow" vert="horz" wrap="square" lIns="50800" tIns="50800" rIns="50800" bIns="50800" numCol="1" spcCol="38100" rtlCol="0" anchor="ctr">
+            <a:spAutoFit/>
+          </a:bodyPr>
+          <a:lstStyle/>
+          <a:p>
+            <a:pPr marL="0" marR="0" indent="0" algn="ctr" defTabSz="584200" rtl="0" fontAlgn="auto" latinLnBrk="0" hangingPunct="0">
+              <a:lnSpc>
+                <a:spcPct val="100000"/>
+              </a:lnSpc>
+              <a:spcBef>
+                <a:spcPts val="0"/>
+              </a:spcBef>
+              <a:spcAft>
+                <a:spcPts val="0"/>
+              </a:spcAft>
+              <a:buClrTx/>
+              <a:buSzTx/>
+              <a:buFontTx/>
+              <a:buNone/>
+              <a:tabLst/>
+            </a:pPr>
+            <a:endParaRPr kumimoji="0" lang="en-US" sz="2600" b="0" i="0" u="none" strike="noStrike" cap="none" spc="0" normalizeH="0" baseline="0">
+              <a:ln>
+                <a:noFill/>
+              </a:ln>
+              <a:solidFill>
+                <a:srgbClr val="FFFFFF"/>
+              </a:solidFill>
+              <a:effectLst/>
+              <a:uFillTx/>
+              <a:latin typeface="+mn-lt"/>
+              <a:ea typeface="+mn-ea"/>
+              <a:cs typeface="+mn-cs"/>
+              <a:sym typeface="Helvetica Light"/>
+            </a:endParaRPr>
+          </a:p>
+        </p:txBody>
+      </p:sp>
     </p:spTree>
     <p:extLst>
       <p:ext uri="{BB962C8B-B14F-4D97-AF65-F5344CB8AC3E}">
@@ -8297,11 +8972,11 @@
   <p:clrMapOvr>
     <a:masterClrMapping/>
   </p:clrMapOvr>
-  <p:transition spd="med"/>
+  <p:transition xmlns:p14="http://schemas.microsoft.com/office/powerpoint/2010/main" spd="med"/>
   <p:timing>
     <p:tnLst>
       <p:par>
-        <p:cTn id="1" dur="indefinite" restart="never" nodeType="tmRoot">
+        <p:cTn xmlns:p14="http://schemas.microsoft.com/office/powerpoint/2010/main" id="1" dur="indefinite" restart="never" nodeType="tmRoot">
           <p:childTnLst>
             <p:seq concurrent="1" nextAc="seek">
               <p:cTn id="2" dur="indefinite" nodeType="mainSeq">
@@ -8480,6 +9155,81 @@
           </a:p>
         </p:txBody>
       </p:sp>
+      <p:sp>
+        <p:nvSpPr>
+          <p:cNvPr id="4" name="PB"/>
+          <p:cNvSpPr/>
+          <p:nvPr/>
+        </p:nvSpPr>
+        <p:spPr>
+          <a:xfrm>
+            <a:off x="0" y="9601200"/>
+            <a:ext cx="4180114" cy="152400"/>
+          </a:xfrm>
+          <a:prstGeom prst="rect">
+            <a:avLst/>
+          </a:prstGeom>
+          <a:solidFill>
+            <a:srgbClr val="BC8027"/>
+          </a:solidFill>
+          <a:ln w="12700" cap="flat">
+            <a:noFill/>
+            <a:miter lim="400000"/>
+          </a:ln>
+          <a:effectLst/>
+          <a:sp3d/>
+        </p:spPr>
+        <p:style>
+          <a:lnRef idx="0">
+            <a:scrgbClr r="0" g="0" b="0"/>
+          </a:lnRef>
+          <a:fillRef idx="0">
+            <a:scrgbClr r="0" g="0" b="0"/>
+          </a:fillRef>
+          <a:effectRef idx="0">
+            <a:scrgbClr r="0" g="0" b="0"/>
+          </a:effectRef>
+          <a:fontRef idx="none"/>
+        </p:style>
+        <p:txBody>
+          <a:bodyPr rot="0" spcFirstLastPara="1" vertOverflow="overflow" horzOverflow="overflow" vert="horz" wrap="square" lIns="50800" tIns="50800" rIns="50800" bIns="50800" numCol="1" spcCol="38100" rtlCol="0" anchor="ctr">
+            <a:spAutoFit/>
+          </a:bodyPr>
+          <a:lstStyle/>
+          <a:p>
+            <a:pPr marL="0" marR="0" indent="0" algn="ctr" defTabSz="584200" rtl="0" fontAlgn="auto" latinLnBrk="0" hangingPunct="0">
+              <a:lnSpc>
+                <a:spcPct val="100000"/>
+              </a:lnSpc>
+              <a:spcBef>
+                <a:spcPts val="0"/>
+              </a:spcBef>
+              <a:spcAft>
+                <a:spcPts val="0"/>
+              </a:spcAft>
+              <a:buClrTx/>
+              <a:buSzTx/>
+              <a:buFontTx/>
+              <a:buNone/>
+              <a:tabLst/>
+            </a:pPr>
+            <a:endParaRPr kumimoji="0" lang="en-US" sz="2600" b="0" i="0" u="none" strike="noStrike" cap="none" spc="0" normalizeH="0" baseline="0">
+              <a:ln>
+                <a:noFill/>
+              </a:ln>
+              <a:solidFill>
+                <a:srgbClr val="FFFFFF"/>
+              </a:solidFill>
+              <a:effectLst/>
+              <a:uFillTx/>
+              <a:latin typeface="+mn-lt"/>
+              <a:ea typeface="+mn-ea"/>
+              <a:cs typeface="+mn-cs"/>
+              <a:sym typeface="Helvetica Light"/>
+            </a:endParaRPr>
+          </a:p>
+        </p:txBody>
+      </p:sp>
     </p:spTree>
     <p:extLst>
       <p:ext uri="{BB962C8B-B14F-4D97-AF65-F5344CB8AC3E}">
@@ -8490,11 +9240,11 @@
   <p:clrMapOvr>
     <a:masterClrMapping/>
   </p:clrMapOvr>
-  <p:transition spd="med"/>
+  <p:transition xmlns:p14="http://schemas.microsoft.com/office/powerpoint/2010/main" spd="med"/>
   <p:timing>
     <p:tnLst>
       <p:par>
-        <p:cTn id="1" dur="indefinite" restart="never" nodeType="tmRoot">
+        <p:cTn xmlns:p14="http://schemas.microsoft.com/office/powerpoint/2010/main" id="1" dur="indefinite" restart="never" nodeType="tmRoot">
           <p:childTnLst>
             <p:seq concurrent="1" nextAc="seek">
               <p:cTn id="2" dur="indefinite" nodeType="mainSeq">
@@ -8649,6 +9399,81 @@
           </a:p>
         </p:txBody>
       </p:sp>
+      <p:sp>
+        <p:nvSpPr>
+          <p:cNvPr id="4" name="PB"/>
+          <p:cNvSpPr/>
+          <p:nvPr/>
+        </p:nvSpPr>
+        <p:spPr>
+          <a:xfrm>
+            <a:off x="0" y="9601200"/>
+            <a:ext cx="4412343" cy="152400"/>
+          </a:xfrm>
+          <a:prstGeom prst="rect">
+            <a:avLst/>
+          </a:prstGeom>
+          <a:solidFill>
+            <a:srgbClr val="BC8027"/>
+          </a:solidFill>
+          <a:ln w="12700" cap="flat">
+            <a:noFill/>
+            <a:miter lim="400000"/>
+          </a:ln>
+          <a:effectLst/>
+          <a:sp3d/>
+        </p:spPr>
+        <p:style>
+          <a:lnRef idx="0">
+            <a:scrgbClr r="0" g="0" b="0"/>
+          </a:lnRef>
+          <a:fillRef idx="0">
+            <a:scrgbClr r="0" g="0" b="0"/>
+          </a:fillRef>
+          <a:effectRef idx="0">
+            <a:scrgbClr r="0" g="0" b="0"/>
+          </a:effectRef>
+          <a:fontRef idx="none"/>
+        </p:style>
+        <p:txBody>
+          <a:bodyPr rot="0" spcFirstLastPara="1" vertOverflow="overflow" horzOverflow="overflow" vert="horz" wrap="square" lIns="50800" tIns="50800" rIns="50800" bIns="50800" numCol="1" spcCol="38100" rtlCol="0" anchor="ctr">
+            <a:spAutoFit/>
+          </a:bodyPr>
+          <a:lstStyle/>
+          <a:p>
+            <a:pPr marL="0" marR="0" indent="0" algn="ctr" defTabSz="584200" rtl="0" fontAlgn="auto" latinLnBrk="0" hangingPunct="0">
+              <a:lnSpc>
+                <a:spcPct val="100000"/>
+              </a:lnSpc>
+              <a:spcBef>
+                <a:spcPts val="0"/>
+              </a:spcBef>
+              <a:spcAft>
+                <a:spcPts val="0"/>
+              </a:spcAft>
+              <a:buClrTx/>
+              <a:buSzTx/>
+              <a:buFontTx/>
+              <a:buNone/>
+              <a:tabLst/>
+            </a:pPr>
+            <a:endParaRPr kumimoji="0" lang="en-US" sz="2600" b="0" i="0" u="none" strike="noStrike" cap="none" spc="0" normalizeH="0" baseline="0">
+              <a:ln>
+                <a:noFill/>
+              </a:ln>
+              <a:solidFill>
+                <a:srgbClr val="FFFFFF"/>
+              </a:solidFill>
+              <a:effectLst/>
+              <a:uFillTx/>
+              <a:latin typeface="+mn-lt"/>
+              <a:ea typeface="+mn-ea"/>
+              <a:cs typeface="+mn-cs"/>
+              <a:sym typeface="Helvetica Light"/>
+            </a:endParaRPr>
+          </a:p>
+        </p:txBody>
+      </p:sp>
     </p:spTree>
     <p:extLst>
       <p:ext uri="{BB962C8B-B14F-4D97-AF65-F5344CB8AC3E}">
@@ -8659,11 +9484,11 @@
   <p:clrMapOvr>
     <a:masterClrMapping/>
   </p:clrMapOvr>
-  <p:transition spd="slow"/>
+  <p:transition xmlns:p14="http://schemas.microsoft.com/office/powerpoint/2010/main" spd="slow"/>
   <p:timing>
     <p:tnLst>
       <p:par>
-        <p:cTn id="1" dur="indefinite" restart="never" nodeType="tmRoot"/>
+        <p:cTn xmlns:p14="http://schemas.microsoft.com/office/powerpoint/2010/main" id="1" dur="indefinite" restart="never" nodeType="tmRoot"/>
       </p:par>
     </p:tnLst>
   </p:timing>
@@ -8730,16 +9555,91 @@
           </a:p>
         </p:txBody>
       </p:sp>
+      <p:sp>
+        <p:nvSpPr>
+          <p:cNvPr id="2" name="PB"/>
+          <p:cNvSpPr/>
+          <p:nvPr/>
+        </p:nvSpPr>
+        <p:spPr>
+          <a:xfrm>
+            <a:off x="0" y="9601200"/>
+            <a:ext cx="464457" cy="152400"/>
+          </a:xfrm>
+          <a:prstGeom prst="rect">
+            <a:avLst/>
+          </a:prstGeom>
+          <a:solidFill>
+            <a:srgbClr val="BC8027"/>
+          </a:solidFill>
+          <a:ln w="12700" cap="flat">
+            <a:noFill/>
+            <a:miter lim="400000"/>
+          </a:ln>
+          <a:effectLst/>
+          <a:sp3d/>
+        </p:spPr>
+        <p:style>
+          <a:lnRef idx="0">
+            <a:scrgbClr r="0" g="0" b="0"/>
+          </a:lnRef>
+          <a:fillRef idx="0">
+            <a:scrgbClr r="0" g="0" b="0"/>
+          </a:fillRef>
+          <a:effectRef idx="0">
+            <a:scrgbClr r="0" g="0" b="0"/>
+          </a:effectRef>
+          <a:fontRef idx="none"/>
+        </p:style>
+        <p:txBody>
+          <a:bodyPr rot="0" spcFirstLastPara="1" vertOverflow="overflow" horzOverflow="overflow" vert="horz" wrap="square" lIns="50800" tIns="50800" rIns="50800" bIns="50800" numCol="1" spcCol="38100" rtlCol="0" anchor="ctr">
+            <a:spAutoFit/>
+          </a:bodyPr>
+          <a:lstStyle/>
+          <a:p>
+            <a:pPr marL="0" marR="0" indent="0" algn="ctr" defTabSz="584200" rtl="0" fontAlgn="auto" latinLnBrk="0" hangingPunct="0">
+              <a:lnSpc>
+                <a:spcPct val="100000"/>
+              </a:lnSpc>
+              <a:spcBef>
+                <a:spcPts val="0"/>
+              </a:spcBef>
+              <a:spcAft>
+                <a:spcPts val="0"/>
+              </a:spcAft>
+              <a:buClrTx/>
+              <a:buSzTx/>
+              <a:buFontTx/>
+              <a:buNone/>
+              <a:tabLst/>
+            </a:pPr>
+            <a:endParaRPr kumimoji="0" lang="en-US" sz="2600" b="0" i="0" u="none" strike="noStrike" cap="none" spc="0" normalizeH="0" baseline="0">
+              <a:ln>
+                <a:noFill/>
+              </a:ln>
+              <a:solidFill>
+                <a:srgbClr val="FFFFFF"/>
+              </a:solidFill>
+              <a:effectLst/>
+              <a:uFillTx/>
+              <a:latin typeface="+mn-lt"/>
+              <a:ea typeface="+mn-ea"/>
+              <a:cs typeface="+mn-cs"/>
+              <a:sym typeface="Helvetica Light"/>
+            </a:endParaRPr>
+          </a:p>
+        </p:txBody>
+      </p:sp>
     </p:spTree>
   </p:cSld>
   <p:clrMapOvr>
     <a:masterClrMapping/>
   </p:clrMapOvr>
-  <p:transition spd="slow"/>
+  <p:transition xmlns:p14="http://schemas.microsoft.com/office/powerpoint/2010/main" spd="slow"/>
   <p:timing>
     <p:tnLst>
       <p:par>
-        <p:cTn id="1" dur="indefinite" restart="never" nodeType="tmRoot"/>
+        <p:cTn xmlns:p14="http://schemas.microsoft.com/office/powerpoint/2010/main" id="1" dur="indefinite" restart="never" nodeType="tmRoot"/>
       </p:par>
     </p:tnLst>
   </p:timing>
@@ -8857,6 +9757,81 @@
           </a:p>
         </p:txBody>
       </p:sp>
+      <p:sp>
+        <p:nvSpPr>
+          <p:cNvPr id="4" name="PB"/>
+          <p:cNvSpPr/>
+          <p:nvPr/>
+        </p:nvSpPr>
+        <p:spPr>
+          <a:xfrm>
+            <a:off x="0" y="9601200"/>
+            <a:ext cx="4644572" cy="152400"/>
+          </a:xfrm>
+          <a:prstGeom prst="rect">
+            <a:avLst/>
+          </a:prstGeom>
+          <a:solidFill>
+            <a:srgbClr val="BC8027"/>
+          </a:solidFill>
+          <a:ln w="12700" cap="flat">
+            <a:noFill/>
+            <a:miter lim="400000"/>
+          </a:ln>
+          <a:effectLst/>
+          <a:sp3d/>
+        </p:spPr>
+        <p:style>
+          <a:lnRef idx="0">
+            <a:scrgbClr r="0" g="0" b="0"/>
+          </a:lnRef>
+          <a:fillRef idx="0">
+            <a:scrgbClr r="0" g="0" b="0"/>
+          </a:fillRef>
+          <a:effectRef idx="0">
+            <a:scrgbClr r="0" g="0" b="0"/>
+          </a:effectRef>
+          <a:fontRef idx="none"/>
+        </p:style>
+        <p:txBody>
+          <a:bodyPr rot="0" spcFirstLastPara="1" vertOverflow="overflow" horzOverflow="overflow" vert="horz" wrap="square" lIns="50800" tIns="50800" rIns="50800" bIns="50800" numCol="1" spcCol="38100" rtlCol="0" anchor="ctr">
+            <a:spAutoFit/>
+          </a:bodyPr>
+          <a:lstStyle/>
+          <a:p>
+            <a:pPr marL="0" marR="0" indent="0" algn="ctr" defTabSz="584200" rtl="0" fontAlgn="auto" latinLnBrk="0" hangingPunct="0">
+              <a:lnSpc>
+                <a:spcPct val="100000"/>
+              </a:lnSpc>
+              <a:spcBef>
+                <a:spcPts val="0"/>
+              </a:spcBef>
+              <a:spcAft>
+                <a:spcPts val="0"/>
+              </a:spcAft>
+              <a:buClrTx/>
+              <a:buSzTx/>
+              <a:buFontTx/>
+              <a:buNone/>
+              <a:tabLst/>
+            </a:pPr>
+            <a:endParaRPr kumimoji="0" lang="en-US" sz="2600" b="0" i="0" u="none" strike="noStrike" cap="none" spc="0" normalizeH="0" baseline="0">
+              <a:ln>
+                <a:noFill/>
+              </a:ln>
+              <a:solidFill>
+                <a:srgbClr val="FFFFFF"/>
+              </a:solidFill>
+              <a:effectLst/>
+              <a:uFillTx/>
+              <a:latin typeface="+mn-lt"/>
+              <a:ea typeface="+mn-ea"/>
+              <a:cs typeface="+mn-cs"/>
+              <a:sym typeface="Helvetica Light"/>
+            </a:endParaRPr>
+          </a:p>
+        </p:txBody>
+      </p:sp>
     </p:spTree>
     <p:extLst>
       <p:ext uri="{BB962C8B-B14F-4D97-AF65-F5344CB8AC3E}">
@@ -8867,11 +9842,11 @@
   <p:clrMapOvr>
     <a:masterClrMapping/>
   </p:clrMapOvr>
-  <p:transition spd="med"/>
+  <p:transition xmlns:p14="http://schemas.microsoft.com/office/powerpoint/2010/main" spd="med"/>
   <p:timing>
     <p:tnLst>
       <p:par>
-        <p:cTn id="1" dur="indefinite" restart="never" nodeType="tmRoot"/>
+        <p:cTn xmlns:p14="http://schemas.microsoft.com/office/powerpoint/2010/main" id="1" dur="indefinite" restart="never" nodeType="tmRoot"/>
       </p:par>
     </p:tnLst>
   </p:timing>
@@ -8971,6 +9946,81 @@
           </a:p>
         </p:txBody>
       </p:sp>
+      <p:sp>
+        <p:nvSpPr>
+          <p:cNvPr id="4" name="PB"/>
+          <p:cNvSpPr/>
+          <p:nvPr/>
+        </p:nvSpPr>
+        <p:spPr>
+          <a:xfrm>
+            <a:off x="0" y="9601200"/>
+            <a:ext cx="4876800" cy="152400"/>
+          </a:xfrm>
+          <a:prstGeom prst="rect">
+            <a:avLst/>
+          </a:prstGeom>
+          <a:solidFill>
+            <a:srgbClr val="BC8027"/>
+          </a:solidFill>
+          <a:ln w="12700" cap="flat">
+            <a:noFill/>
+            <a:miter lim="400000"/>
+          </a:ln>
+          <a:effectLst/>
+          <a:sp3d/>
+        </p:spPr>
+        <p:style>
+          <a:lnRef idx="0">
+            <a:scrgbClr r="0" g="0" b="0"/>
+          </a:lnRef>
+          <a:fillRef idx="0">
+            <a:scrgbClr r="0" g="0" b="0"/>
+          </a:fillRef>
+          <a:effectRef idx="0">
+            <a:scrgbClr r="0" g="0" b="0"/>
+          </a:effectRef>
+          <a:fontRef idx="none"/>
+        </p:style>
+        <p:txBody>
+          <a:bodyPr rot="0" spcFirstLastPara="1" vertOverflow="overflow" horzOverflow="overflow" vert="horz" wrap="square" lIns="50800" tIns="50800" rIns="50800" bIns="50800" numCol="1" spcCol="38100" rtlCol="0" anchor="ctr">
+            <a:spAutoFit/>
+          </a:bodyPr>
+          <a:lstStyle/>
+          <a:p>
+            <a:pPr marL="0" marR="0" indent="0" algn="ctr" defTabSz="584200" rtl="0" fontAlgn="auto" latinLnBrk="0" hangingPunct="0">
+              <a:lnSpc>
+                <a:spcPct val="100000"/>
+              </a:lnSpc>
+              <a:spcBef>
+                <a:spcPts val="0"/>
+              </a:spcBef>
+              <a:spcAft>
+                <a:spcPts val="0"/>
+              </a:spcAft>
+              <a:buClrTx/>
+              <a:buSzTx/>
+              <a:buFontTx/>
+              <a:buNone/>
+              <a:tabLst/>
+            </a:pPr>
+            <a:endParaRPr kumimoji="0" lang="en-US" sz="2600" b="0" i="0" u="none" strike="noStrike" cap="none" spc="0" normalizeH="0" baseline="0">
+              <a:ln>
+                <a:noFill/>
+              </a:ln>
+              <a:solidFill>
+                <a:srgbClr val="FFFFFF"/>
+              </a:solidFill>
+              <a:effectLst/>
+              <a:uFillTx/>
+              <a:latin typeface="+mn-lt"/>
+              <a:ea typeface="+mn-ea"/>
+              <a:cs typeface="+mn-cs"/>
+              <a:sym typeface="Helvetica Light"/>
+            </a:endParaRPr>
+          </a:p>
+        </p:txBody>
+      </p:sp>
     </p:spTree>
     <p:extLst>
       <p:ext uri="{BB962C8B-B14F-4D97-AF65-F5344CB8AC3E}">
@@ -8981,11 +10031,11 @@
   <p:clrMapOvr>
     <a:masterClrMapping/>
   </p:clrMapOvr>
-  <p:transition spd="med"/>
+  <p:transition xmlns:p14="http://schemas.microsoft.com/office/powerpoint/2010/main" spd="med"/>
   <p:timing>
     <p:tnLst>
       <p:par>
-        <p:cTn id="1" dur="indefinite" restart="never" nodeType="tmRoot">
+        <p:cTn xmlns:p14="http://schemas.microsoft.com/office/powerpoint/2010/main" id="1" dur="indefinite" restart="never" nodeType="tmRoot">
           <p:childTnLst>
             <p:seq concurrent="1" nextAc="seek">
               <p:cTn id="2" dur="indefinite" nodeType="mainSeq">
@@ -9106,6 +10156,81 @@
           </a:p>
         </p:txBody>
       </p:sp>
+      <p:sp>
+        <p:nvSpPr>
+          <p:cNvPr id="2" name="PB"/>
+          <p:cNvSpPr/>
+          <p:nvPr/>
+        </p:nvSpPr>
+        <p:spPr>
+          <a:xfrm>
+            <a:off x="0" y="9601200"/>
+            <a:ext cx="5109028" cy="152400"/>
+          </a:xfrm>
+          <a:prstGeom prst="rect">
+            <a:avLst/>
+          </a:prstGeom>
+          <a:solidFill>
+            <a:srgbClr val="BC8027"/>
+          </a:solidFill>
+          <a:ln w="12700" cap="flat">
+            <a:noFill/>
+            <a:miter lim="400000"/>
+          </a:ln>
+          <a:effectLst/>
+          <a:sp3d/>
+        </p:spPr>
+        <p:style>
+          <a:lnRef idx="0">
+            <a:scrgbClr r="0" g="0" b="0"/>
+          </a:lnRef>
+          <a:fillRef idx="0">
+            <a:scrgbClr r="0" g="0" b="0"/>
+          </a:fillRef>
+          <a:effectRef idx="0">
+            <a:scrgbClr r="0" g="0" b="0"/>
+          </a:effectRef>
+          <a:fontRef idx="none"/>
+        </p:style>
+        <p:txBody>
+          <a:bodyPr rot="0" spcFirstLastPara="1" vertOverflow="overflow" horzOverflow="overflow" vert="horz" wrap="square" lIns="50800" tIns="50800" rIns="50800" bIns="50800" numCol="1" spcCol="38100" rtlCol="0" anchor="ctr">
+            <a:spAutoFit/>
+          </a:bodyPr>
+          <a:lstStyle/>
+          <a:p>
+            <a:pPr marL="0" marR="0" indent="0" algn="ctr" defTabSz="584200" rtl="0" fontAlgn="auto" latinLnBrk="0" hangingPunct="0">
+              <a:lnSpc>
+                <a:spcPct val="100000"/>
+              </a:lnSpc>
+              <a:spcBef>
+                <a:spcPts val="0"/>
+              </a:spcBef>
+              <a:spcAft>
+                <a:spcPts val="0"/>
+              </a:spcAft>
+              <a:buClrTx/>
+              <a:buSzTx/>
+              <a:buFontTx/>
+              <a:buNone/>
+              <a:tabLst/>
+            </a:pPr>
+            <a:endParaRPr kumimoji="0" lang="en-US" sz="2600" b="0" i="0" u="none" strike="noStrike" cap="none" spc="0" normalizeH="0" baseline="0">
+              <a:ln>
+                <a:noFill/>
+              </a:ln>
+              <a:solidFill>
+                <a:srgbClr val="FFFFFF"/>
+              </a:solidFill>
+              <a:effectLst/>
+              <a:uFillTx/>
+              <a:latin typeface="+mn-lt"/>
+              <a:ea typeface="+mn-ea"/>
+              <a:cs typeface="+mn-cs"/>
+              <a:sym typeface="Helvetica Light"/>
+            </a:endParaRPr>
+          </a:p>
+        </p:txBody>
+      </p:sp>
     </p:spTree>
     <p:extLst>
       <p:ext uri="{BB962C8B-B14F-4D97-AF65-F5344CB8AC3E}">
@@ -9116,11 +10241,11 @@
   <p:clrMapOvr>
     <a:masterClrMapping/>
   </p:clrMapOvr>
-  <p:transition spd="med"/>
+  <p:transition xmlns:p14="http://schemas.microsoft.com/office/powerpoint/2010/main" spd="med"/>
   <p:timing>
     <p:tnLst>
       <p:par>
-        <p:cTn id="1" dur="indefinite" restart="never" nodeType="tmRoot"/>
+        <p:cTn xmlns:p14="http://schemas.microsoft.com/office/powerpoint/2010/main" id="1" dur="indefinite" restart="never" nodeType="tmRoot"/>
       </p:par>
     </p:tnLst>
   </p:timing>
@@ -9403,6 +10528,81 @@
           </a:p>
         </p:txBody>
       </p:sp>
+      <p:sp>
+        <p:nvSpPr>
+          <p:cNvPr id="2" name="PB"/>
+          <p:cNvSpPr/>
+          <p:nvPr/>
+        </p:nvSpPr>
+        <p:spPr>
+          <a:xfrm>
+            <a:off x="0" y="9601200"/>
+            <a:ext cx="5341257" cy="152400"/>
+          </a:xfrm>
+          <a:prstGeom prst="rect">
+            <a:avLst/>
+          </a:prstGeom>
+          <a:solidFill>
+            <a:srgbClr val="BC8027"/>
+          </a:solidFill>
+          <a:ln w="12700" cap="flat">
+            <a:noFill/>
+            <a:miter lim="400000"/>
+          </a:ln>
+          <a:effectLst/>
+          <a:sp3d/>
+        </p:spPr>
+        <p:style>
+          <a:lnRef idx="0">
+            <a:scrgbClr r="0" g="0" b="0"/>
+          </a:lnRef>
+          <a:fillRef idx="0">
+            <a:scrgbClr r="0" g="0" b="0"/>
+          </a:fillRef>
+          <a:effectRef idx="0">
+            <a:scrgbClr r="0" g="0" b="0"/>
+          </a:effectRef>
+          <a:fontRef idx="none"/>
+        </p:style>
+        <p:txBody>
+          <a:bodyPr rot="0" spcFirstLastPara="1" vertOverflow="overflow" horzOverflow="overflow" vert="horz" wrap="square" lIns="50800" tIns="50800" rIns="50800" bIns="50800" numCol="1" spcCol="38100" rtlCol="0" anchor="ctr">
+            <a:spAutoFit/>
+          </a:bodyPr>
+          <a:lstStyle/>
+          <a:p>
+            <a:pPr marL="0" marR="0" indent="0" algn="ctr" defTabSz="584200" rtl="0" fontAlgn="auto" latinLnBrk="0" hangingPunct="0">
+              <a:lnSpc>
+                <a:spcPct val="100000"/>
+              </a:lnSpc>
+              <a:spcBef>
+                <a:spcPts val="0"/>
+              </a:spcBef>
+              <a:spcAft>
+                <a:spcPts val="0"/>
+              </a:spcAft>
+              <a:buClrTx/>
+              <a:buSzTx/>
+              <a:buFontTx/>
+              <a:buNone/>
+              <a:tabLst/>
+            </a:pPr>
+            <a:endParaRPr kumimoji="0" lang="en-US" sz="2600" b="0" i="0" u="none" strike="noStrike" cap="none" spc="0" normalizeH="0" baseline="0">
+              <a:ln>
+                <a:noFill/>
+              </a:ln>
+              <a:solidFill>
+                <a:srgbClr val="FFFFFF"/>
+              </a:solidFill>
+              <a:effectLst/>
+              <a:uFillTx/>
+              <a:latin typeface="+mn-lt"/>
+              <a:ea typeface="+mn-ea"/>
+              <a:cs typeface="+mn-cs"/>
+              <a:sym typeface="Helvetica Light"/>
+            </a:endParaRPr>
+          </a:p>
+        </p:txBody>
+      </p:sp>
     </p:spTree>
     <p:extLst>
       <p:ext uri="{BB962C8B-B14F-4D97-AF65-F5344CB8AC3E}">
@@ -9413,11 +10613,11 @@
   <p:clrMapOvr>
     <a:masterClrMapping/>
   </p:clrMapOvr>
-  <p:transition spd="med"/>
+  <p:transition xmlns:p14="http://schemas.microsoft.com/office/powerpoint/2010/main" spd="med"/>
   <p:timing>
     <p:tnLst>
       <p:par>
-        <p:cTn id="1" dur="indefinite" restart="never" nodeType="tmRoot"/>
+        <p:cTn xmlns:p14="http://schemas.microsoft.com/office/powerpoint/2010/main" id="1" dur="indefinite" restart="never" nodeType="tmRoot"/>
       </p:par>
     </p:tnLst>
   </p:timing>
@@ -9562,16 +10762,91 @@
           </a:p>
         </p:txBody>
       </p:sp>
+      <p:sp>
+        <p:nvSpPr>
+          <p:cNvPr id="2" name="PB"/>
+          <p:cNvSpPr/>
+          <p:nvPr/>
+        </p:nvSpPr>
+        <p:spPr>
+          <a:xfrm>
+            <a:off x="0" y="9601200"/>
+            <a:ext cx="5573486" cy="152400"/>
+          </a:xfrm>
+          <a:prstGeom prst="rect">
+            <a:avLst/>
+          </a:prstGeom>
+          <a:solidFill>
+            <a:srgbClr val="BC8027"/>
+          </a:solidFill>
+          <a:ln w="12700" cap="flat">
+            <a:noFill/>
+            <a:miter lim="400000"/>
+          </a:ln>
+          <a:effectLst/>
+          <a:sp3d/>
+        </p:spPr>
+        <p:style>
+          <a:lnRef idx="0">
+            <a:scrgbClr r="0" g="0" b="0"/>
+          </a:lnRef>
+          <a:fillRef idx="0">
+            <a:scrgbClr r="0" g="0" b="0"/>
+          </a:fillRef>
+          <a:effectRef idx="0">
+            <a:scrgbClr r="0" g="0" b="0"/>
+          </a:effectRef>
+          <a:fontRef idx="none"/>
+        </p:style>
+        <p:txBody>
+          <a:bodyPr rot="0" spcFirstLastPara="1" vertOverflow="overflow" horzOverflow="overflow" vert="horz" wrap="square" lIns="50800" tIns="50800" rIns="50800" bIns="50800" numCol="1" spcCol="38100" rtlCol="0" anchor="ctr">
+            <a:spAutoFit/>
+          </a:bodyPr>
+          <a:lstStyle/>
+          <a:p>
+            <a:pPr marL="0" marR="0" indent="0" algn="ctr" defTabSz="584200" rtl="0" fontAlgn="auto" latinLnBrk="0" hangingPunct="0">
+              <a:lnSpc>
+                <a:spcPct val="100000"/>
+              </a:lnSpc>
+              <a:spcBef>
+                <a:spcPts val="0"/>
+              </a:spcBef>
+              <a:spcAft>
+                <a:spcPts val="0"/>
+              </a:spcAft>
+              <a:buClrTx/>
+              <a:buSzTx/>
+              <a:buFontTx/>
+              <a:buNone/>
+              <a:tabLst/>
+            </a:pPr>
+            <a:endParaRPr kumimoji="0" lang="en-US" sz="2600" b="0" i="0" u="none" strike="noStrike" cap="none" spc="0" normalizeH="0" baseline="0">
+              <a:ln>
+                <a:noFill/>
+              </a:ln>
+              <a:solidFill>
+                <a:srgbClr val="FFFFFF"/>
+              </a:solidFill>
+              <a:effectLst/>
+              <a:uFillTx/>
+              <a:latin typeface="+mn-lt"/>
+              <a:ea typeface="+mn-ea"/>
+              <a:cs typeface="+mn-cs"/>
+              <a:sym typeface="Helvetica Light"/>
+            </a:endParaRPr>
+          </a:p>
+        </p:txBody>
+      </p:sp>
     </p:spTree>
   </p:cSld>
   <p:clrMapOvr>
     <a:masterClrMapping/>
   </p:clrMapOvr>
-  <p:transition spd="slow"/>
+  <p:transition xmlns:p14="http://schemas.microsoft.com/office/powerpoint/2010/main" spd="slow"/>
   <p:timing>
     <p:tnLst>
       <p:par>
-        <p:cTn id="1" dur="indefinite" restart="never" nodeType="tmRoot"/>
+        <p:cTn xmlns:p14="http://schemas.microsoft.com/office/powerpoint/2010/main" id="1" dur="indefinite" restart="never" nodeType="tmRoot"/>
       </p:par>
     </p:tnLst>
   </p:timing>
@@ -9625,6 +10900,81 @@
           </a:xfrm>
         </p:spPr>
       </p:pic>
+      <p:sp>
+        <p:nvSpPr>
+          <p:cNvPr id="2" name="PB"/>
+          <p:cNvSpPr/>
+          <p:nvPr/>
+        </p:nvSpPr>
+        <p:spPr>
+          <a:xfrm>
+            <a:off x="0" y="9601200"/>
+            <a:ext cx="5805714" cy="152400"/>
+          </a:xfrm>
+          <a:prstGeom prst="rect">
+            <a:avLst/>
+          </a:prstGeom>
+          <a:solidFill>
+            <a:srgbClr val="BC8027"/>
+          </a:solidFill>
+          <a:ln w="12700" cap="flat">
+            <a:noFill/>
+            <a:miter lim="400000"/>
+          </a:ln>
+          <a:effectLst/>
+          <a:sp3d/>
+        </p:spPr>
+        <p:style>
+          <a:lnRef idx="0">
+            <a:scrgbClr r="0" g="0" b="0"/>
+          </a:lnRef>
+          <a:fillRef idx="0">
+            <a:scrgbClr r="0" g="0" b="0"/>
+          </a:fillRef>
+          <a:effectRef idx="0">
+            <a:scrgbClr r="0" g="0" b="0"/>
+          </a:effectRef>
+          <a:fontRef idx="none"/>
+        </p:style>
+        <p:txBody>
+          <a:bodyPr rot="0" spcFirstLastPara="1" vertOverflow="overflow" horzOverflow="overflow" vert="horz" wrap="square" lIns="50800" tIns="50800" rIns="50800" bIns="50800" numCol="1" spcCol="38100" rtlCol="0" anchor="ctr">
+            <a:spAutoFit/>
+          </a:bodyPr>
+          <a:lstStyle/>
+          <a:p>
+            <a:pPr marL="0" marR="0" indent="0" algn="ctr" defTabSz="584200" rtl="0" fontAlgn="auto" latinLnBrk="0" hangingPunct="0">
+              <a:lnSpc>
+                <a:spcPct val="100000"/>
+              </a:lnSpc>
+              <a:spcBef>
+                <a:spcPts val="0"/>
+              </a:spcBef>
+              <a:spcAft>
+                <a:spcPts val="0"/>
+              </a:spcAft>
+              <a:buClrTx/>
+              <a:buSzTx/>
+              <a:buFontTx/>
+              <a:buNone/>
+              <a:tabLst/>
+            </a:pPr>
+            <a:endParaRPr kumimoji="0" lang="en-US" sz="2600" b="0" i="0" u="none" strike="noStrike" cap="none" spc="0" normalizeH="0" baseline="0">
+              <a:ln>
+                <a:noFill/>
+              </a:ln>
+              <a:solidFill>
+                <a:srgbClr val="FFFFFF"/>
+              </a:solidFill>
+              <a:effectLst/>
+              <a:uFillTx/>
+              <a:latin typeface="+mn-lt"/>
+              <a:ea typeface="+mn-ea"/>
+              <a:cs typeface="+mn-cs"/>
+              <a:sym typeface="Helvetica Light"/>
+            </a:endParaRPr>
+          </a:p>
+        </p:txBody>
+      </p:sp>
     </p:spTree>
     <p:extLst>
       <p:ext uri="{BB962C8B-B14F-4D97-AF65-F5344CB8AC3E}">
@@ -9635,7 +10985,14 @@
   <p:clrMapOvr>
     <a:masterClrMapping/>
   </p:clrMapOvr>
-  <p:transition spd="med"/>
+  <p:transition xmlns:p14="http://schemas.microsoft.com/office/powerpoint/2010/main" spd="med"/>
+  <p:timing>
+    <p:tnLst>
+      <p:par>
+        <p:cTn xmlns:p14="http://schemas.microsoft.com/office/powerpoint/2010/main" id="1" dur="indefinite" restart="never" nodeType="tmRoot"/>
+      </p:par>
+    </p:tnLst>
+  </p:timing>
 </p:sld>
 </file>
 
@@ -9685,6 +11042,81 @@
           </a:xfrm>
         </p:spPr>
       </p:pic>
+      <p:sp>
+        <p:nvSpPr>
+          <p:cNvPr id="2" name="PB"/>
+          <p:cNvSpPr/>
+          <p:nvPr/>
+        </p:nvSpPr>
+        <p:spPr>
+          <a:xfrm>
+            <a:off x="0" y="9601200"/>
+            <a:ext cx="6037943" cy="152400"/>
+          </a:xfrm>
+          <a:prstGeom prst="rect">
+            <a:avLst/>
+          </a:prstGeom>
+          <a:solidFill>
+            <a:srgbClr val="BC8027"/>
+          </a:solidFill>
+          <a:ln w="12700" cap="flat">
+            <a:noFill/>
+            <a:miter lim="400000"/>
+          </a:ln>
+          <a:effectLst/>
+          <a:sp3d/>
+        </p:spPr>
+        <p:style>
+          <a:lnRef idx="0">
+            <a:scrgbClr r="0" g="0" b="0"/>
+          </a:lnRef>
+          <a:fillRef idx="0">
+            <a:scrgbClr r="0" g="0" b="0"/>
+          </a:fillRef>
+          <a:effectRef idx="0">
+            <a:scrgbClr r="0" g="0" b="0"/>
+          </a:effectRef>
+          <a:fontRef idx="none"/>
+        </p:style>
+        <p:txBody>
+          <a:bodyPr rot="0" spcFirstLastPara="1" vertOverflow="overflow" horzOverflow="overflow" vert="horz" wrap="square" lIns="50800" tIns="50800" rIns="50800" bIns="50800" numCol="1" spcCol="38100" rtlCol="0" anchor="ctr">
+            <a:spAutoFit/>
+          </a:bodyPr>
+          <a:lstStyle/>
+          <a:p>
+            <a:pPr marL="0" marR="0" indent="0" algn="ctr" defTabSz="584200" rtl="0" fontAlgn="auto" latinLnBrk="0" hangingPunct="0">
+              <a:lnSpc>
+                <a:spcPct val="100000"/>
+              </a:lnSpc>
+              <a:spcBef>
+                <a:spcPts val="0"/>
+              </a:spcBef>
+              <a:spcAft>
+                <a:spcPts val="0"/>
+              </a:spcAft>
+              <a:buClrTx/>
+              <a:buSzTx/>
+              <a:buFontTx/>
+              <a:buNone/>
+              <a:tabLst/>
+            </a:pPr>
+            <a:endParaRPr kumimoji="0" lang="en-US" sz="2600" b="0" i="0" u="none" strike="noStrike" cap="none" spc="0" normalizeH="0" baseline="0">
+              <a:ln>
+                <a:noFill/>
+              </a:ln>
+              <a:solidFill>
+                <a:srgbClr val="FFFFFF"/>
+              </a:solidFill>
+              <a:effectLst/>
+              <a:uFillTx/>
+              <a:latin typeface="+mn-lt"/>
+              <a:ea typeface="+mn-ea"/>
+              <a:cs typeface="+mn-cs"/>
+              <a:sym typeface="Helvetica Light"/>
+            </a:endParaRPr>
+          </a:p>
+        </p:txBody>
+      </p:sp>
     </p:spTree>
     <p:extLst>
       <p:ext uri="{BB962C8B-B14F-4D97-AF65-F5344CB8AC3E}">
@@ -9695,7 +11127,14 @@
   <p:clrMapOvr>
     <a:masterClrMapping/>
   </p:clrMapOvr>
-  <p:transition spd="med"/>
+  <p:transition xmlns:p14="http://schemas.microsoft.com/office/powerpoint/2010/main" spd="med"/>
+  <p:timing>
+    <p:tnLst>
+      <p:par>
+        <p:cTn xmlns:p14="http://schemas.microsoft.com/office/powerpoint/2010/main" id="1" dur="indefinite" restart="never" nodeType="tmRoot"/>
+      </p:par>
+    </p:tnLst>
+  </p:timing>
 </p:sld>
 </file>
 
@@ -9799,6 +11238,81 @@
           </a:p>
         </p:txBody>
       </p:sp>
+      <p:sp>
+        <p:nvSpPr>
+          <p:cNvPr id="4" name="PB"/>
+          <p:cNvSpPr/>
+          <p:nvPr/>
+        </p:nvSpPr>
+        <p:spPr>
+          <a:xfrm>
+            <a:off x="0" y="9601200"/>
+            <a:ext cx="6270172" cy="152400"/>
+          </a:xfrm>
+          <a:prstGeom prst="rect">
+            <a:avLst/>
+          </a:prstGeom>
+          <a:solidFill>
+            <a:srgbClr val="BC8027"/>
+          </a:solidFill>
+          <a:ln w="12700" cap="flat">
+            <a:noFill/>
+            <a:miter lim="400000"/>
+          </a:ln>
+          <a:effectLst/>
+          <a:sp3d/>
+        </p:spPr>
+        <p:style>
+          <a:lnRef idx="0">
+            <a:scrgbClr r="0" g="0" b="0"/>
+          </a:lnRef>
+          <a:fillRef idx="0">
+            <a:scrgbClr r="0" g="0" b="0"/>
+          </a:fillRef>
+          <a:effectRef idx="0">
+            <a:scrgbClr r="0" g="0" b="0"/>
+          </a:effectRef>
+          <a:fontRef idx="none"/>
+        </p:style>
+        <p:txBody>
+          <a:bodyPr rot="0" spcFirstLastPara="1" vertOverflow="overflow" horzOverflow="overflow" vert="horz" wrap="square" lIns="50800" tIns="50800" rIns="50800" bIns="50800" numCol="1" spcCol="38100" rtlCol="0" anchor="ctr">
+            <a:spAutoFit/>
+          </a:bodyPr>
+          <a:lstStyle/>
+          <a:p>
+            <a:pPr marL="0" marR="0" indent="0" algn="ctr" defTabSz="584200" rtl="0" fontAlgn="auto" latinLnBrk="0" hangingPunct="0">
+              <a:lnSpc>
+                <a:spcPct val="100000"/>
+              </a:lnSpc>
+              <a:spcBef>
+                <a:spcPts val="0"/>
+              </a:spcBef>
+              <a:spcAft>
+                <a:spcPts val="0"/>
+              </a:spcAft>
+              <a:buClrTx/>
+              <a:buSzTx/>
+              <a:buFontTx/>
+              <a:buNone/>
+              <a:tabLst/>
+            </a:pPr>
+            <a:endParaRPr kumimoji="0" lang="en-US" sz="2600" b="0" i="0" u="none" strike="noStrike" cap="none" spc="0" normalizeH="0" baseline="0">
+              <a:ln>
+                <a:noFill/>
+              </a:ln>
+              <a:solidFill>
+                <a:srgbClr val="FFFFFF"/>
+              </a:solidFill>
+              <a:effectLst/>
+              <a:uFillTx/>
+              <a:latin typeface="+mn-lt"/>
+              <a:ea typeface="+mn-ea"/>
+              <a:cs typeface="+mn-cs"/>
+              <a:sym typeface="Helvetica Light"/>
+            </a:endParaRPr>
+          </a:p>
+        </p:txBody>
+      </p:sp>
     </p:spTree>
     <p:extLst>
       <p:ext uri="{BB962C8B-B14F-4D97-AF65-F5344CB8AC3E}">
@@ -9809,11 +11323,11 @@
   <p:clrMapOvr>
     <a:masterClrMapping/>
   </p:clrMapOvr>
-  <p:transition spd="med"/>
+  <p:transition xmlns:p14="http://schemas.microsoft.com/office/powerpoint/2010/main" spd="med"/>
   <p:timing>
     <p:tnLst>
       <p:par>
-        <p:cTn id="1" dur="indefinite" restart="never" nodeType="tmRoot"/>
+        <p:cTn xmlns:p14="http://schemas.microsoft.com/office/powerpoint/2010/main" id="1" dur="indefinite" restart="never" nodeType="tmRoot"/>
       </p:par>
     </p:tnLst>
   </p:timing>
@@ -9908,6 +11422,81 @@
           </a:p>
         </p:txBody>
       </p:sp>
+      <p:sp>
+        <p:nvSpPr>
+          <p:cNvPr id="4" name="PB"/>
+          <p:cNvSpPr/>
+          <p:nvPr/>
+        </p:nvSpPr>
+        <p:spPr>
+          <a:xfrm>
+            <a:off x="0" y="9601200"/>
+            <a:ext cx="6502400" cy="152400"/>
+          </a:xfrm>
+          <a:prstGeom prst="rect">
+            <a:avLst/>
+          </a:prstGeom>
+          <a:solidFill>
+            <a:srgbClr val="BC8027"/>
+          </a:solidFill>
+          <a:ln w="12700" cap="flat">
+            <a:noFill/>
+            <a:miter lim="400000"/>
+          </a:ln>
+          <a:effectLst/>
+          <a:sp3d/>
+        </p:spPr>
+        <p:style>
+          <a:lnRef idx="0">
+            <a:scrgbClr r="0" g="0" b="0"/>
+          </a:lnRef>
+          <a:fillRef idx="0">
+            <a:scrgbClr r="0" g="0" b="0"/>
+          </a:fillRef>
+          <a:effectRef idx="0">
+            <a:scrgbClr r="0" g="0" b="0"/>
+          </a:effectRef>
+          <a:fontRef idx="none"/>
+        </p:style>
+        <p:txBody>
+          <a:bodyPr rot="0" spcFirstLastPara="1" vertOverflow="overflow" horzOverflow="overflow" vert="horz" wrap="square" lIns="50800" tIns="50800" rIns="50800" bIns="50800" numCol="1" spcCol="38100" rtlCol="0" anchor="ctr">
+            <a:spAutoFit/>
+          </a:bodyPr>
+          <a:lstStyle/>
+          <a:p>
+            <a:pPr marL="0" marR="0" indent="0" algn="ctr" defTabSz="584200" rtl="0" fontAlgn="auto" latinLnBrk="0" hangingPunct="0">
+              <a:lnSpc>
+                <a:spcPct val="100000"/>
+              </a:lnSpc>
+              <a:spcBef>
+                <a:spcPts val="0"/>
+              </a:spcBef>
+              <a:spcAft>
+                <a:spcPts val="0"/>
+              </a:spcAft>
+              <a:buClrTx/>
+              <a:buSzTx/>
+              <a:buFontTx/>
+              <a:buNone/>
+              <a:tabLst/>
+            </a:pPr>
+            <a:endParaRPr kumimoji="0" lang="en-US" sz="2600" b="0" i="0" u="none" strike="noStrike" cap="none" spc="0" normalizeH="0" baseline="0">
+              <a:ln>
+                <a:noFill/>
+              </a:ln>
+              <a:solidFill>
+                <a:srgbClr val="FFFFFF"/>
+              </a:solidFill>
+              <a:effectLst/>
+              <a:uFillTx/>
+              <a:latin typeface="+mn-lt"/>
+              <a:ea typeface="+mn-ea"/>
+              <a:cs typeface="+mn-cs"/>
+              <a:sym typeface="Helvetica Light"/>
+            </a:endParaRPr>
+          </a:p>
+        </p:txBody>
+      </p:sp>
     </p:spTree>
     <p:extLst>
       <p:ext uri="{BB962C8B-B14F-4D97-AF65-F5344CB8AC3E}">
@@ -9918,11 +11507,11 @@
   <p:clrMapOvr>
     <a:masterClrMapping/>
   </p:clrMapOvr>
-  <p:transition spd="med"/>
+  <p:transition xmlns:p14="http://schemas.microsoft.com/office/powerpoint/2010/main" spd="med"/>
   <p:timing>
     <p:tnLst>
       <p:par>
-        <p:cTn id="1" dur="indefinite" restart="never" nodeType="tmRoot"/>
+        <p:cTn xmlns:p14="http://schemas.microsoft.com/office/powerpoint/2010/main" id="1" dur="indefinite" restart="never" nodeType="tmRoot"/>
       </p:par>
     </p:tnLst>
   </p:timing>
@@ -10226,6 +11815,81 @@
           </a:p>
         </p:txBody>
       </p:sp>
+      <p:sp>
+        <p:nvSpPr>
+          <p:cNvPr id="5" name="PB"/>
+          <p:cNvSpPr/>
+          <p:nvPr/>
+        </p:nvSpPr>
+        <p:spPr>
+          <a:xfrm>
+            <a:off x="0" y="9601200"/>
+            <a:ext cx="6734628" cy="152400"/>
+          </a:xfrm>
+          <a:prstGeom prst="rect">
+            <a:avLst/>
+          </a:prstGeom>
+          <a:solidFill>
+            <a:srgbClr val="BC8027"/>
+          </a:solidFill>
+          <a:ln w="12700" cap="flat">
+            <a:noFill/>
+            <a:miter lim="400000"/>
+          </a:ln>
+          <a:effectLst/>
+          <a:sp3d/>
+        </p:spPr>
+        <p:style>
+          <a:lnRef idx="0">
+            <a:scrgbClr r="0" g="0" b="0"/>
+          </a:lnRef>
+          <a:fillRef idx="0">
+            <a:scrgbClr r="0" g="0" b="0"/>
+          </a:fillRef>
+          <a:effectRef idx="0">
+            <a:scrgbClr r="0" g="0" b="0"/>
+          </a:effectRef>
+          <a:fontRef idx="none"/>
+        </p:style>
+        <p:txBody>
+          <a:bodyPr rot="0" spcFirstLastPara="1" vertOverflow="overflow" horzOverflow="overflow" vert="horz" wrap="square" lIns="50800" tIns="50800" rIns="50800" bIns="50800" numCol="1" spcCol="38100" rtlCol="0" anchor="ctr">
+            <a:spAutoFit/>
+          </a:bodyPr>
+          <a:lstStyle/>
+          <a:p>
+            <a:pPr marL="0" marR="0" indent="0" algn="ctr" defTabSz="584200" rtl="0" fontAlgn="auto" latinLnBrk="0" hangingPunct="0">
+              <a:lnSpc>
+                <a:spcPct val="100000"/>
+              </a:lnSpc>
+              <a:spcBef>
+                <a:spcPts val="0"/>
+              </a:spcBef>
+              <a:spcAft>
+                <a:spcPts val="0"/>
+              </a:spcAft>
+              <a:buClrTx/>
+              <a:buSzTx/>
+              <a:buFontTx/>
+              <a:buNone/>
+              <a:tabLst/>
+            </a:pPr>
+            <a:endParaRPr kumimoji="0" lang="en-US" sz="2600" b="0" i="0" u="none" strike="noStrike" cap="none" spc="0" normalizeH="0" baseline="0">
+              <a:ln>
+                <a:noFill/>
+              </a:ln>
+              <a:solidFill>
+                <a:srgbClr val="FFFFFF"/>
+              </a:solidFill>
+              <a:effectLst/>
+              <a:uFillTx/>
+              <a:latin typeface="+mn-lt"/>
+              <a:ea typeface="+mn-ea"/>
+              <a:cs typeface="+mn-cs"/>
+              <a:sym typeface="Helvetica Light"/>
+            </a:endParaRPr>
+          </a:p>
+        </p:txBody>
+      </p:sp>
     </p:spTree>
     <p:extLst>
       <p:ext uri="{BB962C8B-B14F-4D97-AF65-F5344CB8AC3E}">
@@ -10236,11 +11900,11 @@
   <p:clrMapOvr>
     <a:masterClrMapping/>
   </p:clrMapOvr>
-  <p:transition spd="med"/>
+  <p:transition xmlns:p14="http://schemas.microsoft.com/office/powerpoint/2010/main" spd="med"/>
   <p:timing>
     <p:tnLst>
       <p:par>
-        <p:cTn id="1" dur="indefinite" restart="never" nodeType="tmRoot"/>
+        <p:cTn xmlns:p14="http://schemas.microsoft.com/office/powerpoint/2010/main" id="1" dur="indefinite" restart="never" nodeType="tmRoot"/>
       </p:par>
     </p:tnLst>
   </p:timing>
@@ -10340,6 +12004,81 @@
           </a:p>
         </p:txBody>
       </p:sp>
+      <p:sp>
+        <p:nvSpPr>
+          <p:cNvPr id="4" name="PB"/>
+          <p:cNvSpPr/>
+          <p:nvPr/>
+        </p:nvSpPr>
+        <p:spPr>
+          <a:xfrm>
+            <a:off x="0" y="9601200"/>
+            <a:ext cx="696686" cy="152400"/>
+          </a:xfrm>
+          <a:prstGeom prst="rect">
+            <a:avLst/>
+          </a:prstGeom>
+          <a:solidFill>
+            <a:srgbClr val="BC8027"/>
+          </a:solidFill>
+          <a:ln w="12700" cap="flat">
+            <a:noFill/>
+            <a:miter lim="400000"/>
+          </a:ln>
+          <a:effectLst/>
+          <a:sp3d/>
+        </p:spPr>
+        <p:style>
+          <a:lnRef idx="0">
+            <a:scrgbClr r="0" g="0" b="0"/>
+          </a:lnRef>
+          <a:fillRef idx="0">
+            <a:scrgbClr r="0" g="0" b="0"/>
+          </a:fillRef>
+          <a:effectRef idx="0">
+            <a:scrgbClr r="0" g="0" b="0"/>
+          </a:effectRef>
+          <a:fontRef idx="none"/>
+        </p:style>
+        <p:txBody>
+          <a:bodyPr rot="0" spcFirstLastPara="1" vertOverflow="overflow" horzOverflow="overflow" vert="horz" wrap="square" lIns="50800" tIns="50800" rIns="50800" bIns="50800" numCol="1" spcCol="38100" rtlCol="0" anchor="ctr">
+            <a:spAutoFit/>
+          </a:bodyPr>
+          <a:lstStyle/>
+          <a:p>
+            <a:pPr marL="0" marR="0" indent="0" algn="ctr" defTabSz="584200" rtl="0" fontAlgn="auto" latinLnBrk="0" hangingPunct="0">
+              <a:lnSpc>
+                <a:spcPct val="100000"/>
+              </a:lnSpc>
+              <a:spcBef>
+                <a:spcPts val="0"/>
+              </a:spcBef>
+              <a:spcAft>
+                <a:spcPts val="0"/>
+              </a:spcAft>
+              <a:buClrTx/>
+              <a:buSzTx/>
+              <a:buFontTx/>
+              <a:buNone/>
+              <a:tabLst/>
+            </a:pPr>
+            <a:endParaRPr kumimoji="0" lang="en-US" sz="2600" b="0" i="0" u="none" strike="noStrike" cap="none" spc="0" normalizeH="0" baseline="0">
+              <a:ln>
+                <a:noFill/>
+              </a:ln>
+              <a:solidFill>
+                <a:srgbClr val="FFFFFF"/>
+              </a:solidFill>
+              <a:effectLst/>
+              <a:uFillTx/>
+              <a:latin typeface="+mn-lt"/>
+              <a:ea typeface="+mn-ea"/>
+              <a:cs typeface="+mn-cs"/>
+              <a:sym typeface="Helvetica Light"/>
+            </a:endParaRPr>
+          </a:p>
+        </p:txBody>
+      </p:sp>
     </p:spTree>
     <p:extLst>
       <p:ext uri="{BB962C8B-B14F-4D97-AF65-F5344CB8AC3E}">
@@ -10350,11 +12089,11 @@
   <p:clrMapOvr>
     <a:masterClrMapping/>
   </p:clrMapOvr>
-  <p:transition spd="med"/>
+  <p:transition xmlns:p14="http://schemas.microsoft.com/office/powerpoint/2010/main" spd="med"/>
   <p:timing>
     <p:tnLst>
       <p:par>
-        <p:cTn id="1" dur="indefinite" restart="never" nodeType="tmRoot"/>
+        <p:cTn xmlns:p14="http://schemas.microsoft.com/office/powerpoint/2010/main" id="1" dur="indefinite" restart="never" nodeType="tmRoot"/>
       </p:par>
     </p:tnLst>
   </p:timing>
@@ -10686,6 +12425,81 @@
           </a:p>
         </p:txBody>
       </p:sp>
+      <p:sp>
+        <p:nvSpPr>
+          <p:cNvPr id="2" name="PB"/>
+          <p:cNvSpPr/>
+          <p:nvPr/>
+        </p:nvSpPr>
+        <p:spPr>
+          <a:xfrm>
+            <a:off x="0" y="9601200"/>
+            <a:ext cx="6966857" cy="152400"/>
+          </a:xfrm>
+          <a:prstGeom prst="rect">
+            <a:avLst/>
+          </a:prstGeom>
+          <a:solidFill>
+            <a:srgbClr val="BC8027"/>
+          </a:solidFill>
+          <a:ln w="12700" cap="flat">
+            <a:noFill/>
+            <a:miter lim="400000"/>
+          </a:ln>
+          <a:effectLst/>
+          <a:sp3d/>
+        </p:spPr>
+        <p:style>
+          <a:lnRef idx="0">
+            <a:scrgbClr r="0" g="0" b="0"/>
+          </a:lnRef>
+          <a:fillRef idx="0">
+            <a:scrgbClr r="0" g="0" b="0"/>
+          </a:fillRef>
+          <a:effectRef idx="0">
+            <a:scrgbClr r="0" g="0" b="0"/>
+          </a:effectRef>
+          <a:fontRef idx="none"/>
+        </p:style>
+        <p:txBody>
+          <a:bodyPr rot="0" spcFirstLastPara="1" vertOverflow="overflow" horzOverflow="overflow" vert="horz" wrap="square" lIns="50800" tIns="50800" rIns="50800" bIns="50800" numCol="1" spcCol="38100" rtlCol="0" anchor="ctr">
+            <a:spAutoFit/>
+          </a:bodyPr>
+          <a:lstStyle/>
+          <a:p>
+            <a:pPr marL="0" marR="0" indent="0" algn="ctr" defTabSz="584200" rtl="0" fontAlgn="auto" latinLnBrk="0" hangingPunct="0">
+              <a:lnSpc>
+                <a:spcPct val="100000"/>
+              </a:lnSpc>
+              <a:spcBef>
+                <a:spcPts val="0"/>
+              </a:spcBef>
+              <a:spcAft>
+                <a:spcPts val="0"/>
+              </a:spcAft>
+              <a:buClrTx/>
+              <a:buSzTx/>
+              <a:buFontTx/>
+              <a:buNone/>
+              <a:tabLst/>
+            </a:pPr>
+            <a:endParaRPr kumimoji="0" lang="en-US" sz="2600" b="0" i="0" u="none" strike="noStrike" cap="none" spc="0" normalizeH="0" baseline="0">
+              <a:ln>
+                <a:noFill/>
+              </a:ln>
+              <a:solidFill>
+                <a:srgbClr val="FFFFFF"/>
+              </a:solidFill>
+              <a:effectLst/>
+              <a:uFillTx/>
+              <a:latin typeface="+mn-lt"/>
+              <a:ea typeface="+mn-ea"/>
+              <a:cs typeface="+mn-cs"/>
+              <a:sym typeface="Helvetica Light"/>
+            </a:endParaRPr>
+          </a:p>
+        </p:txBody>
+      </p:sp>
     </p:spTree>
     <p:extLst>
       <p:ext uri="{BB962C8B-B14F-4D97-AF65-F5344CB8AC3E}">
@@ -10696,11 +12510,11 @@
   <p:clrMapOvr>
     <a:masterClrMapping/>
   </p:clrMapOvr>
-  <p:transition spd="med"/>
+  <p:transition xmlns:p14="http://schemas.microsoft.com/office/powerpoint/2010/main" spd="med"/>
   <p:timing>
     <p:tnLst>
       <p:par>
-        <p:cTn id="1" dur="indefinite" restart="never" nodeType="tmRoot"/>
+        <p:cTn xmlns:p14="http://schemas.microsoft.com/office/powerpoint/2010/main" id="1" dur="indefinite" restart="never" nodeType="tmRoot"/>
       </p:par>
     </p:tnLst>
   </p:timing>
@@ -10811,6 +12625,81 @@
           </a:p>
         </p:txBody>
       </p:sp>
+      <p:sp>
+        <p:nvSpPr>
+          <p:cNvPr id="4" name="PB"/>
+          <p:cNvSpPr/>
+          <p:nvPr/>
+        </p:nvSpPr>
+        <p:spPr>
+          <a:xfrm>
+            <a:off x="0" y="9601200"/>
+            <a:ext cx="7199085" cy="152400"/>
+          </a:xfrm>
+          <a:prstGeom prst="rect">
+            <a:avLst/>
+          </a:prstGeom>
+          <a:solidFill>
+            <a:srgbClr val="BC8027"/>
+          </a:solidFill>
+          <a:ln w="12700" cap="flat">
+            <a:noFill/>
+            <a:miter lim="400000"/>
+          </a:ln>
+          <a:effectLst/>
+          <a:sp3d/>
+        </p:spPr>
+        <p:style>
+          <a:lnRef idx="0">
+            <a:scrgbClr r="0" g="0" b="0"/>
+          </a:lnRef>
+          <a:fillRef idx="0">
+            <a:scrgbClr r="0" g="0" b="0"/>
+          </a:fillRef>
+          <a:effectRef idx="0">
+            <a:scrgbClr r="0" g="0" b="0"/>
+          </a:effectRef>
+          <a:fontRef idx="none"/>
+        </p:style>
+        <p:txBody>
+          <a:bodyPr rot="0" spcFirstLastPara="1" vertOverflow="overflow" horzOverflow="overflow" vert="horz" wrap="square" lIns="50800" tIns="50800" rIns="50800" bIns="50800" numCol="1" spcCol="38100" rtlCol="0" anchor="ctr">
+            <a:spAutoFit/>
+          </a:bodyPr>
+          <a:lstStyle/>
+          <a:p>
+            <a:pPr marL="0" marR="0" indent="0" algn="ctr" defTabSz="584200" rtl="0" fontAlgn="auto" latinLnBrk="0" hangingPunct="0">
+              <a:lnSpc>
+                <a:spcPct val="100000"/>
+              </a:lnSpc>
+              <a:spcBef>
+                <a:spcPts val="0"/>
+              </a:spcBef>
+              <a:spcAft>
+                <a:spcPts val="0"/>
+              </a:spcAft>
+              <a:buClrTx/>
+              <a:buSzTx/>
+              <a:buFontTx/>
+              <a:buNone/>
+              <a:tabLst/>
+            </a:pPr>
+            <a:endParaRPr kumimoji="0" lang="en-US" sz="2600" b="0" i="0" u="none" strike="noStrike" cap="none" spc="0" normalizeH="0" baseline="0">
+              <a:ln>
+                <a:noFill/>
+              </a:ln>
+              <a:solidFill>
+                <a:srgbClr val="FFFFFF"/>
+              </a:solidFill>
+              <a:effectLst/>
+              <a:uFillTx/>
+              <a:latin typeface="+mn-lt"/>
+              <a:ea typeface="+mn-ea"/>
+              <a:cs typeface="+mn-cs"/>
+              <a:sym typeface="Helvetica Light"/>
+            </a:endParaRPr>
+          </a:p>
+        </p:txBody>
+      </p:sp>
     </p:spTree>
     <p:extLst>
       <p:ext uri="{BB962C8B-B14F-4D97-AF65-F5344CB8AC3E}">
@@ -10821,11 +12710,11 @@
   <p:clrMapOvr>
     <a:masterClrMapping/>
   </p:clrMapOvr>
-  <p:transition spd="med"/>
+  <p:transition xmlns:p14="http://schemas.microsoft.com/office/powerpoint/2010/main" spd="med"/>
   <p:timing>
     <p:tnLst>
       <p:par>
-        <p:cTn id="1" dur="indefinite" restart="never" nodeType="tmRoot"/>
+        <p:cTn xmlns:p14="http://schemas.microsoft.com/office/powerpoint/2010/main" id="1" dur="indefinite" restart="never" nodeType="tmRoot"/>
       </p:par>
     </p:tnLst>
   </p:timing>
@@ -11178,16 +13067,91 @@
           </a:p>
         </p:txBody>
       </p:sp>
+      <p:sp>
+        <p:nvSpPr>
+          <p:cNvPr id="3" name="PB"/>
+          <p:cNvSpPr/>
+          <p:nvPr/>
+        </p:nvSpPr>
+        <p:spPr>
+          <a:xfrm>
+            <a:off x="0" y="9601200"/>
+            <a:ext cx="7431315" cy="152400"/>
+          </a:xfrm>
+          <a:prstGeom prst="rect">
+            <a:avLst/>
+          </a:prstGeom>
+          <a:solidFill>
+            <a:srgbClr val="BC8027"/>
+          </a:solidFill>
+          <a:ln w="12700" cap="flat">
+            <a:noFill/>
+            <a:miter lim="400000"/>
+          </a:ln>
+          <a:effectLst/>
+          <a:sp3d/>
+        </p:spPr>
+        <p:style>
+          <a:lnRef idx="0">
+            <a:scrgbClr r="0" g="0" b="0"/>
+          </a:lnRef>
+          <a:fillRef idx="0">
+            <a:scrgbClr r="0" g="0" b="0"/>
+          </a:fillRef>
+          <a:effectRef idx="0">
+            <a:scrgbClr r="0" g="0" b="0"/>
+          </a:effectRef>
+          <a:fontRef idx="none"/>
+        </p:style>
+        <p:txBody>
+          <a:bodyPr rot="0" spcFirstLastPara="1" vertOverflow="overflow" horzOverflow="overflow" vert="horz" wrap="square" lIns="50800" tIns="50800" rIns="50800" bIns="50800" numCol="1" spcCol="38100" rtlCol="0" anchor="ctr">
+            <a:spAutoFit/>
+          </a:bodyPr>
+          <a:lstStyle/>
+          <a:p>
+            <a:pPr marL="0" marR="0" indent="0" algn="ctr" defTabSz="584200" rtl="0" fontAlgn="auto" latinLnBrk="0" hangingPunct="0">
+              <a:lnSpc>
+                <a:spcPct val="100000"/>
+              </a:lnSpc>
+              <a:spcBef>
+                <a:spcPts val="0"/>
+              </a:spcBef>
+              <a:spcAft>
+                <a:spcPts val="0"/>
+              </a:spcAft>
+              <a:buClrTx/>
+              <a:buSzTx/>
+              <a:buFontTx/>
+              <a:buNone/>
+              <a:tabLst/>
+            </a:pPr>
+            <a:endParaRPr kumimoji="0" lang="en-US" sz="2600" b="0" i="0" u="none" strike="noStrike" cap="none" spc="0" normalizeH="0" baseline="0">
+              <a:ln>
+                <a:noFill/>
+              </a:ln>
+              <a:solidFill>
+                <a:srgbClr val="FFFFFF"/>
+              </a:solidFill>
+              <a:effectLst/>
+              <a:uFillTx/>
+              <a:latin typeface="+mn-lt"/>
+              <a:ea typeface="+mn-ea"/>
+              <a:cs typeface="+mn-cs"/>
+              <a:sym typeface="Helvetica Light"/>
+            </a:endParaRPr>
+          </a:p>
+        </p:txBody>
+      </p:sp>
     </p:spTree>
   </p:cSld>
   <p:clrMapOvr>
     <a:masterClrMapping/>
   </p:clrMapOvr>
-  <p:transition spd="slow"/>
+  <p:transition xmlns:p14="http://schemas.microsoft.com/office/powerpoint/2010/main" spd="slow"/>
   <p:timing>
     <p:tnLst>
       <p:par>
-        <p:cTn id="1" dur="indefinite" restart="never" nodeType="tmRoot"/>
+        <p:cTn xmlns:p14="http://schemas.microsoft.com/office/powerpoint/2010/main" id="1" dur="indefinite" restart="never" nodeType="tmRoot"/>
       </p:par>
     </p:tnLst>
   </p:timing>
@@ -11583,6 +13547,81 @@
           </a:p>
         </p:txBody>
       </p:sp>
+      <p:sp>
+        <p:nvSpPr>
+          <p:cNvPr id="2" name="PB"/>
+          <p:cNvSpPr/>
+          <p:nvPr/>
+        </p:nvSpPr>
+        <p:spPr>
+          <a:xfrm>
+            <a:off x="0" y="9601200"/>
+            <a:ext cx="7663543" cy="152400"/>
+          </a:xfrm>
+          <a:prstGeom prst="rect">
+            <a:avLst/>
+          </a:prstGeom>
+          <a:solidFill>
+            <a:srgbClr val="BC8027"/>
+          </a:solidFill>
+          <a:ln w="12700" cap="flat">
+            <a:noFill/>
+            <a:miter lim="400000"/>
+          </a:ln>
+          <a:effectLst/>
+          <a:sp3d/>
+        </p:spPr>
+        <p:style>
+          <a:lnRef idx="0">
+            <a:scrgbClr r="0" g="0" b="0"/>
+          </a:lnRef>
+          <a:fillRef idx="0">
+            <a:scrgbClr r="0" g="0" b="0"/>
+          </a:fillRef>
+          <a:effectRef idx="0">
+            <a:scrgbClr r="0" g="0" b="0"/>
+          </a:effectRef>
+          <a:fontRef idx="none"/>
+        </p:style>
+        <p:txBody>
+          <a:bodyPr rot="0" spcFirstLastPara="1" vertOverflow="overflow" horzOverflow="overflow" vert="horz" wrap="square" lIns="50800" tIns="50800" rIns="50800" bIns="50800" numCol="1" spcCol="38100" rtlCol="0" anchor="ctr">
+            <a:spAutoFit/>
+          </a:bodyPr>
+          <a:lstStyle/>
+          <a:p>
+            <a:pPr marL="0" marR="0" indent="0" algn="ctr" defTabSz="584200" rtl="0" fontAlgn="auto" latinLnBrk="0" hangingPunct="0">
+              <a:lnSpc>
+                <a:spcPct val="100000"/>
+              </a:lnSpc>
+              <a:spcBef>
+                <a:spcPts val="0"/>
+              </a:spcBef>
+              <a:spcAft>
+                <a:spcPts val="0"/>
+              </a:spcAft>
+              <a:buClrTx/>
+              <a:buSzTx/>
+              <a:buFontTx/>
+              <a:buNone/>
+              <a:tabLst/>
+            </a:pPr>
+            <a:endParaRPr kumimoji="0" lang="en-US" sz="2600" b="0" i="0" u="none" strike="noStrike" cap="none" spc="0" normalizeH="0" baseline="0">
+              <a:ln>
+                <a:noFill/>
+              </a:ln>
+              <a:solidFill>
+                <a:srgbClr val="FFFFFF"/>
+              </a:solidFill>
+              <a:effectLst/>
+              <a:uFillTx/>
+              <a:latin typeface="+mn-lt"/>
+              <a:ea typeface="+mn-ea"/>
+              <a:cs typeface="+mn-cs"/>
+              <a:sym typeface="Helvetica Light"/>
+            </a:endParaRPr>
+          </a:p>
+        </p:txBody>
+      </p:sp>
     </p:spTree>
     <p:extLst>
       <p:ext uri="{BB962C8B-B14F-4D97-AF65-F5344CB8AC3E}">
@@ -11593,11 +13632,11 @@
   <p:clrMapOvr>
     <a:masterClrMapping/>
   </p:clrMapOvr>
-  <p:transition spd="med"/>
+  <p:transition xmlns:p14="http://schemas.microsoft.com/office/powerpoint/2010/main" spd="med"/>
   <p:timing>
     <p:tnLst>
       <p:par>
-        <p:cTn id="1" dur="indefinite" restart="never" nodeType="tmRoot"/>
+        <p:cTn xmlns:p14="http://schemas.microsoft.com/office/powerpoint/2010/main" id="1" dur="indefinite" restart="never" nodeType="tmRoot"/>
       </p:par>
     </p:tnLst>
   </p:timing>
@@ -11761,6 +13800,81 @@
           </a:p>
         </p:txBody>
       </p:sp>
+      <p:sp>
+        <p:nvSpPr>
+          <p:cNvPr id="4" name="PB"/>
+          <p:cNvSpPr/>
+          <p:nvPr/>
+        </p:nvSpPr>
+        <p:spPr>
+          <a:xfrm>
+            <a:off x="0" y="9601200"/>
+            <a:ext cx="7895772" cy="152400"/>
+          </a:xfrm>
+          <a:prstGeom prst="rect">
+            <a:avLst/>
+          </a:prstGeom>
+          <a:solidFill>
+            <a:srgbClr val="BC8027"/>
+          </a:solidFill>
+          <a:ln w="12700" cap="flat">
+            <a:noFill/>
+            <a:miter lim="400000"/>
+          </a:ln>
+          <a:effectLst/>
+          <a:sp3d/>
+        </p:spPr>
+        <p:style>
+          <a:lnRef idx="0">
+            <a:scrgbClr r="0" g="0" b="0"/>
+          </a:lnRef>
+          <a:fillRef idx="0">
+            <a:scrgbClr r="0" g="0" b="0"/>
+          </a:fillRef>
+          <a:effectRef idx="0">
+            <a:scrgbClr r="0" g="0" b="0"/>
+          </a:effectRef>
+          <a:fontRef idx="none"/>
+        </p:style>
+        <p:txBody>
+          <a:bodyPr rot="0" spcFirstLastPara="1" vertOverflow="overflow" horzOverflow="overflow" vert="horz" wrap="square" lIns="50800" tIns="50800" rIns="50800" bIns="50800" numCol="1" spcCol="38100" rtlCol="0" anchor="ctr">
+            <a:spAutoFit/>
+          </a:bodyPr>
+          <a:lstStyle/>
+          <a:p>
+            <a:pPr marL="0" marR="0" indent="0" algn="ctr" defTabSz="584200" rtl="0" fontAlgn="auto" latinLnBrk="0" hangingPunct="0">
+              <a:lnSpc>
+                <a:spcPct val="100000"/>
+              </a:lnSpc>
+              <a:spcBef>
+                <a:spcPts val="0"/>
+              </a:spcBef>
+              <a:spcAft>
+                <a:spcPts val="0"/>
+              </a:spcAft>
+              <a:buClrTx/>
+              <a:buSzTx/>
+              <a:buFontTx/>
+              <a:buNone/>
+              <a:tabLst/>
+            </a:pPr>
+            <a:endParaRPr kumimoji="0" lang="en-US" sz="2600" b="0" i="0" u="none" strike="noStrike" cap="none" spc="0" normalizeH="0" baseline="0">
+              <a:ln>
+                <a:noFill/>
+              </a:ln>
+              <a:solidFill>
+                <a:srgbClr val="FFFFFF"/>
+              </a:solidFill>
+              <a:effectLst/>
+              <a:uFillTx/>
+              <a:latin typeface="+mn-lt"/>
+              <a:ea typeface="+mn-ea"/>
+              <a:cs typeface="+mn-cs"/>
+              <a:sym typeface="Helvetica Light"/>
+            </a:endParaRPr>
+          </a:p>
+        </p:txBody>
+      </p:sp>
     </p:spTree>
     <p:extLst>
       <p:ext uri="{BB962C8B-B14F-4D97-AF65-F5344CB8AC3E}">
@@ -11771,11 +13885,11 @@
   <p:clrMapOvr>
     <a:masterClrMapping/>
   </p:clrMapOvr>
-  <p:transition spd="med"/>
+  <p:transition xmlns:p14="http://schemas.microsoft.com/office/powerpoint/2010/main" spd="med"/>
   <p:timing>
     <p:tnLst>
       <p:par>
-        <p:cTn id="1" dur="indefinite" restart="never" nodeType="tmRoot"/>
+        <p:cTn xmlns:p14="http://schemas.microsoft.com/office/powerpoint/2010/main" id="1" dur="indefinite" restart="never" nodeType="tmRoot"/>
       </p:par>
     </p:tnLst>
   </p:timing>
@@ -12211,6 +14325,81 @@
           </a:p>
         </p:txBody>
       </p:sp>
+      <p:sp>
+        <p:nvSpPr>
+          <p:cNvPr id="2" name="PB"/>
+          <p:cNvSpPr/>
+          <p:nvPr/>
+        </p:nvSpPr>
+        <p:spPr>
+          <a:xfrm>
+            <a:off x="0" y="9601200"/>
+            <a:ext cx="8128000" cy="152400"/>
+          </a:xfrm>
+          <a:prstGeom prst="rect">
+            <a:avLst/>
+          </a:prstGeom>
+          <a:solidFill>
+            <a:srgbClr val="BC8027"/>
+          </a:solidFill>
+          <a:ln w="12700" cap="flat">
+            <a:noFill/>
+            <a:miter lim="400000"/>
+          </a:ln>
+          <a:effectLst/>
+          <a:sp3d/>
+        </p:spPr>
+        <p:style>
+          <a:lnRef idx="0">
+            <a:scrgbClr r="0" g="0" b="0"/>
+          </a:lnRef>
+          <a:fillRef idx="0">
+            <a:scrgbClr r="0" g="0" b="0"/>
+          </a:fillRef>
+          <a:effectRef idx="0">
+            <a:scrgbClr r="0" g="0" b="0"/>
+          </a:effectRef>
+          <a:fontRef idx="none"/>
+        </p:style>
+        <p:txBody>
+          <a:bodyPr rot="0" spcFirstLastPara="1" vertOverflow="overflow" horzOverflow="overflow" vert="horz" wrap="square" lIns="50800" tIns="50800" rIns="50800" bIns="50800" numCol="1" spcCol="38100" rtlCol="0" anchor="ctr">
+            <a:spAutoFit/>
+          </a:bodyPr>
+          <a:lstStyle/>
+          <a:p>
+            <a:pPr marL="0" marR="0" indent="0" algn="ctr" defTabSz="584200" rtl="0" fontAlgn="auto" latinLnBrk="0" hangingPunct="0">
+              <a:lnSpc>
+                <a:spcPct val="100000"/>
+              </a:lnSpc>
+              <a:spcBef>
+                <a:spcPts val="0"/>
+              </a:spcBef>
+              <a:spcAft>
+                <a:spcPts val="0"/>
+              </a:spcAft>
+              <a:buClrTx/>
+              <a:buSzTx/>
+              <a:buFontTx/>
+              <a:buNone/>
+              <a:tabLst/>
+            </a:pPr>
+            <a:endParaRPr kumimoji="0" lang="en-US" sz="2600" b="0" i="0" u="none" strike="noStrike" cap="none" spc="0" normalizeH="0" baseline="0">
+              <a:ln>
+                <a:noFill/>
+              </a:ln>
+              <a:solidFill>
+                <a:srgbClr val="FFFFFF"/>
+              </a:solidFill>
+              <a:effectLst/>
+              <a:uFillTx/>
+              <a:latin typeface="+mn-lt"/>
+              <a:ea typeface="+mn-ea"/>
+              <a:cs typeface="+mn-cs"/>
+              <a:sym typeface="Helvetica Light"/>
+            </a:endParaRPr>
+          </a:p>
+        </p:txBody>
+      </p:sp>
     </p:spTree>
     <p:extLst>
       <p:ext uri="{BB962C8B-B14F-4D97-AF65-F5344CB8AC3E}">
@@ -12221,11 +14410,11 @@
   <p:clrMapOvr>
     <a:masterClrMapping/>
   </p:clrMapOvr>
-  <p:transition spd="med"/>
+  <p:transition xmlns:p14="http://schemas.microsoft.com/office/powerpoint/2010/main" spd="med"/>
   <p:timing>
     <p:tnLst>
       <p:par>
-        <p:cTn id="1" dur="indefinite" restart="never" nodeType="tmRoot"/>
+        <p:cTn xmlns:p14="http://schemas.microsoft.com/office/powerpoint/2010/main" id="1" dur="indefinite" restart="never" nodeType="tmRoot"/>
       </p:par>
     </p:tnLst>
   </p:timing>
@@ -12431,6 +14620,81 @@
           </a:p>
         </p:txBody>
       </p:sp>
+      <p:sp>
+        <p:nvSpPr>
+          <p:cNvPr id="4" name="PB"/>
+          <p:cNvSpPr/>
+          <p:nvPr/>
+        </p:nvSpPr>
+        <p:spPr>
+          <a:xfrm>
+            <a:off x="0" y="9601200"/>
+            <a:ext cx="8360228" cy="152400"/>
+          </a:xfrm>
+          <a:prstGeom prst="rect">
+            <a:avLst/>
+          </a:prstGeom>
+          <a:solidFill>
+            <a:srgbClr val="BC8027"/>
+          </a:solidFill>
+          <a:ln w="12700" cap="flat">
+            <a:noFill/>
+            <a:miter lim="400000"/>
+          </a:ln>
+          <a:effectLst/>
+          <a:sp3d/>
+        </p:spPr>
+        <p:style>
+          <a:lnRef idx="0">
+            <a:scrgbClr r="0" g="0" b="0"/>
+          </a:lnRef>
+          <a:fillRef idx="0">
+            <a:scrgbClr r="0" g="0" b="0"/>
+          </a:fillRef>
+          <a:effectRef idx="0">
+            <a:scrgbClr r="0" g="0" b="0"/>
+          </a:effectRef>
+          <a:fontRef idx="none"/>
+        </p:style>
+        <p:txBody>
+          <a:bodyPr rot="0" spcFirstLastPara="1" vertOverflow="overflow" horzOverflow="overflow" vert="horz" wrap="square" lIns="50800" tIns="50800" rIns="50800" bIns="50800" numCol="1" spcCol="38100" rtlCol="0" anchor="ctr">
+            <a:spAutoFit/>
+          </a:bodyPr>
+          <a:lstStyle/>
+          <a:p>
+            <a:pPr marL="0" marR="0" indent="0" algn="ctr" defTabSz="584200" rtl="0" fontAlgn="auto" latinLnBrk="0" hangingPunct="0">
+              <a:lnSpc>
+                <a:spcPct val="100000"/>
+              </a:lnSpc>
+              <a:spcBef>
+                <a:spcPts val="0"/>
+              </a:spcBef>
+              <a:spcAft>
+                <a:spcPts val="0"/>
+              </a:spcAft>
+              <a:buClrTx/>
+              <a:buSzTx/>
+              <a:buFontTx/>
+              <a:buNone/>
+              <a:tabLst/>
+            </a:pPr>
+            <a:endParaRPr kumimoji="0" lang="en-US" sz="2600" b="0" i="0" u="none" strike="noStrike" cap="none" spc="0" normalizeH="0" baseline="0">
+              <a:ln>
+                <a:noFill/>
+              </a:ln>
+              <a:solidFill>
+                <a:srgbClr val="FFFFFF"/>
+              </a:solidFill>
+              <a:effectLst/>
+              <a:uFillTx/>
+              <a:latin typeface="+mn-lt"/>
+              <a:ea typeface="+mn-ea"/>
+              <a:cs typeface="+mn-cs"/>
+              <a:sym typeface="Helvetica Light"/>
+            </a:endParaRPr>
+          </a:p>
+        </p:txBody>
+      </p:sp>
     </p:spTree>
     <p:extLst>
       <p:ext uri="{BB962C8B-B14F-4D97-AF65-F5344CB8AC3E}">
@@ -12441,11 +14705,11 @@
   <p:clrMapOvr>
     <a:masterClrMapping/>
   </p:clrMapOvr>
-  <p:transition spd="med"/>
+  <p:transition xmlns:p14="http://schemas.microsoft.com/office/powerpoint/2010/main" spd="med"/>
   <p:timing>
     <p:tnLst>
       <p:par>
-        <p:cTn id="1" dur="indefinite" restart="never" nodeType="tmRoot"/>
+        <p:cTn xmlns:p14="http://schemas.microsoft.com/office/powerpoint/2010/main" id="1" dur="indefinite" restart="never" nodeType="tmRoot"/>
       </p:par>
     </p:tnLst>
   </p:timing>
@@ -12945,6 +15209,81 @@
           </a:p>
         </p:txBody>
       </p:sp>
+      <p:sp>
+        <p:nvSpPr>
+          <p:cNvPr id="2" name="PB"/>
+          <p:cNvSpPr/>
+          <p:nvPr/>
+        </p:nvSpPr>
+        <p:spPr>
+          <a:xfrm>
+            <a:off x="0" y="9601200"/>
+            <a:ext cx="8592457" cy="152400"/>
+          </a:xfrm>
+          <a:prstGeom prst="rect">
+            <a:avLst/>
+          </a:prstGeom>
+          <a:solidFill>
+            <a:srgbClr val="BC8027"/>
+          </a:solidFill>
+          <a:ln w="12700" cap="flat">
+            <a:noFill/>
+            <a:miter lim="400000"/>
+          </a:ln>
+          <a:effectLst/>
+          <a:sp3d/>
+        </p:spPr>
+        <p:style>
+          <a:lnRef idx="0">
+            <a:scrgbClr r="0" g="0" b="0"/>
+          </a:lnRef>
+          <a:fillRef idx="0">
+            <a:scrgbClr r="0" g="0" b="0"/>
+          </a:fillRef>
+          <a:effectRef idx="0">
+            <a:scrgbClr r="0" g="0" b="0"/>
+          </a:effectRef>
+          <a:fontRef idx="none"/>
+        </p:style>
+        <p:txBody>
+          <a:bodyPr rot="0" spcFirstLastPara="1" vertOverflow="overflow" horzOverflow="overflow" vert="horz" wrap="square" lIns="50800" tIns="50800" rIns="50800" bIns="50800" numCol="1" spcCol="38100" rtlCol="0" anchor="ctr">
+            <a:spAutoFit/>
+          </a:bodyPr>
+          <a:lstStyle/>
+          <a:p>
+            <a:pPr marL="0" marR="0" indent="0" algn="ctr" defTabSz="584200" rtl="0" fontAlgn="auto" latinLnBrk="0" hangingPunct="0">
+              <a:lnSpc>
+                <a:spcPct val="100000"/>
+              </a:lnSpc>
+              <a:spcBef>
+                <a:spcPts val="0"/>
+              </a:spcBef>
+              <a:spcAft>
+                <a:spcPts val="0"/>
+              </a:spcAft>
+              <a:buClrTx/>
+              <a:buSzTx/>
+              <a:buFontTx/>
+              <a:buNone/>
+              <a:tabLst/>
+            </a:pPr>
+            <a:endParaRPr kumimoji="0" lang="en-US" sz="2600" b="0" i="0" u="none" strike="noStrike" cap="none" spc="0" normalizeH="0" baseline="0">
+              <a:ln>
+                <a:noFill/>
+              </a:ln>
+              <a:solidFill>
+                <a:srgbClr val="FFFFFF"/>
+              </a:solidFill>
+              <a:effectLst/>
+              <a:uFillTx/>
+              <a:latin typeface="+mn-lt"/>
+              <a:ea typeface="+mn-ea"/>
+              <a:cs typeface="+mn-cs"/>
+              <a:sym typeface="Helvetica Light"/>
+            </a:endParaRPr>
+          </a:p>
+        </p:txBody>
+      </p:sp>
     </p:spTree>
     <p:extLst>
       <p:ext uri="{BB962C8B-B14F-4D97-AF65-F5344CB8AC3E}">
@@ -12955,11 +15294,11 @@
   <p:clrMapOvr>
     <a:masterClrMapping/>
   </p:clrMapOvr>
-  <p:transition spd="med"/>
+  <p:transition xmlns:p14="http://schemas.microsoft.com/office/powerpoint/2010/main" spd="med"/>
   <p:timing>
     <p:tnLst>
       <p:par>
-        <p:cTn id="1" dur="indefinite" restart="never" nodeType="tmRoot"/>
+        <p:cTn xmlns:p14="http://schemas.microsoft.com/office/powerpoint/2010/main" id="1" dur="indefinite" restart="never" nodeType="tmRoot"/>
       </p:par>
     </p:tnLst>
   </p:timing>
@@ -13155,6 +15494,81 @@
           </a:p>
         </p:txBody>
       </p:sp>
+      <p:sp>
+        <p:nvSpPr>
+          <p:cNvPr id="5" name="PB"/>
+          <p:cNvSpPr/>
+          <p:nvPr/>
+        </p:nvSpPr>
+        <p:spPr>
+          <a:xfrm>
+            <a:off x="0" y="9601200"/>
+            <a:ext cx="8824685" cy="152400"/>
+          </a:xfrm>
+          <a:prstGeom prst="rect">
+            <a:avLst/>
+          </a:prstGeom>
+          <a:solidFill>
+            <a:srgbClr val="BC8027"/>
+          </a:solidFill>
+          <a:ln w="12700" cap="flat">
+            <a:noFill/>
+            <a:miter lim="400000"/>
+          </a:ln>
+          <a:effectLst/>
+          <a:sp3d/>
+        </p:spPr>
+        <p:style>
+          <a:lnRef idx="0">
+            <a:scrgbClr r="0" g="0" b="0"/>
+          </a:lnRef>
+          <a:fillRef idx="0">
+            <a:scrgbClr r="0" g="0" b="0"/>
+          </a:fillRef>
+          <a:effectRef idx="0">
+            <a:scrgbClr r="0" g="0" b="0"/>
+          </a:effectRef>
+          <a:fontRef idx="none"/>
+        </p:style>
+        <p:txBody>
+          <a:bodyPr rot="0" spcFirstLastPara="1" vertOverflow="overflow" horzOverflow="overflow" vert="horz" wrap="square" lIns="50800" tIns="50800" rIns="50800" bIns="50800" numCol="1" spcCol="38100" rtlCol="0" anchor="ctr">
+            <a:spAutoFit/>
+          </a:bodyPr>
+          <a:lstStyle/>
+          <a:p>
+            <a:pPr marL="0" marR="0" indent="0" algn="ctr" defTabSz="584200" rtl="0" fontAlgn="auto" latinLnBrk="0" hangingPunct="0">
+              <a:lnSpc>
+                <a:spcPct val="100000"/>
+              </a:lnSpc>
+              <a:spcBef>
+                <a:spcPts val="0"/>
+              </a:spcBef>
+              <a:spcAft>
+                <a:spcPts val="0"/>
+              </a:spcAft>
+              <a:buClrTx/>
+              <a:buSzTx/>
+              <a:buFontTx/>
+              <a:buNone/>
+              <a:tabLst/>
+            </a:pPr>
+            <a:endParaRPr kumimoji="0" lang="en-US" sz="2600" b="0" i="0" u="none" strike="noStrike" cap="none" spc="0" normalizeH="0" baseline="0">
+              <a:ln>
+                <a:noFill/>
+              </a:ln>
+              <a:solidFill>
+                <a:srgbClr val="FFFFFF"/>
+              </a:solidFill>
+              <a:effectLst/>
+              <a:uFillTx/>
+              <a:latin typeface="+mn-lt"/>
+              <a:ea typeface="+mn-ea"/>
+              <a:cs typeface="+mn-cs"/>
+              <a:sym typeface="Helvetica Light"/>
+            </a:endParaRPr>
+          </a:p>
+        </p:txBody>
+      </p:sp>
     </p:spTree>
     <p:extLst>
       <p:ext uri="{BB962C8B-B14F-4D97-AF65-F5344CB8AC3E}">
@@ -13165,11 +15579,11 @@
   <p:clrMapOvr>
     <a:masterClrMapping/>
   </p:clrMapOvr>
-  <p:transition spd="med"/>
+  <p:transition xmlns:p14="http://schemas.microsoft.com/office/powerpoint/2010/main" spd="med"/>
   <p:timing>
     <p:tnLst>
       <p:par>
-        <p:cTn id="1" dur="indefinite" restart="never" nodeType="tmRoot"/>
+        <p:cTn xmlns:p14="http://schemas.microsoft.com/office/powerpoint/2010/main" id="1" dur="indefinite" restart="never" nodeType="tmRoot"/>
       </p:par>
     </p:tnLst>
   </p:timing>
@@ -13682,6 +16096,81 @@
           </a:p>
         </p:txBody>
       </p:sp>
+      <p:sp>
+        <p:nvSpPr>
+          <p:cNvPr id="2" name="PB"/>
+          <p:cNvSpPr/>
+          <p:nvPr/>
+        </p:nvSpPr>
+        <p:spPr>
+          <a:xfrm>
+            <a:off x="0" y="9601200"/>
+            <a:ext cx="9056915" cy="152400"/>
+          </a:xfrm>
+          <a:prstGeom prst="rect">
+            <a:avLst/>
+          </a:prstGeom>
+          <a:solidFill>
+            <a:srgbClr val="BC8027"/>
+          </a:solidFill>
+          <a:ln w="12700" cap="flat">
+            <a:noFill/>
+            <a:miter lim="400000"/>
+          </a:ln>
+          <a:effectLst/>
+          <a:sp3d/>
+        </p:spPr>
+        <p:style>
+          <a:lnRef idx="0">
+            <a:scrgbClr r="0" g="0" b="0"/>
+          </a:lnRef>
+          <a:fillRef idx="0">
+            <a:scrgbClr r="0" g="0" b="0"/>
+          </a:fillRef>
+          <a:effectRef idx="0">
+            <a:scrgbClr r="0" g="0" b="0"/>
+          </a:effectRef>
+          <a:fontRef idx="none"/>
+        </p:style>
+        <p:txBody>
+          <a:bodyPr rot="0" spcFirstLastPara="1" vertOverflow="overflow" horzOverflow="overflow" vert="horz" wrap="square" lIns="50800" tIns="50800" rIns="50800" bIns="50800" numCol="1" spcCol="38100" rtlCol="0" anchor="ctr">
+            <a:spAutoFit/>
+          </a:bodyPr>
+          <a:lstStyle/>
+          <a:p>
+            <a:pPr marL="0" marR="0" indent="0" algn="ctr" defTabSz="584200" rtl="0" fontAlgn="auto" latinLnBrk="0" hangingPunct="0">
+              <a:lnSpc>
+                <a:spcPct val="100000"/>
+              </a:lnSpc>
+              <a:spcBef>
+                <a:spcPts val="0"/>
+              </a:spcBef>
+              <a:spcAft>
+                <a:spcPts val="0"/>
+              </a:spcAft>
+              <a:buClrTx/>
+              <a:buSzTx/>
+              <a:buFontTx/>
+              <a:buNone/>
+              <a:tabLst/>
+            </a:pPr>
+            <a:endParaRPr kumimoji="0" lang="en-US" sz="2600" b="0" i="0" u="none" strike="noStrike" cap="none" spc="0" normalizeH="0" baseline="0">
+              <a:ln>
+                <a:noFill/>
+              </a:ln>
+              <a:solidFill>
+                <a:srgbClr val="FFFFFF"/>
+              </a:solidFill>
+              <a:effectLst/>
+              <a:uFillTx/>
+              <a:latin typeface="+mn-lt"/>
+              <a:ea typeface="+mn-ea"/>
+              <a:cs typeface="+mn-cs"/>
+              <a:sym typeface="Helvetica Light"/>
+            </a:endParaRPr>
+          </a:p>
+        </p:txBody>
+      </p:sp>
     </p:spTree>
     <p:extLst>
       <p:ext uri="{BB962C8B-B14F-4D97-AF65-F5344CB8AC3E}">
@@ -13692,11 +16181,11 @@
   <p:clrMapOvr>
     <a:masterClrMapping/>
   </p:clrMapOvr>
-  <p:transition spd="med"/>
+  <p:transition xmlns:p14="http://schemas.microsoft.com/office/powerpoint/2010/main" spd="med"/>
   <p:timing>
     <p:tnLst>
       <p:par>
-        <p:cTn id="1" dur="indefinite" restart="never" nodeType="tmRoot"/>
+        <p:cTn xmlns:p14="http://schemas.microsoft.com/office/powerpoint/2010/main" id="1" dur="indefinite" restart="never" nodeType="tmRoot"/>
       </p:par>
     </p:tnLst>
   </p:timing>
@@ -13777,16 +16266,91 @@
           </a:p>
         </p:txBody>
       </p:sp>
+      <p:sp>
+        <p:nvSpPr>
+          <p:cNvPr id="4" name="PB"/>
+          <p:cNvSpPr/>
+          <p:nvPr/>
+        </p:nvSpPr>
+        <p:spPr>
+          <a:xfrm>
+            <a:off x="0" y="9601200"/>
+            <a:ext cx="928914" cy="152400"/>
+          </a:xfrm>
+          <a:prstGeom prst="rect">
+            <a:avLst/>
+          </a:prstGeom>
+          <a:solidFill>
+            <a:srgbClr val="BC8027"/>
+          </a:solidFill>
+          <a:ln w="12700" cap="flat">
+            <a:noFill/>
+            <a:miter lim="400000"/>
+          </a:ln>
+          <a:effectLst/>
+          <a:sp3d/>
+        </p:spPr>
+        <p:style>
+          <a:lnRef idx="0">
+            <a:scrgbClr r="0" g="0" b="0"/>
+          </a:lnRef>
+          <a:fillRef idx="0">
+            <a:scrgbClr r="0" g="0" b="0"/>
+          </a:fillRef>
+          <a:effectRef idx="0">
+            <a:scrgbClr r="0" g="0" b="0"/>
+          </a:effectRef>
+          <a:fontRef idx="none"/>
+        </p:style>
+        <p:txBody>
+          <a:bodyPr rot="0" spcFirstLastPara="1" vertOverflow="overflow" horzOverflow="overflow" vert="horz" wrap="square" lIns="50800" tIns="50800" rIns="50800" bIns="50800" numCol="1" spcCol="38100" rtlCol="0" anchor="ctr">
+            <a:spAutoFit/>
+          </a:bodyPr>
+          <a:lstStyle/>
+          <a:p>
+            <a:pPr marL="0" marR="0" indent="0" algn="ctr" defTabSz="584200" rtl="0" fontAlgn="auto" latinLnBrk="0" hangingPunct="0">
+              <a:lnSpc>
+                <a:spcPct val="100000"/>
+              </a:lnSpc>
+              <a:spcBef>
+                <a:spcPts val="0"/>
+              </a:spcBef>
+              <a:spcAft>
+                <a:spcPts val="0"/>
+              </a:spcAft>
+              <a:buClrTx/>
+              <a:buSzTx/>
+              <a:buFontTx/>
+              <a:buNone/>
+              <a:tabLst/>
+            </a:pPr>
+            <a:endParaRPr kumimoji="0" lang="en-US" sz="2600" b="0" i="0" u="none" strike="noStrike" cap="none" spc="0" normalizeH="0" baseline="0">
+              <a:ln>
+                <a:noFill/>
+              </a:ln>
+              <a:solidFill>
+                <a:srgbClr val="FFFFFF"/>
+              </a:solidFill>
+              <a:effectLst/>
+              <a:uFillTx/>
+              <a:latin typeface="+mn-lt"/>
+              <a:ea typeface="+mn-ea"/>
+              <a:cs typeface="+mn-cs"/>
+              <a:sym typeface="Helvetica Light"/>
+            </a:endParaRPr>
+          </a:p>
+        </p:txBody>
+      </p:sp>
     </p:spTree>
   </p:cSld>
   <p:clrMapOvr>
     <a:masterClrMapping/>
   </p:clrMapOvr>
-  <p:transition spd="slow"/>
+  <p:transition xmlns:p14="http://schemas.microsoft.com/office/powerpoint/2010/main" spd="slow"/>
   <p:timing>
     <p:tnLst>
       <p:par>
-        <p:cTn id="1" dur="indefinite" restart="never" nodeType="tmRoot"/>
+        <p:cTn xmlns:p14="http://schemas.microsoft.com/office/powerpoint/2010/main" id="1" dur="indefinite" restart="never" nodeType="tmRoot"/>
       </p:par>
     </p:tnLst>
   </p:timing>
@@ -14080,6 +16644,81 @@
           </a:p>
         </p:txBody>
       </p:sp>
+      <p:sp>
+        <p:nvSpPr>
+          <p:cNvPr id="5" name="PB"/>
+          <p:cNvSpPr/>
+          <p:nvPr/>
+        </p:nvSpPr>
+        <p:spPr>
+          <a:xfrm>
+            <a:off x="0" y="9601200"/>
+            <a:ext cx="9289143" cy="152400"/>
+          </a:xfrm>
+          <a:prstGeom prst="rect">
+            <a:avLst/>
+          </a:prstGeom>
+          <a:solidFill>
+            <a:srgbClr val="BC8027"/>
+          </a:solidFill>
+          <a:ln w="12700" cap="flat">
+            <a:noFill/>
+            <a:miter lim="400000"/>
+          </a:ln>
+          <a:effectLst/>
+          <a:sp3d/>
+        </p:spPr>
+        <p:style>
+          <a:lnRef idx="0">
+            <a:scrgbClr r="0" g="0" b="0"/>
+          </a:lnRef>
+          <a:fillRef idx="0">
+            <a:scrgbClr r="0" g="0" b="0"/>
+          </a:fillRef>
+          <a:effectRef idx="0">
+            <a:scrgbClr r="0" g="0" b="0"/>
+          </a:effectRef>
+          <a:fontRef idx="none"/>
+        </p:style>
+        <p:txBody>
+          <a:bodyPr rot="0" spcFirstLastPara="1" vertOverflow="overflow" horzOverflow="overflow" vert="horz" wrap="square" lIns="50800" tIns="50800" rIns="50800" bIns="50800" numCol="1" spcCol="38100" rtlCol="0" anchor="ctr">
+            <a:spAutoFit/>
+          </a:bodyPr>
+          <a:lstStyle/>
+          <a:p>
+            <a:pPr marL="0" marR="0" indent="0" algn="ctr" defTabSz="584200" rtl="0" fontAlgn="auto" latinLnBrk="0" hangingPunct="0">
+              <a:lnSpc>
+                <a:spcPct val="100000"/>
+              </a:lnSpc>
+              <a:spcBef>
+                <a:spcPts val="0"/>
+              </a:spcBef>
+              <a:spcAft>
+                <a:spcPts val="0"/>
+              </a:spcAft>
+              <a:buClrTx/>
+              <a:buSzTx/>
+              <a:buFontTx/>
+              <a:buNone/>
+              <a:tabLst/>
+            </a:pPr>
+            <a:endParaRPr kumimoji="0" lang="en-US" sz="2600" b="0" i="0" u="none" strike="noStrike" cap="none" spc="0" normalizeH="0" baseline="0">
+              <a:ln>
+                <a:noFill/>
+              </a:ln>
+              <a:solidFill>
+                <a:srgbClr val="FFFFFF"/>
+              </a:solidFill>
+              <a:effectLst/>
+              <a:uFillTx/>
+              <a:latin typeface="+mn-lt"/>
+              <a:ea typeface="+mn-ea"/>
+              <a:cs typeface="+mn-cs"/>
+              <a:sym typeface="Helvetica Light"/>
+            </a:endParaRPr>
+          </a:p>
+        </p:txBody>
+      </p:sp>
     </p:spTree>
     <p:extLst>
       <p:ext uri="{BB962C8B-B14F-4D97-AF65-F5344CB8AC3E}">
@@ -14090,11 +16729,11 @@
   <p:clrMapOvr>
     <a:masterClrMapping/>
   </p:clrMapOvr>
-  <p:transition spd="med"/>
+  <p:transition xmlns:p14="http://schemas.microsoft.com/office/powerpoint/2010/main" spd="med"/>
   <p:timing>
     <p:tnLst>
       <p:par>
-        <p:cTn id="1" dur="indefinite" restart="never" nodeType="tmRoot"/>
+        <p:cTn xmlns:p14="http://schemas.microsoft.com/office/powerpoint/2010/main" id="1" dur="indefinite" restart="never" nodeType="tmRoot"/>
       </p:par>
     </p:tnLst>
   </p:timing>
@@ -14635,6 +17274,81 @@
           </a:p>
         </p:txBody>
       </p:sp>
+      <p:sp>
+        <p:nvSpPr>
+          <p:cNvPr id="2" name="PB"/>
+          <p:cNvSpPr/>
+          <p:nvPr/>
+        </p:nvSpPr>
+        <p:spPr>
+          <a:xfrm>
+            <a:off x="0" y="9601200"/>
+            <a:ext cx="9521372" cy="152400"/>
+          </a:xfrm>
+          <a:prstGeom prst="rect">
+            <a:avLst/>
+          </a:prstGeom>
+          <a:solidFill>
+            <a:srgbClr val="BC8027"/>
+          </a:solidFill>
+          <a:ln w="12700" cap="flat">
+            <a:noFill/>
+            <a:miter lim="400000"/>
+          </a:ln>
+          <a:effectLst/>
+          <a:sp3d/>
+        </p:spPr>
+        <p:style>
+          <a:lnRef idx="0">
+            <a:scrgbClr r="0" g="0" b="0"/>
+          </a:lnRef>
+          <a:fillRef idx="0">
+            <a:scrgbClr r="0" g="0" b="0"/>
+          </a:fillRef>
+          <a:effectRef idx="0">
+            <a:scrgbClr r="0" g="0" b="0"/>
+          </a:effectRef>
+          <a:fontRef idx="none"/>
+        </p:style>
+        <p:txBody>
+          <a:bodyPr rot="0" spcFirstLastPara="1" vertOverflow="overflow" horzOverflow="overflow" vert="horz" wrap="square" lIns="50800" tIns="50800" rIns="50800" bIns="50800" numCol="1" spcCol="38100" rtlCol="0" anchor="ctr">
+            <a:spAutoFit/>
+          </a:bodyPr>
+          <a:lstStyle/>
+          <a:p>
+            <a:pPr marL="0" marR="0" indent="0" algn="ctr" defTabSz="584200" rtl="0" fontAlgn="auto" latinLnBrk="0" hangingPunct="0">
+              <a:lnSpc>
+                <a:spcPct val="100000"/>
+              </a:lnSpc>
+              <a:spcBef>
+                <a:spcPts val="0"/>
+              </a:spcBef>
+              <a:spcAft>
+                <a:spcPts val="0"/>
+              </a:spcAft>
+              <a:buClrTx/>
+              <a:buSzTx/>
+              <a:buFontTx/>
+              <a:buNone/>
+              <a:tabLst/>
+            </a:pPr>
+            <a:endParaRPr kumimoji="0" lang="en-US" sz="2600" b="0" i="0" u="none" strike="noStrike" cap="none" spc="0" normalizeH="0" baseline="0">
+              <a:ln>
+                <a:noFill/>
+              </a:ln>
+              <a:solidFill>
+                <a:srgbClr val="FFFFFF"/>
+              </a:solidFill>
+              <a:effectLst/>
+              <a:uFillTx/>
+              <a:latin typeface="+mn-lt"/>
+              <a:ea typeface="+mn-ea"/>
+              <a:cs typeface="+mn-cs"/>
+              <a:sym typeface="Helvetica Light"/>
+            </a:endParaRPr>
+          </a:p>
+        </p:txBody>
+      </p:sp>
     </p:spTree>
     <p:extLst>
       <p:ext uri="{BB962C8B-B14F-4D97-AF65-F5344CB8AC3E}">
@@ -14645,11 +17359,11 @@
   <p:clrMapOvr>
     <a:masterClrMapping/>
   </p:clrMapOvr>
-  <p:transition spd="med"/>
+  <p:transition xmlns:p14="http://schemas.microsoft.com/office/powerpoint/2010/main" spd="med"/>
   <p:timing>
     <p:tnLst>
       <p:par>
-        <p:cTn id="1" dur="indefinite" restart="never" nodeType="tmRoot"/>
+        <p:cTn xmlns:p14="http://schemas.microsoft.com/office/powerpoint/2010/main" id="1" dur="indefinite" restart="never" nodeType="tmRoot"/>
       </p:par>
     </p:tnLst>
   </p:timing>
@@ -14726,6 +17440,81 @@
           </a:p>
         </p:txBody>
       </p:sp>
+      <p:sp>
+        <p:nvSpPr>
+          <p:cNvPr id="4" name="PB"/>
+          <p:cNvSpPr/>
+          <p:nvPr/>
+        </p:nvSpPr>
+        <p:spPr>
+          <a:xfrm>
+            <a:off x="0" y="9601200"/>
+            <a:ext cx="9753600" cy="152400"/>
+          </a:xfrm>
+          <a:prstGeom prst="rect">
+            <a:avLst/>
+          </a:prstGeom>
+          <a:solidFill>
+            <a:srgbClr val="BC8027"/>
+          </a:solidFill>
+          <a:ln w="12700" cap="flat">
+            <a:noFill/>
+            <a:miter lim="400000"/>
+          </a:ln>
+          <a:effectLst/>
+          <a:sp3d/>
+        </p:spPr>
+        <p:style>
+          <a:lnRef idx="0">
+            <a:scrgbClr r="0" g="0" b="0"/>
+          </a:lnRef>
+          <a:fillRef idx="0">
+            <a:scrgbClr r="0" g="0" b="0"/>
+          </a:fillRef>
+          <a:effectRef idx="0">
+            <a:scrgbClr r="0" g="0" b="0"/>
+          </a:effectRef>
+          <a:fontRef idx="none"/>
+        </p:style>
+        <p:txBody>
+          <a:bodyPr rot="0" spcFirstLastPara="1" vertOverflow="overflow" horzOverflow="overflow" vert="horz" wrap="square" lIns="50800" tIns="50800" rIns="50800" bIns="50800" numCol="1" spcCol="38100" rtlCol="0" anchor="ctr">
+            <a:spAutoFit/>
+          </a:bodyPr>
+          <a:lstStyle/>
+          <a:p>
+            <a:pPr marL="0" marR="0" indent="0" algn="ctr" defTabSz="584200" rtl="0" fontAlgn="auto" latinLnBrk="0" hangingPunct="0">
+              <a:lnSpc>
+                <a:spcPct val="100000"/>
+              </a:lnSpc>
+              <a:spcBef>
+                <a:spcPts val="0"/>
+              </a:spcBef>
+              <a:spcAft>
+                <a:spcPts val="0"/>
+              </a:spcAft>
+              <a:buClrTx/>
+              <a:buSzTx/>
+              <a:buFontTx/>
+              <a:buNone/>
+              <a:tabLst/>
+            </a:pPr>
+            <a:endParaRPr kumimoji="0" lang="en-US" sz="2600" b="0" i="0" u="none" strike="noStrike" cap="none" spc="0" normalizeH="0" baseline="0">
+              <a:ln>
+                <a:noFill/>
+              </a:ln>
+              <a:solidFill>
+                <a:srgbClr val="FFFFFF"/>
+              </a:solidFill>
+              <a:effectLst/>
+              <a:uFillTx/>
+              <a:latin typeface="+mn-lt"/>
+              <a:ea typeface="+mn-ea"/>
+              <a:cs typeface="+mn-cs"/>
+              <a:sym typeface="Helvetica Light"/>
+            </a:endParaRPr>
+          </a:p>
+        </p:txBody>
+      </p:sp>
     </p:spTree>
     <p:extLst>
       <p:ext uri="{BB962C8B-B14F-4D97-AF65-F5344CB8AC3E}">
@@ -14736,11 +17525,11 @@
   <p:clrMapOvr>
     <a:masterClrMapping/>
   </p:clrMapOvr>
-  <p:transition spd="med"/>
+  <p:transition xmlns:p14="http://schemas.microsoft.com/office/powerpoint/2010/main" spd="med"/>
   <p:timing>
     <p:tnLst>
       <p:par>
-        <p:cTn id="1" dur="indefinite" restart="never" nodeType="tmRoot"/>
+        <p:cTn xmlns:p14="http://schemas.microsoft.com/office/powerpoint/2010/main" id="1" dur="indefinite" restart="never" nodeType="tmRoot"/>
       </p:par>
     </p:tnLst>
   </p:timing>
@@ -14825,6 +17614,81 @@
           </a:p>
         </p:txBody>
       </p:sp>
+      <p:sp>
+        <p:nvSpPr>
+          <p:cNvPr id="4" name="PB"/>
+          <p:cNvSpPr/>
+          <p:nvPr/>
+        </p:nvSpPr>
+        <p:spPr>
+          <a:xfrm>
+            <a:off x="0" y="9601200"/>
+            <a:ext cx="9985828" cy="152400"/>
+          </a:xfrm>
+          <a:prstGeom prst="rect">
+            <a:avLst/>
+          </a:prstGeom>
+          <a:solidFill>
+            <a:srgbClr val="BC8027"/>
+          </a:solidFill>
+          <a:ln w="12700" cap="flat">
+            <a:noFill/>
+            <a:miter lim="400000"/>
+          </a:ln>
+          <a:effectLst/>
+          <a:sp3d/>
+        </p:spPr>
+        <p:style>
+          <a:lnRef idx="0">
+            <a:scrgbClr r="0" g="0" b="0"/>
+          </a:lnRef>
+          <a:fillRef idx="0">
+            <a:scrgbClr r="0" g="0" b="0"/>
+          </a:fillRef>
+          <a:effectRef idx="0">
+            <a:scrgbClr r="0" g="0" b="0"/>
+          </a:effectRef>
+          <a:fontRef idx="none"/>
+        </p:style>
+        <p:txBody>
+          <a:bodyPr rot="0" spcFirstLastPara="1" vertOverflow="overflow" horzOverflow="overflow" vert="horz" wrap="square" lIns="50800" tIns="50800" rIns="50800" bIns="50800" numCol="1" spcCol="38100" rtlCol="0" anchor="ctr">
+            <a:spAutoFit/>
+          </a:bodyPr>
+          <a:lstStyle/>
+          <a:p>
+            <a:pPr marL="0" marR="0" indent="0" algn="ctr" defTabSz="584200" rtl="0" fontAlgn="auto" latinLnBrk="0" hangingPunct="0">
+              <a:lnSpc>
+                <a:spcPct val="100000"/>
+              </a:lnSpc>
+              <a:spcBef>
+                <a:spcPts val="0"/>
+              </a:spcBef>
+              <a:spcAft>
+                <a:spcPts val="0"/>
+              </a:spcAft>
+              <a:buClrTx/>
+              <a:buSzTx/>
+              <a:buFontTx/>
+              <a:buNone/>
+              <a:tabLst/>
+            </a:pPr>
+            <a:endParaRPr kumimoji="0" lang="en-US" sz="2600" b="0" i="0" u="none" strike="noStrike" cap="none" spc="0" normalizeH="0" baseline="0">
+              <a:ln>
+                <a:noFill/>
+              </a:ln>
+              <a:solidFill>
+                <a:srgbClr val="FFFFFF"/>
+              </a:solidFill>
+              <a:effectLst/>
+              <a:uFillTx/>
+              <a:latin typeface="+mn-lt"/>
+              <a:ea typeface="+mn-ea"/>
+              <a:cs typeface="+mn-cs"/>
+              <a:sym typeface="Helvetica Light"/>
+            </a:endParaRPr>
+          </a:p>
+        </p:txBody>
+      </p:sp>
     </p:spTree>
     <p:extLst>
       <p:ext uri="{BB962C8B-B14F-4D97-AF65-F5344CB8AC3E}">
@@ -14835,11 +17699,11 @@
   <p:clrMapOvr>
     <a:masterClrMapping/>
   </p:clrMapOvr>
-  <p:transition spd="med"/>
+  <p:transition xmlns:p14="http://schemas.microsoft.com/office/powerpoint/2010/main" spd="med"/>
   <p:timing>
     <p:tnLst>
       <p:par>
-        <p:cTn id="1" dur="indefinite" restart="never" nodeType="tmRoot"/>
+        <p:cTn xmlns:p14="http://schemas.microsoft.com/office/powerpoint/2010/main" id="1" dur="indefinite" restart="never" nodeType="tmRoot"/>
       </p:par>
     </p:tnLst>
   </p:timing>
@@ -15439,6 +18303,81 @@
           </a:p>
         </p:txBody>
       </p:sp>
+      <p:sp>
+        <p:nvSpPr>
+          <p:cNvPr id="5" name="PB"/>
+          <p:cNvSpPr/>
+          <p:nvPr/>
+        </p:nvSpPr>
+        <p:spPr>
+          <a:xfrm>
+            <a:off x="0" y="9601200"/>
+            <a:ext cx="10218057" cy="152400"/>
+          </a:xfrm>
+          <a:prstGeom prst="rect">
+            <a:avLst/>
+          </a:prstGeom>
+          <a:solidFill>
+            <a:srgbClr val="BC8027"/>
+          </a:solidFill>
+          <a:ln w="12700" cap="flat">
+            <a:noFill/>
+            <a:miter lim="400000"/>
+          </a:ln>
+          <a:effectLst/>
+          <a:sp3d/>
+        </p:spPr>
+        <p:style>
+          <a:lnRef idx="0">
+            <a:scrgbClr r="0" g="0" b="0"/>
+          </a:lnRef>
+          <a:fillRef idx="0">
+            <a:scrgbClr r="0" g="0" b="0"/>
+          </a:fillRef>
+          <a:effectRef idx="0">
+            <a:scrgbClr r="0" g="0" b="0"/>
+          </a:effectRef>
+          <a:fontRef idx="none"/>
+        </p:style>
+        <p:txBody>
+          <a:bodyPr rot="0" spcFirstLastPara="1" vertOverflow="overflow" horzOverflow="overflow" vert="horz" wrap="square" lIns="50800" tIns="50800" rIns="50800" bIns="50800" numCol="1" spcCol="38100" rtlCol="0" anchor="ctr">
+            <a:spAutoFit/>
+          </a:bodyPr>
+          <a:lstStyle/>
+          <a:p>
+            <a:pPr marL="0" marR="0" indent="0" algn="ctr" defTabSz="584200" rtl="0" fontAlgn="auto" latinLnBrk="0" hangingPunct="0">
+              <a:lnSpc>
+                <a:spcPct val="100000"/>
+              </a:lnSpc>
+              <a:spcBef>
+                <a:spcPts val="0"/>
+              </a:spcBef>
+              <a:spcAft>
+                <a:spcPts val="0"/>
+              </a:spcAft>
+              <a:buClrTx/>
+              <a:buSzTx/>
+              <a:buFontTx/>
+              <a:buNone/>
+              <a:tabLst/>
+            </a:pPr>
+            <a:endParaRPr kumimoji="0" lang="en-US" sz="2600" b="0" i="0" u="none" strike="noStrike" cap="none" spc="0" normalizeH="0" baseline="0">
+              <a:ln>
+                <a:noFill/>
+              </a:ln>
+              <a:solidFill>
+                <a:srgbClr val="FFFFFF"/>
+              </a:solidFill>
+              <a:effectLst/>
+              <a:uFillTx/>
+              <a:latin typeface="+mn-lt"/>
+              <a:ea typeface="+mn-ea"/>
+              <a:cs typeface="+mn-cs"/>
+              <a:sym typeface="Helvetica Light"/>
+            </a:endParaRPr>
+          </a:p>
+        </p:txBody>
+      </p:sp>
     </p:spTree>
     <p:extLst>
       <p:ext uri="{BB962C8B-B14F-4D97-AF65-F5344CB8AC3E}">
@@ -15449,11 +18388,11 @@
   <p:clrMapOvr>
     <a:masterClrMapping/>
   </p:clrMapOvr>
-  <p:transition spd="med"/>
+  <p:transition xmlns:p14="http://schemas.microsoft.com/office/powerpoint/2010/main" spd="med"/>
   <p:timing>
     <p:tnLst>
       <p:par>
-        <p:cTn id="1" dur="indefinite" restart="never" nodeType="tmRoot"/>
+        <p:cTn xmlns:p14="http://schemas.microsoft.com/office/powerpoint/2010/main" id="1" dur="indefinite" restart="never" nodeType="tmRoot"/>
       </p:par>
     </p:tnLst>
   </p:timing>
@@ -16180,6 +19119,81 @@
           </a:p>
         </p:txBody>
       </p:sp>
+      <p:sp>
+        <p:nvSpPr>
+          <p:cNvPr id="2" name="PB"/>
+          <p:cNvSpPr/>
+          <p:nvPr/>
+        </p:nvSpPr>
+        <p:spPr>
+          <a:xfrm>
+            <a:off x="0" y="9601200"/>
+            <a:ext cx="10450285" cy="152400"/>
+          </a:xfrm>
+          <a:prstGeom prst="rect">
+            <a:avLst/>
+          </a:prstGeom>
+          <a:solidFill>
+            <a:srgbClr val="BC8027"/>
+          </a:solidFill>
+          <a:ln w="12700" cap="flat">
+            <a:noFill/>
+            <a:miter lim="400000"/>
+          </a:ln>
+          <a:effectLst/>
+          <a:sp3d/>
+        </p:spPr>
+        <p:style>
+          <a:lnRef idx="0">
+            <a:scrgbClr r="0" g="0" b="0"/>
+          </a:lnRef>
+          <a:fillRef idx="0">
+            <a:scrgbClr r="0" g="0" b="0"/>
+          </a:fillRef>
+          <a:effectRef idx="0">
+            <a:scrgbClr r="0" g="0" b="0"/>
+          </a:effectRef>
+          <a:fontRef idx="none"/>
+        </p:style>
+        <p:txBody>
+          <a:bodyPr rot="0" spcFirstLastPara="1" vertOverflow="overflow" horzOverflow="overflow" vert="horz" wrap="square" lIns="50800" tIns="50800" rIns="50800" bIns="50800" numCol="1" spcCol="38100" rtlCol="0" anchor="ctr">
+            <a:spAutoFit/>
+          </a:bodyPr>
+          <a:lstStyle/>
+          <a:p>
+            <a:pPr marL="0" marR="0" indent="0" algn="ctr" defTabSz="584200" rtl="0" fontAlgn="auto" latinLnBrk="0" hangingPunct="0">
+              <a:lnSpc>
+                <a:spcPct val="100000"/>
+              </a:lnSpc>
+              <a:spcBef>
+                <a:spcPts val="0"/>
+              </a:spcBef>
+              <a:spcAft>
+                <a:spcPts val="0"/>
+              </a:spcAft>
+              <a:buClrTx/>
+              <a:buSzTx/>
+              <a:buFontTx/>
+              <a:buNone/>
+              <a:tabLst/>
+            </a:pPr>
+            <a:endParaRPr kumimoji="0" lang="en-US" sz="2600" b="0" i="0" u="none" strike="noStrike" cap="none" spc="0" normalizeH="0" baseline="0">
+              <a:ln>
+                <a:noFill/>
+              </a:ln>
+              <a:solidFill>
+                <a:srgbClr val="FFFFFF"/>
+              </a:solidFill>
+              <a:effectLst/>
+              <a:uFillTx/>
+              <a:latin typeface="+mn-lt"/>
+              <a:ea typeface="+mn-ea"/>
+              <a:cs typeface="+mn-cs"/>
+              <a:sym typeface="Helvetica Light"/>
+            </a:endParaRPr>
+          </a:p>
+        </p:txBody>
+      </p:sp>
     </p:spTree>
     <p:extLst>
       <p:ext uri="{BB962C8B-B14F-4D97-AF65-F5344CB8AC3E}">
@@ -16190,11 +19204,11 @@
   <p:clrMapOvr>
     <a:masterClrMapping/>
   </p:clrMapOvr>
-  <p:transition spd="med"/>
+  <p:transition xmlns:p14="http://schemas.microsoft.com/office/powerpoint/2010/main" spd="med"/>
   <p:timing>
     <p:tnLst>
       <p:par>
-        <p:cTn id="1" dur="indefinite" restart="never" nodeType="tmRoot"/>
+        <p:cTn xmlns:p14="http://schemas.microsoft.com/office/powerpoint/2010/main" id="1" dur="indefinite" restart="never" nodeType="tmRoot"/>
       </p:par>
     </p:tnLst>
   </p:timing>
@@ -16689,6 +19703,81 @@
           </a:p>
         </p:txBody>
       </p:sp>
+      <p:sp>
+        <p:nvSpPr>
+          <p:cNvPr id="4" name="PB"/>
+          <p:cNvSpPr/>
+          <p:nvPr/>
+        </p:nvSpPr>
+        <p:spPr>
+          <a:xfrm>
+            <a:off x="0" y="9601200"/>
+            <a:ext cx="10682515" cy="152400"/>
+          </a:xfrm>
+          <a:prstGeom prst="rect">
+            <a:avLst/>
+          </a:prstGeom>
+          <a:solidFill>
+            <a:srgbClr val="BC8027"/>
+          </a:solidFill>
+          <a:ln w="12700" cap="flat">
+            <a:noFill/>
+            <a:miter lim="400000"/>
+          </a:ln>
+          <a:effectLst/>
+          <a:sp3d/>
+        </p:spPr>
+        <p:style>
+          <a:lnRef idx="0">
+            <a:scrgbClr r="0" g="0" b="0"/>
+          </a:lnRef>
+          <a:fillRef idx="0">
+            <a:scrgbClr r="0" g="0" b="0"/>
+          </a:fillRef>
+          <a:effectRef idx="0">
+            <a:scrgbClr r="0" g="0" b="0"/>
+          </a:effectRef>
+          <a:fontRef idx="none"/>
+        </p:style>
+        <p:txBody>
+          <a:bodyPr rot="0" spcFirstLastPara="1" vertOverflow="overflow" horzOverflow="overflow" vert="horz" wrap="square" lIns="50800" tIns="50800" rIns="50800" bIns="50800" numCol="1" spcCol="38100" rtlCol="0" anchor="ctr">
+            <a:spAutoFit/>
+          </a:bodyPr>
+          <a:lstStyle/>
+          <a:p>
+            <a:pPr marL="0" marR="0" indent="0" algn="ctr" defTabSz="584200" rtl="0" fontAlgn="auto" latinLnBrk="0" hangingPunct="0">
+              <a:lnSpc>
+                <a:spcPct val="100000"/>
+              </a:lnSpc>
+              <a:spcBef>
+                <a:spcPts val="0"/>
+              </a:spcBef>
+              <a:spcAft>
+                <a:spcPts val="0"/>
+              </a:spcAft>
+              <a:buClrTx/>
+              <a:buSzTx/>
+              <a:buFontTx/>
+              <a:buNone/>
+              <a:tabLst/>
+            </a:pPr>
+            <a:endParaRPr kumimoji="0" lang="en-US" sz="2600" b="0" i="0" u="none" strike="noStrike" cap="none" spc="0" normalizeH="0" baseline="0">
+              <a:ln>
+                <a:noFill/>
+              </a:ln>
+              <a:solidFill>
+                <a:srgbClr val="FFFFFF"/>
+              </a:solidFill>
+              <a:effectLst/>
+              <a:uFillTx/>
+              <a:latin typeface="+mn-lt"/>
+              <a:ea typeface="+mn-ea"/>
+              <a:cs typeface="+mn-cs"/>
+              <a:sym typeface="Helvetica Light"/>
+            </a:endParaRPr>
+          </a:p>
+        </p:txBody>
+      </p:sp>
     </p:spTree>
     <p:extLst>
       <p:ext uri="{BB962C8B-B14F-4D97-AF65-F5344CB8AC3E}">
@@ -16699,11 +19788,11 @@
   <p:clrMapOvr>
     <a:masterClrMapping/>
   </p:clrMapOvr>
-  <p:transition spd="med"/>
+  <p:transition xmlns:p14="http://schemas.microsoft.com/office/powerpoint/2010/main" spd="med"/>
   <p:timing>
     <p:tnLst>
       <p:par>
-        <p:cTn id="1" dur="indefinite" restart="never" nodeType="tmRoot"/>
+        <p:cTn xmlns:p14="http://schemas.microsoft.com/office/powerpoint/2010/main" id="1" dur="indefinite" restart="never" nodeType="tmRoot"/>
       </p:par>
     </p:tnLst>
   </p:timing>
@@ -17574,6 +20663,81 @@
           </a:p>
         </p:txBody>
       </p:sp>
+      <p:sp>
+        <p:nvSpPr>
+          <p:cNvPr id="2" name="PB"/>
+          <p:cNvSpPr/>
+          <p:nvPr/>
+        </p:nvSpPr>
+        <p:spPr>
+          <a:xfrm>
+            <a:off x="0" y="9601200"/>
+            <a:ext cx="10914743" cy="152400"/>
+          </a:xfrm>
+          <a:prstGeom prst="rect">
+            <a:avLst/>
+          </a:prstGeom>
+          <a:solidFill>
+            <a:srgbClr val="BC8027"/>
+          </a:solidFill>
+          <a:ln w="12700" cap="flat">
+            <a:noFill/>
+            <a:miter lim="400000"/>
+          </a:ln>
+          <a:effectLst/>
+          <a:sp3d/>
+        </p:spPr>
+        <p:style>
+          <a:lnRef idx="0">
+            <a:scrgbClr r="0" g="0" b="0"/>
+          </a:lnRef>
+          <a:fillRef idx="0">
+            <a:scrgbClr r="0" g="0" b="0"/>
+          </a:fillRef>
+          <a:effectRef idx="0">
+            <a:scrgbClr r="0" g="0" b="0"/>
+          </a:effectRef>
+          <a:fontRef idx="none"/>
+        </p:style>
+        <p:txBody>
+          <a:bodyPr rot="0" spcFirstLastPara="1" vertOverflow="overflow" horzOverflow="overflow" vert="horz" wrap="square" lIns="50800" tIns="50800" rIns="50800" bIns="50800" numCol="1" spcCol="38100" rtlCol="0" anchor="ctr">
+            <a:spAutoFit/>
+          </a:bodyPr>
+          <a:lstStyle/>
+          <a:p>
+            <a:pPr marL="0" marR="0" indent="0" algn="ctr" defTabSz="584200" rtl="0" fontAlgn="auto" latinLnBrk="0" hangingPunct="0">
+              <a:lnSpc>
+                <a:spcPct val="100000"/>
+              </a:lnSpc>
+              <a:spcBef>
+                <a:spcPts val="0"/>
+              </a:spcBef>
+              <a:spcAft>
+                <a:spcPts val="0"/>
+              </a:spcAft>
+              <a:buClrTx/>
+              <a:buSzTx/>
+              <a:buFontTx/>
+              <a:buNone/>
+              <a:tabLst/>
+            </a:pPr>
+            <a:endParaRPr kumimoji="0" lang="en-US" sz="2600" b="0" i="0" u="none" strike="noStrike" cap="none" spc="0" normalizeH="0" baseline="0">
+              <a:ln>
+                <a:noFill/>
+              </a:ln>
+              <a:solidFill>
+                <a:srgbClr val="FFFFFF"/>
+              </a:solidFill>
+              <a:effectLst/>
+              <a:uFillTx/>
+              <a:latin typeface="+mn-lt"/>
+              <a:ea typeface="+mn-ea"/>
+              <a:cs typeface="+mn-cs"/>
+              <a:sym typeface="Helvetica Light"/>
+            </a:endParaRPr>
+          </a:p>
+        </p:txBody>
+      </p:sp>
     </p:spTree>
     <p:extLst>
       <p:ext uri="{BB962C8B-B14F-4D97-AF65-F5344CB8AC3E}">
@@ -17584,11 +20748,11 @@
   <p:clrMapOvr>
     <a:masterClrMapping/>
   </p:clrMapOvr>
-  <p:transition spd="med"/>
+  <p:transition xmlns:p14="http://schemas.microsoft.com/office/powerpoint/2010/main" spd="med"/>
   <p:timing>
     <p:tnLst>
       <p:par>
-        <p:cTn id="1" dur="indefinite" restart="never" nodeType="tmRoot"/>
+        <p:cTn xmlns:p14="http://schemas.microsoft.com/office/powerpoint/2010/main" id="1" dur="indefinite" restart="never" nodeType="tmRoot"/>
       </p:par>
     </p:tnLst>
   </p:timing>
@@ -18030,6 +21194,81 @@
           </a:p>
         </p:txBody>
       </p:sp>
+      <p:sp>
+        <p:nvSpPr>
+          <p:cNvPr id="5" name="PB"/>
+          <p:cNvSpPr/>
+          <p:nvPr/>
+        </p:nvSpPr>
+        <p:spPr>
+          <a:xfrm>
+            <a:off x="0" y="9601200"/>
+            <a:ext cx="11146972" cy="152400"/>
+          </a:xfrm>
+          <a:prstGeom prst="rect">
+            <a:avLst/>
+          </a:prstGeom>
+          <a:solidFill>
+            <a:srgbClr val="BC8027"/>
+          </a:solidFill>
+          <a:ln w="12700" cap="flat">
+            <a:noFill/>
+            <a:miter lim="400000"/>
+          </a:ln>
+          <a:effectLst/>
+          <a:sp3d/>
+        </p:spPr>
+        <p:style>
+          <a:lnRef idx="0">
+            <a:scrgbClr r="0" g="0" b="0"/>
+          </a:lnRef>
+          <a:fillRef idx="0">
+            <a:scrgbClr r="0" g="0" b="0"/>
+          </a:fillRef>
+          <a:effectRef idx="0">
+            <a:scrgbClr r="0" g="0" b="0"/>
+          </a:effectRef>
+          <a:fontRef idx="none"/>
+        </p:style>
+        <p:txBody>
+          <a:bodyPr rot="0" spcFirstLastPara="1" vertOverflow="overflow" horzOverflow="overflow" vert="horz" wrap="square" lIns="50800" tIns="50800" rIns="50800" bIns="50800" numCol="1" spcCol="38100" rtlCol="0" anchor="ctr">
+            <a:spAutoFit/>
+          </a:bodyPr>
+          <a:lstStyle/>
+          <a:p>
+            <a:pPr marL="0" marR="0" indent="0" algn="ctr" defTabSz="584200" rtl="0" fontAlgn="auto" latinLnBrk="0" hangingPunct="0">
+              <a:lnSpc>
+                <a:spcPct val="100000"/>
+              </a:lnSpc>
+              <a:spcBef>
+                <a:spcPts val="0"/>
+              </a:spcBef>
+              <a:spcAft>
+                <a:spcPts val="0"/>
+              </a:spcAft>
+              <a:buClrTx/>
+              <a:buSzTx/>
+              <a:buFontTx/>
+              <a:buNone/>
+              <a:tabLst/>
+            </a:pPr>
+            <a:endParaRPr kumimoji="0" lang="en-US" sz="2600" b="0" i="0" u="none" strike="noStrike" cap="none" spc="0" normalizeH="0" baseline="0">
+              <a:ln>
+                <a:noFill/>
+              </a:ln>
+              <a:solidFill>
+                <a:srgbClr val="FFFFFF"/>
+              </a:solidFill>
+              <a:effectLst/>
+              <a:uFillTx/>
+              <a:latin typeface="+mn-lt"/>
+              <a:ea typeface="+mn-ea"/>
+              <a:cs typeface="+mn-cs"/>
+              <a:sym typeface="Helvetica Light"/>
+            </a:endParaRPr>
+          </a:p>
+        </p:txBody>
+      </p:sp>
     </p:spTree>
     <p:extLst>
       <p:ext uri="{BB962C8B-B14F-4D97-AF65-F5344CB8AC3E}">
@@ -18040,11 +21279,11 @@
   <p:clrMapOvr>
     <a:masterClrMapping/>
   </p:clrMapOvr>
-  <p:transition spd="med"/>
+  <p:transition xmlns:p14="http://schemas.microsoft.com/office/powerpoint/2010/main" spd="med"/>
   <p:timing>
     <p:tnLst>
       <p:par>
-        <p:cTn id="1" dur="indefinite" restart="never" nodeType="tmRoot"/>
+        <p:cTn xmlns:p14="http://schemas.microsoft.com/office/powerpoint/2010/main" id="1" dur="indefinite" restart="never" nodeType="tmRoot"/>
       </p:par>
     </p:tnLst>
   </p:timing>
@@ -19017,6 +22256,81 @@
           </a:p>
         </p:txBody>
       </p:sp>
+      <p:sp>
+        <p:nvSpPr>
+          <p:cNvPr id="2" name="PB"/>
+          <p:cNvSpPr/>
+          <p:nvPr/>
+        </p:nvSpPr>
+        <p:spPr>
+          <a:xfrm>
+            <a:off x="0" y="9601200"/>
+            <a:ext cx="11379200" cy="152400"/>
+          </a:xfrm>
+          <a:prstGeom prst="rect">
+            <a:avLst/>
+          </a:prstGeom>
+          <a:solidFill>
+            <a:srgbClr val="BC8027"/>
+          </a:solidFill>
+          <a:ln w="12700" cap="flat">
+            <a:noFill/>
+            <a:miter lim="400000"/>
+          </a:ln>
+          <a:effectLst/>
+          <a:sp3d/>
+        </p:spPr>
+        <p:style>
+          <a:lnRef idx="0">
+            <a:scrgbClr r="0" g="0" b="0"/>
+          </a:lnRef>
+          <a:fillRef idx="0">
+            <a:scrgbClr r="0" g="0" b="0"/>
+          </a:fillRef>
+          <a:effectRef idx="0">
+            <a:scrgbClr r="0" g="0" b="0"/>
+          </a:effectRef>
+          <a:fontRef idx="none"/>
+        </p:style>
+        <p:txBody>
+          <a:bodyPr rot="0" spcFirstLastPara="1" vertOverflow="overflow" horzOverflow="overflow" vert="horz" wrap="square" lIns="50800" tIns="50800" rIns="50800" bIns="50800" numCol="1" spcCol="38100" rtlCol="0" anchor="ctr">
+            <a:spAutoFit/>
+          </a:bodyPr>
+          <a:lstStyle/>
+          <a:p>
+            <a:pPr marL="0" marR="0" indent="0" algn="ctr" defTabSz="584200" rtl="0" fontAlgn="auto" latinLnBrk="0" hangingPunct="0">
+              <a:lnSpc>
+                <a:spcPct val="100000"/>
+              </a:lnSpc>
+              <a:spcBef>
+                <a:spcPts val="0"/>
+              </a:spcBef>
+              <a:spcAft>
+                <a:spcPts val="0"/>
+              </a:spcAft>
+              <a:buClrTx/>
+              <a:buSzTx/>
+              <a:buFontTx/>
+              <a:buNone/>
+              <a:tabLst/>
+            </a:pPr>
+            <a:endParaRPr kumimoji="0" lang="en-US" sz="2600" b="0" i="0" u="none" strike="noStrike" cap="none" spc="0" normalizeH="0" baseline="0">
+              <a:ln>
+                <a:noFill/>
+              </a:ln>
+              <a:solidFill>
+                <a:srgbClr val="FFFFFF"/>
+              </a:solidFill>
+              <a:effectLst/>
+              <a:uFillTx/>
+              <a:latin typeface="+mn-lt"/>
+              <a:ea typeface="+mn-ea"/>
+              <a:cs typeface="+mn-cs"/>
+              <a:sym typeface="Helvetica Light"/>
+            </a:endParaRPr>
+          </a:p>
+        </p:txBody>
+      </p:sp>
     </p:spTree>
     <p:extLst>
       <p:ext uri="{BB962C8B-B14F-4D97-AF65-F5344CB8AC3E}">
@@ -19027,11 +22341,11 @@
   <p:clrMapOvr>
     <a:masterClrMapping/>
   </p:clrMapOvr>
-  <p:transition spd="med"/>
+  <p:transition xmlns:p14="http://schemas.microsoft.com/office/powerpoint/2010/main" spd="med"/>
   <p:timing>
     <p:tnLst>
       <p:par>
-        <p:cTn id="1" dur="indefinite" restart="never" nodeType="tmRoot"/>
+        <p:cTn xmlns:p14="http://schemas.microsoft.com/office/powerpoint/2010/main" id="1" dur="indefinite" restart="never" nodeType="tmRoot"/>
       </p:par>
     </p:tnLst>
   </p:timing>
@@ -19104,6 +22418,81 @@
           </a:p>
         </p:txBody>
       </p:sp>
+      <p:sp>
+        <p:nvSpPr>
+          <p:cNvPr id="4" name="PB"/>
+          <p:cNvSpPr/>
+          <p:nvPr/>
+        </p:nvSpPr>
+        <p:spPr>
+          <a:xfrm>
+            <a:off x="0" y="9601200"/>
+            <a:ext cx="1161143" cy="152400"/>
+          </a:xfrm>
+          <a:prstGeom prst="rect">
+            <a:avLst/>
+          </a:prstGeom>
+          <a:solidFill>
+            <a:srgbClr val="BC8027"/>
+          </a:solidFill>
+          <a:ln w="12700" cap="flat">
+            <a:noFill/>
+            <a:miter lim="400000"/>
+          </a:ln>
+          <a:effectLst/>
+          <a:sp3d/>
+        </p:spPr>
+        <p:style>
+          <a:lnRef idx="0">
+            <a:scrgbClr r="0" g="0" b="0"/>
+          </a:lnRef>
+          <a:fillRef idx="0">
+            <a:scrgbClr r="0" g="0" b="0"/>
+          </a:fillRef>
+          <a:effectRef idx="0">
+            <a:scrgbClr r="0" g="0" b="0"/>
+          </a:effectRef>
+          <a:fontRef idx="none"/>
+        </p:style>
+        <p:txBody>
+          <a:bodyPr rot="0" spcFirstLastPara="1" vertOverflow="overflow" horzOverflow="overflow" vert="horz" wrap="square" lIns="50800" tIns="50800" rIns="50800" bIns="50800" numCol="1" spcCol="38100" rtlCol="0" anchor="ctr">
+            <a:spAutoFit/>
+          </a:bodyPr>
+          <a:lstStyle/>
+          <a:p>
+            <a:pPr marL="0" marR="0" indent="0" algn="ctr" defTabSz="584200" rtl="0" fontAlgn="auto" latinLnBrk="0" hangingPunct="0">
+              <a:lnSpc>
+                <a:spcPct val="100000"/>
+              </a:lnSpc>
+              <a:spcBef>
+                <a:spcPts val="0"/>
+              </a:spcBef>
+              <a:spcAft>
+                <a:spcPts val="0"/>
+              </a:spcAft>
+              <a:buClrTx/>
+              <a:buSzTx/>
+              <a:buFontTx/>
+              <a:buNone/>
+              <a:tabLst/>
+            </a:pPr>
+            <a:endParaRPr kumimoji="0" lang="en-US" sz="2600" b="0" i="0" u="none" strike="noStrike" cap="none" spc="0" normalizeH="0" baseline="0">
+              <a:ln>
+                <a:noFill/>
+              </a:ln>
+              <a:solidFill>
+                <a:srgbClr val="FFFFFF"/>
+              </a:solidFill>
+              <a:effectLst/>
+              <a:uFillTx/>
+              <a:latin typeface="+mn-lt"/>
+              <a:ea typeface="+mn-ea"/>
+              <a:cs typeface="+mn-cs"/>
+              <a:sym typeface="Helvetica Light"/>
+            </a:endParaRPr>
+          </a:p>
+        </p:txBody>
+      </p:sp>
     </p:spTree>
     <p:extLst>
       <p:ext uri="{BB962C8B-B14F-4D97-AF65-F5344CB8AC3E}">
@@ -19114,11 +22503,11 @@
   <p:clrMapOvr>
     <a:masterClrMapping/>
   </p:clrMapOvr>
-  <p:transition spd="med"/>
+  <p:transition xmlns:p14="http://schemas.microsoft.com/office/powerpoint/2010/main" spd="med"/>
   <p:timing>
     <p:tnLst>
       <p:par>
-        <p:cTn id="1" dur="indefinite" restart="never" nodeType="tmRoot"/>
+        <p:cTn xmlns:p14="http://schemas.microsoft.com/office/powerpoint/2010/main" id="1" dur="indefinite" restart="never" nodeType="tmRoot"/>
       </p:par>
     </p:tnLst>
   </p:timing>
@@ -19213,6 +22602,81 @@
           </a:p>
         </p:txBody>
       </p:sp>
+      <p:sp>
+        <p:nvSpPr>
+          <p:cNvPr id="4" name="PB"/>
+          <p:cNvSpPr/>
+          <p:nvPr/>
+        </p:nvSpPr>
+        <p:spPr>
+          <a:xfrm>
+            <a:off x="0" y="9601200"/>
+            <a:ext cx="11611428" cy="152400"/>
+          </a:xfrm>
+          <a:prstGeom prst="rect">
+            <a:avLst/>
+          </a:prstGeom>
+          <a:solidFill>
+            <a:srgbClr val="BC8027"/>
+          </a:solidFill>
+          <a:ln w="12700" cap="flat">
+            <a:noFill/>
+            <a:miter lim="400000"/>
+          </a:ln>
+          <a:effectLst/>
+          <a:sp3d/>
+        </p:spPr>
+        <p:style>
+          <a:lnRef idx="0">
+            <a:scrgbClr r="0" g="0" b="0"/>
+          </a:lnRef>
+          <a:fillRef idx="0">
+            <a:scrgbClr r="0" g="0" b="0"/>
+          </a:fillRef>
+          <a:effectRef idx="0">
+            <a:scrgbClr r="0" g="0" b="0"/>
+          </a:effectRef>
+          <a:fontRef idx="none"/>
+        </p:style>
+        <p:txBody>
+          <a:bodyPr rot="0" spcFirstLastPara="1" vertOverflow="overflow" horzOverflow="overflow" vert="horz" wrap="square" lIns="50800" tIns="50800" rIns="50800" bIns="50800" numCol="1" spcCol="38100" rtlCol="0" anchor="ctr">
+            <a:spAutoFit/>
+          </a:bodyPr>
+          <a:lstStyle/>
+          <a:p>
+            <a:pPr marL="0" marR="0" indent="0" algn="ctr" defTabSz="584200" rtl="0" fontAlgn="auto" latinLnBrk="0" hangingPunct="0">
+              <a:lnSpc>
+                <a:spcPct val="100000"/>
+              </a:lnSpc>
+              <a:spcBef>
+                <a:spcPts val="0"/>
+              </a:spcBef>
+              <a:spcAft>
+                <a:spcPts val="0"/>
+              </a:spcAft>
+              <a:buClrTx/>
+              <a:buSzTx/>
+              <a:buFontTx/>
+              <a:buNone/>
+              <a:tabLst/>
+            </a:pPr>
+            <a:endParaRPr kumimoji="0" lang="en-US" sz="2600" b="0" i="0" u="none" strike="noStrike" cap="none" spc="0" normalizeH="0" baseline="0">
+              <a:ln>
+                <a:noFill/>
+              </a:ln>
+              <a:solidFill>
+                <a:srgbClr val="FFFFFF"/>
+              </a:solidFill>
+              <a:effectLst/>
+              <a:uFillTx/>
+              <a:latin typeface="+mn-lt"/>
+              <a:ea typeface="+mn-ea"/>
+              <a:cs typeface="+mn-cs"/>
+              <a:sym typeface="Helvetica Light"/>
+            </a:endParaRPr>
+          </a:p>
+        </p:txBody>
+      </p:sp>
     </p:spTree>
     <p:extLst>
       <p:ext uri="{BB962C8B-B14F-4D97-AF65-F5344CB8AC3E}">
@@ -19223,11 +22687,11 @@
   <p:clrMapOvr>
     <a:masterClrMapping/>
   </p:clrMapOvr>
-  <p:transition spd="med"/>
+  <p:transition xmlns:p14="http://schemas.microsoft.com/office/powerpoint/2010/main" spd="med"/>
   <p:timing>
     <p:tnLst>
       <p:par>
-        <p:cTn id="1" dur="indefinite" restart="never" nodeType="tmRoot"/>
+        <p:cTn xmlns:p14="http://schemas.microsoft.com/office/powerpoint/2010/main" id="1" dur="indefinite" restart="never" nodeType="tmRoot"/>
       </p:par>
     </p:tnLst>
   </p:timing>
@@ -19354,6 +22818,81 @@
           </a:p>
         </p:txBody>
       </p:sp>
+      <p:sp>
+        <p:nvSpPr>
+          <p:cNvPr id="4" name="PB"/>
+          <p:cNvSpPr/>
+          <p:nvPr/>
+        </p:nvSpPr>
+        <p:spPr>
+          <a:xfrm>
+            <a:off x="0" y="9601200"/>
+            <a:ext cx="11843657" cy="152400"/>
+          </a:xfrm>
+          <a:prstGeom prst="rect">
+            <a:avLst/>
+          </a:prstGeom>
+          <a:solidFill>
+            <a:srgbClr val="BC8027"/>
+          </a:solidFill>
+          <a:ln w="12700" cap="flat">
+            <a:noFill/>
+            <a:miter lim="400000"/>
+          </a:ln>
+          <a:effectLst/>
+          <a:sp3d/>
+        </p:spPr>
+        <p:style>
+          <a:lnRef idx="0">
+            <a:scrgbClr r="0" g="0" b="0"/>
+          </a:lnRef>
+          <a:fillRef idx="0">
+            <a:scrgbClr r="0" g="0" b="0"/>
+          </a:fillRef>
+          <a:effectRef idx="0">
+            <a:scrgbClr r="0" g="0" b="0"/>
+          </a:effectRef>
+          <a:fontRef idx="none"/>
+        </p:style>
+        <p:txBody>
+          <a:bodyPr rot="0" spcFirstLastPara="1" vertOverflow="overflow" horzOverflow="overflow" vert="horz" wrap="square" lIns="50800" tIns="50800" rIns="50800" bIns="50800" numCol="1" spcCol="38100" rtlCol="0" anchor="ctr">
+            <a:spAutoFit/>
+          </a:bodyPr>
+          <a:lstStyle/>
+          <a:p>
+            <a:pPr marL="0" marR="0" indent="0" algn="ctr" defTabSz="584200" rtl="0" fontAlgn="auto" latinLnBrk="0" hangingPunct="0">
+              <a:lnSpc>
+                <a:spcPct val="100000"/>
+              </a:lnSpc>
+              <a:spcBef>
+                <a:spcPts val="0"/>
+              </a:spcBef>
+              <a:spcAft>
+                <a:spcPts val="0"/>
+              </a:spcAft>
+              <a:buClrTx/>
+              <a:buSzTx/>
+              <a:buFontTx/>
+              <a:buNone/>
+              <a:tabLst/>
+            </a:pPr>
+            <a:endParaRPr kumimoji="0" lang="en-US" sz="2600" b="0" i="0" u="none" strike="noStrike" cap="none" spc="0" normalizeH="0" baseline="0">
+              <a:ln>
+                <a:noFill/>
+              </a:ln>
+              <a:solidFill>
+                <a:srgbClr val="FFFFFF"/>
+              </a:solidFill>
+              <a:effectLst/>
+              <a:uFillTx/>
+              <a:latin typeface="+mn-lt"/>
+              <a:ea typeface="+mn-ea"/>
+              <a:cs typeface="+mn-cs"/>
+              <a:sym typeface="Helvetica Light"/>
+            </a:endParaRPr>
+          </a:p>
+        </p:txBody>
+      </p:sp>
     </p:spTree>
     <p:extLst>
       <p:ext uri="{BB962C8B-B14F-4D97-AF65-F5344CB8AC3E}">
@@ -19364,11 +22903,11 @@
   <p:clrMapOvr>
     <a:masterClrMapping/>
   </p:clrMapOvr>
-  <p:transition spd="med"/>
+  <p:transition xmlns:p14="http://schemas.microsoft.com/office/powerpoint/2010/main" spd="med"/>
   <p:timing>
     <p:tnLst>
       <p:par>
-        <p:cTn id="1" dur="indefinite" restart="never" nodeType="tmRoot"/>
+        <p:cTn xmlns:p14="http://schemas.microsoft.com/office/powerpoint/2010/main" id="1" dur="indefinite" restart="never" nodeType="tmRoot"/>
       </p:par>
     </p:tnLst>
   </p:timing>
@@ -19468,6 +23007,81 @@
           </a:p>
         </p:txBody>
       </p:sp>
+      <p:sp>
+        <p:nvSpPr>
+          <p:cNvPr id="4" name="PB"/>
+          <p:cNvSpPr/>
+          <p:nvPr/>
+        </p:nvSpPr>
+        <p:spPr>
+          <a:xfrm>
+            <a:off x="0" y="9601200"/>
+            <a:ext cx="12075885" cy="152400"/>
+          </a:xfrm>
+          <a:prstGeom prst="rect">
+            <a:avLst/>
+          </a:prstGeom>
+          <a:solidFill>
+            <a:srgbClr val="BC8027"/>
+          </a:solidFill>
+          <a:ln w="12700" cap="flat">
+            <a:noFill/>
+            <a:miter lim="400000"/>
+          </a:ln>
+          <a:effectLst/>
+          <a:sp3d/>
+        </p:spPr>
+        <p:style>
+          <a:lnRef idx="0">
+            <a:scrgbClr r="0" g="0" b="0"/>
+          </a:lnRef>
+          <a:fillRef idx="0">
+            <a:scrgbClr r="0" g="0" b="0"/>
+          </a:fillRef>
+          <a:effectRef idx="0">
+            <a:scrgbClr r="0" g="0" b="0"/>
+          </a:effectRef>
+          <a:fontRef idx="none"/>
+        </p:style>
+        <p:txBody>
+          <a:bodyPr rot="0" spcFirstLastPara="1" vertOverflow="overflow" horzOverflow="overflow" vert="horz" wrap="square" lIns="50800" tIns="50800" rIns="50800" bIns="50800" numCol="1" spcCol="38100" rtlCol="0" anchor="ctr">
+            <a:spAutoFit/>
+          </a:bodyPr>
+          <a:lstStyle/>
+          <a:p>
+            <a:pPr marL="0" marR="0" indent="0" algn="ctr" defTabSz="584200" rtl="0" fontAlgn="auto" latinLnBrk="0" hangingPunct="0">
+              <a:lnSpc>
+                <a:spcPct val="100000"/>
+              </a:lnSpc>
+              <a:spcBef>
+                <a:spcPts val="0"/>
+              </a:spcBef>
+              <a:spcAft>
+                <a:spcPts val="0"/>
+              </a:spcAft>
+              <a:buClrTx/>
+              <a:buSzTx/>
+              <a:buFontTx/>
+              <a:buNone/>
+              <a:tabLst/>
+            </a:pPr>
+            <a:endParaRPr kumimoji="0" lang="en-US" sz="2600" b="0" i="0" u="none" strike="noStrike" cap="none" spc="0" normalizeH="0" baseline="0">
+              <a:ln>
+                <a:noFill/>
+              </a:ln>
+              <a:solidFill>
+                <a:srgbClr val="FFFFFF"/>
+              </a:solidFill>
+              <a:effectLst/>
+              <a:uFillTx/>
+              <a:latin typeface="+mn-lt"/>
+              <a:ea typeface="+mn-ea"/>
+              <a:cs typeface="+mn-cs"/>
+              <a:sym typeface="Helvetica Light"/>
+            </a:endParaRPr>
+          </a:p>
+        </p:txBody>
+      </p:sp>
     </p:spTree>
     <p:extLst>
       <p:ext uri="{BB962C8B-B14F-4D97-AF65-F5344CB8AC3E}">
@@ -19478,11 +23092,11 @@
   <p:clrMapOvr>
     <a:masterClrMapping/>
   </p:clrMapOvr>
-  <p:transition spd="med"/>
+  <p:transition xmlns:p14="http://schemas.microsoft.com/office/powerpoint/2010/main" spd="med"/>
   <p:timing>
     <p:tnLst>
       <p:par>
-        <p:cTn id="1" dur="indefinite" restart="never" nodeType="tmRoot">
+        <p:cTn xmlns:p14="http://schemas.microsoft.com/office/powerpoint/2010/main" id="1" dur="indefinite" restart="never" nodeType="tmRoot">
           <p:childTnLst>
             <p:seq concurrent="1" nextAc="seek">
               <p:cTn id="2" dur="indefinite" nodeType="mainSeq">
@@ -19871,6 +23485,81 @@
           </a:p>
         </p:txBody>
       </p:sp>
+      <p:sp>
+        <p:nvSpPr>
+          <p:cNvPr id="4" name="PB"/>
+          <p:cNvSpPr/>
+          <p:nvPr/>
+        </p:nvSpPr>
+        <p:spPr>
+          <a:xfrm>
+            <a:off x="0" y="9601200"/>
+            <a:ext cx="12308115" cy="152400"/>
+          </a:xfrm>
+          <a:prstGeom prst="rect">
+            <a:avLst/>
+          </a:prstGeom>
+          <a:solidFill>
+            <a:srgbClr val="BC8027"/>
+          </a:solidFill>
+          <a:ln w="12700" cap="flat">
+            <a:noFill/>
+            <a:miter lim="400000"/>
+          </a:ln>
+          <a:effectLst/>
+          <a:sp3d/>
+        </p:spPr>
+        <p:style>
+          <a:lnRef idx="0">
+            <a:scrgbClr r="0" g="0" b="0"/>
+          </a:lnRef>
+          <a:fillRef idx="0">
+            <a:scrgbClr r="0" g="0" b="0"/>
+          </a:fillRef>
+          <a:effectRef idx="0">
+            <a:scrgbClr r="0" g="0" b="0"/>
+          </a:effectRef>
+          <a:fontRef idx="none"/>
+        </p:style>
+        <p:txBody>
+          <a:bodyPr rot="0" spcFirstLastPara="1" vertOverflow="overflow" horzOverflow="overflow" vert="horz" wrap="square" lIns="50800" tIns="50800" rIns="50800" bIns="50800" numCol="1" spcCol="38100" rtlCol="0" anchor="ctr">
+            <a:spAutoFit/>
+          </a:bodyPr>
+          <a:lstStyle/>
+          <a:p>
+            <a:pPr marL="0" marR="0" indent="0" algn="ctr" defTabSz="584200" rtl="0" fontAlgn="auto" latinLnBrk="0" hangingPunct="0">
+              <a:lnSpc>
+                <a:spcPct val="100000"/>
+              </a:lnSpc>
+              <a:spcBef>
+                <a:spcPts val="0"/>
+              </a:spcBef>
+              <a:spcAft>
+                <a:spcPts val="0"/>
+              </a:spcAft>
+              <a:buClrTx/>
+              <a:buSzTx/>
+              <a:buFontTx/>
+              <a:buNone/>
+              <a:tabLst/>
+            </a:pPr>
+            <a:endParaRPr kumimoji="0" lang="en-US" sz="2600" b="0" i="0" u="none" strike="noStrike" cap="none" spc="0" normalizeH="0" baseline="0">
+              <a:ln>
+                <a:noFill/>
+              </a:ln>
+              <a:solidFill>
+                <a:srgbClr val="FFFFFF"/>
+              </a:solidFill>
+              <a:effectLst/>
+              <a:uFillTx/>
+              <a:latin typeface="+mn-lt"/>
+              <a:ea typeface="+mn-ea"/>
+              <a:cs typeface="+mn-cs"/>
+              <a:sym typeface="Helvetica Light"/>
+            </a:endParaRPr>
+          </a:p>
+        </p:txBody>
+      </p:sp>
     </p:spTree>
     <p:extLst>
       <p:ext uri="{BB962C8B-B14F-4D97-AF65-F5344CB8AC3E}">
@@ -19881,11 +23570,11 @@
   <p:clrMapOvr>
     <a:masterClrMapping/>
   </p:clrMapOvr>
-  <p:transition spd="med"/>
+  <p:transition xmlns:p14="http://schemas.microsoft.com/office/powerpoint/2010/main" spd="med"/>
   <p:timing>
     <p:tnLst>
       <p:par>
-        <p:cTn id="1" dur="indefinite" restart="never" nodeType="tmRoot"/>
+        <p:cTn xmlns:p14="http://schemas.microsoft.com/office/powerpoint/2010/main" id="1" dur="indefinite" restart="never" nodeType="tmRoot"/>
       </p:par>
     </p:tnLst>
   </p:timing>
@@ -20033,6 +23722,81 @@
           </a:p>
         </p:txBody>
       </p:sp>
+      <p:sp>
+        <p:nvSpPr>
+          <p:cNvPr id="5" name="PB"/>
+          <p:cNvSpPr/>
+          <p:nvPr/>
+        </p:nvSpPr>
+        <p:spPr>
+          <a:xfrm>
+            <a:off x="0" y="9601200"/>
+            <a:ext cx="12540343" cy="152400"/>
+          </a:xfrm>
+          <a:prstGeom prst="rect">
+            <a:avLst/>
+          </a:prstGeom>
+          <a:solidFill>
+            <a:srgbClr val="BC8027"/>
+          </a:solidFill>
+          <a:ln w="12700" cap="flat">
+            <a:noFill/>
+            <a:miter lim="400000"/>
+          </a:ln>
+          <a:effectLst/>
+          <a:sp3d/>
+        </p:spPr>
+        <p:style>
+          <a:lnRef idx="0">
+            <a:scrgbClr r="0" g="0" b="0"/>
+          </a:lnRef>
+          <a:fillRef idx="0">
+            <a:scrgbClr r="0" g="0" b="0"/>
+          </a:fillRef>
+          <a:effectRef idx="0">
+            <a:scrgbClr r="0" g="0" b="0"/>
+          </a:effectRef>
+          <a:fontRef idx="none"/>
+        </p:style>
+        <p:txBody>
+          <a:bodyPr rot="0" spcFirstLastPara="1" vertOverflow="overflow" horzOverflow="overflow" vert="horz" wrap="square" lIns="50800" tIns="50800" rIns="50800" bIns="50800" numCol="1" spcCol="38100" rtlCol="0" anchor="ctr">
+            <a:spAutoFit/>
+          </a:bodyPr>
+          <a:lstStyle/>
+          <a:p>
+            <a:pPr marL="0" marR="0" indent="0" algn="ctr" defTabSz="584200" rtl="0" fontAlgn="auto" latinLnBrk="0" hangingPunct="0">
+              <a:lnSpc>
+                <a:spcPct val="100000"/>
+              </a:lnSpc>
+              <a:spcBef>
+                <a:spcPts val="0"/>
+              </a:spcBef>
+              <a:spcAft>
+                <a:spcPts val="0"/>
+              </a:spcAft>
+              <a:buClrTx/>
+              <a:buSzTx/>
+              <a:buFontTx/>
+              <a:buNone/>
+              <a:tabLst/>
+            </a:pPr>
+            <a:endParaRPr kumimoji="0" lang="en-US" sz="2600" b="0" i="0" u="none" strike="noStrike" cap="none" spc="0" normalizeH="0" baseline="0">
+              <a:ln>
+                <a:noFill/>
+              </a:ln>
+              <a:solidFill>
+                <a:srgbClr val="FFFFFF"/>
+              </a:solidFill>
+              <a:effectLst/>
+              <a:uFillTx/>
+              <a:latin typeface="+mn-lt"/>
+              <a:ea typeface="+mn-ea"/>
+              <a:cs typeface="+mn-cs"/>
+              <a:sym typeface="Helvetica Light"/>
+            </a:endParaRPr>
+          </a:p>
+        </p:txBody>
+      </p:sp>
     </p:spTree>
     <p:extLst>
       <p:ext uri="{BB962C8B-B14F-4D97-AF65-F5344CB8AC3E}">
@@ -20043,11 +23807,11 @@
   <p:clrMapOvr>
     <a:masterClrMapping/>
   </p:clrMapOvr>
-  <p:transition spd="med"/>
+  <p:transition xmlns:p14="http://schemas.microsoft.com/office/powerpoint/2010/main" spd="med"/>
   <p:timing>
     <p:tnLst>
       <p:par>
-        <p:cTn id="1" dur="indefinite" restart="never" nodeType="tmRoot">
+        <p:cTn xmlns:p14="http://schemas.microsoft.com/office/powerpoint/2010/main" id="1" dur="indefinite" restart="never" nodeType="tmRoot">
           <p:childTnLst>
             <p:seq concurrent="1" nextAc="seek">
               <p:cTn id="2" dur="indefinite" nodeType="mainSeq">
@@ -20356,6 +24120,81 @@
           </a:p>
         </p:txBody>
       </p:sp>
+      <p:sp>
+        <p:nvSpPr>
+          <p:cNvPr id="3" name="PB"/>
+          <p:cNvSpPr/>
+          <p:nvPr/>
+        </p:nvSpPr>
+        <p:spPr>
+          <a:xfrm>
+            <a:off x="0" y="9601200"/>
+            <a:ext cx="12772572" cy="152400"/>
+          </a:xfrm>
+          <a:prstGeom prst="rect">
+            <a:avLst/>
+          </a:prstGeom>
+          <a:solidFill>
+            <a:srgbClr val="BC8027"/>
+          </a:solidFill>
+          <a:ln w="12700" cap="flat">
+            <a:noFill/>
+            <a:miter lim="400000"/>
+          </a:ln>
+          <a:effectLst/>
+          <a:sp3d/>
+        </p:spPr>
+        <p:style>
+          <a:lnRef idx="0">
+            <a:scrgbClr r="0" g="0" b="0"/>
+          </a:lnRef>
+          <a:fillRef idx="0">
+            <a:scrgbClr r="0" g="0" b="0"/>
+          </a:fillRef>
+          <a:effectRef idx="0">
+            <a:scrgbClr r="0" g="0" b="0"/>
+          </a:effectRef>
+          <a:fontRef idx="none"/>
+        </p:style>
+        <p:txBody>
+          <a:bodyPr rot="0" spcFirstLastPara="1" vertOverflow="overflow" horzOverflow="overflow" vert="horz" wrap="square" lIns="50800" tIns="50800" rIns="50800" bIns="50800" numCol="1" spcCol="38100" rtlCol="0" anchor="ctr">
+            <a:spAutoFit/>
+          </a:bodyPr>
+          <a:lstStyle/>
+          <a:p>
+            <a:pPr marL="0" marR="0" indent="0" algn="ctr" defTabSz="584200" rtl="0" fontAlgn="auto" latinLnBrk="0" hangingPunct="0">
+              <a:lnSpc>
+                <a:spcPct val="100000"/>
+              </a:lnSpc>
+              <a:spcBef>
+                <a:spcPts val="0"/>
+              </a:spcBef>
+              <a:spcAft>
+                <a:spcPts val="0"/>
+              </a:spcAft>
+              <a:buClrTx/>
+              <a:buSzTx/>
+              <a:buFontTx/>
+              <a:buNone/>
+              <a:tabLst/>
+            </a:pPr>
+            <a:endParaRPr kumimoji="0" lang="en-US" sz="2600" b="0" i="0" u="none" strike="noStrike" cap="none" spc="0" normalizeH="0" baseline="0">
+              <a:ln>
+                <a:noFill/>
+              </a:ln>
+              <a:solidFill>
+                <a:srgbClr val="FFFFFF"/>
+              </a:solidFill>
+              <a:effectLst/>
+              <a:uFillTx/>
+              <a:latin typeface="+mn-lt"/>
+              <a:ea typeface="+mn-ea"/>
+              <a:cs typeface="+mn-cs"/>
+              <a:sym typeface="Helvetica Light"/>
+            </a:endParaRPr>
+          </a:p>
+        </p:txBody>
+      </p:sp>
     </p:spTree>
     <p:extLst>
       <p:ext uri="{BB962C8B-B14F-4D97-AF65-F5344CB8AC3E}">
@@ -20366,11 +24205,11 @@
   <p:clrMapOvr>
     <a:masterClrMapping/>
   </p:clrMapOvr>
-  <p:transition spd="med"/>
+  <p:transition xmlns:p14="http://schemas.microsoft.com/office/powerpoint/2010/main" spd="med"/>
   <p:timing>
     <p:tnLst>
       <p:par>
-        <p:cTn id="1" dur="indefinite" restart="never" nodeType="tmRoot"/>
+        <p:cTn xmlns:p14="http://schemas.microsoft.com/office/powerpoint/2010/main" id="1" dur="indefinite" restart="never" nodeType="tmRoot"/>
       </p:par>
     </p:tnLst>
   </p:timing>
@@ -20584,6 +24423,81 @@
           </a:p>
         </p:txBody>
       </p:sp>
+      <p:sp>
+        <p:nvSpPr>
+          <p:cNvPr id="3" name="PB"/>
+          <p:cNvSpPr/>
+          <p:nvPr/>
+        </p:nvSpPr>
+        <p:spPr>
+          <a:xfrm>
+            <a:off x="0" y="9601200"/>
+            <a:ext cx="13004800" cy="152400"/>
+          </a:xfrm>
+          <a:prstGeom prst="rect">
+            <a:avLst/>
+          </a:prstGeom>
+          <a:solidFill>
+            <a:srgbClr val="BC8027"/>
+          </a:solidFill>
+          <a:ln w="12700" cap="flat">
+            <a:noFill/>
+            <a:miter lim="400000"/>
+          </a:ln>
+          <a:effectLst/>
+          <a:sp3d/>
+        </p:spPr>
+        <p:style>
+          <a:lnRef idx="0">
+            <a:scrgbClr r="0" g="0" b="0"/>
+          </a:lnRef>
+          <a:fillRef idx="0">
+            <a:scrgbClr r="0" g="0" b="0"/>
+          </a:fillRef>
+          <a:effectRef idx="0">
+            <a:scrgbClr r="0" g="0" b="0"/>
+          </a:effectRef>
+          <a:fontRef idx="none"/>
+        </p:style>
+        <p:txBody>
+          <a:bodyPr rot="0" spcFirstLastPara="1" vertOverflow="overflow" horzOverflow="overflow" vert="horz" wrap="square" lIns="50800" tIns="50800" rIns="50800" bIns="50800" numCol="1" spcCol="38100" rtlCol="0" anchor="ctr">
+            <a:spAutoFit/>
+          </a:bodyPr>
+          <a:lstStyle/>
+          <a:p>
+            <a:pPr marL="0" marR="0" indent="0" algn="ctr" defTabSz="584200" rtl="0" fontAlgn="auto" latinLnBrk="0" hangingPunct="0">
+              <a:lnSpc>
+                <a:spcPct val="100000"/>
+              </a:lnSpc>
+              <a:spcBef>
+                <a:spcPts val="0"/>
+              </a:spcBef>
+              <a:spcAft>
+                <a:spcPts val="0"/>
+              </a:spcAft>
+              <a:buClrTx/>
+              <a:buSzTx/>
+              <a:buFontTx/>
+              <a:buNone/>
+              <a:tabLst/>
+            </a:pPr>
+            <a:endParaRPr kumimoji="0" lang="en-US" sz="2600" b="0" i="0" u="none" strike="noStrike" cap="none" spc="0" normalizeH="0" baseline="0">
+              <a:ln>
+                <a:noFill/>
+              </a:ln>
+              <a:solidFill>
+                <a:srgbClr val="FFFFFF"/>
+              </a:solidFill>
+              <a:effectLst/>
+              <a:uFillTx/>
+              <a:latin typeface="+mn-lt"/>
+              <a:ea typeface="+mn-ea"/>
+              <a:cs typeface="+mn-cs"/>
+              <a:sym typeface="Helvetica Light"/>
+            </a:endParaRPr>
+          </a:p>
+        </p:txBody>
+      </p:sp>
     </p:spTree>
     <p:extLst>
       <p:ext uri="{BB962C8B-B14F-4D97-AF65-F5344CB8AC3E}">
@@ -20594,11 +24508,11 @@
   <p:clrMapOvr>
     <a:masterClrMapping/>
   </p:clrMapOvr>
-  <p:transition spd="med"/>
+  <p:transition xmlns:p14="http://schemas.microsoft.com/office/powerpoint/2010/main" spd="med"/>
   <p:timing>
     <p:tnLst>
       <p:par>
-        <p:cTn id="1" dur="indefinite" restart="never" nodeType="tmRoot">
+        <p:cTn xmlns:p14="http://schemas.microsoft.com/office/powerpoint/2010/main" id="1" dur="indefinite" restart="never" nodeType="tmRoot">
           <p:childTnLst>
             <p:seq concurrent="1" nextAc="seek">
               <p:cTn id="2" dur="indefinite" nodeType="mainSeq">
@@ -20860,6 +24774,81 @@
           </a:prstGeom>
         </p:spPr>
       </p:pic>
+      <p:sp>
+        <p:nvSpPr>
+          <p:cNvPr id="2" name="PB"/>
+          <p:cNvSpPr/>
+          <p:nvPr/>
+        </p:nvSpPr>
+        <p:spPr>
+          <a:xfrm>
+            <a:off x="0" y="9619607"/>
+            <a:ext cx="1393371" cy="152400"/>
+          </a:xfrm>
+          <a:prstGeom prst="rect">
+            <a:avLst/>
+          </a:prstGeom>
+          <a:solidFill>
+            <a:srgbClr val="BC8027"/>
+          </a:solidFill>
+          <a:ln w="12700" cap="flat">
+            <a:noFill/>
+            <a:miter lim="400000"/>
+          </a:ln>
+          <a:effectLst/>
+          <a:sp3d/>
+        </p:spPr>
+        <p:style>
+          <a:lnRef idx="0">
+            <a:scrgbClr r="0" g="0" b="0"/>
+          </a:lnRef>
+          <a:fillRef idx="0">
+            <a:scrgbClr r="0" g="0" b="0"/>
+          </a:fillRef>
+          <a:effectRef idx="0">
+            <a:scrgbClr r="0" g="0" b="0"/>
+          </a:effectRef>
+          <a:fontRef idx="none"/>
+        </p:style>
+        <p:txBody>
+          <a:bodyPr rot="0" spcFirstLastPara="1" vertOverflow="overflow" horzOverflow="overflow" vert="horz" wrap="square" lIns="50800" tIns="50800" rIns="50800" bIns="50800" numCol="1" spcCol="38100" rtlCol="0" anchor="ctr">
+            <a:spAutoFit/>
+          </a:bodyPr>
+          <a:lstStyle/>
+          <a:p>
+            <a:pPr marL="0" marR="0" indent="0" algn="ctr" defTabSz="584200" rtl="0" fontAlgn="auto" latinLnBrk="0" hangingPunct="0">
+              <a:lnSpc>
+                <a:spcPct val="100000"/>
+              </a:lnSpc>
+              <a:spcBef>
+                <a:spcPts val="0"/>
+              </a:spcBef>
+              <a:spcAft>
+                <a:spcPts val="0"/>
+              </a:spcAft>
+              <a:buClrTx/>
+              <a:buSzTx/>
+              <a:buFontTx/>
+              <a:buNone/>
+              <a:tabLst/>
+            </a:pPr>
+            <a:endParaRPr kumimoji="0" lang="en-US" sz="2600" b="0" i="0" u="none" strike="noStrike" cap="none" spc="0" normalizeH="0" baseline="0">
+              <a:ln>
+                <a:noFill/>
+              </a:ln>
+              <a:solidFill>
+                <a:srgbClr val="FFFFFF"/>
+              </a:solidFill>
+              <a:effectLst/>
+              <a:uFillTx/>
+              <a:latin typeface="+mn-lt"/>
+              <a:ea typeface="+mn-ea"/>
+              <a:cs typeface="+mn-cs"/>
+              <a:sym typeface="Helvetica Light"/>
+            </a:endParaRPr>
+          </a:p>
+        </p:txBody>
+      </p:sp>
     </p:spTree>
     <p:extLst>
       <p:ext uri="{BB962C8B-B14F-4D97-AF65-F5344CB8AC3E}">
@@ -20870,11 +24859,11 @@
   <p:clrMapOvr>
     <a:masterClrMapping/>
   </p:clrMapOvr>
-  <p:transition spd="med"/>
+  <p:transition xmlns:p14="http://schemas.microsoft.com/office/powerpoint/2010/main" spd="med"/>
   <p:timing>
     <p:tnLst>
       <p:par>
-        <p:cTn id="1" dur="indefinite" restart="never" nodeType="tmRoot">
+        <p:cTn xmlns:p14="http://schemas.microsoft.com/office/powerpoint/2010/main" id="1" dur="indefinite" restart="never" nodeType="tmRoot">
           <p:childTnLst>
             <p:seq concurrent="1" nextAc="seek">
               <p:cTn id="2" dur="indefinite" nodeType="mainSeq">
@@ -21230,6 +25219,81 @@
           </a:prstGeom>
         </p:spPr>
       </p:pic>
+      <p:sp>
+        <p:nvSpPr>
+          <p:cNvPr id="2" name="PB"/>
+          <p:cNvSpPr/>
+          <p:nvPr/>
+        </p:nvSpPr>
+        <p:spPr>
+          <a:xfrm>
+            <a:off x="0" y="9619607"/>
+            <a:ext cx="1625600" cy="152400"/>
+          </a:xfrm>
+          <a:prstGeom prst="rect">
+            <a:avLst/>
+          </a:prstGeom>
+          <a:solidFill>
+            <a:srgbClr val="BC8027"/>
+          </a:solidFill>
+          <a:ln w="12700" cap="flat">
+            <a:noFill/>
+            <a:miter lim="400000"/>
+          </a:ln>
+          <a:effectLst/>
+          <a:sp3d/>
+        </p:spPr>
+        <p:style>
+          <a:lnRef idx="0">
+            <a:scrgbClr r="0" g="0" b="0"/>
+          </a:lnRef>
+          <a:fillRef idx="0">
+            <a:scrgbClr r="0" g="0" b="0"/>
+          </a:fillRef>
+          <a:effectRef idx="0">
+            <a:scrgbClr r="0" g="0" b="0"/>
+          </a:effectRef>
+          <a:fontRef idx="none"/>
+        </p:style>
+        <p:txBody>
+          <a:bodyPr rot="0" spcFirstLastPara="1" vertOverflow="overflow" horzOverflow="overflow" vert="horz" wrap="square" lIns="50800" tIns="50800" rIns="50800" bIns="50800" numCol="1" spcCol="38100" rtlCol="0" anchor="ctr">
+            <a:spAutoFit/>
+          </a:bodyPr>
+          <a:lstStyle/>
+          <a:p>
+            <a:pPr marL="0" marR="0" indent="0" algn="ctr" defTabSz="584200" rtl="0" fontAlgn="auto" latinLnBrk="0" hangingPunct="0">
+              <a:lnSpc>
+                <a:spcPct val="100000"/>
+              </a:lnSpc>
+              <a:spcBef>
+                <a:spcPts val="0"/>
+              </a:spcBef>
+              <a:spcAft>
+                <a:spcPts val="0"/>
+              </a:spcAft>
+              <a:buClrTx/>
+              <a:buSzTx/>
+              <a:buFontTx/>
+              <a:buNone/>
+              <a:tabLst/>
+            </a:pPr>
+            <a:endParaRPr kumimoji="0" lang="en-US" sz="2600" b="0" i="0" u="none" strike="noStrike" cap="none" spc="0" normalizeH="0" baseline="0">
+              <a:ln>
+                <a:noFill/>
+              </a:ln>
+              <a:solidFill>
+                <a:srgbClr val="FFFFFF"/>
+              </a:solidFill>
+              <a:effectLst/>
+              <a:uFillTx/>
+              <a:latin typeface="+mn-lt"/>
+              <a:ea typeface="+mn-ea"/>
+              <a:cs typeface="+mn-cs"/>
+              <a:sym typeface="Helvetica Light"/>
+            </a:endParaRPr>
+          </a:p>
+        </p:txBody>
+      </p:sp>
     </p:spTree>
     <p:extLst>
       <p:ext uri="{BB962C8B-B14F-4D97-AF65-F5344CB8AC3E}">
@@ -21240,11 +25304,11 @@
   <p:clrMapOvr>
     <a:masterClrMapping/>
   </p:clrMapOvr>
-  <p:transition spd="med"/>
+  <p:transition xmlns:p14="http://schemas.microsoft.com/office/powerpoint/2010/main" spd="med"/>
   <p:timing>
     <p:tnLst>
       <p:par>
-        <p:cTn id="1" dur="indefinite" restart="never" nodeType="tmRoot">
+        <p:cTn xmlns:p14="http://schemas.microsoft.com/office/powerpoint/2010/main" id="1" dur="indefinite" restart="never" nodeType="tmRoot">
           <p:childTnLst>
             <p:seq concurrent="1" nextAc="seek">
               <p:cTn id="2" dur="indefinite" nodeType="mainSeq">
@@ -21623,6 +25687,81 @@
           </a:prstGeom>
         </p:spPr>
       </p:pic>
+      <p:sp>
+        <p:nvSpPr>
+          <p:cNvPr id="2" name="PB"/>
+          <p:cNvSpPr/>
+          <p:nvPr/>
+        </p:nvSpPr>
+        <p:spPr>
+          <a:xfrm>
+            <a:off x="0" y="9601200"/>
+            <a:ext cx="1857829" cy="152400"/>
+          </a:xfrm>
+          <a:prstGeom prst="rect">
+            <a:avLst/>
+          </a:prstGeom>
+          <a:solidFill>
+            <a:srgbClr val="BC8027"/>
+          </a:solidFill>
+          <a:ln w="12700" cap="flat">
+            <a:noFill/>
+            <a:miter lim="400000"/>
+          </a:ln>
+          <a:effectLst/>
+          <a:sp3d/>
+        </p:spPr>
+        <p:style>
+          <a:lnRef idx="0">
+            <a:scrgbClr r="0" g="0" b="0"/>
+          </a:lnRef>
+          <a:fillRef idx="0">
+            <a:scrgbClr r="0" g="0" b="0"/>
+          </a:fillRef>
+          <a:effectRef idx="0">
+            <a:scrgbClr r="0" g="0" b="0"/>
+          </a:effectRef>
+          <a:fontRef idx="none"/>
+        </p:style>
+        <p:txBody>
+          <a:bodyPr rot="0" spcFirstLastPara="1" vertOverflow="overflow" horzOverflow="overflow" vert="horz" wrap="square" lIns="50800" tIns="50800" rIns="50800" bIns="50800" numCol="1" spcCol="38100" rtlCol="0" anchor="ctr">
+            <a:spAutoFit/>
+          </a:bodyPr>
+          <a:lstStyle/>
+          <a:p>
+            <a:pPr marL="0" marR="0" indent="0" algn="ctr" defTabSz="584200" rtl="0" fontAlgn="auto" latinLnBrk="0" hangingPunct="0">
+              <a:lnSpc>
+                <a:spcPct val="100000"/>
+              </a:lnSpc>
+              <a:spcBef>
+                <a:spcPts val="0"/>
+              </a:spcBef>
+              <a:spcAft>
+                <a:spcPts val="0"/>
+              </a:spcAft>
+              <a:buClrTx/>
+              <a:buSzTx/>
+              <a:buFontTx/>
+              <a:buNone/>
+              <a:tabLst/>
+            </a:pPr>
+            <a:endParaRPr kumimoji="0" lang="en-US" sz="2600" b="0" i="0" u="none" strike="noStrike" cap="none" spc="0" normalizeH="0" baseline="0">
+              <a:ln>
+                <a:noFill/>
+              </a:ln>
+              <a:solidFill>
+                <a:srgbClr val="FFFFFF"/>
+              </a:solidFill>
+              <a:effectLst/>
+              <a:uFillTx/>
+              <a:latin typeface="+mn-lt"/>
+              <a:ea typeface="+mn-ea"/>
+              <a:cs typeface="+mn-cs"/>
+              <a:sym typeface="Helvetica Light"/>
+            </a:endParaRPr>
+          </a:p>
+        </p:txBody>
+      </p:sp>
     </p:spTree>
     <p:extLst>
       <p:ext uri="{BB962C8B-B14F-4D97-AF65-F5344CB8AC3E}">
@@ -21633,11 +25772,11 @@
   <p:clrMapOvr>
     <a:masterClrMapping/>
   </p:clrMapOvr>
-  <p:transition spd="med"/>
+  <p:transition xmlns:p14="http://schemas.microsoft.com/office/powerpoint/2010/main" spd="med"/>
   <p:timing>
     <p:tnLst>
       <p:par>
-        <p:cTn id="1" dur="indefinite" restart="never" nodeType="tmRoot">
+        <p:cTn xmlns:p14="http://schemas.microsoft.com/office/powerpoint/2010/main" id="1" dur="indefinite" restart="never" nodeType="tmRoot">
           <p:childTnLst>
             <p:seq concurrent="1" nextAc="seek">
               <p:cTn id="2" dur="indefinite" nodeType="mainSeq">
@@ -22155,6 +26294,81 @@
           </a:prstGeom>
         </p:spPr>
       </p:pic>
+      <p:sp>
+        <p:nvSpPr>
+          <p:cNvPr id="3" name="PB"/>
+          <p:cNvSpPr/>
+          <p:nvPr/>
+        </p:nvSpPr>
+        <p:spPr>
+          <a:xfrm>
+            <a:off x="0" y="9601200"/>
+            <a:ext cx="2090057" cy="152400"/>
+          </a:xfrm>
+          <a:prstGeom prst="rect">
+            <a:avLst/>
+          </a:prstGeom>
+          <a:solidFill>
+            <a:srgbClr val="BC8027"/>
+          </a:solidFill>
+          <a:ln w="12700" cap="flat">
+            <a:noFill/>
+            <a:miter lim="400000"/>
+          </a:ln>
+          <a:effectLst/>
+          <a:sp3d/>
+        </p:spPr>
+        <p:style>
+          <a:lnRef idx="0">
+            <a:scrgbClr r="0" g="0" b="0"/>
+          </a:lnRef>
+          <a:fillRef idx="0">
+            <a:scrgbClr r="0" g="0" b="0"/>
+          </a:fillRef>
+          <a:effectRef idx="0">
+            <a:scrgbClr r="0" g="0" b="0"/>
+          </a:effectRef>
+          <a:fontRef idx="none"/>
+        </p:style>
+        <p:txBody>
+          <a:bodyPr rot="0" spcFirstLastPara="1" vertOverflow="overflow" horzOverflow="overflow" vert="horz" wrap="square" lIns="50800" tIns="50800" rIns="50800" bIns="50800" numCol="1" spcCol="38100" rtlCol="0" anchor="ctr">
+            <a:spAutoFit/>
+          </a:bodyPr>
+          <a:lstStyle/>
+          <a:p>
+            <a:pPr marL="0" marR="0" indent="0" algn="ctr" defTabSz="584200" rtl="0" fontAlgn="auto" latinLnBrk="0" hangingPunct="0">
+              <a:lnSpc>
+                <a:spcPct val="100000"/>
+              </a:lnSpc>
+              <a:spcBef>
+                <a:spcPts val="0"/>
+              </a:spcBef>
+              <a:spcAft>
+                <a:spcPts val="0"/>
+              </a:spcAft>
+              <a:buClrTx/>
+              <a:buSzTx/>
+              <a:buFontTx/>
+              <a:buNone/>
+              <a:tabLst/>
+            </a:pPr>
+            <a:endParaRPr kumimoji="0" lang="en-US" sz="2600" b="0" i="0" u="none" strike="noStrike" cap="none" spc="0" normalizeH="0" baseline="0">
+              <a:ln>
+                <a:noFill/>
+              </a:ln>
+              <a:solidFill>
+                <a:srgbClr val="FFFFFF"/>
+              </a:solidFill>
+              <a:effectLst/>
+              <a:uFillTx/>
+              <a:latin typeface="+mn-lt"/>
+              <a:ea typeface="+mn-ea"/>
+              <a:cs typeface="+mn-cs"/>
+              <a:sym typeface="Helvetica Light"/>
+            </a:endParaRPr>
+          </a:p>
+        </p:txBody>
+      </p:sp>
     </p:spTree>
     <p:extLst>
       <p:ext uri="{BB962C8B-B14F-4D97-AF65-F5344CB8AC3E}">
@@ -22165,11 +26379,11 @@
   <p:clrMapOvr>
     <a:masterClrMapping/>
   </p:clrMapOvr>
-  <p:transition spd="med"/>
+  <p:transition xmlns:p14="http://schemas.microsoft.com/office/powerpoint/2010/main" spd="med"/>
   <p:timing>
     <p:tnLst>
       <p:par>
-        <p:cTn id="1" dur="indefinite" restart="never" nodeType="tmRoot">
+        <p:cTn xmlns:p14="http://schemas.microsoft.com/office/powerpoint/2010/main" id="1" dur="indefinite" restart="never" nodeType="tmRoot">
           <p:childTnLst>
             <p:seq concurrent="1" nextAc="seek">
               <p:cTn id="2" dur="indefinite" nodeType="mainSeq">
@@ -23406,7 +27620,7 @@
   <a:extraClrSchemeLst/>
   <a:extLst>
     <a:ext uri="{05A4C25C-085E-4340-85A3-A5531E510DB2}">
-      <thm15:themeFamily xmlns:thm15="http://schemas.microsoft.com/office/thememl/2012/main" name="Day1 JS Class" id="{CDD57A52-3DF9-404E-BA1A-1D3CB364A75B}" vid="{046F3BDF-72B7-D245-BE70-D9AC439D256C}"/>
+      <thm15:themeFamily xmlns:thm15="http://schemas.microsoft.com/office/thememl/2012/main" xmlns="" name="Day1 JS Class" id="{CDD57A52-3DF9-404E-BA1A-1D3CB364A75B}" vid="{046F3BDF-72B7-D245-BE70-D9AC439D256C}"/>
     </a:ext>
   </a:extLst>
 </a:theme>
